--- a/others/flowchart.pptx
+++ b/others/flowchart.pptx
@@ -6,6 +6,7 @@
   </p:sldMasterIdLst>
   <p:sldIdLst>
     <p:sldId id="257" r:id="rId2"/>
+    <p:sldId id="258" r:id="rId3"/>
   </p:sldIdLst>
   <p:sldSz cx="12192000" cy="6858000"/>
   <p:notesSz cx="6858000" cy="9144000"/>
@@ -104,13 +105,18 @@
       </a:defRPr>
     </a:lvl9pPr>
   </p:defaultTextStyle>
+  <p:extLst>
+    <p:ext uri="{EFAFB233-063F-42B5-8137-9DF3F51BA10A}">
+      <p15:sldGuideLst xmlns:p15="http://schemas.microsoft.com/office/powerpoint/2012/main"/>
+    </p:ext>
+  </p:extLst>
 </p:presentation>
 </file>
 
 <file path=ppt/revisionInfo.xml><?xml version="1.0" encoding="utf-8"?>
 <p1510:revInfo xmlns:a="http://schemas.openxmlformats.org/drawingml/2006/main" xmlns:r="http://schemas.openxmlformats.org/officeDocument/2006/relationships" xmlns:p1510="http://schemas.microsoft.com/office/powerpoint/2015/10/main">
   <p1510:revLst>
-    <p1510:client id="{607E5BDC-F919-49E5-B7C1-06E8B2D4DC63}" v="1" dt="2022-12-29T19:06:45.362"/>
+    <p1510:client id="{607E5BDC-F919-49E5-B7C1-06E8B2D4DC63}" v="5" dt="2022-12-29T19:13:05.310"/>
   </p1510:revLst>
 </p1510:revInfo>
 </file>
@@ -119,310 +125,621 @@
 <pc:chgInfo xmlns:a="http://schemas.openxmlformats.org/drawingml/2006/main" xmlns:r="http://schemas.openxmlformats.org/officeDocument/2006/relationships" xmlns:ac="http://schemas.microsoft.com/office/drawing/2013/main/command" xmlns:pc="http://schemas.microsoft.com/office/powerpoint/2013/main/command">
   <pc:docChgLst>
     <pc:chgData name="Thiago Rodrigues" userId="c2222e916a3b2369" providerId="LiveId" clId="{607E5BDC-F919-49E5-B7C1-06E8B2D4DC63}"/>
-    <pc:docChg chg="modSld">
-      <pc:chgData name="Thiago Rodrigues" userId="c2222e916a3b2369" providerId="LiveId" clId="{607E5BDC-F919-49E5-B7C1-06E8B2D4DC63}" dt="2022-12-29T19:06:45.362" v="0" actId="164"/>
+    <pc:docChg chg="undo custSel addSld modSld">
+      <pc:chgData name="Thiago Rodrigues" userId="c2222e916a3b2369" providerId="LiveId" clId="{607E5BDC-F919-49E5-B7C1-06E8B2D4DC63}" dt="2022-12-29T19:13:05.310" v="12" actId="164"/>
       <pc:docMkLst>
         <pc:docMk/>
       </pc:docMkLst>
-      <pc:sldChg chg="addSp modSp">
-        <pc:chgData name="Thiago Rodrigues" userId="c2222e916a3b2369" providerId="LiveId" clId="{607E5BDC-F919-49E5-B7C1-06E8B2D4DC63}" dt="2022-12-29T19:06:45.362" v="0" actId="164"/>
+      <pc:sldChg chg="addSp delSp modSp mod">
+        <pc:chgData name="Thiago Rodrigues" userId="c2222e916a3b2369" providerId="LiveId" clId="{607E5BDC-F919-49E5-B7C1-06E8B2D4DC63}" dt="2022-12-29T19:11:58.553" v="4" actId="207"/>
         <pc:sldMkLst>
           <pc:docMk/>
           <pc:sldMk cId="3687219764" sldId="257"/>
         </pc:sldMkLst>
-        <pc:spChg chg="mod">
-          <ac:chgData name="Thiago Rodrigues" userId="c2222e916a3b2369" providerId="LiveId" clId="{607E5BDC-F919-49E5-B7C1-06E8B2D4DC63}" dt="2022-12-29T19:06:45.362" v="0" actId="164"/>
+        <pc:spChg chg="mod topLvl">
+          <ac:chgData name="Thiago Rodrigues" userId="c2222e916a3b2369" providerId="LiveId" clId="{607E5BDC-F919-49E5-B7C1-06E8B2D4DC63}" dt="2022-12-29T19:11:58.553" v="4" actId="207"/>
           <ac:spMkLst>
             <pc:docMk/>
             <pc:sldMk cId="3687219764" sldId="257"/>
             <ac:spMk id="6" creationId="{BD96A2B9-6F35-C9B0-7AE7-F6B8A4425367}"/>
           </ac:spMkLst>
         </pc:spChg>
-        <pc:spChg chg="mod">
-          <ac:chgData name="Thiago Rodrigues" userId="c2222e916a3b2369" providerId="LiveId" clId="{607E5BDC-F919-49E5-B7C1-06E8B2D4DC63}" dt="2022-12-29T19:06:45.362" v="0" actId="164"/>
+        <pc:spChg chg="mod topLvl">
+          <ac:chgData name="Thiago Rodrigues" userId="c2222e916a3b2369" providerId="LiveId" clId="{607E5BDC-F919-49E5-B7C1-06E8B2D4DC63}" dt="2022-12-29T19:11:58.553" v="4" actId="207"/>
           <ac:spMkLst>
             <pc:docMk/>
             <pc:sldMk cId="3687219764" sldId="257"/>
             <ac:spMk id="7" creationId="{62C0B2C6-D411-1EF8-A4AB-0C334246DC44}"/>
           </ac:spMkLst>
         </pc:spChg>
-        <pc:spChg chg="mod">
-          <ac:chgData name="Thiago Rodrigues" userId="c2222e916a3b2369" providerId="LiveId" clId="{607E5BDC-F919-49E5-B7C1-06E8B2D4DC63}" dt="2022-12-29T19:06:45.362" v="0" actId="164"/>
+        <pc:spChg chg="mod topLvl">
+          <ac:chgData name="Thiago Rodrigues" userId="c2222e916a3b2369" providerId="LiveId" clId="{607E5BDC-F919-49E5-B7C1-06E8B2D4DC63}" dt="2022-12-29T19:11:58.553" v="4" actId="207"/>
           <ac:spMkLst>
             <pc:docMk/>
             <pc:sldMk cId="3687219764" sldId="257"/>
             <ac:spMk id="8" creationId="{D461447E-546D-FBA3-664F-DBAC12373A91}"/>
           </ac:spMkLst>
         </pc:spChg>
-        <pc:spChg chg="mod">
-          <ac:chgData name="Thiago Rodrigues" userId="c2222e916a3b2369" providerId="LiveId" clId="{607E5BDC-F919-49E5-B7C1-06E8B2D4DC63}" dt="2022-12-29T19:06:45.362" v="0" actId="164"/>
+        <pc:spChg chg="mod topLvl">
+          <ac:chgData name="Thiago Rodrigues" userId="c2222e916a3b2369" providerId="LiveId" clId="{607E5BDC-F919-49E5-B7C1-06E8B2D4DC63}" dt="2022-12-29T19:11:58.553" v="4" actId="207"/>
           <ac:spMkLst>
             <pc:docMk/>
             <pc:sldMk cId="3687219764" sldId="257"/>
             <ac:spMk id="9" creationId="{E7ADF028-9588-593C-65BF-1258E29CEC8C}"/>
           </ac:spMkLst>
         </pc:spChg>
-        <pc:spChg chg="mod">
-          <ac:chgData name="Thiago Rodrigues" userId="c2222e916a3b2369" providerId="LiveId" clId="{607E5BDC-F919-49E5-B7C1-06E8B2D4DC63}" dt="2022-12-29T19:06:45.362" v="0" actId="164"/>
+        <pc:spChg chg="mod topLvl">
+          <ac:chgData name="Thiago Rodrigues" userId="c2222e916a3b2369" providerId="LiveId" clId="{607E5BDC-F919-49E5-B7C1-06E8B2D4DC63}" dt="2022-12-29T19:11:58.553" v="4" actId="207"/>
           <ac:spMkLst>
             <pc:docMk/>
             <pc:sldMk cId="3687219764" sldId="257"/>
             <ac:spMk id="10" creationId="{ACD1A2C7-9E31-8E34-DA61-E4466B35B641}"/>
           </ac:spMkLst>
         </pc:spChg>
-        <pc:spChg chg="mod">
-          <ac:chgData name="Thiago Rodrigues" userId="c2222e916a3b2369" providerId="LiveId" clId="{607E5BDC-F919-49E5-B7C1-06E8B2D4DC63}" dt="2022-12-29T19:06:45.362" v="0" actId="164"/>
+        <pc:spChg chg="mod topLvl">
+          <ac:chgData name="Thiago Rodrigues" userId="c2222e916a3b2369" providerId="LiveId" clId="{607E5BDC-F919-49E5-B7C1-06E8B2D4DC63}" dt="2022-12-29T19:11:58.553" v="4" actId="207"/>
           <ac:spMkLst>
             <pc:docMk/>
             <pc:sldMk cId="3687219764" sldId="257"/>
             <ac:spMk id="12" creationId="{4709DF01-58DE-7B1D-2390-FDABC5E61147}"/>
           </ac:spMkLst>
         </pc:spChg>
-        <pc:spChg chg="mod">
-          <ac:chgData name="Thiago Rodrigues" userId="c2222e916a3b2369" providerId="LiveId" clId="{607E5BDC-F919-49E5-B7C1-06E8B2D4DC63}" dt="2022-12-29T19:06:45.362" v="0" actId="164"/>
+        <pc:spChg chg="mod topLvl">
+          <ac:chgData name="Thiago Rodrigues" userId="c2222e916a3b2369" providerId="LiveId" clId="{607E5BDC-F919-49E5-B7C1-06E8B2D4DC63}" dt="2022-12-29T19:11:58.553" v="4" actId="207"/>
           <ac:spMkLst>
             <pc:docMk/>
             <pc:sldMk cId="3687219764" sldId="257"/>
             <ac:spMk id="13" creationId="{1897301E-AD9B-6FE6-4FC4-8199BB4D999B}"/>
           </ac:spMkLst>
         </pc:spChg>
-        <pc:spChg chg="mod">
-          <ac:chgData name="Thiago Rodrigues" userId="c2222e916a3b2369" providerId="LiveId" clId="{607E5BDC-F919-49E5-B7C1-06E8B2D4DC63}" dt="2022-12-29T19:06:45.362" v="0" actId="164"/>
+        <pc:spChg chg="mod topLvl">
+          <ac:chgData name="Thiago Rodrigues" userId="c2222e916a3b2369" providerId="LiveId" clId="{607E5BDC-F919-49E5-B7C1-06E8B2D4DC63}" dt="2022-12-29T19:11:58.553" v="4" actId="207"/>
           <ac:spMkLst>
             <pc:docMk/>
             <pc:sldMk cId="3687219764" sldId="257"/>
             <ac:spMk id="14" creationId="{8B4D3CCA-6973-B69A-73EC-294A0B2EAD1C}"/>
           </ac:spMkLst>
         </pc:spChg>
-        <pc:spChg chg="mod">
-          <ac:chgData name="Thiago Rodrigues" userId="c2222e916a3b2369" providerId="LiveId" clId="{607E5BDC-F919-49E5-B7C1-06E8B2D4DC63}" dt="2022-12-29T19:06:45.362" v="0" actId="164"/>
+        <pc:spChg chg="mod topLvl">
+          <ac:chgData name="Thiago Rodrigues" userId="c2222e916a3b2369" providerId="LiveId" clId="{607E5BDC-F919-49E5-B7C1-06E8B2D4DC63}" dt="2022-12-29T19:11:58.553" v="4" actId="207"/>
           <ac:spMkLst>
             <pc:docMk/>
             <pc:sldMk cId="3687219764" sldId="257"/>
             <ac:spMk id="15" creationId="{1DCDDE6B-4E88-D885-01BD-DEF0407C45FC}"/>
           </ac:spMkLst>
         </pc:spChg>
-        <pc:spChg chg="mod">
-          <ac:chgData name="Thiago Rodrigues" userId="c2222e916a3b2369" providerId="LiveId" clId="{607E5BDC-F919-49E5-B7C1-06E8B2D4DC63}" dt="2022-12-29T19:06:45.362" v="0" actId="164"/>
+        <pc:spChg chg="mod topLvl">
+          <ac:chgData name="Thiago Rodrigues" userId="c2222e916a3b2369" providerId="LiveId" clId="{607E5BDC-F919-49E5-B7C1-06E8B2D4DC63}" dt="2022-12-29T19:11:58.553" v="4" actId="207"/>
           <ac:spMkLst>
             <pc:docMk/>
             <pc:sldMk cId="3687219764" sldId="257"/>
             <ac:spMk id="16" creationId="{26EE5A34-3D58-EB18-3E63-B522D5AB9AE8}"/>
           </ac:spMkLst>
         </pc:spChg>
-        <pc:spChg chg="mod">
-          <ac:chgData name="Thiago Rodrigues" userId="c2222e916a3b2369" providerId="LiveId" clId="{607E5BDC-F919-49E5-B7C1-06E8B2D4DC63}" dt="2022-12-29T19:06:45.362" v="0" actId="164"/>
+        <pc:spChg chg="mod topLvl">
+          <ac:chgData name="Thiago Rodrigues" userId="c2222e916a3b2369" providerId="LiveId" clId="{607E5BDC-F919-49E5-B7C1-06E8B2D4DC63}" dt="2022-12-29T19:11:58.553" v="4" actId="207"/>
           <ac:spMkLst>
             <pc:docMk/>
             <pc:sldMk cId="3687219764" sldId="257"/>
             <ac:spMk id="17" creationId="{C4C9193E-687E-9C19-274E-25A77FA70790}"/>
           </ac:spMkLst>
         </pc:spChg>
-        <pc:spChg chg="mod">
-          <ac:chgData name="Thiago Rodrigues" userId="c2222e916a3b2369" providerId="LiveId" clId="{607E5BDC-F919-49E5-B7C1-06E8B2D4DC63}" dt="2022-12-29T19:06:45.362" v="0" actId="164"/>
+        <pc:spChg chg="mod topLvl">
+          <ac:chgData name="Thiago Rodrigues" userId="c2222e916a3b2369" providerId="LiveId" clId="{607E5BDC-F919-49E5-B7C1-06E8B2D4DC63}" dt="2022-12-29T19:11:58.553" v="4" actId="207"/>
           <ac:spMkLst>
             <pc:docMk/>
             <pc:sldMk cId="3687219764" sldId="257"/>
             <ac:spMk id="20" creationId="{BDB1D597-70CD-C8EE-FEF1-6F72FD3AC567}"/>
           </ac:spMkLst>
         </pc:spChg>
-        <pc:spChg chg="mod">
-          <ac:chgData name="Thiago Rodrigues" userId="c2222e916a3b2369" providerId="LiveId" clId="{607E5BDC-F919-49E5-B7C1-06E8B2D4DC63}" dt="2022-12-29T19:06:45.362" v="0" actId="164"/>
+        <pc:spChg chg="mod topLvl">
+          <ac:chgData name="Thiago Rodrigues" userId="c2222e916a3b2369" providerId="LiveId" clId="{607E5BDC-F919-49E5-B7C1-06E8B2D4DC63}" dt="2022-12-29T19:11:58.553" v="4" actId="207"/>
           <ac:spMkLst>
             <pc:docMk/>
             <pc:sldMk cId="3687219764" sldId="257"/>
             <ac:spMk id="21" creationId="{16AC548B-25B5-E3DE-C01E-8E0FD2C160D1}"/>
           </ac:spMkLst>
         </pc:spChg>
-        <pc:spChg chg="mod">
-          <ac:chgData name="Thiago Rodrigues" userId="c2222e916a3b2369" providerId="LiveId" clId="{607E5BDC-F919-49E5-B7C1-06E8B2D4DC63}" dt="2022-12-29T19:06:45.362" v="0" actId="164"/>
+        <pc:spChg chg="mod topLvl">
+          <ac:chgData name="Thiago Rodrigues" userId="c2222e916a3b2369" providerId="LiveId" clId="{607E5BDC-F919-49E5-B7C1-06E8B2D4DC63}" dt="2022-12-29T19:11:58.553" v="4" actId="207"/>
           <ac:spMkLst>
             <pc:docMk/>
             <pc:sldMk cId="3687219764" sldId="257"/>
             <ac:spMk id="22" creationId="{6B2BA29B-A67E-6622-F57C-8E0470E88B28}"/>
           </ac:spMkLst>
         </pc:spChg>
-        <pc:spChg chg="mod">
-          <ac:chgData name="Thiago Rodrigues" userId="c2222e916a3b2369" providerId="LiveId" clId="{607E5BDC-F919-49E5-B7C1-06E8B2D4DC63}" dt="2022-12-29T19:06:45.362" v="0" actId="164"/>
+        <pc:spChg chg="mod topLvl">
+          <ac:chgData name="Thiago Rodrigues" userId="c2222e916a3b2369" providerId="LiveId" clId="{607E5BDC-F919-49E5-B7C1-06E8B2D4DC63}" dt="2022-12-29T19:11:58.553" v="4" actId="207"/>
           <ac:spMkLst>
             <pc:docMk/>
             <pc:sldMk cId="3687219764" sldId="257"/>
             <ac:spMk id="23" creationId="{D47067FD-28EA-E106-2004-0253276FDC41}"/>
           </ac:spMkLst>
         </pc:spChg>
-        <pc:spChg chg="mod">
-          <ac:chgData name="Thiago Rodrigues" userId="c2222e916a3b2369" providerId="LiveId" clId="{607E5BDC-F919-49E5-B7C1-06E8B2D4DC63}" dt="2022-12-29T19:06:45.362" v="0" actId="164"/>
+        <pc:spChg chg="mod topLvl">
+          <ac:chgData name="Thiago Rodrigues" userId="c2222e916a3b2369" providerId="LiveId" clId="{607E5BDC-F919-49E5-B7C1-06E8B2D4DC63}" dt="2022-12-29T19:11:58.553" v="4" actId="207"/>
           <ac:spMkLst>
             <pc:docMk/>
             <pc:sldMk cId="3687219764" sldId="257"/>
             <ac:spMk id="24" creationId="{5F9D7E8A-EF69-97ED-4C7E-43703AB3EE2C}"/>
           </ac:spMkLst>
         </pc:spChg>
-        <pc:spChg chg="mod">
-          <ac:chgData name="Thiago Rodrigues" userId="c2222e916a3b2369" providerId="LiveId" clId="{607E5BDC-F919-49E5-B7C1-06E8B2D4DC63}" dt="2022-12-29T19:06:45.362" v="0" actId="164"/>
+        <pc:spChg chg="mod topLvl">
+          <ac:chgData name="Thiago Rodrigues" userId="c2222e916a3b2369" providerId="LiveId" clId="{607E5BDC-F919-49E5-B7C1-06E8B2D4DC63}" dt="2022-12-29T19:11:58.553" v="4" actId="207"/>
           <ac:spMkLst>
             <pc:docMk/>
             <pc:sldMk cId="3687219764" sldId="257"/>
             <ac:spMk id="27" creationId="{CC0C93FF-0E55-D4C2-6998-B48176EC034C}"/>
           </ac:spMkLst>
         </pc:spChg>
-        <pc:spChg chg="mod">
-          <ac:chgData name="Thiago Rodrigues" userId="c2222e916a3b2369" providerId="LiveId" clId="{607E5BDC-F919-49E5-B7C1-06E8B2D4DC63}" dt="2022-12-29T19:06:45.362" v="0" actId="164"/>
+        <pc:spChg chg="mod topLvl">
+          <ac:chgData name="Thiago Rodrigues" userId="c2222e916a3b2369" providerId="LiveId" clId="{607E5BDC-F919-49E5-B7C1-06E8B2D4DC63}" dt="2022-12-29T19:11:58.553" v="4" actId="207"/>
           <ac:spMkLst>
             <pc:docMk/>
             <pc:sldMk cId="3687219764" sldId="257"/>
             <ac:spMk id="28" creationId="{2B7B0EA2-9157-0060-9EE5-10B3A1468762}"/>
           </ac:spMkLst>
         </pc:spChg>
-        <pc:spChg chg="mod">
-          <ac:chgData name="Thiago Rodrigues" userId="c2222e916a3b2369" providerId="LiveId" clId="{607E5BDC-F919-49E5-B7C1-06E8B2D4DC63}" dt="2022-12-29T19:06:45.362" v="0" actId="164"/>
+        <pc:spChg chg="mod topLvl">
+          <ac:chgData name="Thiago Rodrigues" userId="c2222e916a3b2369" providerId="LiveId" clId="{607E5BDC-F919-49E5-B7C1-06E8B2D4DC63}" dt="2022-12-29T19:11:58.553" v="4" actId="207"/>
           <ac:spMkLst>
             <pc:docMk/>
             <pc:sldMk cId="3687219764" sldId="257"/>
             <ac:spMk id="29" creationId="{86A7AB5C-EE5E-5DF4-1999-8AAA6C3A03D5}"/>
           </ac:spMkLst>
         </pc:spChg>
-        <pc:spChg chg="mod">
-          <ac:chgData name="Thiago Rodrigues" userId="c2222e916a3b2369" providerId="LiveId" clId="{607E5BDC-F919-49E5-B7C1-06E8B2D4DC63}" dt="2022-12-29T19:06:45.362" v="0" actId="164"/>
+        <pc:spChg chg="mod topLvl">
+          <ac:chgData name="Thiago Rodrigues" userId="c2222e916a3b2369" providerId="LiveId" clId="{607E5BDC-F919-49E5-B7C1-06E8B2D4DC63}" dt="2022-12-29T19:11:58.553" v="4" actId="207"/>
           <ac:spMkLst>
             <pc:docMk/>
             <pc:sldMk cId="3687219764" sldId="257"/>
             <ac:spMk id="30" creationId="{D559AD97-7918-1B32-FBDB-DC1C9921A1DA}"/>
           </ac:spMkLst>
         </pc:spChg>
-        <pc:spChg chg="mod">
-          <ac:chgData name="Thiago Rodrigues" userId="c2222e916a3b2369" providerId="LiveId" clId="{607E5BDC-F919-49E5-B7C1-06E8B2D4DC63}" dt="2022-12-29T19:06:45.362" v="0" actId="164"/>
+        <pc:spChg chg="mod topLvl">
+          <ac:chgData name="Thiago Rodrigues" userId="c2222e916a3b2369" providerId="LiveId" clId="{607E5BDC-F919-49E5-B7C1-06E8B2D4DC63}" dt="2022-12-29T19:11:58.553" v="4" actId="207"/>
           <ac:spMkLst>
             <pc:docMk/>
             <pc:sldMk cId="3687219764" sldId="257"/>
             <ac:spMk id="31" creationId="{F45CCB1C-159E-DB52-A68B-D8DCD16A5702}"/>
           </ac:spMkLst>
         </pc:spChg>
-        <pc:spChg chg="mod">
-          <ac:chgData name="Thiago Rodrigues" userId="c2222e916a3b2369" providerId="LiveId" clId="{607E5BDC-F919-49E5-B7C1-06E8B2D4DC63}" dt="2022-12-29T19:06:45.362" v="0" actId="164"/>
+        <pc:spChg chg="mod topLvl">
+          <ac:chgData name="Thiago Rodrigues" userId="c2222e916a3b2369" providerId="LiveId" clId="{607E5BDC-F919-49E5-B7C1-06E8B2D4DC63}" dt="2022-12-29T19:11:58.553" v="4" actId="207"/>
           <ac:spMkLst>
             <pc:docMk/>
             <pc:sldMk cId="3687219764" sldId="257"/>
             <ac:spMk id="32" creationId="{FFD880A6-1BC6-55D2-B6B4-848B4A7CA2E9}"/>
           </ac:spMkLst>
         </pc:spChg>
-        <pc:grpChg chg="add mod">
-          <ac:chgData name="Thiago Rodrigues" userId="c2222e916a3b2369" providerId="LiveId" clId="{607E5BDC-F919-49E5-B7C1-06E8B2D4DC63}" dt="2022-12-29T19:06:45.362" v="0" actId="164"/>
+        <pc:grpChg chg="add del mod">
+          <ac:chgData name="Thiago Rodrigues" userId="c2222e916a3b2369" providerId="LiveId" clId="{607E5BDC-F919-49E5-B7C1-06E8B2D4DC63}" dt="2022-12-29T19:11:58.129" v="3" actId="165"/>
           <ac:grpSpMkLst>
             <pc:docMk/>
             <pc:sldMk cId="3687219764" sldId="257"/>
             <ac:grpSpMk id="98" creationId="{61B0BBA5-35CB-E45D-269F-7259F8B6CA96}"/>
           </ac:grpSpMkLst>
         </pc:grpChg>
-        <pc:cxnChg chg="mod">
-          <ac:chgData name="Thiago Rodrigues" userId="c2222e916a3b2369" providerId="LiveId" clId="{607E5BDC-F919-49E5-B7C1-06E8B2D4DC63}" dt="2022-12-29T19:06:45.362" v="0" actId="164"/>
+        <pc:cxnChg chg="mod topLvl">
+          <ac:chgData name="Thiago Rodrigues" userId="c2222e916a3b2369" providerId="LiveId" clId="{607E5BDC-F919-49E5-B7C1-06E8B2D4DC63}" dt="2022-12-29T19:11:58.129" v="3" actId="165"/>
           <ac:cxnSpMkLst>
             <pc:docMk/>
             <pc:sldMk cId="3687219764" sldId="257"/>
             <ac:cxnSpMk id="50" creationId="{155A26BD-BB41-25EF-C8FD-BE312F224ACD}"/>
           </ac:cxnSpMkLst>
         </pc:cxnChg>
-        <pc:cxnChg chg="mod">
-          <ac:chgData name="Thiago Rodrigues" userId="c2222e916a3b2369" providerId="LiveId" clId="{607E5BDC-F919-49E5-B7C1-06E8B2D4DC63}" dt="2022-12-29T19:06:45.362" v="0" actId="164"/>
+        <pc:cxnChg chg="mod topLvl">
+          <ac:chgData name="Thiago Rodrigues" userId="c2222e916a3b2369" providerId="LiveId" clId="{607E5BDC-F919-49E5-B7C1-06E8B2D4DC63}" dt="2022-12-29T19:11:58.129" v="3" actId="165"/>
           <ac:cxnSpMkLst>
             <pc:docMk/>
             <pc:sldMk cId="3687219764" sldId="257"/>
             <ac:cxnSpMk id="52" creationId="{3AA3AB57-1744-FF6A-9813-84DF015FA818}"/>
           </ac:cxnSpMkLst>
         </pc:cxnChg>
-        <pc:cxnChg chg="mod">
-          <ac:chgData name="Thiago Rodrigues" userId="c2222e916a3b2369" providerId="LiveId" clId="{607E5BDC-F919-49E5-B7C1-06E8B2D4DC63}" dt="2022-12-29T19:06:45.362" v="0" actId="164"/>
+        <pc:cxnChg chg="mod topLvl">
+          <ac:chgData name="Thiago Rodrigues" userId="c2222e916a3b2369" providerId="LiveId" clId="{607E5BDC-F919-49E5-B7C1-06E8B2D4DC63}" dt="2022-12-29T19:11:58.129" v="3" actId="165"/>
           <ac:cxnSpMkLst>
             <pc:docMk/>
             <pc:sldMk cId="3687219764" sldId="257"/>
             <ac:cxnSpMk id="54" creationId="{1C0CA0E7-7354-4350-6065-152905FD7AFC}"/>
           </ac:cxnSpMkLst>
         </pc:cxnChg>
-        <pc:cxnChg chg="mod">
-          <ac:chgData name="Thiago Rodrigues" userId="c2222e916a3b2369" providerId="LiveId" clId="{607E5BDC-F919-49E5-B7C1-06E8B2D4DC63}" dt="2022-12-29T19:06:45.362" v="0" actId="164"/>
+        <pc:cxnChg chg="mod topLvl">
+          <ac:chgData name="Thiago Rodrigues" userId="c2222e916a3b2369" providerId="LiveId" clId="{607E5BDC-F919-49E5-B7C1-06E8B2D4DC63}" dt="2022-12-29T19:11:58.129" v="3" actId="165"/>
           <ac:cxnSpMkLst>
             <pc:docMk/>
             <pc:sldMk cId="3687219764" sldId="257"/>
             <ac:cxnSpMk id="57" creationId="{0A649F88-5DAE-868A-125B-9485576927D8}"/>
           </ac:cxnSpMkLst>
         </pc:cxnChg>
-        <pc:cxnChg chg="mod">
-          <ac:chgData name="Thiago Rodrigues" userId="c2222e916a3b2369" providerId="LiveId" clId="{607E5BDC-F919-49E5-B7C1-06E8B2D4DC63}" dt="2022-12-29T19:06:45.362" v="0" actId="164"/>
+        <pc:cxnChg chg="mod topLvl">
+          <ac:chgData name="Thiago Rodrigues" userId="c2222e916a3b2369" providerId="LiveId" clId="{607E5BDC-F919-49E5-B7C1-06E8B2D4DC63}" dt="2022-12-29T19:11:58.129" v="3" actId="165"/>
           <ac:cxnSpMkLst>
             <pc:docMk/>
             <pc:sldMk cId="3687219764" sldId="257"/>
             <ac:cxnSpMk id="61" creationId="{8365BE96-5C24-3FC0-30C0-D0BBE9C879CF}"/>
           </ac:cxnSpMkLst>
         </pc:cxnChg>
-        <pc:cxnChg chg="mod">
-          <ac:chgData name="Thiago Rodrigues" userId="c2222e916a3b2369" providerId="LiveId" clId="{607E5BDC-F919-49E5-B7C1-06E8B2D4DC63}" dt="2022-12-29T19:06:45.362" v="0" actId="164"/>
+        <pc:cxnChg chg="mod topLvl">
+          <ac:chgData name="Thiago Rodrigues" userId="c2222e916a3b2369" providerId="LiveId" clId="{607E5BDC-F919-49E5-B7C1-06E8B2D4DC63}" dt="2022-12-29T19:11:58.129" v="3" actId="165"/>
           <ac:cxnSpMkLst>
             <pc:docMk/>
             <pc:sldMk cId="3687219764" sldId="257"/>
             <ac:cxnSpMk id="63" creationId="{2CAC976B-CD16-6362-EBED-785E30A371E2}"/>
           </ac:cxnSpMkLst>
         </pc:cxnChg>
-        <pc:cxnChg chg="mod">
-          <ac:chgData name="Thiago Rodrigues" userId="c2222e916a3b2369" providerId="LiveId" clId="{607E5BDC-F919-49E5-B7C1-06E8B2D4DC63}" dt="2022-12-29T19:06:45.362" v="0" actId="164"/>
+        <pc:cxnChg chg="mod topLvl">
+          <ac:chgData name="Thiago Rodrigues" userId="c2222e916a3b2369" providerId="LiveId" clId="{607E5BDC-F919-49E5-B7C1-06E8B2D4DC63}" dt="2022-12-29T19:11:58.129" v="3" actId="165"/>
           <ac:cxnSpMkLst>
             <pc:docMk/>
             <pc:sldMk cId="3687219764" sldId="257"/>
             <ac:cxnSpMk id="65" creationId="{ADA7C8AE-F5BF-FF5F-88E4-C740F3B91911}"/>
           </ac:cxnSpMkLst>
         </pc:cxnChg>
-        <pc:cxnChg chg="mod">
-          <ac:chgData name="Thiago Rodrigues" userId="c2222e916a3b2369" providerId="LiveId" clId="{607E5BDC-F919-49E5-B7C1-06E8B2D4DC63}" dt="2022-12-29T19:06:45.362" v="0" actId="164"/>
+        <pc:cxnChg chg="mod topLvl">
+          <ac:chgData name="Thiago Rodrigues" userId="c2222e916a3b2369" providerId="LiveId" clId="{607E5BDC-F919-49E5-B7C1-06E8B2D4DC63}" dt="2022-12-29T19:11:58.129" v="3" actId="165"/>
           <ac:cxnSpMkLst>
             <pc:docMk/>
             <pc:sldMk cId="3687219764" sldId="257"/>
             <ac:cxnSpMk id="67" creationId="{431C5C52-3E7F-2554-85E7-1834EC5553AE}"/>
           </ac:cxnSpMkLst>
         </pc:cxnChg>
-        <pc:cxnChg chg="mod">
-          <ac:chgData name="Thiago Rodrigues" userId="c2222e916a3b2369" providerId="LiveId" clId="{607E5BDC-F919-49E5-B7C1-06E8B2D4DC63}" dt="2022-12-29T19:06:45.362" v="0" actId="164"/>
+        <pc:cxnChg chg="mod topLvl">
+          <ac:chgData name="Thiago Rodrigues" userId="c2222e916a3b2369" providerId="LiveId" clId="{607E5BDC-F919-49E5-B7C1-06E8B2D4DC63}" dt="2022-12-29T19:11:58.129" v="3" actId="165"/>
           <ac:cxnSpMkLst>
             <pc:docMk/>
             <pc:sldMk cId="3687219764" sldId="257"/>
             <ac:cxnSpMk id="70" creationId="{87934E5C-E258-08AA-3CC9-52ED7D833A90}"/>
           </ac:cxnSpMkLst>
         </pc:cxnChg>
-        <pc:cxnChg chg="mod">
-          <ac:chgData name="Thiago Rodrigues" userId="c2222e916a3b2369" providerId="LiveId" clId="{607E5BDC-F919-49E5-B7C1-06E8B2D4DC63}" dt="2022-12-29T19:06:45.362" v="0" actId="164"/>
+        <pc:cxnChg chg="mod topLvl">
+          <ac:chgData name="Thiago Rodrigues" userId="c2222e916a3b2369" providerId="LiveId" clId="{607E5BDC-F919-49E5-B7C1-06E8B2D4DC63}" dt="2022-12-29T19:11:58.129" v="3" actId="165"/>
           <ac:cxnSpMkLst>
             <pc:docMk/>
             <pc:sldMk cId="3687219764" sldId="257"/>
             <ac:cxnSpMk id="71" creationId="{1267AABA-6A7C-2BCF-50EC-56A37A161B1B}"/>
           </ac:cxnSpMkLst>
         </pc:cxnChg>
-        <pc:cxnChg chg="mod">
-          <ac:chgData name="Thiago Rodrigues" userId="c2222e916a3b2369" providerId="LiveId" clId="{607E5BDC-F919-49E5-B7C1-06E8B2D4DC63}" dt="2022-12-29T19:06:45.362" v="0" actId="164"/>
+        <pc:cxnChg chg="mod topLvl">
+          <ac:chgData name="Thiago Rodrigues" userId="c2222e916a3b2369" providerId="LiveId" clId="{607E5BDC-F919-49E5-B7C1-06E8B2D4DC63}" dt="2022-12-29T19:11:58.129" v="3" actId="165"/>
           <ac:cxnSpMkLst>
             <pc:docMk/>
             <pc:sldMk cId="3687219764" sldId="257"/>
             <ac:cxnSpMk id="72" creationId="{4CCC40F2-67D8-7066-7B35-E326FA802667}"/>
           </ac:cxnSpMkLst>
         </pc:cxnChg>
-        <pc:cxnChg chg="mod">
-          <ac:chgData name="Thiago Rodrigues" userId="c2222e916a3b2369" providerId="LiveId" clId="{607E5BDC-F919-49E5-B7C1-06E8B2D4DC63}" dt="2022-12-29T19:06:45.362" v="0" actId="164"/>
+        <pc:cxnChg chg="mod topLvl">
+          <ac:chgData name="Thiago Rodrigues" userId="c2222e916a3b2369" providerId="LiveId" clId="{607E5BDC-F919-49E5-B7C1-06E8B2D4DC63}" dt="2022-12-29T19:11:58.129" v="3" actId="165"/>
           <ac:cxnSpMkLst>
             <pc:docMk/>
             <pc:sldMk cId="3687219764" sldId="257"/>
             <ac:cxnSpMk id="75" creationId="{DA423808-6A5B-4381-18C0-B26C42997D35}"/>
           </ac:cxnSpMkLst>
         </pc:cxnChg>
-        <pc:cxnChg chg="mod">
-          <ac:chgData name="Thiago Rodrigues" userId="c2222e916a3b2369" providerId="LiveId" clId="{607E5BDC-F919-49E5-B7C1-06E8B2D4DC63}" dt="2022-12-29T19:06:45.362" v="0" actId="164"/>
+        <pc:cxnChg chg="mod topLvl">
+          <ac:chgData name="Thiago Rodrigues" userId="c2222e916a3b2369" providerId="LiveId" clId="{607E5BDC-F919-49E5-B7C1-06E8B2D4DC63}" dt="2022-12-29T19:11:58.129" v="3" actId="165"/>
           <ac:cxnSpMkLst>
             <pc:docMk/>
             <pc:sldMk cId="3687219764" sldId="257"/>
             <ac:cxnSpMk id="76" creationId="{52C04B52-FC62-84BD-125F-E2DB90F5EA7E}"/>
           </ac:cxnSpMkLst>
         </pc:cxnChg>
-        <pc:cxnChg chg="mod">
-          <ac:chgData name="Thiago Rodrigues" userId="c2222e916a3b2369" providerId="LiveId" clId="{607E5BDC-F919-49E5-B7C1-06E8B2D4DC63}" dt="2022-12-29T19:06:45.362" v="0" actId="164"/>
+        <pc:cxnChg chg="mod topLvl">
+          <ac:chgData name="Thiago Rodrigues" userId="c2222e916a3b2369" providerId="LiveId" clId="{607E5BDC-F919-49E5-B7C1-06E8B2D4DC63}" dt="2022-12-29T19:11:58.129" v="3" actId="165"/>
           <ac:cxnSpMkLst>
             <pc:docMk/>
             <pc:sldMk cId="3687219764" sldId="257"/>
+            <ac:cxnSpMk id="77" creationId="{FAC2E4D6-C62E-8253-C077-96EE9A0E4FEA}"/>
+          </ac:cxnSpMkLst>
+        </pc:cxnChg>
+      </pc:sldChg>
+      <pc:sldChg chg="addSp delSp modSp add mod">
+        <pc:chgData name="Thiago Rodrigues" userId="c2222e916a3b2369" providerId="LiveId" clId="{607E5BDC-F919-49E5-B7C1-06E8B2D4DC63}" dt="2022-12-29T19:13:05.310" v="12" actId="164"/>
+        <pc:sldMkLst>
+          <pc:docMk/>
+          <pc:sldMk cId="2799381348" sldId="258"/>
+        </pc:sldMkLst>
+        <pc:spChg chg="mod topLvl">
+          <ac:chgData name="Thiago Rodrigues" userId="c2222e916a3b2369" providerId="LiveId" clId="{607E5BDC-F919-49E5-B7C1-06E8B2D4DC63}" dt="2022-12-29T19:13:05.310" v="12" actId="164"/>
+          <ac:spMkLst>
+            <pc:docMk/>
+            <pc:sldMk cId="2799381348" sldId="258"/>
+            <ac:spMk id="6" creationId="{BD96A2B9-6F35-C9B0-7AE7-F6B8A4425367}"/>
+          </ac:spMkLst>
+        </pc:spChg>
+        <pc:spChg chg="mod topLvl">
+          <ac:chgData name="Thiago Rodrigues" userId="c2222e916a3b2369" providerId="LiveId" clId="{607E5BDC-F919-49E5-B7C1-06E8B2D4DC63}" dt="2022-12-29T19:13:05.310" v="12" actId="164"/>
+          <ac:spMkLst>
+            <pc:docMk/>
+            <pc:sldMk cId="2799381348" sldId="258"/>
+            <ac:spMk id="7" creationId="{62C0B2C6-D411-1EF8-A4AB-0C334246DC44}"/>
+          </ac:spMkLst>
+        </pc:spChg>
+        <pc:spChg chg="mod topLvl">
+          <ac:chgData name="Thiago Rodrigues" userId="c2222e916a3b2369" providerId="LiveId" clId="{607E5BDC-F919-49E5-B7C1-06E8B2D4DC63}" dt="2022-12-29T19:13:05.310" v="12" actId="164"/>
+          <ac:spMkLst>
+            <pc:docMk/>
+            <pc:sldMk cId="2799381348" sldId="258"/>
+            <ac:spMk id="8" creationId="{D461447E-546D-FBA3-664F-DBAC12373A91}"/>
+          </ac:spMkLst>
+        </pc:spChg>
+        <pc:spChg chg="mod topLvl">
+          <ac:chgData name="Thiago Rodrigues" userId="c2222e916a3b2369" providerId="LiveId" clId="{607E5BDC-F919-49E5-B7C1-06E8B2D4DC63}" dt="2022-12-29T19:13:05.310" v="12" actId="164"/>
+          <ac:spMkLst>
+            <pc:docMk/>
+            <pc:sldMk cId="2799381348" sldId="258"/>
+            <ac:spMk id="9" creationId="{E7ADF028-9588-593C-65BF-1258E29CEC8C}"/>
+          </ac:spMkLst>
+        </pc:spChg>
+        <pc:spChg chg="mod topLvl">
+          <ac:chgData name="Thiago Rodrigues" userId="c2222e916a3b2369" providerId="LiveId" clId="{607E5BDC-F919-49E5-B7C1-06E8B2D4DC63}" dt="2022-12-29T19:13:05.310" v="12" actId="164"/>
+          <ac:spMkLst>
+            <pc:docMk/>
+            <pc:sldMk cId="2799381348" sldId="258"/>
+            <ac:spMk id="10" creationId="{ACD1A2C7-9E31-8E34-DA61-E4466B35B641}"/>
+          </ac:spMkLst>
+        </pc:spChg>
+        <pc:spChg chg="mod topLvl">
+          <ac:chgData name="Thiago Rodrigues" userId="c2222e916a3b2369" providerId="LiveId" clId="{607E5BDC-F919-49E5-B7C1-06E8B2D4DC63}" dt="2022-12-29T19:13:05.310" v="12" actId="164"/>
+          <ac:spMkLst>
+            <pc:docMk/>
+            <pc:sldMk cId="2799381348" sldId="258"/>
+            <ac:spMk id="12" creationId="{4709DF01-58DE-7B1D-2390-FDABC5E61147}"/>
+          </ac:spMkLst>
+        </pc:spChg>
+        <pc:spChg chg="mod topLvl">
+          <ac:chgData name="Thiago Rodrigues" userId="c2222e916a3b2369" providerId="LiveId" clId="{607E5BDC-F919-49E5-B7C1-06E8B2D4DC63}" dt="2022-12-29T19:13:05.310" v="12" actId="164"/>
+          <ac:spMkLst>
+            <pc:docMk/>
+            <pc:sldMk cId="2799381348" sldId="258"/>
+            <ac:spMk id="13" creationId="{1897301E-AD9B-6FE6-4FC4-8199BB4D999B}"/>
+          </ac:spMkLst>
+        </pc:spChg>
+        <pc:spChg chg="mod topLvl">
+          <ac:chgData name="Thiago Rodrigues" userId="c2222e916a3b2369" providerId="LiveId" clId="{607E5BDC-F919-49E5-B7C1-06E8B2D4DC63}" dt="2022-12-29T19:13:05.310" v="12" actId="164"/>
+          <ac:spMkLst>
+            <pc:docMk/>
+            <pc:sldMk cId="2799381348" sldId="258"/>
+            <ac:spMk id="14" creationId="{8B4D3CCA-6973-B69A-73EC-294A0B2EAD1C}"/>
+          </ac:spMkLst>
+        </pc:spChg>
+        <pc:spChg chg="mod topLvl">
+          <ac:chgData name="Thiago Rodrigues" userId="c2222e916a3b2369" providerId="LiveId" clId="{607E5BDC-F919-49E5-B7C1-06E8B2D4DC63}" dt="2022-12-29T19:13:05.310" v="12" actId="164"/>
+          <ac:spMkLst>
+            <pc:docMk/>
+            <pc:sldMk cId="2799381348" sldId="258"/>
+            <ac:spMk id="15" creationId="{1DCDDE6B-4E88-D885-01BD-DEF0407C45FC}"/>
+          </ac:spMkLst>
+        </pc:spChg>
+        <pc:spChg chg="mod topLvl">
+          <ac:chgData name="Thiago Rodrigues" userId="c2222e916a3b2369" providerId="LiveId" clId="{607E5BDC-F919-49E5-B7C1-06E8B2D4DC63}" dt="2022-12-29T19:13:05.310" v="12" actId="164"/>
+          <ac:spMkLst>
+            <pc:docMk/>
+            <pc:sldMk cId="2799381348" sldId="258"/>
+            <ac:spMk id="16" creationId="{26EE5A34-3D58-EB18-3E63-B522D5AB9AE8}"/>
+          </ac:spMkLst>
+        </pc:spChg>
+        <pc:spChg chg="mod topLvl">
+          <ac:chgData name="Thiago Rodrigues" userId="c2222e916a3b2369" providerId="LiveId" clId="{607E5BDC-F919-49E5-B7C1-06E8B2D4DC63}" dt="2022-12-29T19:13:05.310" v="12" actId="164"/>
+          <ac:spMkLst>
+            <pc:docMk/>
+            <pc:sldMk cId="2799381348" sldId="258"/>
+            <ac:spMk id="17" creationId="{C4C9193E-687E-9C19-274E-25A77FA70790}"/>
+          </ac:spMkLst>
+        </pc:spChg>
+        <pc:spChg chg="mod topLvl">
+          <ac:chgData name="Thiago Rodrigues" userId="c2222e916a3b2369" providerId="LiveId" clId="{607E5BDC-F919-49E5-B7C1-06E8B2D4DC63}" dt="2022-12-29T19:13:05.310" v="12" actId="164"/>
+          <ac:spMkLst>
+            <pc:docMk/>
+            <pc:sldMk cId="2799381348" sldId="258"/>
+            <ac:spMk id="20" creationId="{BDB1D597-70CD-C8EE-FEF1-6F72FD3AC567}"/>
+          </ac:spMkLst>
+        </pc:spChg>
+        <pc:spChg chg="mod topLvl">
+          <ac:chgData name="Thiago Rodrigues" userId="c2222e916a3b2369" providerId="LiveId" clId="{607E5BDC-F919-49E5-B7C1-06E8B2D4DC63}" dt="2022-12-29T19:13:05.310" v="12" actId="164"/>
+          <ac:spMkLst>
+            <pc:docMk/>
+            <pc:sldMk cId="2799381348" sldId="258"/>
+            <ac:spMk id="21" creationId="{16AC548B-25B5-E3DE-C01E-8E0FD2C160D1}"/>
+          </ac:spMkLst>
+        </pc:spChg>
+        <pc:spChg chg="mod topLvl">
+          <ac:chgData name="Thiago Rodrigues" userId="c2222e916a3b2369" providerId="LiveId" clId="{607E5BDC-F919-49E5-B7C1-06E8B2D4DC63}" dt="2022-12-29T19:13:05.310" v="12" actId="164"/>
+          <ac:spMkLst>
+            <pc:docMk/>
+            <pc:sldMk cId="2799381348" sldId="258"/>
+            <ac:spMk id="22" creationId="{6B2BA29B-A67E-6622-F57C-8E0470E88B28}"/>
+          </ac:spMkLst>
+        </pc:spChg>
+        <pc:spChg chg="mod topLvl">
+          <ac:chgData name="Thiago Rodrigues" userId="c2222e916a3b2369" providerId="LiveId" clId="{607E5BDC-F919-49E5-B7C1-06E8B2D4DC63}" dt="2022-12-29T19:13:05.310" v="12" actId="164"/>
+          <ac:spMkLst>
+            <pc:docMk/>
+            <pc:sldMk cId="2799381348" sldId="258"/>
+            <ac:spMk id="23" creationId="{D47067FD-28EA-E106-2004-0253276FDC41}"/>
+          </ac:spMkLst>
+        </pc:spChg>
+        <pc:spChg chg="mod topLvl">
+          <ac:chgData name="Thiago Rodrigues" userId="c2222e916a3b2369" providerId="LiveId" clId="{607E5BDC-F919-49E5-B7C1-06E8B2D4DC63}" dt="2022-12-29T19:13:05.310" v="12" actId="164"/>
+          <ac:spMkLst>
+            <pc:docMk/>
+            <pc:sldMk cId="2799381348" sldId="258"/>
+            <ac:spMk id="24" creationId="{5F9D7E8A-EF69-97ED-4C7E-43703AB3EE2C}"/>
+          </ac:spMkLst>
+        </pc:spChg>
+        <pc:spChg chg="mod topLvl">
+          <ac:chgData name="Thiago Rodrigues" userId="c2222e916a3b2369" providerId="LiveId" clId="{607E5BDC-F919-49E5-B7C1-06E8B2D4DC63}" dt="2022-12-29T19:13:05.310" v="12" actId="164"/>
+          <ac:spMkLst>
+            <pc:docMk/>
+            <pc:sldMk cId="2799381348" sldId="258"/>
+            <ac:spMk id="27" creationId="{CC0C93FF-0E55-D4C2-6998-B48176EC034C}"/>
+          </ac:spMkLst>
+        </pc:spChg>
+        <pc:spChg chg="mod topLvl">
+          <ac:chgData name="Thiago Rodrigues" userId="c2222e916a3b2369" providerId="LiveId" clId="{607E5BDC-F919-49E5-B7C1-06E8B2D4DC63}" dt="2022-12-29T19:13:05.310" v="12" actId="164"/>
+          <ac:spMkLst>
+            <pc:docMk/>
+            <pc:sldMk cId="2799381348" sldId="258"/>
+            <ac:spMk id="28" creationId="{2B7B0EA2-9157-0060-9EE5-10B3A1468762}"/>
+          </ac:spMkLst>
+        </pc:spChg>
+        <pc:spChg chg="mod topLvl">
+          <ac:chgData name="Thiago Rodrigues" userId="c2222e916a3b2369" providerId="LiveId" clId="{607E5BDC-F919-49E5-B7C1-06E8B2D4DC63}" dt="2022-12-29T19:13:05.310" v="12" actId="164"/>
+          <ac:spMkLst>
+            <pc:docMk/>
+            <pc:sldMk cId="2799381348" sldId="258"/>
+            <ac:spMk id="29" creationId="{86A7AB5C-EE5E-5DF4-1999-8AAA6C3A03D5}"/>
+          </ac:spMkLst>
+        </pc:spChg>
+        <pc:spChg chg="mod topLvl">
+          <ac:chgData name="Thiago Rodrigues" userId="c2222e916a3b2369" providerId="LiveId" clId="{607E5BDC-F919-49E5-B7C1-06E8B2D4DC63}" dt="2022-12-29T19:13:05.310" v="12" actId="164"/>
+          <ac:spMkLst>
+            <pc:docMk/>
+            <pc:sldMk cId="2799381348" sldId="258"/>
+            <ac:spMk id="30" creationId="{D559AD97-7918-1B32-FBDB-DC1C9921A1DA}"/>
+          </ac:spMkLst>
+        </pc:spChg>
+        <pc:spChg chg="mod topLvl">
+          <ac:chgData name="Thiago Rodrigues" userId="c2222e916a3b2369" providerId="LiveId" clId="{607E5BDC-F919-49E5-B7C1-06E8B2D4DC63}" dt="2022-12-29T19:13:05.310" v="12" actId="164"/>
+          <ac:spMkLst>
+            <pc:docMk/>
+            <pc:sldMk cId="2799381348" sldId="258"/>
+            <ac:spMk id="31" creationId="{F45CCB1C-159E-DB52-A68B-D8DCD16A5702}"/>
+          </ac:spMkLst>
+        </pc:spChg>
+        <pc:spChg chg="mod topLvl">
+          <ac:chgData name="Thiago Rodrigues" userId="c2222e916a3b2369" providerId="LiveId" clId="{607E5BDC-F919-49E5-B7C1-06E8B2D4DC63}" dt="2022-12-29T19:13:05.310" v="12" actId="164"/>
+          <ac:spMkLst>
+            <pc:docMk/>
+            <pc:sldMk cId="2799381348" sldId="258"/>
+            <ac:spMk id="32" creationId="{FFD880A6-1BC6-55D2-B6B4-848B4A7CA2E9}"/>
+          </ac:spMkLst>
+        </pc:spChg>
+        <pc:grpChg chg="add mod">
+          <ac:chgData name="Thiago Rodrigues" userId="c2222e916a3b2369" providerId="LiveId" clId="{607E5BDC-F919-49E5-B7C1-06E8B2D4DC63}" dt="2022-12-29T19:13:05.310" v="12" actId="164"/>
+          <ac:grpSpMkLst>
+            <pc:docMk/>
+            <pc:sldMk cId="2799381348" sldId="258"/>
+            <ac:grpSpMk id="2" creationId="{43830274-C24C-29AA-CA15-0796409E3AE7}"/>
+          </ac:grpSpMkLst>
+        </pc:grpChg>
+        <pc:grpChg chg="del">
+          <ac:chgData name="Thiago Rodrigues" userId="c2222e916a3b2369" providerId="LiveId" clId="{607E5BDC-F919-49E5-B7C1-06E8B2D4DC63}" dt="2022-12-29T19:12:11.759" v="6" actId="165"/>
+          <ac:grpSpMkLst>
+            <pc:docMk/>
+            <pc:sldMk cId="2799381348" sldId="258"/>
+            <ac:grpSpMk id="98" creationId="{61B0BBA5-35CB-E45D-269F-7259F8B6CA96}"/>
+          </ac:grpSpMkLst>
+        </pc:grpChg>
+        <pc:cxnChg chg="mod topLvl">
+          <ac:chgData name="Thiago Rodrigues" userId="c2222e916a3b2369" providerId="LiveId" clId="{607E5BDC-F919-49E5-B7C1-06E8B2D4DC63}" dt="2022-12-29T19:13:05.310" v="12" actId="164"/>
+          <ac:cxnSpMkLst>
+            <pc:docMk/>
+            <pc:sldMk cId="2799381348" sldId="258"/>
+            <ac:cxnSpMk id="50" creationId="{155A26BD-BB41-25EF-C8FD-BE312F224ACD}"/>
+          </ac:cxnSpMkLst>
+        </pc:cxnChg>
+        <pc:cxnChg chg="mod topLvl">
+          <ac:chgData name="Thiago Rodrigues" userId="c2222e916a3b2369" providerId="LiveId" clId="{607E5BDC-F919-49E5-B7C1-06E8B2D4DC63}" dt="2022-12-29T19:13:05.310" v="12" actId="164"/>
+          <ac:cxnSpMkLst>
+            <pc:docMk/>
+            <pc:sldMk cId="2799381348" sldId="258"/>
+            <ac:cxnSpMk id="52" creationId="{3AA3AB57-1744-FF6A-9813-84DF015FA818}"/>
+          </ac:cxnSpMkLst>
+        </pc:cxnChg>
+        <pc:cxnChg chg="mod topLvl">
+          <ac:chgData name="Thiago Rodrigues" userId="c2222e916a3b2369" providerId="LiveId" clId="{607E5BDC-F919-49E5-B7C1-06E8B2D4DC63}" dt="2022-12-29T19:13:05.310" v="12" actId="164"/>
+          <ac:cxnSpMkLst>
+            <pc:docMk/>
+            <pc:sldMk cId="2799381348" sldId="258"/>
+            <ac:cxnSpMk id="54" creationId="{1C0CA0E7-7354-4350-6065-152905FD7AFC}"/>
+          </ac:cxnSpMkLst>
+        </pc:cxnChg>
+        <pc:cxnChg chg="mod topLvl">
+          <ac:chgData name="Thiago Rodrigues" userId="c2222e916a3b2369" providerId="LiveId" clId="{607E5BDC-F919-49E5-B7C1-06E8B2D4DC63}" dt="2022-12-29T19:13:05.310" v="12" actId="164"/>
+          <ac:cxnSpMkLst>
+            <pc:docMk/>
+            <pc:sldMk cId="2799381348" sldId="258"/>
+            <ac:cxnSpMk id="57" creationId="{0A649F88-5DAE-868A-125B-9485576927D8}"/>
+          </ac:cxnSpMkLst>
+        </pc:cxnChg>
+        <pc:cxnChg chg="mod topLvl">
+          <ac:chgData name="Thiago Rodrigues" userId="c2222e916a3b2369" providerId="LiveId" clId="{607E5BDC-F919-49E5-B7C1-06E8B2D4DC63}" dt="2022-12-29T19:13:05.310" v="12" actId="164"/>
+          <ac:cxnSpMkLst>
+            <pc:docMk/>
+            <pc:sldMk cId="2799381348" sldId="258"/>
+            <ac:cxnSpMk id="61" creationId="{8365BE96-5C24-3FC0-30C0-D0BBE9C879CF}"/>
+          </ac:cxnSpMkLst>
+        </pc:cxnChg>
+        <pc:cxnChg chg="mod topLvl">
+          <ac:chgData name="Thiago Rodrigues" userId="c2222e916a3b2369" providerId="LiveId" clId="{607E5BDC-F919-49E5-B7C1-06E8B2D4DC63}" dt="2022-12-29T19:13:05.310" v="12" actId="164"/>
+          <ac:cxnSpMkLst>
+            <pc:docMk/>
+            <pc:sldMk cId="2799381348" sldId="258"/>
+            <ac:cxnSpMk id="63" creationId="{2CAC976B-CD16-6362-EBED-785E30A371E2}"/>
+          </ac:cxnSpMkLst>
+        </pc:cxnChg>
+        <pc:cxnChg chg="mod topLvl">
+          <ac:chgData name="Thiago Rodrigues" userId="c2222e916a3b2369" providerId="LiveId" clId="{607E5BDC-F919-49E5-B7C1-06E8B2D4DC63}" dt="2022-12-29T19:13:05.310" v="12" actId="164"/>
+          <ac:cxnSpMkLst>
+            <pc:docMk/>
+            <pc:sldMk cId="2799381348" sldId="258"/>
+            <ac:cxnSpMk id="65" creationId="{ADA7C8AE-F5BF-FF5F-88E4-C740F3B91911}"/>
+          </ac:cxnSpMkLst>
+        </pc:cxnChg>
+        <pc:cxnChg chg="mod topLvl">
+          <ac:chgData name="Thiago Rodrigues" userId="c2222e916a3b2369" providerId="LiveId" clId="{607E5BDC-F919-49E5-B7C1-06E8B2D4DC63}" dt="2022-12-29T19:13:05.310" v="12" actId="164"/>
+          <ac:cxnSpMkLst>
+            <pc:docMk/>
+            <pc:sldMk cId="2799381348" sldId="258"/>
+            <ac:cxnSpMk id="67" creationId="{431C5C52-3E7F-2554-85E7-1834EC5553AE}"/>
+          </ac:cxnSpMkLst>
+        </pc:cxnChg>
+        <pc:cxnChg chg="mod topLvl">
+          <ac:chgData name="Thiago Rodrigues" userId="c2222e916a3b2369" providerId="LiveId" clId="{607E5BDC-F919-49E5-B7C1-06E8B2D4DC63}" dt="2022-12-29T19:13:05.310" v="12" actId="164"/>
+          <ac:cxnSpMkLst>
+            <pc:docMk/>
+            <pc:sldMk cId="2799381348" sldId="258"/>
+            <ac:cxnSpMk id="70" creationId="{87934E5C-E258-08AA-3CC9-52ED7D833A90}"/>
+          </ac:cxnSpMkLst>
+        </pc:cxnChg>
+        <pc:cxnChg chg="mod topLvl">
+          <ac:chgData name="Thiago Rodrigues" userId="c2222e916a3b2369" providerId="LiveId" clId="{607E5BDC-F919-49E5-B7C1-06E8B2D4DC63}" dt="2022-12-29T19:13:05.310" v="12" actId="164"/>
+          <ac:cxnSpMkLst>
+            <pc:docMk/>
+            <pc:sldMk cId="2799381348" sldId="258"/>
+            <ac:cxnSpMk id="71" creationId="{1267AABA-6A7C-2BCF-50EC-56A37A161B1B}"/>
+          </ac:cxnSpMkLst>
+        </pc:cxnChg>
+        <pc:cxnChg chg="mod topLvl">
+          <ac:chgData name="Thiago Rodrigues" userId="c2222e916a3b2369" providerId="LiveId" clId="{607E5BDC-F919-49E5-B7C1-06E8B2D4DC63}" dt="2022-12-29T19:13:05.310" v="12" actId="164"/>
+          <ac:cxnSpMkLst>
+            <pc:docMk/>
+            <pc:sldMk cId="2799381348" sldId="258"/>
+            <ac:cxnSpMk id="72" creationId="{4CCC40F2-67D8-7066-7B35-E326FA802667}"/>
+          </ac:cxnSpMkLst>
+        </pc:cxnChg>
+        <pc:cxnChg chg="mod topLvl">
+          <ac:chgData name="Thiago Rodrigues" userId="c2222e916a3b2369" providerId="LiveId" clId="{607E5BDC-F919-49E5-B7C1-06E8B2D4DC63}" dt="2022-12-29T19:13:05.310" v="12" actId="164"/>
+          <ac:cxnSpMkLst>
+            <pc:docMk/>
+            <pc:sldMk cId="2799381348" sldId="258"/>
+            <ac:cxnSpMk id="75" creationId="{DA423808-6A5B-4381-18C0-B26C42997D35}"/>
+          </ac:cxnSpMkLst>
+        </pc:cxnChg>
+        <pc:cxnChg chg="mod topLvl">
+          <ac:chgData name="Thiago Rodrigues" userId="c2222e916a3b2369" providerId="LiveId" clId="{607E5BDC-F919-49E5-B7C1-06E8B2D4DC63}" dt="2022-12-29T19:13:05.310" v="12" actId="164"/>
+          <ac:cxnSpMkLst>
+            <pc:docMk/>
+            <pc:sldMk cId="2799381348" sldId="258"/>
+            <ac:cxnSpMk id="76" creationId="{52C04B52-FC62-84BD-125F-E2DB90F5EA7E}"/>
+          </ac:cxnSpMkLst>
+        </pc:cxnChg>
+        <pc:cxnChg chg="mod topLvl">
+          <ac:chgData name="Thiago Rodrigues" userId="c2222e916a3b2369" providerId="LiveId" clId="{607E5BDC-F919-49E5-B7C1-06E8B2D4DC63}" dt="2022-12-29T19:13:05.310" v="12" actId="164"/>
+          <ac:cxnSpMkLst>
+            <pc:docMk/>
+            <pc:sldMk cId="2799381348" sldId="258"/>
             <ac:cxnSpMk id="77" creationId="{FAC2E4D6-C62E-8253-C077-96EE9A0E4FEA}"/>
           </ac:cxnSpMkLst>
         </pc:cxnChg>
@@ -5404,6 +5721,1897 @@
 </p:sld>
 </file>
 
+<file path=ppt/slides/slide2.xml><?xml version="1.0" encoding="utf-8"?>
+<p:sld xmlns:a="http://schemas.openxmlformats.org/drawingml/2006/main" xmlns:r="http://schemas.openxmlformats.org/officeDocument/2006/relationships" xmlns:p="http://schemas.openxmlformats.org/presentationml/2006/main">
+  <p:cSld>
+    <p:spTree>
+      <p:nvGrpSpPr>
+        <p:cNvPr id="1" name=""/>
+        <p:cNvGrpSpPr/>
+        <p:nvPr/>
+      </p:nvGrpSpPr>
+      <p:grpSpPr>
+        <a:xfrm>
+          <a:off x="0" y="0"/>
+          <a:ext cx="0" cy="0"/>
+          <a:chOff x="0" y="0"/>
+          <a:chExt cx="0" cy="0"/>
+        </a:xfrm>
+      </p:grpSpPr>
+      <p:grpSp>
+        <p:nvGrpSpPr>
+          <p:cNvPr id="2" name="Agrupar 1">
+            <a:extLst>
+              <a:ext uri="{FF2B5EF4-FFF2-40B4-BE49-F238E27FC236}">
+                <a16:creationId xmlns:a16="http://schemas.microsoft.com/office/drawing/2014/main" id="{43830274-C24C-29AA-CA15-0796409E3AE7}"/>
+              </a:ext>
+            </a:extLst>
+          </p:cNvPr>
+          <p:cNvGrpSpPr/>
+          <p:nvPr/>
+        </p:nvGrpSpPr>
+        <p:grpSpPr>
+          <a:xfrm>
+            <a:off x="737118" y="1223080"/>
+            <a:ext cx="10717764" cy="4411841"/>
+            <a:chOff x="737118" y="1223080"/>
+            <a:chExt cx="10717764" cy="4411841"/>
+          </a:xfrm>
+        </p:grpSpPr>
+        <p:sp>
+          <p:nvSpPr>
+            <p:cNvPr id="6" name="Retângulo 5">
+              <a:extLst>
+                <a:ext uri="{FF2B5EF4-FFF2-40B4-BE49-F238E27FC236}">
+                  <a16:creationId xmlns:a16="http://schemas.microsoft.com/office/drawing/2014/main" id="{BD96A2B9-6F35-C9B0-7AE7-F6B8A4425367}"/>
+                </a:ext>
+              </a:extLst>
+            </p:cNvPr>
+            <p:cNvSpPr/>
+            <p:nvPr/>
+          </p:nvSpPr>
+          <p:spPr>
+            <a:xfrm>
+              <a:off x="737118" y="1705161"/>
+              <a:ext cx="1440000" cy="720000"/>
+            </a:xfrm>
+            <a:prstGeom prst="rect">
+              <a:avLst/>
+            </a:prstGeom>
+            <a:solidFill>
+              <a:schemeClr val="accent1">
+                <a:lumMod val="60000"/>
+                <a:lumOff val="40000"/>
+              </a:schemeClr>
+            </a:solidFill>
+            <a:ln>
+              <a:noFill/>
+            </a:ln>
+          </p:spPr>
+          <p:style>
+            <a:lnRef idx="2">
+              <a:schemeClr val="accent1">
+                <a:shade val="50000"/>
+              </a:schemeClr>
+            </a:lnRef>
+            <a:fillRef idx="1">
+              <a:schemeClr val="accent1"/>
+            </a:fillRef>
+            <a:effectRef idx="0">
+              <a:schemeClr val="accent1"/>
+            </a:effectRef>
+            <a:fontRef idx="minor">
+              <a:schemeClr val="lt1"/>
+            </a:fontRef>
+          </p:style>
+          <p:txBody>
+            <a:bodyPr rtlCol="0" anchor="ctr"/>
+            <a:lstStyle/>
+            <a:p>
+              <a:pPr algn="ctr"/>
+              <a:r>
+                <a:rPr lang="pt-BR" sz="1400" b="1" dirty="0">
+                  <a:solidFill>
+                    <a:schemeClr val="bg1"/>
+                  </a:solidFill>
+                  <a:latin typeface="Century Gothic" panose="020B0502020202020204" pitchFamily="34" charset="0"/>
+                </a:rPr>
+                <a:t>MILL 1</a:t>
+              </a:r>
+            </a:p>
+          </p:txBody>
+        </p:sp>
+        <p:sp>
+          <p:nvSpPr>
+            <p:cNvPr id="7" name="Retângulo 6">
+              <a:extLst>
+                <a:ext uri="{FF2B5EF4-FFF2-40B4-BE49-F238E27FC236}">
+                  <a16:creationId xmlns:a16="http://schemas.microsoft.com/office/drawing/2014/main" id="{62C0B2C6-D411-1EF8-A4AB-0C334246DC44}"/>
+                </a:ext>
+              </a:extLst>
+            </p:cNvPr>
+            <p:cNvSpPr/>
+            <p:nvPr/>
+          </p:nvSpPr>
+          <p:spPr>
+            <a:xfrm>
+              <a:off x="737118" y="2669324"/>
+              <a:ext cx="1440000" cy="720000"/>
+            </a:xfrm>
+            <a:prstGeom prst="rect">
+              <a:avLst/>
+            </a:prstGeom>
+            <a:solidFill>
+              <a:schemeClr val="accent1">
+                <a:lumMod val="60000"/>
+                <a:lumOff val="40000"/>
+              </a:schemeClr>
+            </a:solidFill>
+            <a:ln>
+              <a:noFill/>
+            </a:ln>
+          </p:spPr>
+          <p:style>
+            <a:lnRef idx="2">
+              <a:schemeClr val="accent1">
+                <a:shade val="50000"/>
+              </a:schemeClr>
+            </a:lnRef>
+            <a:fillRef idx="1">
+              <a:schemeClr val="accent1"/>
+            </a:fillRef>
+            <a:effectRef idx="0">
+              <a:schemeClr val="accent1"/>
+            </a:effectRef>
+            <a:fontRef idx="minor">
+              <a:schemeClr val="lt1"/>
+            </a:fontRef>
+          </p:style>
+          <p:txBody>
+            <a:bodyPr rtlCol="0" anchor="ctr"/>
+            <a:lstStyle/>
+            <a:p>
+              <a:pPr algn="ctr"/>
+              <a:r>
+                <a:rPr lang="pt-BR" sz="1400" b="1" dirty="0">
+                  <a:solidFill>
+                    <a:schemeClr val="bg1"/>
+                  </a:solidFill>
+                  <a:latin typeface="Century Gothic" panose="020B0502020202020204" pitchFamily="34" charset="0"/>
+                </a:rPr>
+                <a:t>MILL 2</a:t>
+              </a:r>
+            </a:p>
+          </p:txBody>
+        </p:sp>
+        <p:sp>
+          <p:nvSpPr>
+            <p:cNvPr id="8" name="Retângulo 7">
+              <a:extLst>
+                <a:ext uri="{FF2B5EF4-FFF2-40B4-BE49-F238E27FC236}">
+                  <a16:creationId xmlns:a16="http://schemas.microsoft.com/office/drawing/2014/main" id="{D461447E-546D-FBA3-664F-DBAC12373A91}"/>
+                </a:ext>
+              </a:extLst>
+            </p:cNvPr>
+            <p:cNvSpPr/>
+            <p:nvPr/>
+          </p:nvSpPr>
+          <p:spPr>
+            <a:xfrm>
+              <a:off x="737118" y="4432839"/>
+              <a:ext cx="1440000" cy="720000"/>
+            </a:xfrm>
+            <a:prstGeom prst="rect">
+              <a:avLst/>
+            </a:prstGeom>
+            <a:solidFill>
+              <a:schemeClr val="accent1">
+                <a:lumMod val="60000"/>
+                <a:lumOff val="40000"/>
+              </a:schemeClr>
+            </a:solidFill>
+            <a:ln>
+              <a:noFill/>
+            </a:ln>
+          </p:spPr>
+          <p:style>
+            <a:lnRef idx="2">
+              <a:schemeClr val="accent1">
+                <a:shade val="50000"/>
+              </a:schemeClr>
+            </a:lnRef>
+            <a:fillRef idx="1">
+              <a:schemeClr val="accent1"/>
+            </a:fillRef>
+            <a:effectRef idx="0">
+              <a:schemeClr val="accent1"/>
+            </a:effectRef>
+            <a:fontRef idx="minor">
+              <a:schemeClr val="lt1"/>
+            </a:fontRef>
+          </p:style>
+          <p:txBody>
+            <a:bodyPr rtlCol="0" anchor="ctr"/>
+            <a:lstStyle/>
+            <a:p>
+              <a:pPr algn="ctr"/>
+              <a:r>
+                <a:rPr lang="pt-BR" sz="1400" b="1" dirty="0">
+                  <a:solidFill>
+                    <a:schemeClr val="bg1"/>
+                  </a:solidFill>
+                  <a:latin typeface="Century Gothic" panose="020B0502020202020204" pitchFamily="34" charset="0"/>
+                </a:rPr>
+                <a:t>MILL M</a:t>
+              </a:r>
+            </a:p>
+          </p:txBody>
+        </p:sp>
+        <p:sp>
+          <p:nvSpPr>
+            <p:cNvPr id="9" name="CaixaDeTexto 8">
+              <a:extLst>
+                <a:ext uri="{FF2B5EF4-FFF2-40B4-BE49-F238E27FC236}">
+                  <a16:creationId xmlns:a16="http://schemas.microsoft.com/office/drawing/2014/main" id="{E7ADF028-9588-593C-65BF-1258E29CEC8C}"/>
+                </a:ext>
+              </a:extLst>
+            </p:cNvPr>
+            <p:cNvSpPr txBox="1"/>
+            <p:nvPr/>
+          </p:nvSpPr>
+          <p:spPr>
+            <a:xfrm rot="5400000">
+              <a:off x="1235509" y="3526361"/>
+              <a:ext cx="720002" cy="769441"/>
+            </a:xfrm>
+            <a:prstGeom prst="rect">
+              <a:avLst/>
+            </a:prstGeom>
+            <a:noFill/>
+          </p:spPr>
+          <p:txBody>
+            <a:bodyPr wrap="square" rtlCol="0">
+              <a:spAutoFit/>
+            </a:bodyPr>
+            <a:lstStyle/>
+            <a:p>
+              <a:pPr algn="ctr"/>
+              <a:r>
+                <a:rPr lang="pt-BR" sz="4400" dirty="0">
+                  <a:solidFill>
+                    <a:schemeClr val="bg1"/>
+                  </a:solidFill>
+                </a:rPr>
+                <a:t>...</a:t>
+              </a:r>
+            </a:p>
+          </p:txBody>
+        </p:sp>
+        <p:sp>
+          <p:nvSpPr>
+            <p:cNvPr id="10" name="CaixaDeTexto 9">
+              <a:extLst>
+                <a:ext uri="{FF2B5EF4-FFF2-40B4-BE49-F238E27FC236}">
+                  <a16:creationId xmlns:a16="http://schemas.microsoft.com/office/drawing/2014/main" id="{ACD1A2C7-9E31-8E34-DA61-E4466B35B641}"/>
+                </a:ext>
+              </a:extLst>
+            </p:cNvPr>
+            <p:cNvSpPr txBox="1"/>
+            <p:nvPr/>
+          </p:nvSpPr>
+          <p:spPr>
+            <a:xfrm rot="5400000">
+              <a:off x="1235509" y="3526362"/>
+              <a:ext cx="720002" cy="769441"/>
+            </a:xfrm>
+            <a:prstGeom prst="rect">
+              <a:avLst/>
+            </a:prstGeom>
+            <a:noFill/>
+          </p:spPr>
+          <p:txBody>
+            <a:bodyPr wrap="square" rtlCol="0">
+              <a:spAutoFit/>
+            </a:bodyPr>
+            <a:lstStyle/>
+            <a:p>
+              <a:pPr algn="ctr"/>
+              <a:r>
+                <a:rPr lang="pt-BR" sz="4400" dirty="0">
+                  <a:solidFill>
+                    <a:schemeClr val="bg1"/>
+                  </a:solidFill>
+                </a:rPr>
+                <a:t>...</a:t>
+              </a:r>
+            </a:p>
+          </p:txBody>
+        </p:sp>
+        <p:sp>
+          <p:nvSpPr>
+            <p:cNvPr id="32" name="Retângulo 31">
+              <a:extLst>
+                <a:ext uri="{FF2B5EF4-FFF2-40B4-BE49-F238E27FC236}">
+                  <a16:creationId xmlns:a16="http://schemas.microsoft.com/office/drawing/2014/main" id="{FFD880A6-1BC6-55D2-B6B4-848B4A7CA2E9}"/>
+                </a:ext>
+              </a:extLst>
+            </p:cNvPr>
+            <p:cNvSpPr/>
+            <p:nvPr/>
+          </p:nvSpPr>
+          <p:spPr>
+            <a:xfrm>
+              <a:off x="5376000" y="3069000"/>
+              <a:ext cx="1440000" cy="720000"/>
+            </a:xfrm>
+            <a:prstGeom prst="rect">
+              <a:avLst/>
+            </a:prstGeom>
+            <a:solidFill>
+              <a:schemeClr val="accent3">
+                <a:lumMod val="60000"/>
+                <a:lumOff val="40000"/>
+              </a:schemeClr>
+            </a:solidFill>
+            <a:ln>
+              <a:noFill/>
+            </a:ln>
+          </p:spPr>
+          <p:style>
+            <a:lnRef idx="2">
+              <a:schemeClr val="accent1">
+                <a:shade val="50000"/>
+              </a:schemeClr>
+            </a:lnRef>
+            <a:fillRef idx="1">
+              <a:schemeClr val="accent1"/>
+            </a:fillRef>
+            <a:effectRef idx="0">
+              <a:schemeClr val="accent1"/>
+            </a:effectRef>
+            <a:fontRef idx="minor">
+              <a:schemeClr val="lt1"/>
+            </a:fontRef>
+          </p:style>
+          <p:txBody>
+            <a:bodyPr rtlCol="0" anchor="ctr"/>
+            <a:lstStyle/>
+            <a:p>
+              <a:pPr algn="ctr"/>
+              <a:r>
+                <a:rPr lang="pt-BR" sz="1400" b="1" dirty="0">
+                  <a:solidFill>
+                    <a:schemeClr val="bg1"/>
+                  </a:solidFill>
+                  <a:latin typeface="Century Gothic" panose="020B0502020202020204" pitchFamily="34" charset="0"/>
+                </a:rPr>
+                <a:t>TRANSPORT SYSTEM</a:t>
+              </a:r>
+            </a:p>
+          </p:txBody>
+        </p:sp>
+        <p:sp>
+          <p:nvSpPr>
+            <p:cNvPr id="12" name="Retângulo 11">
+              <a:extLst>
+                <a:ext uri="{FF2B5EF4-FFF2-40B4-BE49-F238E27FC236}">
+                  <a16:creationId xmlns:a16="http://schemas.microsoft.com/office/drawing/2014/main" id="{4709DF01-58DE-7B1D-2390-FDABC5E61147}"/>
+                </a:ext>
+              </a:extLst>
+            </p:cNvPr>
+            <p:cNvSpPr/>
+            <p:nvPr/>
+          </p:nvSpPr>
+          <p:spPr>
+            <a:xfrm>
+              <a:off x="3056559" y="1223080"/>
+              <a:ext cx="1440000" cy="720000"/>
+            </a:xfrm>
+            <a:prstGeom prst="rect">
+              <a:avLst/>
+            </a:prstGeom>
+            <a:solidFill>
+              <a:schemeClr val="accent6">
+                <a:lumMod val="60000"/>
+                <a:lumOff val="40000"/>
+              </a:schemeClr>
+            </a:solidFill>
+            <a:ln>
+              <a:noFill/>
+            </a:ln>
+          </p:spPr>
+          <p:style>
+            <a:lnRef idx="2">
+              <a:schemeClr val="accent1">
+                <a:shade val="50000"/>
+              </a:schemeClr>
+            </a:lnRef>
+            <a:fillRef idx="1">
+              <a:schemeClr val="accent1"/>
+            </a:fillRef>
+            <a:effectRef idx="0">
+              <a:schemeClr val="accent1"/>
+            </a:effectRef>
+            <a:fontRef idx="minor">
+              <a:schemeClr val="lt1"/>
+            </a:fontRef>
+          </p:style>
+          <p:txBody>
+            <a:bodyPr rtlCol="0" anchor="ctr"/>
+            <a:lstStyle/>
+            <a:p>
+              <a:pPr algn="ctr"/>
+              <a:r>
+                <a:rPr lang="pt-BR" sz="1400" b="1" dirty="0">
+                  <a:solidFill>
+                    <a:schemeClr val="bg1"/>
+                  </a:solidFill>
+                  <a:latin typeface="Century Gothic" panose="020B0502020202020204" pitchFamily="34" charset="0"/>
+                </a:rPr>
+                <a:t>SILO 1</a:t>
+              </a:r>
+            </a:p>
+          </p:txBody>
+        </p:sp>
+        <p:sp>
+          <p:nvSpPr>
+            <p:cNvPr id="13" name="Retângulo 12">
+              <a:extLst>
+                <a:ext uri="{FF2B5EF4-FFF2-40B4-BE49-F238E27FC236}">
+                  <a16:creationId xmlns:a16="http://schemas.microsoft.com/office/drawing/2014/main" id="{1897301E-AD9B-6FE6-4FC4-8199BB4D999B}"/>
+                </a:ext>
+              </a:extLst>
+            </p:cNvPr>
+            <p:cNvSpPr/>
+            <p:nvPr/>
+          </p:nvSpPr>
+          <p:spPr>
+            <a:xfrm>
+              <a:off x="3056559" y="2187243"/>
+              <a:ext cx="1440000" cy="720000"/>
+            </a:xfrm>
+            <a:prstGeom prst="rect">
+              <a:avLst/>
+            </a:prstGeom>
+            <a:solidFill>
+              <a:schemeClr val="accent6">
+                <a:lumMod val="60000"/>
+                <a:lumOff val="40000"/>
+              </a:schemeClr>
+            </a:solidFill>
+            <a:ln>
+              <a:noFill/>
+            </a:ln>
+          </p:spPr>
+          <p:style>
+            <a:lnRef idx="2">
+              <a:schemeClr val="accent1">
+                <a:shade val="50000"/>
+              </a:schemeClr>
+            </a:lnRef>
+            <a:fillRef idx="1">
+              <a:schemeClr val="accent1"/>
+            </a:fillRef>
+            <a:effectRef idx="0">
+              <a:schemeClr val="accent1"/>
+            </a:effectRef>
+            <a:fontRef idx="minor">
+              <a:schemeClr val="lt1"/>
+            </a:fontRef>
+          </p:style>
+          <p:txBody>
+            <a:bodyPr rtlCol="0" anchor="ctr"/>
+            <a:lstStyle/>
+            <a:p>
+              <a:pPr algn="ctr"/>
+              <a:r>
+                <a:rPr lang="pt-BR" sz="1400" b="1" dirty="0">
+                  <a:solidFill>
+                    <a:schemeClr val="bg1"/>
+                  </a:solidFill>
+                  <a:latin typeface="Century Gothic" panose="020B0502020202020204" pitchFamily="34" charset="0"/>
+                </a:rPr>
+                <a:t>SILO 2</a:t>
+              </a:r>
+            </a:p>
+          </p:txBody>
+        </p:sp>
+        <p:sp>
+          <p:nvSpPr>
+            <p:cNvPr id="14" name="Retângulo 13">
+              <a:extLst>
+                <a:ext uri="{FF2B5EF4-FFF2-40B4-BE49-F238E27FC236}">
+                  <a16:creationId xmlns:a16="http://schemas.microsoft.com/office/drawing/2014/main" id="{8B4D3CCA-6973-B69A-73EC-294A0B2EAD1C}"/>
+                </a:ext>
+              </a:extLst>
+            </p:cNvPr>
+            <p:cNvSpPr/>
+            <p:nvPr/>
+          </p:nvSpPr>
+          <p:spPr>
+            <a:xfrm>
+              <a:off x="3056559" y="3151406"/>
+              <a:ext cx="1440000" cy="720000"/>
+            </a:xfrm>
+            <a:prstGeom prst="rect">
+              <a:avLst/>
+            </a:prstGeom>
+            <a:solidFill>
+              <a:schemeClr val="accent6">
+                <a:lumMod val="60000"/>
+                <a:lumOff val="40000"/>
+              </a:schemeClr>
+            </a:solidFill>
+            <a:ln>
+              <a:noFill/>
+            </a:ln>
+          </p:spPr>
+          <p:style>
+            <a:lnRef idx="2">
+              <a:schemeClr val="accent1">
+                <a:shade val="50000"/>
+              </a:schemeClr>
+            </a:lnRef>
+            <a:fillRef idx="1">
+              <a:schemeClr val="accent1"/>
+            </a:fillRef>
+            <a:effectRef idx="0">
+              <a:schemeClr val="accent1"/>
+            </a:effectRef>
+            <a:fontRef idx="minor">
+              <a:schemeClr val="lt1"/>
+            </a:fontRef>
+          </p:style>
+          <p:txBody>
+            <a:bodyPr rtlCol="0" anchor="ctr"/>
+            <a:lstStyle/>
+            <a:p>
+              <a:pPr algn="ctr"/>
+              <a:r>
+                <a:rPr lang="pt-BR" sz="1400" b="1" dirty="0">
+                  <a:solidFill>
+                    <a:schemeClr val="bg1"/>
+                  </a:solidFill>
+                  <a:latin typeface="Century Gothic" panose="020B0502020202020204" pitchFamily="34" charset="0"/>
+                </a:rPr>
+                <a:t>SILO 3</a:t>
+              </a:r>
+            </a:p>
+          </p:txBody>
+        </p:sp>
+        <p:sp>
+          <p:nvSpPr>
+            <p:cNvPr id="15" name="Retângulo 14">
+              <a:extLst>
+                <a:ext uri="{FF2B5EF4-FFF2-40B4-BE49-F238E27FC236}">
+                  <a16:creationId xmlns:a16="http://schemas.microsoft.com/office/drawing/2014/main" id="{1DCDDE6B-4E88-D885-01BD-DEF0407C45FC}"/>
+                </a:ext>
+              </a:extLst>
+            </p:cNvPr>
+            <p:cNvSpPr/>
+            <p:nvPr/>
+          </p:nvSpPr>
+          <p:spPr>
+            <a:xfrm>
+              <a:off x="3056559" y="4914921"/>
+              <a:ext cx="1440000" cy="720000"/>
+            </a:xfrm>
+            <a:prstGeom prst="rect">
+              <a:avLst/>
+            </a:prstGeom>
+            <a:solidFill>
+              <a:schemeClr val="accent6">
+                <a:lumMod val="60000"/>
+                <a:lumOff val="40000"/>
+              </a:schemeClr>
+            </a:solidFill>
+            <a:ln>
+              <a:noFill/>
+            </a:ln>
+          </p:spPr>
+          <p:style>
+            <a:lnRef idx="2">
+              <a:schemeClr val="accent1">
+                <a:shade val="50000"/>
+              </a:schemeClr>
+            </a:lnRef>
+            <a:fillRef idx="1">
+              <a:schemeClr val="accent1"/>
+            </a:fillRef>
+            <a:effectRef idx="0">
+              <a:schemeClr val="accent1"/>
+            </a:effectRef>
+            <a:fontRef idx="minor">
+              <a:schemeClr val="lt1"/>
+            </a:fontRef>
+          </p:style>
+          <p:txBody>
+            <a:bodyPr rtlCol="0" anchor="ctr"/>
+            <a:lstStyle/>
+            <a:p>
+              <a:pPr algn="ctr"/>
+              <a:r>
+                <a:rPr lang="pt-BR" sz="1400" b="1" dirty="0">
+                  <a:solidFill>
+                    <a:schemeClr val="bg1"/>
+                  </a:solidFill>
+                  <a:latin typeface="Century Gothic" panose="020B0502020202020204" pitchFamily="34" charset="0"/>
+                </a:rPr>
+                <a:t>SILO N</a:t>
+              </a:r>
+            </a:p>
+          </p:txBody>
+        </p:sp>
+        <p:sp>
+          <p:nvSpPr>
+            <p:cNvPr id="16" name="CaixaDeTexto 15">
+              <a:extLst>
+                <a:ext uri="{FF2B5EF4-FFF2-40B4-BE49-F238E27FC236}">
+                  <a16:creationId xmlns:a16="http://schemas.microsoft.com/office/drawing/2014/main" id="{26EE5A34-3D58-EB18-3E63-B522D5AB9AE8}"/>
+                </a:ext>
+              </a:extLst>
+            </p:cNvPr>
+            <p:cNvSpPr txBox="1"/>
+            <p:nvPr/>
+          </p:nvSpPr>
+          <p:spPr>
+            <a:xfrm rot="5400000">
+              <a:off x="3554950" y="4008443"/>
+              <a:ext cx="720002" cy="769441"/>
+            </a:xfrm>
+            <a:prstGeom prst="rect">
+              <a:avLst/>
+            </a:prstGeom>
+            <a:noFill/>
+          </p:spPr>
+          <p:txBody>
+            <a:bodyPr wrap="square" rtlCol="0">
+              <a:spAutoFit/>
+            </a:bodyPr>
+            <a:lstStyle/>
+            <a:p>
+              <a:pPr algn="ctr"/>
+              <a:r>
+                <a:rPr lang="pt-BR" sz="4400" dirty="0">
+                  <a:solidFill>
+                    <a:schemeClr val="bg1"/>
+                  </a:solidFill>
+                </a:rPr>
+                <a:t>...</a:t>
+              </a:r>
+            </a:p>
+          </p:txBody>
+        </p:sp>
+        <p:sp>
+          <p:nvSpPr>
+            <p:cNvPr id="17" name="CaixaDeTexto 16">
+              <a:extLst>
+                <a:ext uri="{FF2B5EF4-FFF2-40B4-BE49-F238E27FC236}">
+                  <a16:creationId xmlns:a16="http://schemas.microsoft.com/office/drawing/2014/main" id="{C4C9193E-687E-9C19-274E-25A77FA70790}"/>
+                </a:ext>
+              </a:extLst>
+            </p:cNvPr>
+            <p:cNvSpPr txBox="1"/>
+            <p:nvPr/>
+          </p:nvSpPr>
+          <p:spPr>
+            <a:xfrm rot="5400000">
+              <a:off x="3554950" y="4008444"/>
+              <a:ext cx="720002" cy="769441"/>
+            </a:xfrm>
+            <a:prstGeom prst="rect">
+              <a:avLst/>
+            </a:prstGeom>
+            <a:noFill/>
+          </p:spPr>
+          <p:txBody>
+            <a:bodyPr wrap="square" rtlCol="0">
+              <a:spAutoFit/>
+            </a:bodyPr>
+            <a:lstStyle/>
+            <a:p>
+              <a:pPr algn="ctr"/>
+              <a:r>
+                <a:rPr lang="pt-BR" sz="4400" dirty="0">
+                  <a:solidFill>
+                    <a:schemeClr val="bg1"/>
+                  </a:solidFill>
+                </a:rPr>
+                <a:t>...</a:t>
+              </a:r>
+            </a:p>
+          </p:txBody>
+        </p:sp>
+        <p:cxnSp>
+          <p:nvCxnSpPr>
+            <p:cNvPr id="50" name="Conector de Seta Reta 49">
+              <a:extLst>
+                <a:ext uri="{FF2B5EF4-FFF2-40B4-BE49-F238E27FC236}">
+                  <a16:creationId xmlns:a16="http://schemas.microsoft.com/office/drawing/2014/main" id="{155A26BD-BB41-25EF-C8FD-BE312F224ACD}"/>
+                </a:ext>
+              </a:extLst>
+            </p:cNvPr>
+            <p:cNvCxnSpPr>
+              <a:cxnSpLocks/>
+              <a:stCxn id="6" idx="3"/>
+              <a:endCxn id="12" idx="1"/>
+            </p:cNvCxnSpPr>
+            <p:nvPr/>
+          </p:nvCxnSpPr>
+          <p:spPr>
+            <a:xfrm flipV="1">
+              <a:off x="2177118" y="1583080"/>
+              <a:ext cx="879441" cy="482081"/>
+            </a:xfrm>
+            <a:prstGeom prst="straightConnector1">
+              <a:avLst/>
+            </a:prstGeom>
+            <a:ln>
+              <a:solidFill>
+                <a:schemeClr val="bg1"/>
+              </a:solidFill>
+              <a:tailEnd type="triangle"/>
+            </a:ln>
+          </p:spPr>
+          <p:style>
+            <a:lnRef idx="1">
+              <a:schemeClr val="dk1"/>
+            </a:lnRef>
+            <a:fillRef idx="0">
+              <a:schemeClr val="dk1"/>
+            </a:fillRef>
+            <a:effectRef idx="0">
+              <a:schemeClr val="dk1"/>
+            </a:effectRef>
+            <a:fontRef idx="minor">
+              <a:schemeClr val="tx1"/>
+            </a:fontRef>
+          </p:style>
+        </p:cxnSp>
+        <p:cxnSp>
+          <p:nvCxnSpPr>
+            <p:cNvPr id="52" name="Conector de Seta Reta 51">
+              <a:extLst>
+                <a:ext uri="{FF2B5EF4-FFF2-40B4-BE49-F238E27FC236}">
+                  <a16:creationId xmlns:a16="http://schemas.microsoft.com/office/drawing/2014/main" id="{3AA3AB57-1744-FF6A-9813-84DF015FA818}"/>
+                </a:ext>
+              </a:extLst>
+            </p:cNvPr>
+            <p:cNvCxnSpPr>
+              <a:stCxn id="6" idx="3"/>
+              <a:endCxn id="13" idx="1"/>
+            </p:cNvCxnSpPr>
+            <p:nvPr/>
+          </p:nvCxnSpPr>
+          <p:spPr>
+            <a:xfrm>
+              <a:off x="2177118" y="2065161"/>
+              <a:ext cx="879441" cy="482082"/>
+            </a:xfrm>
+            <a:prstGeom prst="straightConnector1">
+              <a:avLst/>
+            </a:prstGeom>
+            <a:ln>
+              <a:solidFill>
+                <a:schemeClr val="bg1"/>
+              </a:solidFill>
+              <a:tailEnd type="triangle"/>
+            </a:ln>
+          </p:spPr>
+          <p:style>
+            <a:lnRef idx="1">
+              <a:schemeClr val="dk1"/>
+            </a:lnRef>
+            <a:fillRef idx="0">
+              <a:schemeClr val="dk1"/>
+            </a:fillRef>
+            <a:effectRef idx="0">
+              <a:schemeClr val="dk1"/>
+            </a:effectRef>
+            <a:fontRef idx="minor">
+              <a:schemeClr val="tx1"/>
+            </a:fontRef>
+          </p:style>
+        </p:cxnSp>
+        <p:cxnSp>
+          <p:nvCxnSpPr>
+            <p:cNvPr id="54" name="Conector de Seta Reta 53">
+              <a:extLst>
+                <a:ext uri="{FF2B5EF4-FFF2-40B4-BE49-F238E27FC236}">
+                  <a16:creationId xmlns:a16="http://schemas.microsoft.com/office/drawing/2014/main" id="{1C0CA0E7-7354-4350-6065-152905FD7AFC}"/>
+                </a:ext>
+              </a:extLst>
+            </p:cNvPr>
+            <p:cNvCxnSpPr>
+              <a:cxnSpLocks/>
+              <a:stCxn id="7" idx="3"/>
+              <a:endCxn id="15" idx="1"/>
+            </p:cNvCxnSpPr>
+            <p:nvPr/>
+          </p:nvCxnSpPr>
+          <p:spPr>
+            <a:xfrm>
+              <a:off x="2177118" y="3029324"/>
+              <a:ext cx="879441" cy="2245597"/>
+            </a:xfrm>
+            <a:prstGeom prst="straightConnector1">
+              <a:avLst/>
+            </a:prstGeom>
+            <a:ln>
+              <a:solidFill>
+                <a:schemeClr val="bg1"/>
+              </a:solidFill>
+              <a:tailEnd type="triangle"/>
+            </a:ln>
+          </p:spPr>
+          <p:style>
+            <a:lnRef idx="1">
+              <a:schemeClr val="dk1"/>
+            </a:lnRef>
+            <a:fillRef idx="0">
+              <a:schemeClr val="dk1"/>
+            </a:fillRef>
+            <a:effectRef idx="0">
+              <a:schemeClr val="dk1"/>
+            </a:effectRef>
+            <a:fontRef idx="minor">
+              <a:schemeClr val="tx1"/>
+            </a:fontRef>
+          </p:style>
+        </p:cxnSp>
+        <p:cxnSp>
+          <p:nvCxnSpPr>
+            <p:cNvPr id="57" name="Conector de Seta Reta 56">
+              <a:extLst>
+                <a:ext uri="{FF2B5EF4-FFF2-40B4-BE49-F238E27FC236}">
+                  <a16:creationId xmlns:a16="http://schemas.microsoft.com/office/drawing/2014/main" id="{0A649F88-5DAE-868A-125B-9485576927D8}"/>
+                </a:ext>
+              </a:extLst>
+            </p:cNvPr>
+            <p:cNvCxnSpPr>
+              <a:stCxn id="8" idx="3"/>
+              <a:endCxn id="14" idx="1"/>
+            </p:cNvCxnSpPr>
+            <p:nvPr/>
+          </p:nvCxnSpPr>
+          <p:spPr>
+            <a:xfrm flipV="1">
+              <a:off x="2177118" y="3511406"/>
+              <a:ext cx="879441" cy="1281433"/>
+            </a:xfrm>
+            <a:prstGeom prst="straightConnector1">
+              <a:avLst/>
+            </a:prstGeom>
+            <a:ln>
+              <a:solidFill>
+                <a:schemeClr val="bg1"/>
+              </a:solidFill>
+              <a:tailEnd type="triangle"/>
+            </a:ln>
+          </p:spPr>
+          <p:style>
+            <a:lnRef idx="1">
+              <a:schemeClr val="dk1"/>
+            </a:lnRef>
+            <a:fillRef idx="0">
+              <a:schemeClr val="dk1"/>
+            </a:fillRef>
+            <a:effectRef idx="0">
+              <a:schemeClr val="dk1"/>
+            </a:effectRef>
+            <a:fontRef idx="minor">
+              <a:schemeClr val="tx1"/>
+            </a:fontRef>
+          </p:style>
+        </p:cxnSp>
+        <p:cxnSp>
+          <p:nvCxnSpPr>
+            <p:cNvPr id="61" name="Conector de Seta Reta 60">
+              <a:extLst>
+                <a:ext uri="{FF2B5EF4-FFF2-40B4-BE49-F238E27FC236}">
+                  <a16:creationId xmlns:a16="http://schemas.microsoft.com/office/drawing/2014/main" id="{8365BE96-5C24-3FC0-30C0-D0BBE9C879CF}"/>
+                </a:ext>
+              </a:extLst>
+            </p:cNvPr>
+            <p:cNvCxnSpPr>
+              <a:stCxn id="12" idx="3"/>
+              <a:endCxn id="32" idx="1"/>
+            </p:cNvCxnSpPr>
+            <p:nvPr/>
+          </p:nvCxnSpPr>
+          <p:spPr>
+            <a:xfrm>
+              <a:off x="4496559" y="1583080"/>
+              <a:ext cx="879441" cy="1845920"/>
+            </a:xfrm>
+            <a:prstGeom prst="straightConnector1">
+              <a:avLst/>
+            </a:prstGeom>
+            <a:ln>
+              <a:solidFill>
+                <a:schemeClr val="bg1"/>
+              </a:solidFill>
+              <a:tailEnd type="triangle"/>
+            </a:ln>
+          </p:spPr>
+          <p:style>
+            <a:lnRef idx="1">
+              <a:schemeClr val="dk1"/>
+            </a:lnRef>
+            <a:fillRef idx="0">
+              <a:schemeClr val="dk1"/>
+            </a:fillRef>
+            <a:effectRef idx="0">
+              <a:schemeClr val="dk1"/>
+            </a:effectRef>
+            <a:fontRef idx="minor">
+              <a:schemeClr val="tx1"/>
+            </a:fontRef>
+          </p:style>
+        </p:cxnSp>
+        <p:cxnSp>
+          <p:nvCxnSpPr>
+            <p:cNvPr id="63" name="Conector de Seta Reta 62">
+              <a:extLst>
+                <a:ext uri="{FF2B5EF4-FFF2-40B4-BE49-F238E27FC236}">
+                  <a16:creationId xmlns:a16="http://schemas.microsoft.com/office/drawing/2014/main" id="{2CAC976B-CD16-6362-EBED-785E30A371E2}"/>
+                </a:ext>
+              </a:extLst>
+            </p:cNvPr>
+            <p:cNvCxnSpPr>
+              <a:stCxn id="13" idx="3"/>
+              <a:endCxn id="32" idx="1"/>
+            </p:cNvCxnSpPr>
+            <p:nvPr/>
+          </p:nvCxnSpPr>
+          <p:spPr>
+            <a:xfrm>
+              <a:off x="4496559" y="2547243"/>
+              <a:ext cx="879441" cy="881757"/>
+            </a:xfrm>
+            <a:prstGeom prst="straightConnector1">
+              <a:avLst/>
+            </a:prstGeom>
+            <a:ln>
+              <a:solidFill>
+                <a:schemeClr val="bg1"/>
+              </a:solidFill>
+              <a:tailEnd type="triangle"/>
+            </a:ln>
+          </p:spPr>
+          <p:style>
+            <a:lnRef idx="1">
+              <a:schemeClr val="dk1"/>
+            </a:lnRef>
+            <a:fillRef idx="0">
+              <a:schemeClr val="dk1"/>
+            </a:fillRef>
+            <a:effectRef idx="0">
+              <a:schemeClr val="dk1"/>
+            </a:effectRef>
+            <a:fontRef idx="minor">
+              <a:schemeClr val="tx1"/>
+            </a:fontRef>
+          </p:style>
+        </p:cxnSp>
+        <p:cxnSp>
+          <p:nvCxnSpPr>
+            <p:cNvPr id="65" name="Conector de Seta Reta 64">
+              <a:extLst>
+                <a:ext uri="{FF2B5EF4-FFF2-40B4-BE49-F238E27FC236}">
+                  <a16:creationId xmlns:a16="http://schemas.microsoft.com/office/drawing/2014/main" id="{ADA7C8AE-F5BF-FF5F-88E4-C740F3B91911}"/>
+                </a:ext>
+              </a:extLst>
+            </p:cNvPr>
+            <p:cNvCxnSpPr>
+              <a:stCxn id="14" idx="3"/>
+              <a:endCxn id="32" idx="1"/>
+            </p:cNvCxnSpPr>
+            <p:nvPr/>
+          </p:nvCxnSpPr>
+          <p:spPr>
+            <a:xfrm flipV="1">
+              <a:off x="4496559" y="3429000"/>
+              <a:ext cx="879441" cy="82406"/>
+            </a:xfrm>
+            <a:prstGeom prst="straightConnector1">
+              <a:avLst/>
+            </a:prstGeom>
+            <a:ln>
+              <a:solidFill>
+                <a:schemeClr val="bg1"/>
+              </a:solidFill>
+              <a:tailEnd type="triangle"/>
+            </a:ln>
+          </p:spPr>
+          <p:style>
+            <a:lnRef idx="1">
+              <a:schemeClr val="dk1"/>
+            </a:lnRef>
+            <a:fillRef idx="0">
+              <a:schemeClr val="dk1"/>
+            </a:fillRef>
+            <a:effectRef idx="0">
+              <a:schemeClr val="dk1"/>
+            </a:effectRef>
+            <a:fontRef idx="minor">
+              <a:schemeClr val="tx1"/>
+            </a:fontRef>
+          </p:style>
+        </p:cxnSp>
+        <p:cxnSp>
+          <p:nvCxnSpPr>
+            <p:cNvPr id="67" name="Conector de Seta Reta 66">
+              <a:extLst>
+                <a:ext uri="{FF2B5EF4-FFF2-40B4-BE49-F238E27FC236}">
+                  <a16:creationId xmlns:a16="http://schemas.microsoft.com/office/drawing/2014/main" id="{431C5C52-3E7F-2554-85E7-1834EC5553AE}"/>
+                </a:ext>
+              </a:extLst>
+            </p:cNvPr>
+            <p:cNvCxnSpPr>
+              <a:stCxn id="15" idx="3"/>
+              <a:endCxn id="32" idx="1"/>
+            </p:cNvCxnSpPr>
+            <p:nvPr/>
+          </p:nvCxnSpPr>
+          <p:spPr>
+            <a:xfrm flipV="1">
+              <a:off x="4496559" y="3429000"/>
+              <a:ext cx="879441" cy="1845921"/>
+            </a:xfrm>
+            <a:prstGeom prst="straightConnector1">
+              <a:avLst/>
+            </a:prstGeom>
+            <a:ln>
+              <a:solidFill>
+                <a:schemeClr val="bg1"/>
+              </a:solidFill>
+              <a:tailEnd type="triangle"/>
+            </a:ln>
+          </p:spPr>
+          <p:style>
+            <a:lnRef idx="1">
+              <a:schemeClr val="dk1"/>
+            </a:lnRef>
+            <a:fillRef idx="0">
+              <a:schemeClr val="dk1"/>
+            </a:fillRef>
+            <a:effectRef idx="0">
+              <a:schemeClr val="dk1"/>
+            </a:effectRef>
+            <a:fontRef idx="minor">
+              <a:schemeClr val="tx1"/>
+            </a:fontRef>
+          </p:style>
+        </p:cxnSp>
+        <p:sp>
+          <p:nvSpPr>
+            <p:cNvPr id="20" name="Retângulo 19">
+              <a:extLst>
+                <a:ext uri="{FF2B5EF4-FFF2-40B4-BE49-F238E27FC236}">
+                  <a16:creationId xmlns:a16="http://schemas.microsoft.com/office/drawing/2014/main" id="{BDB1D597-70CD-C8EE-FEF1-6F72FD3AC567}"/>
+                </a:ext>
+              </a:extLst>
+            </p:cNvPr>
+            <p:cNvSpPr/>
+            <p:nvPr/>
+          </p:nvSpPr>
+          <p:spPr>
+            <a:xfrm>
+              <a:off x="7695441" y="1705161"/>
+              <a:ext cx="1440000" cy="720000"/>
+            </a:xfrm>
+            <a:prstGeom prst="rect">
+              <a:avLst/>
+            </a:prstGeom>
+            <a:solidFill>
+              <a:schemeClr val="accent4">
+                <a:lumMod val="60000"/>
+                <a:lumOff val="40000"/>
+              </a:schemeClr>
+            </a:solidFill>
+            <a:ln>
+              <a:noFill/>
+            </a:ln>
+          </p:spPr>
+          <p:style>
+            <a:lnRef idx="2">
+              <a:schemeClr val="accent1">
+                <a:shade val="50000"/>
+              </a:schemeClr>
+            </a:lnRef>
+            <a:fillRef idx="1">
+              <a:schemeClr val="accent1"/>
+            </a:fillRef>
+            <a:effectRef idx="0">
+              <a:schemeClr val="accent1"/>
+            </a:effectRef>
+            <a:fontRef idx="minor">
+              <a:schemeClr val="lt1"/>
+            </a:fontRef>
+          </p:style>
+          <p:txBody>
+            <a:bodyPr rtlCol="0" anchor="ctr"/>
+            <a:lstStyle/>
+            <a:p>
+              <a:pPr algn="ctr"/>
+              <a:r>
+                <a:rPr lang="pt-BR" sz="1400" b="1" dirty="0">
+                  <a:solidFill>
+                    <a:schemeClr val="bg1"/>
+                  </a:solidFill>
+                  <a:latin typeface="Century Gothic" panose="020B0502020202020204" pitchFamily="34" charset="0"/>
+                </a:rPr>
+                <a:t>SCALE 1</a:t>
+              </a:r>
+            </a:p>
+          </p:txBody>
+        </p:sp>
+        <p:sp>
+          <p:nvSpPr>
+            <p:cNvPr id="21" name="Retângulo 20">
+              <a:extLst>
+                <a:ext uri="{FF2B5EF4-FFF2-40B4-BE49-F238E27FC236}">
+                  <a16:creationId xmlns:a16="http://schemas.microsoft.com/office/drawing/2014/main" id="{16AC548B-25B5-E3DE-C01E-8E0FD2C160D1}"/>
+                </a:ext>
+              </a:extLst>
+            </p:cNvPr>
+            <p:cNvSpPr/>
+            <p:nvPr/>
+          </p:nvSpPr>
+          <p:spPr>
+            <a:xfrm>
+              <a:off x="7695441" y="2669324"/>
+              <a:ext cx="1440000" cy="720000"/>
+            </a:xfrm>
+            <a:prstGeom prst="rect">
+              <a:avLst/>
+            </a:prstGeom>
+            <a:solidFill>
+              <a:schemeClr val="accent4">
+                <a:lumMod val="60000"/>
+                <a:lumOff val="40000"/>
+              </a:schemeClr>
+            </a:solidFill>
+            <a:ln>
+              <a:noFill/>
+            </a:ln>
+          </p:spPr>
+          <p:style>
+            <a:lnRef idx="2">
+              <a:schemeClr val="accent1">
+                <a:shade val="50000"/>
+              </a:schemeClr>
+            </a:lnRef>
+            <a:fillRef idx="1">
+              <a:schemeClr val="accent1"/>
+            </a:fillRef>
+            <a:effectRef idx="0">
+              <a:schemeClr val="accent1"/>
+            </a:effectRef>
+            <a:fontRef idx="minor">
+              <a:schemeClr val="lt1"/>
+            </a:fontRef>
+          </p:style>
+          <p:txBody>
+            <a:bodyPr rtlCol="0" anchor="ctr"/>
+            <a:lstStyle/>
+            <a:p>
+              <a:pPr algn="ctr"/>
+              <a:r>
+                <a:rPr lang="pt-BR" sz="1400" b="1" dirty="0">
+                  <a:solidFill>
+                    <a:schemeClr val="bg1"/>
+                  </a:solidFill>
+                  <a:latin typeface="Century Gothic" panose="020B0502020202020204" pitchFamily="34" charset="0"/>
+                </a:rPr>
+                <a:t>SCALE 2</a:t>
+              </a:r>
+            </a:p>
+          </p:txBody>
+        </p:sp>
+        <p:sp>
+          <p:nvSpPr>
+            <p:cNvPr id="22" name="Retângulo 21">
+              <a:extLst>
+                <a:ext uri="{FF2B5EF4-FFF2-40B4-BE49-F238E27FC236}">
+                  <a16:creationId xmlns:a16="http://schemas.microsoft.com/office/drawing/2014/main" id="{6B2BA29B-A67E-6622-F57C-8E0470E88B28}"/>
+                </a:ext>
+              </a:extLst>
+            </p:cNvPr>
+            <p:cNvSpPr/>
+            <p:nvPr/>
+          </p:nvSpPr>
+          <p:spPr>
+            <a:xfrm>
+              <a:off x="7695441" y="4432839"/>
+              <a:ext cx="1440000" cy="720000"/>
+            </a:xfrm>
+            <a:prstGeom prst="rect">
+              <a:avLst/>
+            </a:prstGeom>
+            <a:solidFill>
+              <a:schemeClr val="accent4">
+                <a:lumMod val="60000"/>
+                <a:lumOff val="40000"/>
+              </a:schemeClr>
+            </a:solidFill>
+            <a:ln>
+              <a:noFill/>
+            </a:ln>
+          </p:spPr>
+          <p:style>
+            <a:lnRef idx="2">
+              <a:schemeClr val="accent1">
+                <a:shade val="50000"/>
+              </a:schemeClr>
+            </a:lnRef>
+            <a:fillRef idx="1">
+              <a:schemeClr val="accent1"/>
+            </a:fillRef>
+            <a:effectRef idx="0">
+              <a:schemeClr val="accent1"/>
+            </a:effectRef>
+            <a:fontRef idx="minor">
+              <a:schemeClr val="lt1"/>
+            </a:fontRef>
+          </p:style>
+          <p:txBody>
+            <a:bodyPr rtlCol="0" anchor="ctr"/>
+            <a:lstStyle/>
+            <a:p>
+              <a:pPr algn="ctr"/>
+              <a:r>
+                <a:rPr lang="pt-BR" sz="1400" b="1" dirty="0">
+                  <a:solidFill>
+                    <a:schemeClr val="bg1"/>
+                  </a:solidFill>
+                  <a:latin typeface="Century Gothic" panose="020B0502020202020204" pitchFamily="34" charset="0"/>
+                </a:rPr>
+                <a:t>SCALE P</a:t>
+              </a:r>
+            </a:p>
+          </p:txBody>
+        </p:sp>
+        <p:sp>
+          <p:nvSpPr>
+            <p:cNvPr id="23" name="CaixaDeTexto 22">
+              <a:extLst>
+                <a:ext uri="{FF2B5EF4-FFF2-40B4-BE49-F238E27FC236}">
+                  <a16:creationId xmlns:a16="http://schemas.microsoft.com/office/drawing/2014/main" id="{D47067FD-28EA-E106-2004-0253276FDC41}"/>
+                </a:ext>
+              </a:extLst>
+            </p:cNvPr>
+            <p:cNvSpPr txBox="1"/>
+            <p:nvPr/>
+          </p:nvSpPr>
+          <p:spPr>
+            <a:xfrm rot="5400000">
+              <a:off x="8193832" y="3526361"/>
+              <a:ext cx="720002" cy="769441"/>
+            </a:xfrm>
+            <a:prstGeom prst="rect">
+              <a:avLst/>
+            </a:prstGeom>
+            <a:noFill/>
+          </p:spPr>
+          <p:txBody>
+            <a:bodyPr wrap="square" rtlCol="0">
+              <a:spAutoFit/>
+            </a:bodyPr>
+            <a:lstStyle/>
+            <a:p>
+              <a:pPr algn="ctr"/>
+              <a:r>
+                <a:rPr lang="pt-BR" sz="4400" dirty="0">
+                  <a:solidFill>
+                    <a:schemeClr val="bg1"/>
+                  </a:solidFill>
+                </a:rPr>
+                <a:t>...</a:t>
+              </a:r>
+            </a:p>
+          </p:txBody>
+        </p:sp>
+        <p:sp>
+          <p:nvSpPr>
+            <p:cNvPr id="24" name="CaixaDeTexto 23">
+              <a:extLst>
+                <a:ext uri="{FF2B5EF4-FFF2-40B4-BE49-F238E27FC236}">
+                  <a16:creationId xmlns:a16="http://schemas.microsoft.com/office/drawing/2014/main" id="{5F9D7E8A-EF69-97ED-4C7E-43703AB3EE2C}"/>
+                </a:ext>
+              </a:extLst>
+            </p:cNvPr>
+            <p:cNvSpPr txBox="1"/>
+            <p:nvPr/>
+          </p:nvSpPr>
+          <p:spPr>
+            <a:xfrm rot="5400000">
+              <a:off x="8193832" y="3526362"/>
+              <a:ext cx="720002" cy="769441"/>
+            </a:xfrm>
+            <a:prstGeom prst="rect">
+              <a:avLst/>
+            </a:prstGeom>
+            <a:noFill/>
+          </p:spPr>
+          <p:txBody>
+            <a:bodyPr wrap="square" rtlCol="0">
+              <a:spAutoFit/>
+            </a:bodyPr>
+            <a:lstStyle/>
+            <a:p>
+              <a:pPr algn="ctr"/>
+              <a:r>
+                <a:rPr lang="pt-BR" sz="4400" dirty="0">
+                  <a:solidFill>
+                    <a:schemeClr val="bg1"/>
+                  </a:solidFill>
+                </a:rPr>
+                <a:t>...</a:t>
+              </a:r>
+            </a:p>
+          </p:txBody>
+        </p:sp>
+        <p:sp>
+          <p:nvSpPr>
+            <p:cNvPr id="27" name="Retângulo 26">
+              <a:extLst>
+                <a:ext uri="{FF2B5EF4-FFF2-40B4-BE49-F238E27FC236}">
+                  <a16:creationId xmlns:a16="http://schemas.microsoft.com/office/drawing/2014/main" id="{CC0C93FF-0E55-D4C2-6998-B48176EC034C}"/>
+                </a:ext>
+              </a:extLst>
+            </p:cNvPr>
+            <p:cNvSpPr/>
+            <p:nvPr/>
+          </p:nvSpPr>
+          <p:spPr>
+            <a:xfrm>
+              <a:off x="10014882" y="1705161"/>
+              <a:ext cx="1440000" cy="720000"/>
+            </a:xfrm>
+            <a:prstGeom prst="rect">
+              <a:avLst/>
+            </a:prstGeom>
+            <a:solidFill>
+              <a:schemeClr val="accent2">
+                <a:lumMod val="60000"/>
+                <a:lumOff val="40000"/>
+              </a:schemeClr>
+            </a:solidFill>
+            <a:ln>
+              <a:noFill/>
+            </a:ln>
+          </p:spPr>
+          <p:style>
+            <a:lnRef idx="2">
+              <a:schemeClr val="accent1">
+                <a:shade val="50000"/>
+              </a:schemeClr>
+            </a:lnRef>
+            <a:fillRef idx="1">
+              <a:schemeClr val="accent1"/>
+            </a:fillRef>
+            <a:effectRef idx="0">
+              <a:schemeClr val="accent1"/>
+            </a:effectRef>
+            <a:fontRef idx="minor">
+              <a:schemeClr val="lt1"/>
+            </a:fontRef>
+          </p:style>
+          <p:txBody>
+            <a:bodyPr rtlCol="0" anchor="ctr"/>
+            <a:lstStyle/>
+            <a:p>
+              <a:pPr algn="ctr"/>
+              <a:r>
+                <a:rPr lang="pt-BR" sz="1400" b="1" dirty="0">
+                  <a:solidFill>
+                    <a:schemeClr val="bg1"/>
+                  </a:solidFill>
+                  <a:latin typeface="Century Gothic" panose="020B0502020202020204" pitchFamily="34" charset="0"/>
+                </a:rPr>
+                <a:t>PRODUCTION LINE 1</a:t>
+              </a:r>
+            </a:p>
+          </p:txBody>
+        </p:sp>
+        <p:sp>
+          <p:nvSpPr>
+            <p:cNvPr id="28" name="Retângulo 27">
+              <a:extLst>
+                <a:ext uri="{FF2B5EF4-FFF2-40B4-BE49-F238E27FC236}">
+                  <a16:creationId xmlns:a16="http://schemas.microsoft.com/office/drawing/2014/main" id="{2B7B0EA2-9157-0060-9EE5-10B3A1468762}"/>
+                </a:ext>
+              </a:extLst>
+            </p:cNvPr>
+            <p:cNvSpPr/>
+            <p:nvPr/>
+          </p:nvSpPr>
+          <p:spPr>
+            <a:xfrm>
+              <a:off x="10014882" y="2669324"/>
+              <a:ext cx="1440000" cy="720000"/>
+            </a:xfrm>
+            <a:prstGeom prst="rect">
+              <a:avLst/>
+            </a:prstGeom>
+            <a:solidFill>
+              <a:schemeClr val="accent2">
+                <a:lumMod val="60000"/>
+                <a:lumOff val="40000"/>
+              </a:schemeClr>
+            </a:solidFill>
+            <a:ln>
+              <a:noFill/>
+            </a:ln>
+          </p:spPr>
+          <p:style>
+            <a:lnRef idx="2">
+              <a:schemeClr val="accent1">
+                <a:shade val="50000"/>
+              </a:schemeClr>
+            </a:lnRef>
+            <a:fillRef idx="1">
+              <a:schemeClr val="accent1"/>
+            </a:fillRef>
+            <a:effectRef idx="0">
+              <a:schemeClr val="accent1"/>
+            </a:effectRef>
+            <a:fontRef idx="minor">
+              <a:schemeClr val="lt1"/>
+            </a:fontRef>
+          </p:style>
+          <p:txBody>
+            <a:bodyPr rtlCol="0" anchor="ctr"/>
+            <a:lstStyle/>
+            <a:p>
+              <a:pPr algn="ctr"/>
+              <a:r>
+                <a:rPr lang="pt-BR" sz="1400" b="1" dirty="0">
+                  <a:solidFill>
+                    <a:schemeClr val="bg1"/>
+                  </a:solidFill>
+                  <a:latin typeface="Century Gothic" panose="020B0502020202020204" pitchFamily="34" charset="0"/>
+                </a:rPr>
+                <a:t>PRODUCTION LINE 2</a:t>
+              </a:r>
+            </a:p>
+          </p:txBody>
+        </p:sp>
+        <p:sp>
+          <p:nvSpPr>
+            <p:cNvPr id="29" name="Retângulo 28">
+              <a:extLst>
+                <a:ext uri="{FF2B5EF4-FFF2-40B4-BE49-F238E27FC236}">
+                  <a16:creationId xmlns:a16="http://schemas.microsoft.com/office/drawing/2014/main" id="{86A7AB5C-EE5E-5DF4-1999-8AAA6C3A03D5}"/>
+                </a:ext>
+              </a:extLst>
+            </p:cNvPr>
+            <p:cNvSpPr/>
+            <p:nvPr/>
+          </p:nvSpPr>
+          <p:spPr>
+            <a:xfrm>
+              <a:off x="10014882" y="4432839"/>
+              <a:ext cx="1440000" cy="720000"/>
+            </a:xfrm>
+            <a:prstGeom prst="rect">
+              <a:avLst/>
+            </a:prstGeom>
+            <a:solidFill>
+              <a:schemeClr val="accent2">
+                <a:lumMod val="60000"/>
+                <a:lumOff val="40000"/>
+              </a:schemeClr>
+            </a:solidFill>
+            <a:ln>
+              <a:noFill/>
+            </a:ln>
+          </p:spPr>
+          <p:style>
+            <a:lnRef idx="2">
+              <a:schemeClr val="accent1">
+                <a:shade val="50000"/>
+              </a:schemeClr>
+            </a:lnRef>
+            <a:fillRef idx="1">
+              <a:schemeClr val="accent1"/>
+            </a:fillRef>
+            <a:effectRef idx="0">
+              <a:schemeClr val="accent1"/>
+            </a:effectRef>
+            <a:fontRef idx="minor">
+              <a:schemeClr val="lt1"/>
+            </a:fontRef>
+          </p:style>
+          <p:txBody>
+            <a:bodyPr rtlCol="0" anchor="ctr"/>
+            <a:lstStyle/>
+            <a:p>
+              <a:pPr algn="ctr"/>
+              <a:r>
+                <a:rPr lang="pt-BR" sz="1400" b="1" dirty="0">
+                  <a:solidFill>
+                    <a:schemeClr val="bg1"/>
+                  </a:solidFill>
+                  <a:latin typeface="Century Gothic" panose="020B0502020202020204" pitchFamily="34" charset="0"/>
+                </a:rPr>
+                <a:t>PRODUCTION LINE P</a:t>
+              </a:r>
+            </a:p>
+          </p:txBody>
+        </p:sp>
+        <p:sp>
+          <p:nvSpPr>
+            <p:cNvPr id="30" name="CaixaDeTexto 29">
+              <a:extLst>
+                <a:ext uri="{FF2B5EF4-FFF2-40B4-BE49-F238E27FC236}">
+                  <a16:creationId xmlns:a16="http://schemas.microsoft.com/office/drawing/2014/main" id="{D559AD97-7918-1B32-FBDB-DC1C9921A1DA}"/>
+                </a:ext>
+              </a:extLst>
+            </p:cNvPr>
+            <p:cNvSpPr txBox="1"/>
+            <p:nvPr/>
+          </p:nvSpPr>
+          <p:spPr>
+            <a:xfrm rot="5400000">
+              <a:off x="10513273" y="3526361"/>
+              <a:ext cx="720002" cy="769441"/>
+            </a:xfrm>
+            <a:prstGeom prst="rect">
+              <a:avLst/>
+            </a:prstGeom>
+            <a:noFill/>
+          </p:spPr>
+          <p:txBody>
+            <a:bodyPr wrap="square" rtlCol="0">
+              <a:spAutoFit/>
+            </a:bodyPr>
+            <a:lstStyle/>
+            <a:p>
+              <a:pPr algn="ctr"/>
+              <a:r>
+                <a:rPr lang="pt-BR" sz="4400" dirty="0">
+                  <a:solidFill>
+                    <a:schemeClr val="bg1"/>
+                  </a:solidFill>
+                </a:rPr>
+                <a:t>...</a:t>
+              </a:r>
+            </a:p>
+          </p:txBody>
+        </p:sp>
+        <p:sp>
+          <p:nvSpPr>
+            <p:cNvPr id="31" name="CaixaDeTexto 30">
+              <a:extLst>
+                <a:ext uri="{FF2B5EF4-FFF2-40B4-BE49-F238E27FC236}">
+                  <a16:creationId xmlns:a16="http://schemas.microsoft.com/office/drawing/2014/main" id="{F45CCB1C-159E-DB52-A68B-D8DCD16A5702}"/>
+                </a:ext>
+              </a:extLst>
+            </p:cNvPr>
+            <p:cNvSpPr txBox="1"/>
+            <p:nvPr/>
+          </p:nvSpPr>
+          <p:spPr>
+            <a:xfrm rot="5400000">
+              <a:off x="10513273" y="3526362"/>
+              <a:ext cx="720002" cy="769441"/>
+            </a:xfrm>
+            <a:prstGeom prst="rect">
+              <a:avLst/>
+            </a:prstGeom>
+            <a:noFill/>
+          </p:spPr>
+          <p:txBody>
+            <a:bodyPr wrap="square" rtlCol="0">
+              <a:spAutoFit/>
+            </a:bodyPr>
+            <a:lstStyle/>
+            <a:p>
+              <a:pPr algn="ctr"/>
+              <a:r>
+                <a:rPr lang="pt-BR" sz="4400" dirty="0">
+                  <a:solidFill>
+                    <a:schemeClr val="bg1"/>
+                  </a:solidFill>
+                </a:rPr>
+                <a:t>...</a:t>
+              </a:r>
+            </a:p>
+          </p:txBody>
+        </p:sp>
+        <p:cxnSp>
+          <p:nvCxnSpPr>
+            <p:cNvPr id="70" name="Conector de Seta Reta 69">
+              <a:extLst>
+                <a:ext uri="{FF2B5EF4-FFF2-40B4-BE49-F238E27FC236}">
+                  <a16:creationId xmlns:a16="http://schemas.microsoft.com/office/drawing/2014/main" id="{87934E5C-E258-08AA-3CC9-52ED7D833A90}"/>
+                </a:ext>
+              </a:extLst>
+            </p:cNvPr>
+            <p:cNvCxnSpPr>
+              <a:cxnSpLocks/>
+              <a:stCxn id="20" idx="3"/>
+              <a:endCxn id="27" idx="1"/>
+            </p:cNvCxnSpPr>
+            <p:nvPr/>
+          </p:nvCxnSpPr>
+          <p:spPr>
+            <a:xfrm>
+              <a:off x="9135441" y="2065161"/>
+              <a:ext cx="879441" cy="0"/>
+            </a:xfrm>
+            <a:prstGeom prst="straightConnector1">
+              <a:avLst/>
+            </a:prstGeom>
+            <a:ln>
+              <a:solidFill>
+                <a:schemeClr val="bg1"/>
+              </a:solidFill>
+              <a:tailEnd type="triangle"/>
+            </a:ln>
+          </p:spPr>
+          <p:style>
+            <a:lnRef idx="1">
+              <a:schemeClr val="dk1"/>
+            </a:lnRef>
+            <a:fillRef idx="0">
+              <a:schemeClr val="dk1"/>
+            </a:fillRef>
+            <a:effectRef idx="0">
+              <a:schemeClr val="dk1"/>
+            </a:effectRef>
+            <a:fontRef idx="minor">
+              <a:schemeClr val="tx1"/>
+            </a:fontRef>
+          </p:style>
+        </p:cxnSp>
+        <p:cxnSp>
+          <p:nvCxnSpPr>
+            <p:cNvPr id="71" name="Conector de Seta Reta 70">
+              <a:extLst>
+                <a:ext uri="{FF2B5EF4-FFF2-40B4-BE49-F238E27FC236}">
+                  <a16:creationId xmlns:a16="http://schemas.microsoft.com/office/drawing/2014/main" id="{1267AABA-6A7C-2BCF-50EC-56A37A161B1B}"/>
+                </a:ext>
+              </a:extLst>
+            </p:cNvPr>
+            <p:cNvCxnSpPr>
+              <a:cxnSpLocks/>
+              <a:stCxn id="22" idx="3"/>
+              <a:endCxn id="29" idx="1"/>
+            </p:cNvCxnSpPr>
+            <p:nvPr/>
+          </p:nvCxnSpPr>
+          <p:spPr>
+            <a:xfrm>
+              <a:off x="9135441" y="4792839"/>
+              <a:ext cx="879441" cy="0"/>
+            </a:xfrm>
+            <a:prstGeom prst="straightConnector1">
+              <a:avLst/>
+            </a:prstGeom>
+            <a:ln>
+              <a:solidFill>
+                <a:schemeClr val="bg1"/>
+              </a:solidFill>
+              <a:tailEnd type="triangle"/>
+            </a:ln>
+          </p:spPr>
+          <p:style>
+            <a:lnRef idx="1">
+              <a:schemeClr val="dk1"/>
+            </a:lnRef>
+            <a:fillRef idx="0">
+              <a:schemeClr val="dk1"/>
+            </a:fillRef>
+            <a:effectRef idx="0">
+              <a:schemeClr val="dk1"/>
+            </a:effectRef>
+            <a:fontRef idx="minor">
+              <a:schemeClr val="tx1"/>
+            </a:fontRef>
+          </p:style>
+        </p:cxnSp>
+        <p:cxnSp>
+          <p:nvCxnSpPr>
+            <p:cNvPr id="72" name="Conector de Seta Reta 71">
+              <a:extLst>
+                <a:ext uri="{FF2B5EF4-FFF2-40B4-BE49-F238E27FC236}">
+                  <a16:creationId xmlns:a16="http://schemas.microsoft.com/office/drawing/2014/main" id="{4CCC40F2-67D8-7066-7B35-E326FA802667}"/>
+                </a:ext>
+              </a:extLst>
+            </p:cNvPr>
+            <p:cNvCxnSpPr>
+              <a:cxnSpLocks/>
+              <a:stCxn id="21" idx="3"/>
+              <a:endCxn id="28" idx="1"/>
+            </p:cNvCxnSpPr>
+            <p:nvPr/>
+          </p:nvCxnSpPr>
+          <p:spPr>
+            <a:xfrm>
+              <a:off x="9135441" y="3029324"/>
+              <a:ext cx="879441" cy="0"/>
+            </a:xfrm>
+            <a:prstGeom prst="straightConnector1">
+              <a:avLst/>
+            </a:prstGeom>
+            <a:ln>
+              <a:solidFill>
+                <a:schemeClr val="bg1"/>
+              </a:solidFill>
+              <a:tailEnd type="triangle"/>
+            </a:ln>
+          </p:spPr>
+          <p:style>
+            <a:lnRef idx="1">
+              <a:schemeClr val="dk1"/>
+            </a:lnRef>
+            <a:fillRef idx="0">
+              <a:schemeClr val="dk1"/>
+            </a:fillRef>
+            <a:effectRef idx="0">
+              <a:schemeClr val="dk1"/>
+            </a:effectRef>
+            <a:fontRef idx="minor">
+              <a:schemeClr val="tx1"/>
+            </a:fontRef>
+          </p:style>
+        </p:cxnSp>
+        <p:cxnSp>
+          <p:nvCxnSpPr>
+            <p:cNvPr id="75" name="Conector de Seta Reta 74">
+              <a:extLst>
+                <a:ext uri="{FF2B5EF4-FFF2-40B4-BE49-F238E27FC236}">
+                  <a16:creationId xmlns:a16="http://schemas.microsoft.com/office/drawing/2014/main" id="{DA423808-6A5B-4381-18C0-B26C42997D35}"/>
+                </a:ext>
+              </a:extLst>
+            </p:cNvPr>
+            <p:cNvCxnSpPr>
+              <a:cxnSpLocks/>
+              <a:stCxn id="32" idx="3"/>
+              <a:endCxn id="20" idx="1"/>
+            </p:cNvCxnSpPr>
+            <p:nvPr/>
+          </p:nvCxnSpPr>
+          <p:spPr>
+            <a:xfrm flipV="1">
+              <a:off x="6816000" y="2065161"/>
+              <a:ext cx="879441" cy="1363839"/>
+            </a:xfrm>
+            <a:prstGeom prst="straightConnector1">
+              <a:avLst/>
+            </a:prstGeom>
+            <a:ln>
+              <a:solidFill>
+                <a:schemeClr val="bg1"/>
+              </a:solidFill>
+              <a:tailEnd type="triangle"/>
+            </a:ln>
+          </p:spPr>
+          <p:style>
+            <a:lnRef idx="1">
+              <a:schemeClr val="dk1"/>
+            </a:lnRef>
+            <a:fillRef idx="0">
+              <a:schemeClr val="dk1"/>
+            </a:fillRef>
+            <a:effectRef idx="0">
+              <a:schemeClr val="dk1"/>
+            </a:effectRef>
+            <a:fontRef idx="minor">
+              <a:schemeClr val="tx1"/>
+            </a:fontRef>
+          </p:style>
+        </p:cxnSp>
+        <p:cxnSp>
+          <p:nvCxnSpPr>
+            <p:cNvPr id="76" name="Conector de Seta Reta 75">
+              <a:extLst>
+                <a:ext uri="{FF2B5EF4-FFF2-40B4-BE49-F238E27FC236}">
+                  <a16:creationId xmlns:a16="http://schemas.microsoft.com/office/drawing/2014/main" id="{52C04B52-FC62-84BD-125F-E2DB90F5EA7E}"/>
+                </a:ext>
+              </a:extLst>
+            </p:cNvPr>
+            <p:cNvCxnSpPr>
+              <a:cxnSpLocks/>
+              <a:stCxn id="32" idx="3"/>
+              <a:endCxn id="22" idx="1"/>
+            </p:cNvCxnSpPr>
+            <p:nvPr/>
+          </p:nvCxnSpPr>
+          <p:spPr>
+            <a:xfrm>
+              <a:off x="6816000" y="3429000"/>
+              <a:ext cx="879441" cy="1363839"/>
+            </a:xfrm>
+            <a:prstGeom prst="straightConnector1">
+              <a:avLst/>
+            </a:prstGeom>
+            <a:ln>
+              <a:solidFill>
+                <a:schemeClr val="bg1"/>
+              </a:solidFill>
+              <a:tailEnd type="triangle"/>
+            </a:ln>
+          </p:spPr>
+          <p:style>
+            <a:lnRef idx="1">
+              <a:schemeClr val="dk1"/>
+            </a:lnRef>
+            <a:fillRef idx="0">
+              <a:schemeClr val="dk1"/>
+            </a:fillRef>
+            <a:effectRef idx="0">
+              <a:schemeClr val="dk1"/>
+            </a:effectRef>
+            <a:fontRef idx="minor">
+              <a:schemeClr val="tx1"/>
+            </a:fontRef>
+          </p:style>
+        </p:cxnSp>
+        <p:cxnSp>
+          <p:nvCxnSpPr>
+            <p:cNvPr id="77" name="Conector de Seta Reta 76">
+              <a:extLst>
+                <a:ext uri="{FF2B5EF4-FFF2-40B4-BE49-F238E27FC236}">
+                  <a16:creationId xmlns:a16="http://schemas.microsoft.com/office/drawing/2014/main" id="{FAC2E4D6-C62E-8253-C077-96EE9A0E4FEA}"/>
+                </a:ext>
+              </a:extLst>
+            </p:cNvPr>
+            <p:cNvCxnSpPr>
+              <a:cxnSpLocks/>
+              <a:stCxn id="32" idx="3"/>
+              <a:endCxn id="21" idx="1"/>
+            </p:cNvCxnSpPr>
+            <p:nvPr/>
+          </p:nvCxnSpPr>
+          <p:spPr>
+            <a:xfrm flipV="1">
+              <a:off x="6816000" y="3029324"/>
+              <a:ext cx="879441" cy="399676"/>
+            </a:xfrm>
+            <a:prstGeom prst="straightConnector1">
+              <a:avLst/>
+            </a:prstGeom>
+            <a:ln>
+              <a:solidFill>
+                <a:schemeClr val="bg1"/>
+              </a:solidFill>
+              <a:tailEnd type="triangle"/>
+            </a:ln>
+          </p:spPr>
+          <p:style>
+            <a:lnRef idx="1">
+              <a:schemeClr val="dk1"/>
+            </a:lnRef>
+            <a:fillRef idx="0">
+              <a:schemeClr val="dk1"/>
+            </a:fillRef>
+            <a:effectRef idx="0">
+              <a:schemeClr val="dk1"/>
+            </a:effectRef>
+            <a:fontRef idx="minor">
+              <a:schemeClr val="tx1"/>
+            </a:fontRef>
+          </p:style>
+        </p:cxnSp>
+      </p:grpSp>
+    </p:spTree>
+    <p:extLst>
+      <p:ext uri="{BB962C8B-B14F-4D97-AF65-F5344CB8AC3E}">
+        <p14:creationId xmlns:p14="http://schemas.microsoft.com/office/powerpoint/2010/main" val="2799381348"/>
+      </p:ext>
+    </p:extLst>
+  </p:cSld>
+  <p:clrMapOvr>
+    <a:masterClrMapping/>
+  </p:clrMapOvr>
+</p:sld>
+</file>
+
 <file path=ppt/theme/theme1.xml><?xml version="1.0" encoding="utf-8"?>
 <a:theme xmlns:a="http://schemas.openxmlformats.org/drawingml/2006/main" name="Tema do Office">
   <a:themeElements>

--- a/others/flowchart.pptx
+++ b/others/flowchart.pptx
@@ -116,7 +116,7 @@
 <file path=ppt/revisionInfo.xml><?xml version="1.0" encoding="utf-8"?>
 <p1510:revInfo xmlns:a="http://schemas.openxmlformats.org/drawingml/2006/main" xmlns:r="http://schemas.openxmlformats.org/officeDocument/2006/relationships" xmlns:p1510="http://schemas.microsoft.com/office/powerpoint/2015/10/main">
   <p1510:revLst>
-    <p1510:client id="{607E5BDC-F919-49E5-B7C1-06E8B2D4DC63}" v="5" dt="2022-12-29T19:13:05.310"/>
+    <p1510:client id="{607E5BDC-F919-49E5-B7C1-06E8B2D4DC63}" v="7" dt="2022-12-29T19:16:25.261"/>
   </p1510:revLst>
 </p1510:revInfo>
 </file>
@@ -126,7 +126,7 @@
   <pc:docChgLst>
     <pc:chgData name="Thiago Rodrigues" userId="c2222e916a3b2369" providerId="LiveId" clId="{607E5BDC-F919-49E5-B7C1-06E8B2D4DC63}"/>
     <pc:docChg chg="undo custSel addSld modSld">
-      <pc:chgData name="Thiago Rodrigues" userId="c2222e916a3b2369" providerId="LiveId" clId="{607E5BDC-F919-49E5-B7C1-06E8B2D4DC63}" dt="2022-12-29T19:13:05.310" v="12" actId="164"/>
+      <pc:chgData name="Thiago Rodrigues" userId="c2222e916a3b2369" providerId="LiveId" clId="{607E5BDC-F919-49E5-B7C1-06E8B2D4DC63}" dt="2022-12-29T19:16:25.261" v="14" actId="164"/>
       <pc:docMkLst>
         <pc:docMk/>
       </pc:docMkLst>
@@ -434,13 +434,13 @@
         </pc:cxnChg>
       </pc:sldChg>
       <pc:sldChg chg="addSp delSp modSp add mod">
-        <pc:chgData name="Thiago Rodrigues" userId="c2222e916a3b2369" providerId="LiveId" clId="{607E5BDC-F919-49E5-B7C1-06E8B2D4DC63}" dt="2022-12-29T19:13:05.310" v="12" actId="164"/>
+        <pc:chgData name="Thiago Rodrigues" userId="c2222e916a3b2369" providerId="LiveId" clId="{607E5BDC-F919-49E5-B7C1-06E8B2D4DC63}" dt="2022-12-29T19:16:25.261" v="14" actId="164"/>
         <pc:sldMkLst>
           <pc:docMk/>
           <pc:sldMk cId="2799381348" sldId="258"/>
         </pc:sldMkLst>
         <pc:spChg chg="mod topLvl">
-          <ac:chgData name="Thiago Rodrigues" userId="c2222e916a3b2369" providerId="LiveId" clId="{607E5BDC-F919-49E5-B7C1-06E8B2D4DC63}" dt="2022-12-29T19:13:05.310" v="12" actId="164"/>
+          <ac:chgData name="Thiago Rodrigues" userId="c2222e916a3b2369" providerId="LiveId" clId="{607E5BDC-F919-49E5-B7C1-06E8B2D4DC63}" dt="2022-12-29T19:16:25.261" v="14" actId="164"/>
           <ac:spMkLst>
             <pc:docMk/>
             <pc:sldMk cId="2799381348" sldId="258"/>
@@ -448,7 +448,7 @@
           </ac:spMkLst>
         </pc:spChg>
         <pc:spChg chg="mod topLvl">
-          <ac:chgData name="Thiago Rodrigues" userId="c2222e916a3b2369" providerId="LiveId" clId="{607E5BDC-F919-49E5-B7C1-06E8B2D4DC63}" dt="2022-12-29T19:13:05.310" v="12" actId="164"/>
+          <ac:chgData name="Thiago Rodrigues" userId="c2222e916a3b2369" providerId="LiveId" clId="{607E5BDC-F919-49E5-B7C1-06E8B2D4DC63}" dt="2022-12-29T19:16:25.261" v="14" actId="164"/>
           <ac:spMkLst>
             <pc:docMk/>
             <pc:sldMk cId="2799381348" sldId="258"/>
@@ -456,7 +456,7 @@
           </ac:spMkLst>
         </pc:spChg>
         <pc:spChg chg="mod topLvl">
-          <ac:chgData name="Thiago Rodrigues" userId="c2222e916a3b2369" providerId="LiveId" clId="{607E5BDC-F919-49E5-B7C1-06E8B2D4DC63}" dt="2022-12-29T19:13:05.310" v="12" actId="164"/>
+          <ac:chgData name="Thiago Rodrigues" userId="c2222e916a3b2369" providerId="LiveId" clId="{607E5BDC-F919-49E5-B7C1-06E8B2D4DC63}" dt="2022-12-29T19:16:25.261" v="14" actId="164"/>
           <ac:spMkLst>
             <pc:docMk/>
             <pc:sldMk cId="2799381348" sldId="258"/>
@@ -464,7 +464,7 @@
           </ac:spMkLst>
         </pc:spChg>
         <pc:spChg chg="mod topLvl">
-          <ac:chgData name="Thiago Rodrigues" userId="c2222e916a3b2369" providerId="LiveId" clId="{607E5BDC-F919-49E5-B7C1-06E8B2D4DC63}" dt="2022-12-29T19:13:05.310" v="12" actId="164"/>
+          <ac:chgData name="Thiago Rodrigues" userId="c2222e916a3b2369" providerId="LiveId" clId="{607E5BDC-F919-49E5-B7C1-06E8B2D4DC63}" dt="2022-12-29T19:16:25.261" v="14" actId="164"/>
           <ac:spMkLst>
             <pc:docMk/>
             <pc:sldMk cId="2799381348" sldId="258"/>
@@ -472,7 +472,7 @@
           </ac:spMkLst>
         </pc:spChg>
         <pc:spChg chg="mod topLvl">
-          <ac:chgData name="Thiago Rodrigues" userId="c2222e916a3b2369" providerId="LiveId" clId="{607E5BDC-F919-49E5-B7C1-06E8B2D4DC63}" dt="2022-12-29T19:13:05.310" v="12" actId="164"/>
+          <ac:chgData name="Thiago Rodrigues" userId="c2222e916a3b2369" providerId="LiveId" clId="{607E5BDC-F919-49E5-B7C1-06E8B2D4DC63}" dt="2022-12-29T19:16:25.261" v="14" actId="164"/>
           <ac:spMkLst>
             <pc:docMk/>
             <pc:sldMk cId="2799381348" sldId="258"/>
@@ -480,7 +480,7 @@
           </ac:spMkLst>
         </pc:spChg>
         <pc:spChg chg="mod topLvl">
-          <ac:chgData name="Thiago Rodrigues" userId="c2222e916a3b2369" providerId="LiveId" clId="{607E5BDC-F919-49E5-B7C1-06E8B2D4DC63}" dt="2022-12-29T19:13:05.310" v="12" actId="164"/>
+          <ac:chgData name="Thiago Rodrigues" userId="c2222e916a3b2369" providerId="LiveId" clId="{607E5BDC-F919-49E5-B7C1-06E8B2D4DC63}" dt="2022-12-29T19:16:25.261" v="14" actId="164"/>
           <ac:spMkLst>
             <pc:docMk/>
             <pc:sldMk cId="2799381348" sldId="258"/>
@@ -488,7 +488,7 @@
           </ac:spMkLst>
         </pc:spChg>
         <pc:spChg chg="mod topLvl">
-          <ac:chgData name="Thiago Rodrigues" userId="c2222e916a3b2369" providerId="LiveId" clId="{607E5BDC-F919-49E5-B7C1-06E8B2D4DC63}" dt="2022-12-29T19:13:05.310" v="12" actId="164"/>
+          <ac:chgData name="Thiago Rodrigues" userId="c2222e916a3b2369" providerId="LiveId" clId="{607E5BDC-F919-49E5-B7C1-06E8B2D4DC63}" dt="2022-12-29T19:16:25.261" v="14" actId="164"/>
           <ac:spMkLst>
             <pc:docMk/>
             <pc:sldMk cId="2799381348" sldId="258"/>
@@ -496,7 +496,7 @@
           </ac:spMkLst>
         </pc:spChg>
         <pc:spChg chg="mod topLvl">
-          <ac:chgData name="Thiago Rodrigues" userId="c2222e916a3b2369" providerId="LiveId" clId="{607E5BDC-F919-49E5-B7C1-06E8B2D4DC63}" dt="2022-12-29T19:13:05.310" v="12" actId="164"/>
+          <ac:chgData name="Thiago Rodrigues" userId="c2222e916a3b2369" providerId="LiveId" clId="{607E5BDC-F919-49E5-B7C1-06E8B2D4DC63}" dt="2022-12-29T19:16:25.261" v="14" actId="164"/>
           <ac:spMkLst>
             <pc:docMk/>
             <pc:sldMk cId="2799381348" sldId="258"/>
@@ -504,7 +504,7 @@
           </ac:spMkLst>
         </pc:spChg>
         <pc:spChg chg="mod topLvl">
-          <ac:chgData name="Thiago Rodrigues" userId="c2222e916a3b2369" providerId="LiveId" clId="{607E5BDC-F919-49E5-B7C1-06E8B2D4DC63}" dt="2022-12-29T19:13:05.310" v="12" actId="164"/>
+          <ac:chgData name="Thiago Rodrigues" userId="c2222e916a3b2369" providerId="LiveId" clId="{607E5BDC-F919-49E5-B7C1-06E8B2D4DC63}" dt="2022-12-29T19:16:25.261" v="14" actId="164"/>
           <ac:spMkLst>
             <pc:docMk/>
             <pc:sldMk cId="2799381348" sldId="258"/>
@@ -512,7 +512,7 @@
           </ac:spMkLst>
         </pc:spChg>
         <pc:spChg chg="mod topLvl">
-          <ac:chgData name="Thiago Rodrigues" userId="c2222e916a3b2369" providerId="LiveId" clId="{607E5BDC-F919-49E5-B7C1-06E8B2D4DC63}" dt="2022-12-29T19:13:05.310" v="12" actId="164"/>
+          <ac:chgData name="Thiago Rodrigues" userId="c2222e916a3b2369" providerId="LiveId" clId="{607E5BDC-F919-49E5-B7C1-06E8B2D4DC63}" dt="2022-12-29T19:16:25.261" v="14" actId="164"/>
           <ac:spMkLst>
             <pc:docMk/>
             <pc:sldMk cId="2799381348" sldId="258"/>
@@ -520,7 +520,7 @@
           </ac:spMkLst>
         </pc:spChg>
         <pc:spChg chg="mod topLvl">
-          <ac:chgData name="Thiago Rodrigues" userId="c2222e916a3b2369" providerId="LiveId" clId="{607E5BDC-F919-49E5-B7C1-06E8B2D4DC63}" dt="2022-12-29T19:13:05.310" v="12" actId="164"/>
+          <ac:chgData name="Thiago Rodrigues" userId="c2222e916a3b2369" providerId="LiveId" clId="{607E5BDC-F919-49E5-B7C1-06E8B2D4DC63}" dt="2022-12-29T19:16:25.261" v="14" actId="164"/>
           <ac:spMkLst>
             <pc:docMk/>
             <pc:sldMk cId="2799381348" sldId="258"/>
@@ -528,7 +528,7 @@
           </ac:spMkLst>
         </pc:spChg>
         <pc:spChg chg="mod topLvl">
-          <ac:chgData name="Thiago Rodrigues" userId="c2222e916a3b2369" providerId="LiveId" clId="{607E5BDC-F919-49E5-B7C1-06E8B2D4DC63}" dt="2022-12-29T19:13:05.310" v="12" actId="164"/>
+          <ac:chgData name="Thiago Rodrigues" userId="c2222e916a3b2369" providerId="LiveId" clId="{607E5BDC-F919-49E5-B7C1-06E8B2D4DC63}" dt="2022-12-29T19:16:25.261" v="14" actId="164"/>
           <ac:spMkLst>
             <pc:docMk/>
             <pc:sldMk cId="2799381348" sldId="258"/>
@@ -536,7 +536,7 @@
           </ac:spMkLst>
         </pc:spChg>
         <pc:spChg chg="mod topLvl">
-          <ac:chgData name="Thiago Rodrigues" userId="c2222e916a3b2369" providerId="LiveId" clId="{607E5BDC-F919-49E5-B7C1-06E8B2D4DC63}" dt="2022-12-29T19:13:05.310" v="12" actId="164"/>
+          <ac:chgData name="Thiago Rodrigues" userId="c2222e916a3b2369" providerId="LiveId" clId="{607E5BDC-F919-49E5-B7C1-06E8B2D4DC63}" dt="2022-12-29T19:16:25.261" v="14" actId="164"/>
           <ac:spMkLst>
             <pc:docMk/>
             <pc:sldMk cId="2799381348" sldId="258"/>
@@ -544,7 +544,7 @@
           </ac:spMkLst>
         </pc:spChg>
         <pc:spChg chg="mod topLvl">
-          <ac:chgData name="Thiago Rodrigues" userId="c2222e916a3b2369" providerId="LiveId" clId="{607E5BDC-F919-49E5-B7C1-06E8B2D4DC63}" dt="2022-12-29T19:13:05.310" v="12" actId="164"/>
+          <ac:chgData name="Thiago Rodrigues" userId="c2222e916a3b2369" providerId="LiveId" clId="{607E5BDC-F919-49E5-B7C1-06E8B2D4DC63}" dt="2022-12-29T19:16:25.261" v="14" actId="164"/>
           <ac:spMkLst>
             <pc:docMk/>
             <pc:sldMk cId="2799381348" sldId="258"/>
@@ -552,7 +552,7 @@
           </ac:spMkLst>
         </pc:spChg>
         <pc:spChg chg="mod topLvl">
-          <ac:chgData name="Thiago Rodrigues" userId="c2222e916a3b2369" providerId="LiveId" clId="{607E5BDC-F919-49E5-B7C1-06E8B2D4DC63}" dt="2022-12-29T19:13:05.310" v="12" actId="164"/>
+          <ac:chgData name="Thiago Rodrigues" userId="c2222e916a3b2369" providerId="LiveId" clId="{607E5BDC-F919-49E5-B7C1-06E8B2D4DC63}" dt="2022-12-29T19:16:25.261" v="14" actId="164"/>
           <ac:spMkLst>
             <pc:docMk/>
             <pc:sldMk cId="2799381348" sldId="258"/>
@@ -560,7 +560,7 @@
           </ac:spMkLst>
         </pc:spChg>
         <pc:spChg chg="mod topLvl">
-          <ac:chgData name="Thiago Rodrigues" userId="c2222e916a3b2369" providerId="LiveId" clId="{607E5BDC-F919-49E5-B7C1-06E8B2D4DC63}" dt="2022-12-29T19:13:05.310" v="12" actId="164"/>
+          <ac:chgData name="Thiago Rodrigues" userId="c2222e916a3b2369" providerId="LiveId" clId="{607E5BDC-F919-49E5-B7C1-06E8B2D4DC63}" dt="2022-12-29T19:16:25.261" v="14" actId="164"/>
           <ac:spMkLst>
             <pc:docMk/>
             <pc:sldMk cId="2799381348" sldId="258"/>
@@ -568,7 +568,7 @@
           </ac:spMkLst>
         </pc:spChg>
         <pc:spChg chg="mod topLvl">
-          <ac:chgData name="Thiago Rodrigues" userId="c2222e916a3b2369" providerId="LiveId" clId="{607E5BDC-F919-49E5-B7C1-06E8B2D4DC63}" dt="2022-12-29T19:13:05.310" v="12" actId="164"/>
+          <ac:chgData name="Thiago Rodrigues" userId="c2222e916a3b2369" providerId="LiveId" clId="{607E5BDC-F919-49E5-B7C1-06E8B2D4DC63}" dt="2022-12-29T19:16:25.261" v="14" actId="164"/>
           <ac:spMkLst>
             <pc:docMk/>
             <pc:sldMk cId="2799381348" sldId="258"/>
@@ -576,7 +576,7 @@
           </ac:spMkLst>
         </pc:spChg>
         <pc:spChg chg="mod topLvl">
-          <ac:chgData name="Thiago Rodrigues" userId="c2222e916a3b2369" providerId="LiveId" clId="{607E5BDC-F919-49E5-B7C1-06E8B2D4DC63}" dt="2022-12-29T19:13:05.310" v="12" actId="164"/>
+          <ac:chgData name="Thiago Rodrigues" userId="c2222e916a3b2369" providerId="LiveId" clId="{607E5BDC-F919-49E5-B7C1-06E8B2D4DC63}" dt="2022-12-29T19:16:25.261" v="14" actId="164"/>
           <ac:spMkLst>
             <pc:docMk/>
             <pc:sldMk cId="2799381348" sldId="258"/>
@@ -584,7 +584,7 @@
           </ac:spMkLst>
         </pc:spChg>
         <pc:spChg chg="mod topLvl">
-          <ac:chgData name="Thiago Rodrigues" userId="c2222e916a3b2369" providerId="LiveId" clId="{607E5BDC-F919-49E5-B7C1-06E8B2D4DC63}" dt="2022-12-29T19:13:05.310" v="12" actId="164"/>
+          <ac:chgData name="Thiago Rodrigues" userId="c2222e916a3b2369" providerId="LiveId" clId="{607E5BDC-F919-49E5-B7C1-06E8B2D4DC63}" dt="2022-12-29T19:16:25.261" v="14" actId="164"/>
           <ac:spMkLst>
             <pc:docMk/>
             <pc:sldMk cId="2799381348" sldId="258"/>
@@ -592,7 +592,7 @@
           </ac:spMkLst>
         </pc:spChg>
         <pc:spChg chg="mod topLvl">
-          <ac:chgData name="Thiago Rodrigues" userId="c2222e916a3b2369" providerId="LiveId" clId="{607E5BDC-F919-49E5-B7C1-06E8B2D4DC63}" dt="2022-12-29T19:13:05.310" v="12" actId="164"/>
+          <ac:chgData name="Thiago Rodrigues" userId="c2222e916a3b2369" providerId="LiveId" clId="{607E5BDC-F919-49E5-B7C1-06E8B2D4DC63}" dt="2022-12-29T19:16:25.261" v="14" actId="164"/>
           <ac:spMkLst>
             <pc:docMk/>
             <pc:sldMk cId="2799381348" sldId="258"/>
@@ -600,7 +600,7 @@
           </ac:spMkLst>
         </pc:spChg>
         <pc:spChg chg="mod topLvl">
-          <ac:chgData name="Thiago Rodrigues" userId="c2222e916a3b2369" providerId="LiveId" clId="{607E5BDC-F919-49E5-B7C1-06E8B2D4DC63}" dt="2022-12-29T19:13:05.310" v="12" actId="164"/>
+          <ac:chgData name="Thiago Rodrigues" userId="c2222e916a3b2369" providerId="LiveId" clId="{607E5BDC-F919-49E5-B7C1-06E8B2D4DC63}" dt="2022-12-29T19:16:25.261" v="14" actId="164"/>
           <ac:spMkLst>
             <pc:docMk/>
             <pc:sldMk cId="2799381348" sldId="258"/>
@@ -608,19 +608,27 @@
           </ac:spMkLst>
         </pc:spChg>
         <pc:spChg chg="mod topLvl">
-          <ac:chgData name="Thiago Rodrigues" userId="c2222e916a3b2369" providerId="LiveId" clId="{607E5BDC-F919-49E5-B7C1-06E8B2D4DC63}" dt="2022-12-29T19:13:05.310" v="12" actId="164"/>
+          <ac:chgData name="Thiago Rodrigues" userId="c2222e916a3b2369" providerId="LiveId" clId="{607E5BDC-F919-49E5-B7C1-06E8B2D4DC63}" dt="2022-12-29T19:16:25.261" v="14" actId="164"/>
           <ac:spMkLst>
             <pc:docMk/>
             <pc:sldMk cId="2799381348" sldId="258"/>
             <ac:spMk id="32" creationId="{FFD880A6-1BC6-55D2-B6B4-848B4A7CA2E9}"/>
           </ac:spMkLst>
         </pc:spChg>
-        <pc:grpChg chg="add mod">
-          <ac:chgData name="Thiago Rodrigues" userId="c2222e916a3b2369" providerId="LiveId" clId="{607E5BDC-F919-49E5-B7C1-06E8B2D4DC63}" dt="2022-12-29T19:13:05.310" v="12" actId="164"/>
+        <pc:grpChg chg="add del mod">
+          <ac:chgData name="Thiago Rodrigues" userId="c2222e916a3b2369" providerId="LiveId" clId="{607E5BDC-F919-49E5-B7C1-06E8B2D4DC63}" dt="2022-12-29T19:16:20.028" v="13" actId="165"/>
           <ac:grpSpMkLst>
             <pc:docMk/>
             <pc:sldMk cId="2799381348" sldId="258"/>
             <ac:grpSpMk id="2" creationId="{43830274-C24C-29AA-CA15-0796409E3AE7}"/>
+          </ac:grpSpMkLst>
+        </pc:grpChg>
+        <pc:grpChg chg="add mod">
+          <ac:chgData name="Thiago Rodrigues" userId="c2222e916a3b2369" providerId="LiveId" clId="{607E5BDC-F919-49E5-B7C1-06E8B2D4DC63}" dt="2022-12-29T19:16:25.261" v="14" actId="164"/>
+          <ac:grpSpMkLst>
+            <pc:docMk/>
+            <pc:sldMk cId="2799381348" sldId="258"/>
+            <ac:grpSpMk id="3" creationId="{EEEB1D28-ABD4-B656-F21D-F9D50E6A3E95}"/>
           </ac:grpSpMkLst>
         </pc:grpChg>
         <pc:grpChg chg="del">
@@ -632,7 +640,7 @@
           </ac:grpSpMkLst>
         </pc:grpChg>
         <pc:cxnChg chg="mod topLvl">
-          <ac:chgData name="Thiago Rodrigues" userId="c2222e916a3b2369" providerId="LiveId" clId="{607E5BDC-F919-49E5-B7C1-06E8B2D4DC63}" dt="2022-12-29T19:13:05.310" v="12" actId="164"/>
+          <ac:chgData name="Thiago Rodrigues" userId="c2222e916a3b2369" providerId="LiveId" clId="{607E5BDC-F919-49E5-B7C1-06E8B2D4DC63}" dt="2022-12-29T19:16:25.261" v="14" actId="164"/>
           <ac:cxnSpMkLst>
             <pc:docMk/>
             <pc:sldMk cId="2799381348" sldId="258"/>
@@ -640,7 +648,7 @@
           </ac:cxnSpMkLst>
         </pc:cxnChg>
         <pc:cxnChg chg="mod topLvl">
-          <ac:chgData name="Thiago Rodrigues" userId="c2222e916a3b2369" providerId="LiveId" clId="{607E5BDC-F919-49E5-B7C1-06E8B2D4DC63}" dt="2022-12-29T19:13:05.310" v="12" actId="164"/>
+          <ac:chgData name="Thiago Rodrigues" userId="c2222e916a3b2369" providerId="LiveId" clId="{607E5BDC-F919-49E5-B7C1-06E8B2D4DC63}" dt="2022-12-29T19:16:25.261" v="14" actId="164"/>
           <ac:cxnSpMkLst>
             <pc:docMk/>
             <pc:sldMk cId="2799381348" sldId="258"/>
@@ -648,7 +656,7 @@
           </ac:cxnSpMkLst>
         </pc:cxnChg>
         <pc:cxnChg chg="mod topLvl">
-          <ac:chgData name="Thiago Rodrigues" userId="c2222e916a3b2369" providerId="LiveId" clId="{607E5BDC-F919-49E5-B7C1-06E8B2D4DC63}" dt="2022-12-29T19:13:05.310" v="12" actId="164"/>
+          <ac:chgData name="Thiago Rodrigues" userId="c2222e916a3b2369" providerId="LiveId" clId="{607E5BDC-F919-49E5-B7C1-06E8B2D4DC63}" dt="2022-12-29T19:16:25.261" v="14" actId="164"/>
           <ac:cxnSpMkLst>
             <pc:docMk/>
             <pc:sldMk cId="2799381348" sldId="258"/>
@@ -656,7 +664,7 @@
           </ac:cxnSpMkLst>
         </pc:cxnChg>
         <pc:cxnChg chg="mod topLvl">
-          <ac:chgData name="Thiago Rodrigues" userId="c2222e916a3b2369" providerId="LiveId" clId="{607E5BDC-F919-49E5-B7C1-06E8B2D4DC63}" dt="2022-12-29T19:13:05.310" v="12" actId="164"/>
+          <ac:chgData name="Thiago Rodrigues" userId="c2222e916a3b2369" providerId="LiveId" clId="{607E5BDC-F919-49E5-B7C1-06E8B2D4DC63}" dt="2022-12-29T19:16:25.261" v="14" actId="164"/>
           <ac:cxnSpMkLst>
             <pc:docMk/>
             <pc:sldMk cId="2799381348" sldId="258"/>
@@ -664,7 +672,7 @@
           </ac:cxnSpMkLst>
         </pc:cxnChg>
         <pc:cxnChg chg="mod topLvl">
-          <ac:chgData name="Thiago Rodrigues" userId="c2222e916a3b2369" providerId="LiveId" clId="{607E5BDC-F919-49E5-B7C1-06E8B2D4DC63}" dt="2022-12-29T19:13:05.310" v="12" actId="164"/>
+          <ac:chgData name="Thiago Rodrigues" userId="c2222e916a3b2369" providerId="LiveId" clId="{607E5BDC-F919-49E5-B7C1-06E8B2D4DC63}" dt="2022-12-29T19:16:25.261" v="14" actId="164"/>
           <ac:cxnSpMkLst>
             <pc:docMk/>
             <pc:sldMk cId="2799381348" sldId="258"/>
@@ -672,7 +680,7 @@
           </ac:cxnSpMkLst>
         </pc:cxnChg>
         <pc:cxnChg chg="mod topLvl">
-          <ac:chgData name="Thiago Rodrigues" userId="c2222e916a3b2369" providerId="LiveId" clId="{607E5BDC-F919-49E5-B7C1-06E8B2D4DC63}" dt="2022-12-29T19:13:05.310" v="12" actId="164"/>
+          <ac:chgData name="Thiago Rodrigues" userId="c2222e916a3b2369" providerId="LiveId" clId="{607E5BDC-F919-49E5-B7C1-06E8B2D4DC63}" dt="2022-12-29T19:16:25.261" v="14" actId="164"/>
           <ac:cxnSpMkLst>
             <pc:docMk/>
             <pc:sldMk cId="2799381348" sldId="258"/>
@@ -680,7 +688,7 @@
           </ac:cxnSpMkLst>
         </pc:cxnChg>
         <pc:cxnChg chg="mod topLvl">
-          <ac:chgData name="Thiago Rodrigues" userId="c2222e916a3b2369" providerId="LiveId" clId="{607E5BDC-F919-49E5-B7C1-06E8B2D4DC63}" dt="2022-12-29T19:13:05.310" v="12" actId="164"/>
+          <ac:chgData name="Thiago Rodrigues" userId="c2222e916a3b2369" providerId="LiveId" clId="{607E5BDC-F919-49E5-B7C1-06E8B2D4DC63}" dt="2022-12-29T19:16:25.261" v="14" actId="164"/>
           <ac:cxnSpMkLst>
             <pc:docMk/>
             <pc:sldMk cId="2799381348" sldId="258"/>
@@ -688,7 +696,7 @@
           </ac:cxnSpMkLst>
         </pc:cxnChg>
         <pc:cxnChg chg="mod topLvl">
-          <ac:chgData name="Thiago Rodrigues" userId="c2222e916a3b2369" providerId="LiveId" clId="{607E5BDC-F919-49E5-B7C1-06E8B2D4DC63}" dt="2022-12-29T19:13:05.310" v="12" actId="164"/>
+          <ac:chgData name="Thiago Rodrigues" userId="c2222e916a3b2369" providerId="LiveId" clId="{607E5BDC-F919-49E5-B7C1-06E8B2D4DC63}" dt="2022-12-29T19:16:25.261" v="14" actId="164"/>
           <ac:cxnSpMkLst>
             <pc:docMk/>
             <pc:sldMk cId="2799381348" sldId="258"/>
@@ -696,7 +704,7 @@
           </ac:cxnSpMkLst>
         </pc:cxnChg>
         <pc:cxnChg chg="mod topLvl">
-          <ac:chgData name="Thiago Rodrigues" userId="c2222e916a3b2369" providerId="LiveId" clId="{607E5BDC-F919-49E5-B7C1-06E8B2D4DC63}" dt="2022-12-29T19:13:05.310" v="12" actId="164"/>
+          <ac:chgData name="Thiago Rodrigues" userId="c2222e916a3b2369" providerId="LiveId" clId="{607E5BDC-F919-49E5-B7C1-06E8B2D4DC63}" dt="2022-12-29T19:16:25.261" v="14" actId="164"/>
           <ac:cxnSpMkLst>
             <pc:docMk/>
             <pc:sldMk cId="2799381348" sldId="258"/>
@@ -704,7 +712,7 @@
           </ac:cxnSpMkLst>
         </pc:cxnChg>
         <pc:cxnChg chg="mod topLvl">
-          <ac:chgData name="Thiago Rodrigues" userId="c2222e916a3b2369" providerId="LiveId" clId="{607E5BDC-F919-49E5-B7C1-06E8B2D4DC63}" dt="2022-12-29T19:13:05.310" v="12" actId="164"/>
+          <ac:chgData name="Thiago Rodrigues" userId="c2222e916a3b2369" providerId="LiveId" clId="{607E5BDC-F919-49E5-B7C1-06E8B2D4DC63}" dt="2022-12-29T19:16:25.261" v="14" actId="164"/>
           <ac:cxnSpMkLst>
             <pc:docMk/>
             <pc:sldMk cId="2799381348" sldId="258"/>
@@ -712,7 +720,7 @@
           </ac:cxnSpMkLst>
         </pc:cxnChg>
         <pc:cxnChg chg="mod topLvl">
-          <ac:chgData name="Thiago Rodrigues" userId="c2222e916a3b2369" providerId="LiveId" clId="{607E5BDC-F919-49E5-B7C1-06E8B2D4DC63}" dt="2022-12-29T19:13:05.310" v="12" actId="164"/>
+          <ac:chgData name="Thiago Rodrigues" userId="c2222e916a3b2369" providerId="LiveId" clId="{607E5BDC-F919-49E5-B7C1-06E8B2D4DC63}" dt="2022-12-29T19:16:25.261" v="14" actId="164"/>
           <ac:cxnSpMkLst>
             <pc:docMk/>
             <pc:sldMk cId="2799381348" sldId="258"/>
@@ -720,7 +728,7 @@
           </ac:cxnSpMkLst>
         </pc:cxnChg>
         <pc:cxnChg chg="mod topLvl">
-          <ac:chgData name="Thiago Rodrigues" userId="c2222e916a3b2369" providerId="LiveId" clId="{607E5BDC-F919-49E5-B7C1-06E8B2D4DC63}" dt="2022-12-29T19:13:05.310" v="12" actId="164"/>
+          <ac:chgData name="Thiago Rodrigues" userId="c2222e916a3b2369" providerId="LiveId" clId="{607E5BDC-F919-49E5-B7C1-06E8B2D4DC63}" dt="2022-12-29T19:16:25.261" v="14" actId="164"/>
           <ac:cxnSpMkLst>
             <pc:docMk/>
             <pc:sldMk cId="2799381348" sldId="258"/>
@@ -728,7 +736,7 @@
           </ac:cxnSpMkLst>
         </pc:cxnChg>
         <pc:cxnChg chg="mod topLvl">
-          <ac:chgData name="Thiago Rodrigues" userId="c2222e916a3b2369" providerId="LiveId" clId="{607E5BDC-F919-49E5-B7C1-06E8B2D4DC63}" dt="2022-12-29T19:13:05.310" v="12" actId="164"/>
+          <ac:chgData name="Thiago Rodrigues" userId="c2222e916a3b2369" providerId="LiveId" clId="{607E5BDC-F919-49E5-B7C1-06E8B2D4DC63}" dt="2022-12-29T19:16:25.261" v="14" actId="164"/>
           <ac:cxnSpMkLst>
             <pc:docMk/>
             <pc:sldMk cId="2799381348" sldId="258"/>
@@ -736,7 +744,7 @@
           </ac:cxnSpMkLst>
         </pc:cxnChg>
         <pc:cxnChg chg="mod topLvl">
-          <ac:chgData name="Thiago Rodrigues" userId="c2222e916a3b2369" providerId="LiveId" clId="{607E5BDC-F919-49E5-B7C1-06E8B2D4DC63}" dt="2022-12-29T19:13:05.310" v="12" actId="164"/>
+          <ac:chgData name="Thiago Rodrigues" userId="c2222e916a3b2369" providerId="LiveId" clId="{607E5BDC-F919-49E5-B7C1-06E8B2D4DC63}" dt="2022-12-29T19:16:25.261" v="14" actId="164"/>
           <ac:cxnSpMkLst>
             <pc:docMk/>
             <pc:sldMk cId="2799381348" sldId="258"/>
@@ -5740,10 +5748,10 @@
       </p:grpSpPr>
       <p:grpSp>
         <p:nvGrpSpPr>
-          <p:cNvPr id="2" name="Agrupar 1">
+          <p:cNvPr id="3" name="Agrupar 2">
             <a:extLst>
               <a:ext uri="{FF2B5EF4-FFF2-40B4-BE49-F238E27FC236}">
-                <a16:creationId xmlns:a16="http://schemas.microsoft.com/office/drawing/2014/main" id="{43830274-C24C-29AA-CA15-0796409E3AE7}"/>
+                <a16:creationId xmlns:a16="http://schemas.microsoft.com/office/drawing/2014/main" id="{EEEB1D28-ABD4-B656-F21D-F9D50E6A3E95}"/>
               </a:ext>
             </a:extLst>
           </p:cNvPr>

--- a/others/flowchart.pptx
+++ b/others/flowchart.pptx
@@ -116,7 +116,7 @@
 <file path=ppt/revisionInfo.xml><?xml version="1.0" encoding="utf-8"?>
 <p1510:revInfo xmlns:a="http://schemas.openxmlformats.org/drawingml/2006/main" xmlns:r="http://schemas.openxmlformats.org/officeDocument/2006/relationships" xmlns:p1510="http://schemas.microsoft.com/office/powerpoint/2015/10/main">
   <p1510:revLst>
-    <p1510:client id="{607E5BDC-F919-49E5-B7C1-06E8B2D4DC63}" v="7" dt="2022-12-29T19:16:25.261"/>
+    <p1510:client id="{607E5BDC-F919-49E5-B7C1-06E8B2D4DC63}" v="10" dt="2022-12-29T19:20:24.248"/>
   </p1510:revLst>
 </p1510:revInfo>
 </file>
@@ -126,18 +126,18 @@
   <pc:docChgLst>
     <pc:chgData name="Thiago Rodrigues" userId="c2222e916a3b2369" providerId="LiveId" clId="{607E5BDC-F919-49E5-B7C1-06E8B2D4DC63}"/>
     <pc:docChg chg="undo custSel addSld modSld">
-      <pc:chgData name="Thiago Rodrigues" userId="c2222e916a3b2369" providerId="LiveId" clId="{607E5BDC-F919-49E5-B7C1-06E8B2D4DC63}" dt="2022-12-29T19:16:25.261" v="14" actId="164"/>
+      <pc:chgData name="Thiago Rodrigues" userId="c2222e916a3b2369" providerId="LiveId" clId="{607E5BDC-F919-49E5-B7C1-06E8B2D4DC63}" dt="2022-12-29T19:20:24.242" v="30" actId="164"/>
       <pc:docMkLst>
         <pc:docMk/>
       </pc:docMkLst>
       <pc:sldChg chg="addSp delSp modSp mod">
-        <pc:chgData name="Thiago Rodrigues" userId="c2222e916a3b2369" providerId="LiveId" clId="{607E5BDC-F919-49E5-B7C1-06E8B2D4DC63}" dt="2022-12-29T19:11:58.553" v="4" actId="207"/>
+        <pc:chgData name="Thiago Rodrigues" userId="c2222e916a3b2369" providerId="LiveId" clId="{607E5BDC-F919-49E5-B7C1-06E8B2D4DC63}" dt="2022-12-29T19:19:37.645" v="22" actId="1582"/>
         <pc:sldMkLst>
           <pc:docMk/>
           <pc:sldMk cId="3687219764" sldId="257"/>
         </pc:sldMkLst>
         <pc:spChg chg="mod topLvl">
-          <ac:chgData name="Thiago Rodrigues" userId="c2222e916a3b2369" providerId="LiveId" clId="{607E5BDC-F919-49E5-B7C1-06E8B2D4DC63}" dt="2022-12-29T19:11:58.553" v="4" actId="207"/>
+          <ac:chgData name="Thiago Rodrigues" userId="c2222e916a3b2369" providerId="LiveId" clId="{607E5BDC-F919-49E5-B7C1-06E8B2D4DC63}" dt="2022-12-29T19:18:50.330" v="17" actId="165"/>
           <ac:spMkLst>
             <pc:docMk/>
             <pc:sldMk cId="3687219764" sldId="257"/>
@@ -145,7 +145,7 @@
           </ac:spMkLst>
         </pc:spChg>
         <pc:spChg chg="mod topLvl">
-          <ac:chgData name="Thiago Rodrigues" userId="c2222e916a3b2369" providerId="LiveId" clId="{607E5BDC-F919-49E5-B7C1-06E8B2D4DC63}" dt="2022-12-29T19:11:58.553" v="4" actId="207"/>
+          <ac:chgData name="Thiago Rodrigues" userId="c2222e916a3b2369" providerId="LiveId" clId="{607E5BDC-F919-49E5-B7C1-06E8B2D4DC63}" dt="2022-12-29T19:18:50.330" v="17" actId="165"/>
           <ac:spMkLst>
             <pc:docMk/>
             <pc:sldMk cId="3687219764" sldId="257"/>
@@ -153,7 +153,7 @@
           </ac:spMkLst>
         </pc:spChg>
         <pc:spChg chg="mod topLvl">
-          <ac:chgData name="Thiago Rodrigues" userId="c2222e916a3b2369" providerId="LiveId" clId="{607E5BDC-F919-49E5-B7C1-06E8B2D4DC63}" dt="2022-12-29T19:11:58.553" v="4" actId="207"/>
+          <ac:chgData name="Thiago Rodrigues" userId="c2222e916a3b2369" providerId="LiveId" clId="{607E5BDC-F919-49E5-B7C1-06E8B2D4DC63}" dt="2022-12-29T19:18:50.330" v="17" actId="165"/>
           <ac:spMkLst>
             <pc:docMk/>
             <pc:sldMk cId="3687219764" sldId="257"/>
@@ -161,7 +161,7 @@
           </ac:spMkLst>
         </pc:spChg>
         <pc:spChg chg="mod topLvl">
-          <ac:chgData name="Thiago Rodrigues" userId="c2222e916a3b2369" providerId="LiveId" clId="{607E5BDC-F919-49E5-B7C1-06E8B2D4DC63}" dt="2022-12-29T19:11:58.553" v="4" actId="207"/>
+          <ac:chgData name="Thiago Rodrigues" userId="c2222e916a3b2369" providerId="LiveId" clId="{607E5BDC-F919-49E5-B7C1-06E8B2D4DC63}" dt="2022-12-29T19:18:50.330" v="17" actId="165"/>
           <ac:spMkLst>
             <pc:docMk/>
             <pc:sldMk cId="3687219764" sldId="257"/>
@@ -169,7 +169,7 @@
           </ac:spMkLst>
         </pc:spChg>
         <pc:spChg chg="mod topLvl">
-          <ac:chgData name="Thiago Rodrigues" userId="c2222e916a3b2369" providerId="LiveId" clId="{607E5BDC-F919-49E5-B7C1-06E8B2D4DC63}" dt="2022-12-29T19:11:58.553" v="4" actId="207"/>
+          <ac:chgData name="Thiago Rodrigues" userId="c2222e916a3b2369" providerId="LiveId" clId="{607E5BDC-F919-49E5-B7C1-06E8B2D4DC63}" dt="2022-12-29T19:18:50.330" v="17" actId="165"/>
           <ac:spMkLst>
             <pc:docMk/>
             <pc:sldMk cId="3687219764" sldId="257"/>
@@ -177,7 +177,7 @@
           </ac:spMkLst>
         </pc:spChg>
         <pc:spChg chg="mod topLvl">
-          <ac:chgData name="Thiago Rodrigues" userId="c2222e916a3b2369" providerId="LiveId" clId="{607E5BDC-F919-49E5-B7C1-06E8B2D4DC63}" dt="2022-12-29T19:11:58.553" v="4" actId="207"/>
+          <ac:chgData name="Thiago Rodrigues" userId="c2222e916a3b2369" providerId="LiveId" clId="{607E5BDC-F919-49E5-B7C1-06E8B2D4DC63}" dt="2022-12-29T19:18:50.330" v="17" actId="165"/>
           <ac:spMkLst>
             <pc:docMk/>
             <pc:sldMk cId="3687219764" sldId="257"/>
@@ -185,7 +185,7 @@
           </ac:spMkLst>
         </pc:spChg>
         <pc:spChg chg="mod topLvl">
-          <ac:chgData name="Thiago Rodrigues" userId="c2222e916a3b2369" providerId="LiveId" clId="{607E5BDC-F919-49E5-B7C1-06E8B2D4DC63}" dt="2022-12-29T19:11:58.553" v="4" actId="207"/>
+          <ac:chgData name="Thiago Rodrigues" userId="c2222e916a3b2369" providerId="LiveId" clId="{607E5BDC-F919-49E5-B7C1-06E8B2D4DC63}" dt="2022-12-29T19:18:50.330" v="17" actId="165"/>
           <ac:spMkLst>
             <pc:docMk/>
             <pc:sldMk cId="3687219764" sldId="257"/>
@@ -193,7 +193,7 @@
           </ac:spMkLst>
         </pc:spChg>
         <pc:spChg chg="mod topLvl">
-          <ac:chgData name="Thiago Rodrigues" userId="c2222e916a3b2369" providerId="LiveId" clId="{607E5BDC-F919-49E5-B7C1-06E8B2D4DC63}" dt="2022-12-29T19:11:58.553" v="4" actId="207"/>
+          <ac:chgData name="Thiago Rodrigues" userId="c2222e916a3b2369" providerId="LiveId" clId="{607E5BDC-F919-49E5-B7C1-06E8B2D4DC63}" dt="2022-12-29T19:18:50.330" v="17" actId="165"/>
           <ac:spMkLst>
             <pc:docMk/>
             <pc:sldMk cId="3687219764" sldId="257"/>
@@ -201,7 +201,7 @@
           </ac:spMkLst>
         </pc:spChg>
         <pc:spChg chg="mod topLvl">
-          <ac:chgData name="Thiago Rodrigues" userId="c2222e916a3b2369" providerId="LiveId" clId="{607E5BDC-F919-49E5-B7C1-06E8B2D4DC63}" dt="2022-12-29T19:11:58.553" v="4" actId="207"/>
+          <ac:chgData name="Thiago Rodrigues" userId="c2222e916a3b2369" providerId="LiveId" clId="{607E5BDC-F919-49E5-B7C1-06E8B2D4DC63}" dt="2022-12-29T19:18:50.330" v="17" actId="165"/>
           <ac:spMkLst>
             <pc:docMk/>
             <pc:sldMk cId="3687219764" sldId="257"/>
@@ -209,7 +209,7 @@
           </ac:spMkLst>
         </pc:spChg>
         <pc:spChg chg="mod topLvl">
-          <ac:chgData name="Thiago Rodrigues" userId="c2222e916a3b2369" providerId="LiveId" clId="{607E5BDC-F919-49E5-B7C1-06E8B2D4DC63}" dt="2022-12-29T19:11:58.553" v="4" actId="207"/>
+          <ac:chgData name="Thiago Rodrigues" userId="c2222e916a3b2369" providerId="LiveId" clId="{607E5BDC-F919-49E5-B7C1-06E8B2D4DC63}" dt="2022-12-29T19:18:50.330" v="17" actId="165"/>
           <ac:spMkLst>
             <pc:docMk/>
             <pc:sldMk cId="3687219764" sldId="257"/>
@@ -217,7 +217,7 @@
           </ac:spMkLst>
         </pc:spChg>
         <pc:spChg chg="mod topLvl">
-          <ac:chgData name="Thiago Rodrigues" userId="c2222e916a3b2369" providerId="LiveId" clId="{607E5BDC-F919-49E5-B7C1-06E8B2D4DC63}" dt="2022-12-29T19:11:58.553" v="4" actId="207"/>
+          <ac:chgData name="Thiago Rodrigues" userId="c2222e916a3b2369" providerId="LiveId" clId="{607E5BDC-F919-49E5-B7C1-06E8B2D4DC63}" dt="2022-12-29T19:18:50.330" v="17" actId="165"/>
           <ac:spMkLst>
             <pc:docMk/>
             <pc:sldMk cId="3687219764" sldId="257"/>
@@ -225,7 +225,7 @@
           </ac:spMkLst>
         </pc:spChg>
         <pc:spChg chg="mod topLvl">
-          <ac:chgData name="Thiago Rodrigues" userId="c2222e916a3b2369" providerId="LiveId" clId="{607E5BDC-F919-49E5-B7C1-06E8B2D4DC63}" dt="2022-12-29T19:11:58.553" v="4" actId="207"/>
+          <ac:chgData name="Thiago Rodrigues" userId="c2222e916a3b2369" providerId="LiveId" clId="{607E5BDC-F919-49E5-B7C1-06E8B2D4DC63}" dt="2022-12-29T19:18:50.330" v="17" actId="165"/>
           <ac:spMkLst>
             <pc:docMk/>
             <pc:sldMk cId="3687219764" sldId="257"/>
@@ -233,7 +233,7 @@
           </ac:spMkLst>
         </pc:spChg>
         <pc:spChg chg="mod topLvl">
-          <ac:chgData name="Thiago Rodrigues" userId="c2222e916a3b2369" providerId="LiveId" clId="{607E5BDC-F919-49E5-B7C1-06E8B2D4DC63}" dt="2022-12-29T19:11:58.553" v="4" actId="207"/>
+          <ac:chgData name="Thiago Rodrigues" userId="c2222e916a3b2369" providerId="LiveId" clId="{607E5BDC-F919-49E5-B7C1-06E8B2D4DC63}" dt="2022-12-29T19:18:50.330" v="17" actId="165"/>
           <ac:spMkLst>
             <pc:docMk/>
             <pc:sldMk cId="3687219764" sldId="257"/>
@@ -241,7 +241,7 @@
           </ac:spMkLst>
         </pc:spChg>
         <pc:spChg chg="mod topLvl">
-          <ac:chgData name="Thiago Rodrigues" userId="c2222e916a3b2369" providerId="LiveId" clId="{607E5BDC-F919-49E5-B7C1-06E8B2D4DC63}" dt="2022-12-29T19:11:58.553" v="4" actId="207"/>
+          <ac:chgData name="Thiago Rodrigues" userId="c2222e916a3b2369" providerId="LiveId" clId="{607E5BDC-F919-49E5-B7C1-06E8B2D4DC63}" dt="2022-12-29T19:18:50.330" v="17" actId="165"/>
           <ac:spMkLst>
             <pc:docMk/>
             <pc:sldMk cId="3687219764" sldId="257"/>
@@ -249,7 +249,7 @@
           </ac:spMkLst>
         </pc:spChg>
         <pc:spChg chg="mod topLvl">
-          <ac:chgData name="Thiago Rodrigues" userId="c2222e916a3b2369" providerId="LiveId" clId="{607E5BDC-F919-49E5-B7C1-06E8B2D4DC63}" dt="2022-12-29T19:11:58.553" v="4" actId="207"/>
+          <ac:chgData name="Thiago Rodrigues" userId="c2222e916a3b2369" providerId="LiveId" clId="{607E5BDC-F919-49E5-B7C1-06E8B2D4DC63}" dt="2022-12-29T19:18:50.330" v="17" actId="165"/>
           <ac:spMkLst>
             <pc:docMk/>
             <pc:sldMk cId="3687219764" sldId="257"/>
@@ -257,7 +257,7 @@
           </ac:spMkLst>
         </pc:spChg>
         <pc:spChg chg="mod topLvl">
-          <ac:chgData name="Thiago Rodrigues" userId="c2222e916a3b2369" providerId="LiveId" clId="{607E5BDC-F919-49E5-B7C1-06E8B2D4DC63}" dt="2022-12-29T19:11:58.553" v="4" actId="207"/>
+          <ac:chgData name="Thiago Rodrigues" userId="c2222e916a3b2369" providerId="LiveId" clId="{607E5BDC-F919-49E5-B7C1-06E8B2D4DC63}" dt="2022-12-29T19:18:50.330" v="17" actId="165"/>
           <ac:spMkLst>
             <pc:docMk/>
             <pc:sldMk cId="3687219764" sldId="257"/>
@@ -265,7 +265,7 @@
           </ac:spMkLst>
         </pc:spChg>
         <pc:spChg chg="mod topLvl">
-          <ac:chgData name="Thiago Rodrigues" userId="c2222e916a3b2369" providerId="LiveId" clId="{607E5BDC-F919-49E5-B7C1-06E8B2D4DC63}" dt="2022-12-29T19:11:58.553" v="4" actId="207"/>
+          <ac:chgData name="Thiago Rodrigues" userId="c2222e916a3b2369" providerId="LiveId" clId="{607E5BDC-F919-49E5-B7C1-06E8B2D4DC63}" dt="2022-12-29T19:18:50.330" v="17" actId="165"/>
           <ac:spMkLst>
             <pc:docMk/>
             <pc:sldMk cId="3687219764" sldId="257"/>
@@ -273,7 +273,7 @@
           </ac:spMkLst>
         </pc:spChg>
         <pc:spChg chg="mod topLvl">
-          <ac:chgData name="Thiago Rodrigues" userId="c2222e916a3b2369" providerId="LiveId" clId="{607E5BDC-F919-49E5-B7C1-06E8B2D4DC63}" dt="2022-12-29T19:11:58.553" v="4" actId="207"/>
+          <ac:chgData name="Thiago Rodrigues" userId="c2222e916a3b2369" providerId="LiveId" clId="{607E5BDC-F919-49E5-B7C1-06E8B2D4DC63}" dt="2022-12-29T19:18:50.330" v="17" actId="165"/>
           <ac:spMkLst>
             <pc:docMk/>
             <pc:sldMk cId="3687219764" sldId="257"/>
@@ -281,7 +281,7 @@
           </ac:spMkLst>
         </pc:spChg>
         <pc:spChg chg="mod topLvl">
-          <ac:chgData name="Thiago Rodrigues" userId="c2222e916a3b2369" providerId="LiveId" clId="{607E5BDC-F919-49E5-B7C1-06E8B2D4DC63}" dt="2022-12-29T19:11:58.553" v="4" actId="207"/>
+          <ac:chgData name="Thiago Rodrigues" userId="c2222e916a3b2369" providerId="LiveId" clId="{607E5BDC-F919-49E5-B7C1-06E8B2D4DC63}" dt="2022-12-29T19:18:50.330" v="17" actId="165"/>
           <ac:spMkLst>
             <pc:docMk/>
             <pc:sldMk cId="3687219764" sldId="257"/>
@@ -289,7 +289,7 @@
           </ac:spMkLst>
         </pc:spChg>
         <pc:spChg chg="mod topLvl">
-          <ac:chgData name="Thiago Rodrigues" userId="c2222e916a3b2369" providerId="LiveId" clId="{607E5BDC-F919-49E5-B7C1-06E8B2D4DC63}" dt="2022-12-29T19:11:58.553" v="4" actId="207"/>
+          <ac:chgData name="Thiago Rodrigues" userId="c2222e916a3b2369" providerId="LiveId" clId="{607E5BDC-F919-49E5-B7C1-06E8B2D4DC63}" dt="2022-12-29T19:18:50.330" v="17" actId="165"/>
           <ac:spMkLst>
             <pc:docMk/>
             <pc:sldMk cId="3687219764" sldId="257"/>
@@ -297,7 +297,7 @@
           </ac:spMkLst>
         </pc:spChg>
         <pc:spChg chg="mod topLvl">
-          <ac:chgData name="Thiago Rodrigues" userId="c2222e916a3b2369" providerId="LiveId" clId="{607E5BDC-F919-49E5-B7C1-06E8B2D4DC63}" dt="2022-12-29T19:11:58.553" v="4" actId="207"/>
+          <ac:chgData name="Thiago Rodrigues" userId="c2222e916a3b2369" providerId="LiveId" clId="{607E5BDC-F919-49E5-B7C1-06E8B2D4DC63}" dt="2022-12-29T19:18:50.330" v="17" actId="165"/>
           <ac:spMkLst>
             <pc:docMk/>
             <pc:sldMk cId="3687219764" sldId="257"/>
@@ -305,7 +305,7 @@
           </ac:spMkLst>
         </pc:spChg>
         <pc:spChg chg="mod topLvl">
-          <ac:chgData name="Thiago Rodrigues" userId="c2222e916a3b2369" providerId="LiveId" clId="{607E5BDC-F919-49E5-B7C1-06E8B2D4DC63}" dt="2022-12-29T19:11:58.553" v="4" actId="207"/>
+          <ac:chgData name="Thiago Rodrigues" userId="c2222e916a3b2369" providerId="LiveId" clId="{607E5BDC-F919-49E5-B7C1-06E8B2D4DC63}" dt="2022-12-29T19:18:50.330" v="17" actId="165"/>
           <ac:spMkLst>
             <pc:docMk/>
             <pc:sldMk cId="3687219764" sldId="257"/>
@@ -313,15 +313,23 @@
           </ac:spMkLst>
         </pc:spChg>
         <pc:grpChg chg="add del mod">
-          <ac:chgData name="Thiago Rodrigues" userId="c2222e916a3b2369" providerId="LiveId" clId="{607E5BDC-F919-49E5-B7C1-06E8B2D4DC63}" dt="2022-12-29T19:11:58.129" v="3" actId="165"/>
+          <ac:chgData name="Thiago Rodrigues" userId="c2222e916a3b2369" providerId="LiveId" clId="{607E5BDC-F919-49E5-B7C1-06E8B2D4DC63}" dt="2022-12-29T19:18:50.330" v="17" actId="165"/>
           <ac:grpSpMkLst>
             <pc:docMk/>
             <pc:sldMk cId="3687219764" sldId="257"/>
             <ac:grpSpMk id="98" creationId="{61B0BBA5-35CB-E45D-269F-7259F8B6CA96}"/>
           </ac:grpSpMkLst>
         </pc:grpChg>
+        <pc:cxnChg chg="add del">
+          <ac:chgData name="Thiago Rodrigues" userId="c2222e916a3b2369" providerId="LiveId" clId="{607E5BDC-F919-49E5-B7C1-06E8B2D4DC63}" dt="2022-12-29T19:18:13.274" v="16" actId="11529"/>
+          <ac:cxnSpMkLst>
+            <pc:docMk/>
+            <pc:sldMk cId="3687219764" sldId="257"/>
+            <ac:cxnSpMk id="3" creationId="{2888CEB8-DEF8-A92A-0C2A-8DDC9D96010E}"/>
+          </ac:cxnSpMkLst>
+        </pc:cxnChg>
         <pc:cxnChg chg="mod topLvl">
-          <ac:chgData name="Thiago Rodrigues" userId="c2222e916a3b2369" providerId="LiveId" clId="{607E5BDC-F919-49E5-B7C1-06E8B2D4DC63}" dt="2022-12-29T19:11:58.129" v="3" actId="165"/>
+          <ac:chgData name="Thiago Rodrigues" userId="c2222e916a3b2369" providerId="LiveId" clId="{607E5BDC-F919-49E5-B7C1-06E8B2D4DC63}" dt="2022-12-29T19:19:15.178" v="19" actId="1582"/>
           <ac:cxnSpMkLst>
             <pc:docMk/>
             <pc:sldMk cId="3687219764" sldId="257"/>
@@ -329,7 +337,7 @@
           </ac:cxnSpMkLst>
         </pc:cxnChg>
         <pc:cxnChg chg="mod topLvl">
-          <ac:chgData name="Thiago Rodrigues" userId="c2222e916a3b2369" providerId="LiveId" clId="{607E5BDC-F919-49E5-B7C1-06E8B2D4DC63}" dt="2022-12-29T19:11:58.129" v="3" actId="165"/>
+          <ac:chgData name="Thiago Rodrigues" userId="c2222e916a3b2369" providerId="LiveId" clId="{607E5BDC-F919-49E5-B7C1-06E8B2D4DC63}" dt="2022-12-29T19:19:15.178" v="19" actId="1582"/>
           <ac:cxnSpMkLst>
             <pc:docMk/>
             <pc:sldMk cId="3687219764" sldId="257"/>
@@ -337,7 +345,7 @@
           </ac:cxnSpMkLst>
         </pc:cxnChg>
         <pc:cxnChg chg="mod topLvl">
-          <ac:chgData name="Thiago Rodrigues" userId="c2222e916a3b2369" providerId="LiveId" clId="{607E5BDC-F919-49E5-B7C1-06E8B2D4DC63}" dt="2022-12-29T19:11:58.129" v="3" actId="165"/>
+          <ac:chgData name="Thiago Rodrigues" userId="c2222e916a3b2369" providerId="LiveId" clId="{607E5BDC-F919-49E5-B7C1-06E8B2D4DC63}" dt="2022-12-29T19:19:15.178" v="19" actId="1582"/>
           <ac:cxnSpMkLst>
             <pc:docMk/>
             <pc:sldMk cId="3687219764" sldId="257"/>
@@ -345,7 +353,7 @@
           </ac:cxnSpMkLst>
         </pc:cxnChg>
         <pc:cxnChg chg="mod topLvl">
-          <ac:chgData name="Thiago Rodrigues" userId="c2222e916a3b2369" providerId="LiveId" clId="{607E5BDC-F919-49E5-B7C1-06E8B2D4DC63}" dt="2022-12-29T19:11:58.129" v="3" actId="165"/>
+          <ac:chgData name="Thiago Rodrigues" userId="c2222e916a3b2369" providerId="LiveId" clId="{607E5BDC-F919-49E5-B7C1-06E8B2D4DC63}" dt="2022-12-29T19:19:15.178" v="19" actId="1582"/>
           <ac:cxnSpMkLst>
             <pc:docMk/>
             <pc:sldMk cId="3687219764" sldId="257"/>
@@ -353,7 +361,7 @@
           </ac:cxnSpMkLst>
         </pc:cxnChg>
         <pc:cxnChg chg="mod topLvl">
-          <ac:chgData name="Thiago Rodrigues" userId="c2222e916a3b2369" providerId="LiveId" clId="{607E5BDC-F919-49E5-B7C1-06E8B2D4DC63}" dt="2022-12-29T19:11:58.129" v="3" actId="165"/>
+          <ac:chgData name="Thiago Rodrigues" userId="c2222e916a3b2369" providerId="LiveId" clId="{607E5BDC-F919-49E5-B7C1-06E8B2D4DC63}" dt="2022-12-29T19:19:23.378" v="20" actId="1582"/>
           <ac:cxnSpMkLst>
             <pc:docMk/>
             <pc:sldMk cId="3687219764" sldId="257"/>
@@ -361,7 +369,7 @@
           </ac:cxnSpMkLst>
         </pc:cxnChg>
         <pc:cxnChg chg="mod topLvl">
-          <ac:chgData name="Thiago Rodrigues" userId="c2222e916a3b2369" providerId="LiveId" clId="{607E5BDC-F919-49E5-B7C1-06E8B2D4DC63}" dt="2022-12-29T19:11:58.129" v="3" actId="165"/>
+          <ac:chgData name="Thiago Rodrigues" userId="c2222e916a3b2369" providerId="LiveId" clId="{607E5BDC-F919-49E5-B7C1-06E8B2D4DC63}" dt="2022-12-29T19:19:23.378" v="20" actId="1582"/>
           <ac:cxnSpMkLst>
             <pc:docMk/>
             <pc:sldMk cId="3687219764" sldId="257"/>
@@ -369,7 +377,7 @@
           </ac:cxnSpMkLst>
         </pc:cxnChg>
         <pc:cxnChg chg="mod topLvl">
-          <ac:chgData name="Thiago Rodrigues" userId="c2222e916a3b2369" providerId="LiveId" clId="{607E5BDC-F919-49E5-B7C1-06E8B2D4DC63}" dt="2022-12-29T19:11:58.129" v="3" actId="165"/>
+          <ac:chgData name="Thiago Rodrigues" userId="c2222e916a3b2369" providerId="LiveId" clId="{607E5BDC-F919-49E5-B7C1-06E8B2D4DC63}" dt="2022-12-29T19:19:23.378" v="20" actId="1582"/>
           <ac:cxnSpMkLst>
             <pc:docMk/>
             <pc:sldMk cId="3687219764" sldId="257"/>
@@ -377,7 +385,7 @@
           </ac:cxnSpMkLst>
         </pc:cxnChg>
         <pc:cxnChg chg="mod topLvl">
-          <ac:chgData name="Thiago Rodrigues" userId="c2222e916a3b2369" providerId="LiveId" clId="{607E5BDC-F919-49E5-B7C1-06E8B2D4DC63}" dt="2022-12-29T19:11:58.129" v="3" actId="165"/>
+          <ac:chgData name="Thiago Rodrigues" userId="c2222e916a3b2369" providerId="LiveId" clId="{607E5BDC-F919-49E5-B7C1-06E8B2D4DC63}" dt="2022-12-29T19:19:23.378" v="20" actId="1582"/>
           <ac:cxnSpMkLst>
             <pc:docMk/>
             <pc:sldMk cId="3687219764" sldId="257"/>
@@ -385,7 +393,7 @@
           </ac:cxnSpMkLst>
         </pc:cxnChg>
         <pc:cxnChg chg="mod topLvl">
-          <ac:chgData name="Thiago Rodrigues" userId="c2222e916a3b2369" providerId="LiveId" clId="{607E5BDC-F919-49E5-B7C1-06E8B2D4DC63}" dt="2022-12-29T19:11:58.129" v="3" actId="165"/>
+          <ac:chgData name="Thiago Rodrigues" userId="c2222e916a3b2369" providerId="LiveId" clId="{607E5BDC-F919-49E5-B7C1-06E8B2D4DC63}" dt="2022-12-29T19:19:37.645" v="22" actId="1582"/>
           <ac:cxnSpMkLst>
             <pc:docMk/>
             <pc:sldMk cId="3687219764" sldId="257"/>
@@ -393,7 +401,7 @@
           </ac:cxnSpMkLst>
         </pc:cxnChg>
         <pc:cxnChg chg="mod topLvl">
-          <ac:chgData name="Thiago Rodrigues" userId="c2222e916a3b2369" providerId="LiveId" clId="{607E5BDC-F919-49E5-B7C1-06E8B2D4DC63}" dt="2022-12-29T19:11:58.129" v="3" actId="165"/>
+          <ac:chgData name="Thiago Rodrigues" userId="c2222e916a3b2369" providerId="LiveId" clId="{607E5BDC-F919-49E5-B7C1-06E8B2D4DC63}" dt="2022-12-29T19:19:37.645" v="22" actId="1582"/>
           <ac:cxnSpMkLst>
             <pc:docMk/>
             <pc:sldMk cId="3687219764" sldId="257"/>
@@ -401,7 +409,7 @@
           </ac:cxnSpMkLst>
         </pc:cxnChg>
         <pc:cxnChg chg="mod topLvl">
-          <ac:chgData name="Thiago Rodrigues" userId="c2222e916a3b2369" providerId="LiveId" clId="{607E5BDC-F919-49E5-B7C1-06E8B2D4DC63}" dt="2022-12-29T19:11:58.129" v="3" actId="165"/>
+          <ac:chgData name="Thiago Rodrigues" userId="c2222e916a3b2369" providerId="LiveId" clId="{607E5BDC-F919-49E5-B7C1-06E8B2D4DC63}" dt="2022-12-29T19:19:37.645" v="22" actId="1582"/>
           <ac:cxnSpMkLst>
             <pc:docMk/>
             <pc:sldMk cId="3687219764" sldId="257"/>
@@ -409,7 +417,7 @@
           </ac:cxnSpMkLst>
         </pc:cxnChg>
         <pc:cxnChg chg="mod topLvl">
-          <ac:chgData name="Thiago Rodrigues" userId="c2222e916a3b2369" providerId="LiveId" clId="{607E5BDC-F919-49E5-B7C1-06E8B2D4DC63}" dt="2022-12-29T19:11:58.129" v="3" actId="165"/>
+          <ac:chgData name="Thiago Rodrigues" userId="c2222e916a3b2369" providerId="LiveId" clId="{607E5BDC-F919-49E5-B7C1-06E8B2D4DC63}" dt="2022-12-29T19:19:30.069" v="21" actId="1582"/>
           <ac:cxnSpMkLst>
             <pc:docMk/>
             <pc:sldMk cId="3687219764" sldId="257"/>
@@ -417,7 +425,7 @@
           </ac:cxnSpMkLst>
         </pc:cxnChg>
         <pc:cxnChg chg="mod topLvl">
-          <ac:chgData name="Thiago Rodrigues" userId="c2222e916a3b2369" providerId="LiveId" clId="{607E5BDC-F919-49E5-B7C1-06E8B2D4DC63}" dt="2022-12-29T19:11:58.129" v="3" actId="165"/>
+          <ac:chgData name="Thiago Rodrigues" userId="c2222e916a3b2369" providerId="LiveId" clId="{607E5BDC-F919-49E5-B7C1-06E8B2D4DC63}" dt="2022-12-29T19:19:30.069" v="21" actId="1582"/>
           <ac:cxnSpMkLst>
             <pc:docMk/>
             <pc:sldMk cId="3687219764" sldId="257"/>
@@ -425,7 +433,7 @@
           </ac:cxnSpMkLst>
         </pc:cxnChg>
         <pc:cxnChg chg="mod topLvl">
-          <ac:chgData name="Thiago Rodrigues" userId="c2222e916a3b2369" providerId="LiveId" clId="{607E5BDC-F919-49E5-B7C1-06E8B2D4DC63}" dt="2022-12-29T19:11:58.129" v="3" actId="165"/>
+          <ac:chgData name="Thiago Rodrigues" userId="c2222e916a3b2369" providerId="LiveId" clId="{607E5BDC-F919-49E5-B7C1-06E8B2D4DC63}" dt="2022-12-29T19:19:30.069" v="21" actId="1582"/>
           <ac:cxnSpMkLst>
             <pc:docMk/>
             <pc:sldMk cId="3687219764" sldId="257"/>
@@ -434,13 +442,13 @@
         </pc:cxnChg>
       </pc:sldChg>
       <pc:sldChg chg="addSp delSp modSp add mod">
-        <pc:chgData name="Thiago Rodrigues" userId="c2222e916a3b2369" providerId="LiveId" clId="{607E5BDC-F919-49E5-B7C1-06E8B2D4DC63}" dt="2022-12-29T19:16:25.261" v="14" actId="164"/>
+        <pc:chgData name="Thiago Rodrigues" userId="c2222e916a3b2369" providerId="LiveId" clId="{607E5BDC-F919-49E5-B7C1-06E8B2D4DC63}" dt="2022-12-29T19:20:24.242" v="30" actId="164"/>
         <pc:sldMkLst>
           <pc:docMk/>
           <pc:sldMk cId="2799381348" sldId="258"/>
         </pc:sldMkLst>
         <pc:spChg chg="mod topLvl">
-          <ac:chgData name="Thiago Rodrigues" userId="c2222e916a3b2369" providerId="LiveId" clId="{607E5BDC-F919-49E5-B7C1-06E8B2D4DC63}" dt="2022-12-29T19:16:25.261" v="14" actId="164"/>
+          <ac:chgData name="Thiago Rodrigues" userId="c2222e916a3b2369" providerId="LiveId" clId="{607E5BDC-F919-49E5-B7C1-06E8B2D4DC63}" dt="2022-12-29T19:20:24.242" v="30" actId="164"/>
           <ac:spMkLst>
             <pc:docMk/>
             <pc:sldMk cId="2799381348" sldId="258"/>
@@ -448,7 +456,7 @@
           </ac:spMkLst>
         </pc:spChg>
         <pc:spChg chg="mod topLvl">
-          <ac:chgData name="Thiago Rodrigues" userId="c2222e916a3b2369" providerId="LiveId" clId="{607E5BDC-F919-49E5-B7C1-06E8B2D4DC63}" dt="2022-12-29T19:16:25.261" v="14" actId="164"/>
+          <ac:chgData name="Thiago Rodrigues" userId="c2222e916a3b2369" providerId="LiveId" clId="{607E5BDC-F919-49E5-B7C1-06E8B2D4DC63}" dt="2022-12-29T19:20:24.242" v="30" actId="164"/>
           <ac:spMkLst>
             <pc:docMk/>
             <pc:sldMk cId="2799381348" sldId="258"/>
@@ -456,7 +464,7 @@
           </ac:spMkLst>
         </pc:spChg>
         <pc:spChg chg="mod topLvl">
-          <ac:chgData name="Thiago Rodrigues" userId="c2222e916a3b2369" providerId="LiveId" clId="{607E5BDC-F919-49E5-B7C1-06E8B2D4DC63}" dt="2022-12-29T19:16:25.261" v="14" actId="164"/>
+          <ac:chgData name="Thiago Rodrigues" userId="c2222e916a3b2369" providerId="LiveId" clId="{607E5BDC-F919-49E5-B7C1-06E8B2D4DC63}" dt="2022-12-29T19:20:24.242" v="30" actId="164"/>
           <ac:spMkLst>
             <pc:docMk/>
             <pc:sldMk cId="2799381348" sldId="258"/>
@@ -464,7 +472,7 @@
           </ac:spMkLst>
         </pc:spChg>
         <pc:spChg chg="mod topLvl">
-          <ac:chgData name="Thiago Rodrigues" userId="c2222e916a3b2369" providerId="LiveId" clId="{607E5BDC-F919-49E5-B7C1-06E8B2D4DC63}" dt="2022-12-29T19:16:25.261" v="14" actId="164"/>
+          <ac:chgData name="Thiago Rodrigues" userId="c2222e916a3b2369" providerId="LiveId" clId="{607E5BDC-F919-49E5-B7C1-06E8B2D4DC63}" dt="2022-12-29T19:20:24.242" v="30" actId="164"/>
           <ac:spMkLst>
             <pc:docMk/>
             <pc:sldMk cId="2799381348" sldId="258"/>
@@ -472,7 +480,7 @@
           </ac:spMkLst>
         </pc:spChg>
         <pc:spChg chg="mod topLvl">
-          <ac:chgData name="Thiago Rodrigues" userId="c2222e916a3b2369" providerId="LiveId" clId="{607E5BDC-F919-49E5-B7C1-06E8B2D4DC63}" dt="2022-12-29T19:16:25.261" v="14" actId="164"/>
+          <ac:chgData name="Thiago Rodrigues" userId="c2222e916a3b2369" providerId="LiveId" clId="{607E5BDC-F919-49E5-B7C1-06E8B2D4DC63}" dt="2022-12-29T19:20:24.242" v="30" actId="164"/>
           <ac:spMkLst>
             <pc:docMk/>
             <pc:sldMk cId="2799381348" sldId="258"/>
@@ -480,7 +488,7 @@
           </ac:spMkLst>
         </pc:spChg>
         <pc:spChg chg="mod topLvl">
-          <ac:chgData name="Thiago Rodrigues" userId="c2222e916a3b2369" providerId="LiveId" clId="{607E5BDC-F919-49E5-B7C1-06E8B2D4DC63}" dt="2022-12-29T19:16:25.261" v="14" actId="164"/>
+          <ac:chgData name="Thiago Rodrigues" userId="c2222e916a3b2369" providerId="LiveId" clId="{607E5BDC-F919-49E5-B7C1-06E8B2D4DC63}" dt="2022-12-29T19:20:24.242" v="30" actId="164"/>
           <ac:spMkLst>
             <pc:docMk/>
             <pc:sldMk cId="2799381348" sldId="258"/>
@@ -488,7 +496,7 @@
           </ac:spMkLst>
         </pc:spChg>
         <pc:spChg chg="mod topLvl">
-          <ac:chgData name="Thiago Rodrigues" userId="c2222e916a3b2369" providerId="LiveId" clId="{607E5BDC-F919-49E5-B7C1-06E8B2D4DC63}" dt="2022-12-29T19:16:25.261" v="14" actId="164"/>
+          <ac:chgData name="Thiago Rodrigues" userId="c2222e916a3b2369" providerId="LiveId" clId="{607E5BDC-F919-49E5-B7C1-06E8B2D4DC63}" dt="2022-12-29T19:20:24.242" v="30" actId="164"/>
           <ac:spMkLst>
             <pc:docMk/>
             <pc:sldMk cId="2799381348" sldId="258"/>
@@ -496,7 +504,7 @@
           </ac:spMkLst>
         </pc:spChg>
         <pc:spChg chg="mod topLvl">
-          <ac:chgData name="Thiago Rodrigues" userId="c2222e916a3b2369" providerId="LiveId" clId="{607E5BDC-F919-49E5-B7C1-06E8B2D4DC63}" dt="2022-12-29T19:16:25.261" v="14" actId="164"/>
+          <ac:chgData name="Thiago Rodrigues" userId="c2222e916a3b2369" providerId="LiveId" clId="{607E5BDC-F919-49E5-B7C1-06E8B2D4DC63}" dt="2022-12-29T19:20:24.242" v="30" actId="164"/>
           <ac:spMkLst>
             <pc:docMk/>
             <pc:sldMk cId="2799381348" sldId="258"/>
@@ -504,7 +512,7 @@
           </ac:spMkLst>
         </pc:spChg>
         <pc:spChg chg="mod topLvl">
-          <ac:chgData name="Thiago Rodrigues" userId="c2222e916a3b2369" providerId="LiveId" clId="{607E5BDC-F919-49E5-B7C1-06E8B2D4DC63}" dt="2022-12-29T19:16:25.261" v="14" actId="164"/>
+          <ac:chgData name="Thiago Rodrigues" userId="c2222e916a3b2369" providerId="LiveId" clId="{607E5BDC-F919-49E5-B7C1-06E8B2D4DC63}" dt="2022-12-29T19:20:24.242" v="30" actId="164"/>
           <ac:spMkLst>
             <pc:docMk/>
             <pc:sldMk cId="2799381348" sldId="258"/>
@@ -512,7 +520,7 @@
           </ac:spMkLst>
         </pc:spChg>
         <pc:spChg chg="mod topLvl">
-          <ac:chgData name="Thiago Rodrigues" userId="c2222e916a3b2369" providerId="LiveId" clId="{607E5BDC-F919-49E5-B7C1-06E8B2D4DC63}" dt="2022-12-29T19:16:25.261" v="14" actId="164"/>
+          <ac:chgData name="Thiago Rodrigues" userId="c2222e916a3b2369" providerId="LiveId" clId="{607E5BDC-F919-49E5-B7C1-06E8B2D4DC63}" dt="2022-12-29T19:20:24.242" v="30" actId="164"/>
           <ac:spMkLst>
             <pc:docMk/>
             <pc:sldMk cId="2799381348" sldId="258"/>
@@ -520,7 +528,7 @@
           </ac:spMkLst>
         </pc:spChg>
         <pc:spChg chg="mod topLvl">
-          <ac:chgData name="Thiago Rodrigues" userId="c2222e916a3b2369" providerId="LiveId" clId="{607E5BDC-F919-49E5-B7C1-06E8B2D4DC63}" dt="2022-12-29T19:16:25.261" v="14" actId="164"/>
+          <ac:chgData name="Thiago Rodrigues" userId="c2222e916a3b2369" providerId="LiveId" clId="{607E5BDC-F919-49E5-B7C1-06E8B2D4DC63}" dt="2022-12-29T19:20:24.242" v="30" actId="164"/>
           <ac:spMkLst>
             <pc:docMk/>
             <pc:sldMk cId="2799381348" sldId="258"/>
@@ -528,7 +536,7 @@
           </ac:spMkLst>
         </pc:spChg>
         <pc:spChg chg="mod topLvl">
-          <ac:chgData name="Thiago Rodrigues" userId="c2222e916a3b2369" providerId="LiveId" clId="{607E5BDC-F919-49E5-B7C1-06E8B2D4DC63}" dt="2022-12-29T19:16:25.261" v="14" actId="164"/>
+          <ac:chgData name="Thiago Rodrigues" userId="c2222e916a3b2369" providerId="LiveId" clId="{607E5BDC-F919-49E5-B7C1-06E8B2D4DC63}" dt="2022-12-29T19:20:24.242" v="30" actId="164"/>
           <ac:spMkLst>
             <pc:docMk/>
             <pc:sldMk cId="2799381348" sldId="258"/>
@@ -536,7 +544,7 @@
           </ac:spMkLst>
         </pc:spChg>
         <pc:spChg chg="mod topLvl">
-          <ac:chgData name="Thiago Rodrigues" userId="c2222e916a3b2369" providerId="LiveId" clId="{607E5BDC-F919-49E5-B7C1-06E8B2D4DC63}" dt="2022-12-29T19:16:25.261" v="14" actId="164"/>
+          <ac:chgData name="Thiago Rodrigues" userId="c2222e916a3b2369" providerId="LiveId" clId="{607E5BDC-F919-49E5-B7C1-06E8B2D4DC63}" dt="2022-12-29T19:20:24.242" v="30" actId="164"/>
           <ac:spMkLst>
             <pc:docMk/>
             <pc:sldMk cId="2799381348" sldId="258"/>
@@ -544,7 +552,7 @@
           </ac:spMkLst>
         </pc:spChg>
         <pc:spChg chg="mod topLvl">
-          <ac:chgData name="Thiago Rodrigues" userId="c2222e916a3b2369" providerId="LiveId" clId="{607E5BDC-F919-49E5-B7C1-06E8B2D4DC63}" dt="2022-12-29T19:16:25.261" v="14" actId="164"/>
+          <ac:chgData name="Thiago Rodrigues" userId="c2222e916a3b2369" providerId="LiveId" clId="{607E5BDC-F919-49E5-B7C1-06E8B2D4DC63}" dt="2022-12-29T19:20:24.242" v="30" actId="164"/>
           <ac:spMkLst>
             <pc:docMk/>
             <pc:sldMk cId="2799381348" sldId="258"/>
@@ -552,7 +560,7 @@
           </ac:spMkLst>
         </pc:spChg>
         <pc:spChg chg="mod topLvl">
-          <ac:chgData name="Thiago Rodrigues" userId="c2222e916a3b2369" providerId="LiveId" clId="{607E5BDC-F919-49E5-B7C1-06E8B2D4DC63}" dt="2022-12-29T19:16:25.261" v="14" actId="164"/>
+          <ac:chgData name="Thiago Rodrigues" userId="c2222e916a3b2369" providerId="LiveId" clId="{607E5BDC-F919-49E5-B7C1-06E8B2D4DC63}" dt="2022-12-29T19:20:24.242" v="30" actId="164"/>
           <ac:spMkLst>
             <pc:docMk/>
             <pc:sldMk cId="2799381348" sldId="258"/>
@@ -560,7 +568,7 @@
           </ac:spMkLst>
         </pc:spChg>
         <pc:spChg chg="mod topLvl">
-          <ac:chgData name="Thiago Rodrigues" userId="c2222e916a3b2369" providerId="LiveId" clId="{607E5BDC-F919-49E5-B7C1-06E8B2D4DC63}" dt="2022-12-29T19:16:25.261" v="14" actId="164"/>
+          <ac:chgData name="Thiago Rodrigues" userId="c2222e916a3b2369" providerId="LiveId" clId="{607E5BDC-F919-49E5-B7C1-06E8B2D4DC63}" dt="2022-12-29T19:20:24.242" v="30" actId="164"/>
           <ac:spMkLst>
             <pc:docMk/>
             <pc:sldMk cId="2799381348" sldId="258"/>
@@ -568,7 +576,7 @@
           </ac:spMkLst>
         </pc:spChg>
         <pc:spChg chg="mod topLvl">
-          <ac:chgData name="Thiago Rodrigues" userId="c2222e916a3b2369" providerId="LiveId" clId="{607E5BDC-F919-49E5-B7C1-06E8B2D4DC63}" dt="2022-12-29T19:16:25.261" v="14" actId="164"/>
+          <ac:chgData name="Thiago Rodrigues" userId="c2222e916a3b2369" providerId="LiveId" clId="{607E5BDC-F919-49E5-B7C1-06E8B2D4DC63}" dt="2022-12-29T19:20:24.242" v="30" actId="164"/>
           <ac:spMkLst>
             <pc:docMk/>
             <pc:sldMk cId="2799381348" sldId="258"/>
@@ -576,7 +584,7 @@
           </ac:spMkLst>
         </pc:spChg>
         <pc:spChg chg="mod topLvl">
-          <ac:chgData name="Thiago Rodrigues" userId="c2222e916a3b2369" providerId="LiveId" clId="{607E5BDC-F919-49E5-B7C1-06E8B2D4DC63}" dt="2022-12-29T19:16:25.261" v="14" actId="164"/>
+          <ac:chgData name="Thiago Rodrigues" userId="c2222e916a3b2369" providerId="LiveId" clId="{607E5BDC-F919-49E5-B7C1-06E8B2D4DC63}" dt="2022-12-29T19:20:24.242" v="30" actId="164"/>
           <ac:spMkLst>
             <pc:docMk/>
             <pc:sldMk cId="2799381348" sldId="258"/>
@@ -584,7 +592,7 @@
           </ac:spMkLst>
         </pc:spChg>
         <pc:spChg chg="mod topLvl">
-          <ac:chgData name="Thiago Rodrigues" userId="c2222e916a3b2369" providerId="LiveId" clId="{607E5BDC-F919-49E5-B7C1-06E8B2D4DC63}" dt="2022-12-29T19:16:25.261" v="14" actId="164"/>
+          <ac:chgData name="Thiago Rodrigues" userId="c2222e916a3b2369" providerId="LiveId" clId="{607E5BDC-F919-49E5-B7C1-06E8B2D4DC63}" dt="2022-12-29T19:20:24.242" v="30" actId="164"/>
           <ac:spMkLst>
             <pc:docMk/>
             <pc:sldMk cId="2799381348" sldId="258"/>
@@ -592,7 +600,7 @@
           </ac:spMkLst>
         </pc:spChg>
         <pc:spChg chg="mod topLvl">
-          <ac:chgData name="Thiago Rodrigues" userId="c2222e916a3b2369" providerId="LiveId" clId="{607E5BDC-F919-49E5-B7C1-06E8B2D4DC63}" dt="2022-12-29T19:16:25.261" v="14" actId="164"/>
+          <ac:chgData name="Thiago Rodrigues" userId="c2222e916a3b2369" providerId="LiveId" clId="{607E5BDC-F919-49E5-B7C1-06E8B2D4DC63}" dt="2022-12-29T19:20:24.242" v="30" actId="164"/>
           <ac:spMkLst>
             <pc:docMk/>
             <pc:sldMk cId="2799381348" sldId="258"/>
@@ -600,7 +608,7 @@
           </ac:spMkLst>
         </pc:spChg>
         <pc:spChg chg="mod topLvl">
-          <ac:chgData name="Thiago Rodrigues" userId="c2222e916a3b2369" providerId="LiveId" clId="{607E5BDC-F919-49E5-B7C1-06E8B2D4DC63}" dt="2022-12-29T19:16:25.261" v="14" actId="164"/>
+          <ac:chgData name="Thiago Rodrigues" userId="c2222e916a3b2369" providerId="LiveId" clId="{607E5BDC-F919-49E5-B7C1-06E8B2D4DC63}" dt="2022-12-29T19:20:24.242" v="30" actId="164"/>
           <ac:spMkLst>
             <pc:docMk/>
             <pc:sldMk cId="2799381348" sldId="258"/>
@@ -608,7 +616,7 @@
           </ac:spMkLst>
         </pc:spChg>
         <pc:spChg chg="mod topLvl">
-          <ac:chgData name="Thiago Rodrigues" userId="c2222e916a3b2369" providerId="LiveId" clId="{607E5BDC-F919-49E5-B7C1-06E8B2D4DC63}" dt="2022-12-29T19:16:25.261" v="14" actId="164"/>
+          <ac:chgData name="Thiago Rodrigues" userId="c2222e916a3b2369" providerId="LiveId" clId="{607E5BDC-F919-49E5-B7C1-06E8B2D4DC63}" dt="2022-12-29T19:20:24.242" v="30" actId="164"/>
           <ac:spMkLst>
             <pc:docMk/>
             <pc:sldMk cId="2799381348" sldId="258"/>
@@ -624,7 +632,15 @@
           </ac:grpSpMkLst>
         </pc:grpChg>
         <pc:grpChg chg="add mod">
-          <ac:chgData name="Thiago Rodrigues" userId="c2222e916a3b2369" providerId="LiveId" clId="{607E5BDC-F919-49E5-B7C1-06E8B2D4DC63}" dt="2022-12-29T19:16:25.261" v="14" actId="164"/>
+          <ac:chgData name="Thiago Rodrigues" userId="c2222e916a3b2369" providerId="LiveId" clId="{607E5BDC-F919-49E5-B7C1-06E8B2D4DC63}" dt="2022-12-29T19:20:24.242" v="30" actId="164"/>
+          <ac:grpSpMkLst>
+            <pc:docMk/>
+            <pc:sldMk cId="2799381348" sldId="258"/>
+            <ac:grpSpMk id="2" creationId="{CBC5E26F-D847-6A44-131C-AA70CA3DE8F1}"/>
+          </ac:grpSpMkLst>
+        </pc:grpChg>
+        <pc:grpChg chg="add del mod">
+          <ac:chgData name="Thiago Rodrigues" userId="c2222e916a3b2369" providerId="LiveId" clId="{607E5BDC-F919-49E5-B7C1-06E8B2D4DC63}" dt="2022-12-29T19:19:45.112" v="23" actId="165"/>
           <ac:grpSpMkLst>
             <pc:docMk/>
             <pc:sldMk cId="2799381348" sldId="258"/>
@@ -640,7 +656,7 @@
           </ac:grpSpMkLst>
         </pc:grpChg>
         <pc:cxnChg chg="mod topLvl">
-          <ac:chgData name="Thiago Rodrigues" userId="c2222e916a3b2369" providerId="LiveId" clId="{607E5BDC-F919-49E5-B7C1-06E8B2D4DC63}" dt="2022-12-29T19:16:25.261" v="14" actId="164"/>
+          <ac:chgData name="Thiago Rodrigues" userId="c2222e916a3b2369" providerId="LiveId" clId="{607E5BDC-F919-49E5-B7C1-06E8B2D4DC63}" dt="2022-12-29T19:20:24.242" v="30" actId="164"/>
           <ac:cxnSpMkLst>
             <pc:docMk/>
             <pc:sldMk cId="2799381348" sldId="258"/>
@@ -648,7 +664,7 @@
           </ac:cxnSpMkLst>
         </pc:cxnChg>
         <pc:cxnChg chg="mod topLvl">
-          <ac:chgData name="Thiago Rodrigues" userId="c2222e916a3b2369" providerId="LiveId" clId="{607E5BDC-F919-49E5-B7C1-06E8B2D4DC63}" dt="2022-12-29T19:16:25.261" v="14" actId="164"/>
+          <ac:chgData name="Thiago Rodrigues" userId="c2222e916a3b2369" providerId="LiveId" clId="{607E5BDC-F919-49E5-B7C1-06E8B2D4DC63}" dt="2022-12-29T19:20:24.242" v="30" actId="164"/>
           <ac:cxnSpMkLst>
             <pc:docMk/>
             <pc:sldMk cId="2799381348" sldId="258"/>
@@ -656,7 +672,7 @@
           </ac:cxnSpMkLst>
         </pc:cxnChg>
         <pc:cxnChg chg="mod topLvl">
-          <ac:chgData name="Thiago Rodrigues" userId="c2222e916a3b2369" providerId="LiveId" clId="{607E5BDC-F919-49E5-B7C1-06E8B2D4DC63}" dt="2022-12-29T19:16:25.261" v="14" actId="164"/>
+          <ac:chgData name="Thiago Rodrigues" userId="c2222e916a3b2369" providerId="LiveId" clId="{607E5BDC-F919-49E5-B7C1-06E8B2D4DC63}" dt="2022-12-29T19:20:24.242" v="30" actId="164"/>
           <ac:cxnSpMkLst>
             <pc:docMk/>
             <pc:sldMk cId="2799381348" sldId="258"/>
@@ -664,7 +680,7 @@
           </ac:cxnSpMkLst>
         </pc:cxnChg>
         <pc:cxnChg chg="mod topLvl">
-          <ac:chgData name="Thiago Rodrigues" userId="c2222e916a3b2369" providerId="LiveId" clId="{607E5BDC-F919-49E5-B7C1-06E8B2D4DC63}" dt="2022-12-29T19:16:25.261" v="14" actId="164"/>
+          <ac:chgData name="Thiago Rodrigues" userId="c2222e916a3b2369" providerId="LiveId" clId="{607E5BDC-F919-49E5-B7C1-06E8B2D4DC63}" dt="2022-12-29T19:20:24.242" v="30" actId="164"/>
           <ac:cxnSpMkLst>
             <pc:docMk/>
             <pc:sldMk cId="2799381348" sldId="258"/>
@@ -672,7 +688,7 @@
           </ac:cxnSpMkLst>
         </pc:cxnChg>
         <pc:cxnChg chg="mod topLvl">
-          <ac:chgData name="Thiago Rodrigues" userId="c2222e916a3b2369" providerId="LiveId" clId="{607E5BDC-F919-49E5-B7C1-06E8B2D4DC63}" dt="2022-12-29T19:16:25.261" v="14" actId="164"/>
+          <ac:chgData name="Thiago Rodrigues" userId="c2222e916a3b2369" providerId="LiveId" clId="{607E5BDC-F919-49E5-B7C1-06E8B2D4DC63}" dt="2022-12-29T19:20:24.242" v="30" actId="164"/>
           <ac:cxnSpMkLst>
             <pc:docMk/>
             <pc:sldMk cId="2799381348" sldId="258"/>
@@ -680,7 +696,7 @@
           </ac:cxnSpMkLst>
         </pc:cxnChg>
         <pc:cxnChg chg="mod topLvl">
-          <ac:chgData name="Thiago Rodrigues" userId="c2222e916a3b2369" providerId="LiveId" clId="{607E5BDC-F919-49E5-B7C1-06E8B2D4DC63}" dt="2022-12-29T19:16:25.261" v="14" actId="164"/>
+          <ac:chgData name="Thiago Rodrigues" userId="c2222e916a3b2369" providerId="LiveId" clId="{607E5BDC-F919-49E5-B7C1-06E8B2D4DC63}" dt="2022-12-29T19:20:24.242" v="30" actId="164"/>
           <ac:cxnSpMkLst>
             <pc:docMk/>
             <pc:sldMk cId="2799381348" sldId="258"/>
@@ -688,7 +704,7 @@
           </ac:cxnSpMkLst>
         </pc:cxnChg>
         <pc:cxnChg chg="mod topLvl">
-          <ac:chgData name="Thiago Rodrigues" userId="c2222e916a3b2369" providerId="LiveId" clId="{607E5BDC-F919-49E5-B7C1-06E8B2D4DC63}" dt="2022-12-29T19:16:25.261" v="14" actId="164"/>
+          <ac:chgData name="Thiago Rodrigues" userId="c2222e916a3b2369" providerId="LiveId" clId="{607E5BDC-F919-49E5-B7C1-06E8B2D4DC63}" dt="2022-12-29T19:20:24.242" v="30" actId="164"/>
           <ac:cxnSpMkLst>
             <pc:docMk/>
             <pc:sldMk cId="2799381348" sldId="258"/>
@@ -696,7 +712,7 @@
           </ac:cxnSpMkLst>
         </pc:cxnChg>
         <pc:cxnChg chg="mod topLvl">
-          <ac:chgData name="Thiago Rodrigues" userId="c2222e916a3b2369" providerId="LiveId" clId="{607E5BDC-F919-49E5-B7C1-06E8B2D4DC63}" dt="2022-12-29T19:16:25.261" v="14" actId="164"/>
+          <ac:chgData name="Thiago Rodrigues" userId="c2222e916a3b2369" providerId="LiveId" clId="{607E5BDC-F919-49E5-B7C1-06E8B2D4DC63}" dt="2022-12-29T19:20:24.242" v="30" actId="164"/>
           <ac:cxnSpMkLst>
             <pc:docMk/>
             <pc:sldMk cId="2799381348" sldId="258"/>
@@ -704,7 +720,7 @@
           </ac:cxnSpMkLst>
         </pc:cxnChg>
         <pc:cxnChg chg="mod topLvl">
-          <ac:chgData name="Thiago Rodrigues" userId="c2222e916a3b2369" providerId="LiveId" clId="{607E5BDC-F919-49E5-B7C1-06E8B2D4DC63}" dt="2022-12-29T19:16:25.261" v="14" actId="164"/>
+          <ac:chgData name="Thiago Rodrigues" userId="c2222e916a3b2369" providerId="LiveId" clId="{607E5BDC-F919-49E5-B7C1-06E8B2D4DC63}" dt="2022-12-29T19:20:24.242" v="30" actId="164"/>
           <ac:cxnSpMkLst>
             <pc:docMk/>
             <pc:sldMk cId="2799381348" sldId="258"/>
@@ -712,7 +728,7 @@
           </ac:cxnSpMkLst>
         </pc:cxnChg>
         <pc:cxnChg chg="mod topLvl">
-          <ac:chgData name="Thiago Rodrigues" userId="c2222e916a3b2369" providerId="LiveId" clId="{607E5BDC-F919-49E5-B7C1-06E8B2D4DC63}" dt="2022-12-29T19:16:25.261" v="14" actId="164"/>
+          <ac:chgData name="Thiago Rodrigues" userId="c2222e916a3b2369" providerId="LiveId" clId="{607E5BDC-F919-49E5-B7C1-06E8B2D4DC63}" dt="2022-12-29T19:20:24.242" v="30" actId="164"/>
           <ac:cxnSpMkLst>
             <pc:docMk/>
             <pc:sldMk cId="2799381348" sldId="258"/>
@@ -720,7 +736,7 @@
           </ac:cxnSpMkLst>
         </pc:cxnChg>
         <pc:cxnChg chg="mod topLvl">
-          <ac:chgData name="Thiago Rodrigues" userId="c2222e916a3b2369" providerId="LiveId" clId="{607E5BDC-F919-49E5-B7C1-06E8B2D4DC63}" dt="2022-12-29T19:16:25.261" v="14" actId="164"/>
+          <ac:chgData name="Thiago Rodrigues" userId="c2222e916a3b2369" providerId="LiveId" clId="{607E5BDC-F919-49E5-B7C1-06E8B2D4DC63}" dt="2022-12-29T19:20:24.242" v="30" actId="164"/>
           <ac:cxnSpMkLst>
             <pc:docMk/>
             <pc:sldMk cId="2799381348" sldId="258"/>
@@ -728,7 +744,7 @@
           </ac:cxnSpMkLst>
         </pc:cxnChg>
         <pc:cxnChg chg="mod topLvl">
-          <ac:chgData name="Thiago Rodrigues" userId="c2222e916a3b2369" providerId="LiveId" clId="{607E5BDC-F919-49E5-B7C1-06E8B2D4DC63}" dt="2022-12-29T19:16:25.261" v="14" actId="164"/>
+          <ac:chgData name="Thiago Rodrigues" userId="c2222e916a3b2369" providerId="LiveId" clId="{607E5BDC-F919-49E5-B7C1-06E8B2D4DC63}" dt="2022-12-29T19:20:24.242" v="30" actId="164"/>
           <ac:cxnSpMkLst>
             <pc:docMk/>
             <pc:sldMk cId="2799381348" sldId="258"/>
@@ -736,7 +752,7 @@
           </ac:cxnSpMkLst>
         </pc:cxnChg>
         <pc:cxnChg chg="mod topLvl">
-          <ac:chgData name="Thiago Rodrigues" userId="c2222e916a3b2369" providerId="LiveId" clId="{607E5BDC-F919-49E5-B7C1-06E8B2D4DC63}" dt="2022-12-29T19:16:25.261" v="14" actId="164"/>
+          <ac:chgData name="Thiago Rodrigues" userId="c2222e916a3b2369" providerId="LiveId" clId="{607E5BDC-F919-49E5-B7C1-06E8B2D4DC63}" dt="2022-12-29T19:20:24.242" v="30" actId="164"/>
           <ac:cxnSpMkLst>
             <pc:docMk/>
             <pc:sldMk cId="2799381348" sldId="258"/>
@@ -744,7 +760,7 @@
           </ac:cxnSpMkLst>
         </pc:cxnChg>
         <pc:cxnChg chg="mod topLvl">
-          <ac:chgData name="Thiago Rodrigues" userId="c2222e916a3b2369" providerId="LiveId" clId="{607E5BDC-F919-49E5-B7C1-06E8B2D4DC63}" dt="2022-12-29T19:16:25.261" v="14" actId="164"/>
+          <ac:chgData name="Thiago Rodrigues" userId="c2222e916a3b2369" providerId="LiveId" clId="{607E5BDC-F919-49E5-B7C1-06E8B2D4DC63}" dt="2022-12-29T19:20:24.242" v="30" actId="164"/>
           <ac:cxnSpMkLst>
             <pc:docMk/>
             <pc:sldMk cId="2799381348" sldId="258"/>
@@ -3971,1751 +3987,1730 @@
           <a:chExt cx="0" cy="0"/>
         </a:xfrm>
       </p:grpSpPr>
-      <p:grpSp>
-        <p:nvGrpSpPr>
-          <p:cNvPr id="98" name="Agrupar 97">
-            <a:extLst>
-              <a:ext uri="{FF2B5EF4-FFF2-40B4-BE49-F238E27FC236}">
-                <a16:creationId xmlns:a16="http://schemas.microsoft.com/office/drawing/2014/main" id="{61B0BBA5-35CB-E45D-269F-7259F8B6CA96}"/>
-              </a:ext>
-            </a:extLst>
-          </p:cNvPr>
-          <p:cNvGrpSpPr/>
+      <p:sp>
+        <p:nvSpPr>
+          <p:cNvPr id="6" name="Retângulo 5">
+            <a:extLst>
+              <a:ext uri="{FF2B5EF4-FFF2-40B4-BE49-F238E27FC236}">
+                <a16:creationId xmlns:a16="http://schemas.microsoft.com/office/drawing/2014/main" id="{BD96A2B9-6F35-C9B0-7AE7-F6B8A4425367}"/>
+              </a:ext>
+            </a:extLst>
+          </p:cNvPr>
+          <p:cNvSpPr/>
           <p:nvPr/>
-        </p:nvGrpSpPr>
-        <p:grpSpPr>
+        </p:nvSpPr>
+        <p:spPr>
           <a:xfrm>
-            <a:off x="737118" y="1223080"/>
-            <a:ext cx="10717764" cy="4411841"/>
-            <a:chOff x="737118" y="1223080"/>
-            <a:chExt cx="10717764" cy="4411841"/>
+            <a:off x="737118" y="1705161"/>
+            <a:ext cx="1440000" cy="720000"/>
           </a:xfrm>
-        </p:grpSpPr>
-        <p:sp>
-          <p:nvSpPr>
-            <p:cNvPr id="6" name="Retângulo 5">
-              <a:extLst>
-                <a:ext uri="{FF2B5EF4-FFF2-40B4-BE49-F238E27FC236}">
-                  <a16:creationId xmlns:a16="http://schemas.microsoft.com/office/drawing/2014/main" id="{BD96A2B9-6F35-C9B0-7AE7-F6B8A4425367}"/>
-                </a:ext>
-              </a:extLst>
-            </p:cNvPr>
-            <p:cNvSpPr/>
-            <p:nvPr/>
-          </p:nvSpPr>
-          <p:spPr>
-            <a:xfrm>
-              <a:off x="737118" y="1705161"/>
-              <a:ext cx="1440000" cy="720000"/>
-            </a:xfrm>
-            <a:prstGeom prst="rect">
-              <a:avLst/>
-            </a:prstGeom>
-            <a:solidFill>
-              <a:schemeClr val="accent1">
-                <a:lumMod val="60000"/>
-                <a:lumOff val="40000"/>
-              </a:schemeClr>
-            </a:solidFill>
-            <a:ln>
-              <a:noFill/>
-            </a:ln>
-          </p:spPr>
-          <p:style>
-            <a:lnRef idx="2">
-              <a:schemeClr val="accent1">
-                <a:shade val="50000"/>
-              </a:schemeClr>
-            </a:lnRef>
-            <a:fillRef idx="1">
-              <a:schemeClr val="accent1"/>
-            </a:fillRef>
-            <a:effectRef idx="0">
-              <a:schemeClr val="accent1"/>
-            </a:effectRef>
-            <a:fontRef idx="minor">
-              <a:schemeClr val="lt1"/>
-            </a:fontRef>
-          </p:style>
-          <p:txBody>
-            <a:bodyPr rtlCol="0" anchor="ctr"/>
-            <a:lstStyle/>
-            <a:p>
-              <a:pPr algn="ctr"/>
-              <a:r>
-                <a:rPr lang="pt-BR" sz="1400" b="1" dirty="0">
-                  <a:latin typeface="Century Gothic" panose="020B0502020202020204" pitchFamily="34" charset="0"/>
-                </a:rPr>
-                <a:t>MILL 1</a:t>
-              </a:r>
-            </a:p>
-          </p:txBody>
-        </p:sp>
-        <p:sp>
-          <p:nvSpPr>
-            <p:cNvPr id="7" name="Retângulo 6">
-              <a:extLst>
-                <a:ext uri="{FF2B5EF4-FFF2-40B4-BE49-F238E27FC236}">
-                  <a16:creationId xmlns:a16="http://schemas.microsoft.com/office/drawing/2014/main" id="{62C0B2C6-D411-1EF8-A4AB-0C334246DC44}"/>
-                </a:ext>
-              </a:extLst>
-            </p:cNvPr>
-            <p:cNvSpPr/>
-            <p:nvPr/>
-          </p:nvSpPr>
-          <p:spPr>
-            <a:xfrm>
-              <a:off x="737118" y="2669324"/>
-              <a:ext cx="1440000" cy="720000"/>
-            </a:xfrm>
-            <a:prstGeom prst="rect">
-              <a:avLst/>
-            </a:prstGeom>
-            <a:solidFill>
-              <a:schemeClr val="accent1">
-                <a:lumMod val="60000"/>
-                <a:lumOff val="40000"/>
-              </a:schemeClr>
-            </a:solidFill>
-            <a:ln>
-              <a:noFill/>
-            </a:ln>
-          </p:spPr>
-          <p:style>
-            <a:lnRef idx="2">
-              <a:schemeClr val="accent1">
-                <a:shade val="50000"/>
-              </a:schemeClr>
-            </a:lnRef>
-            <a:fillRef idx="1">
-              <a:schemeClr val="accent1"/>
-            </a:fillRef>
-            <a:effectRef idx="0">
-              <a:schemeClr val="accent1"/>
-            </a:effectRef>
-            <a:fontRef idx="minor">
-              <a:schemeClr val="lt1"/>
-            </a:fontRef>
-          </p:style>
-          <p:txBody>
-            <a:bodyPr rtlCol="0" anchor="ctr"/>
-            <a:lstStyle/>
-            <a:p>
-              <a:pPr algn="ctr"/>
-              <a:r>
-                <a:rPr lang="pt-BR" sz="1400" b="1" dirty="0">
-                  <a:latin typeface="Century Gothic" panose="020B0502020202020204" pitchFamily="34" charset="0"/>
-                </a:rPr>
-                <a:t>MILL 2</a:t>
-              </a:r>
-            </a:p>
-          </p:txBody>
-        </p:sp>
-        <p:sp>
-          <p:nvSpPr>
-            <p:cNvPr id="8" name="Retângulo 7">
-              <a:extLst>
-                <a:ext uri="{FF2B5EF4-FFF2-40B4-BE49-F238E27FC236}">
-                  <a16:creationId xmlns:a16="http://schemas.microsoft.com/office/drawing/2014/main" id="{D461447E-546D-FBA3-664F-DBAC12373A91}"/>
-                </a:ext>
-              </a:extLst>
-            </p:cNvPr>
-            <p:cNvSpPr/>
-            <p:nvPr/>
-          </p:nvSpPr>
-          <p:spPr>
-            <a:xfrm>
-              <a:off x="737118" y="4432839"/>
-              <a:ext cx="1440000" cy="720000"/>
-            </a:xfrm>
-            <a:prstGeom prst="rect">
-              <a:avLst/>
-            </a:prstGeom>
-            <a:solidFill>
-              <a:schemeClr val="accent1">
-                <a:lumMod val="60000"/>
-                <a:lumOff val="40000"/>
-              </a:schemeClr>
-            </a:solidFill>
-            <a:ln>
-              <a:noFill/>
-            </a:ln>
-          </p:spPr>
-          <p:style>
-            <a:lnRef idx="2">
-              <a:schemeClr val="accent1">
-                <a:shade val="50000"/>
-              </a:schemeClr>
-            </a:lnRef>
-            <a:fillRef idx="1">
-              <a:schemeClr val="accent1"/>
-            </a:fillRef>
-            <a:effectRef idx="0">
-              <a:schemeClr val="accent1"/>
-            </a:effectRef>
-            <a:fontRef idx="minor">
-              <a:schemeClr val="lt1"/>
-            </a:fontRef>
-          </p:style>
-          <p:txBody>
-            <a:bodyPr rtlCol="0" anchor="ctr"/>
-            <a:lstStyle/>
-            <a:p>
-              <a:pPr algn="ctr"/>
-              <a:r>
-                <a:rPr lang="pt-BR" sz="1400" b="1" dirty="0">
-                  <a:latin typeface="Century Gothic" panose="020B0502020202020204" pitchFamily="34" charset="0"/>
-                </a:rPr>
-                <a:t>MILL M</a:t>
-              </a:r>
-            </a:p>
-          </p:txBody>
-        </p:sp>
-        <p:sp>
-          <p:nvSpPr>
-            <p:cNvPr id="9" name="CaixaDeTexto 8">
-              <a:extLst>
-                <a:ext uri="{FF2B5EF4-FFF2-40B4-BE49-F238E27FC236}">
-                  <a16:creationId xmlns:a16="http://schemas.microsoft.com/office/drawing/2014/main" id="{E7ADF028-9588-593C-65BF-1258E29CEC8C}"/>
-                </a:ext>
-              </a:extLst>
-            </p:cNvPr>
-            <p:cNvSpPr txBox="1"/>
-            <p:nvPr/>
-          </p:nvSpPr>
-          <p:spPr>
-            <a:xfrm rot="5400000">
-              <a:off x="1235509" y="3526361"/>
-              <a:ext cx="720002" cy="769441"/>
-            </a:xfrm>
-            <a:prstGeom prst="rect">
-              <a:avLst/>
-            </a:prstGeom>
+          <a:prstGeom prst="rect">
+            <a:avLst/>
+          </a:prstGeom>
+          <a:solidFill>
+            <a:schemeClr val="accent1">
+              <a:lumMod val="60000"/>
+              <a:lumOff val="40000"/>
+            </a:schemeClr>
+          </a:solidFill>
+          <a:ln>
             <a:noFill/>
-          </p:spPr>
-          <p:txBody>
-            <a:bodyPr wrap="square" rtlCol="0">
-              <a:spAutoFit/>
-            </a:bodyPr>
-            <a:lstStyle/>
-            <a:p>
-              <a:pPr algn="ctr"/>
-              <a:r>
-                <a:rPr lang="pt-BR" sz="4400" dirty="0"/>
-                <a:t>...</a:t>
-              </a:r>
-            </a:p>
-          </p:txBody>
-        </p:sp>
-        <p:sp>
-          <p:nvSpPr>
-            <p:cNvPr id="10" name="CaixaDeTexto 9">
-              <a:extLst>
-                <a:ext uri="{FF2B5EF4-FFF2-40B4-BE49-F238E27FC236}">
-                  <a16:creationId xmlns:a16="http://schemas.microsoft.com/office/drawing/2014/main" id="{ACD1A2C7-9E31-8E34-DA61-E4466B35B641}"/>
-                </a:ext>
-              </a:extLst>
-            </p:cNvPr>
-            <p:cNvSpPr txBox="1"/>
-            <p:nvPr/>
-          </p:nvSpPr>
-          <p:spPr>
-            <a:xfrm rot="5400000">
-              <a:off x="1235509" y="3526362"/>
-              <a:ext cx="720002" cy="769441"/>
-            </a:xfrm>
-            <a:prstGeom prst="rect">
-              <a:avLst/>
-            </a:prstGeom>
+          </a:ln>
+        </p:spPr>
+        <p:style>
+          <a:lnRef idx="2">
+            <a:schemeClr val="accent1">
+              <a:shade val="50000"/>
+            </a:schemeClr>
+          </a:lnRef>
+          <a:fillRef idx="1">
+            <a:schemeClr val="accent1"/>
+          </a:fillRef>
+          <a:effectRef idx="0">
+            <a:schemeClr val="accent1"/>
+          </a:effectRef>
+          <a:fontRef idx="minor">
+            <a:schemeClr val="lt1"/>
+          </a:fontRef>
+        </p:style>
+        <p:txBody>
+          <a:bodyPr rtlCol="0" anchor="ctr"/>
+          <a:lstStyle/>
+          <a:p>
+            <a:pPr algn="ctr"/>
+            <a:r>
+              <a:rPr lang="pt-BR" sz="1400" b="1" dirty="0">
+                <a:latin typeface="Century Gothic" panose="020B0502020202020204" pitchFamily="34" charset="0"/>
+              </a:rPr>
+              <a:t>MILL 1</a:t>
+            </a:r>
+          </a:p>
+        </p:txBody>
+      </p:sp>
+      <p:sp>
+        <p:nvSpPr>
+          <p:cNvPr id="7" name="Retângulo 6">
+            <a:extLst>
+              <a:ext uri="{FF2B5EF4-FFF2-40B4-BE49-F238E27FC236}">
+                <a16:creationId xmlns:a16="http://schemas.microsoft.com/office/drawing/2014/main" id="{62C0B2C6-D411-1EF8-A4AB-0C334246DC44}"/>
+              </a:ext>
+            </a:extLst>
+          </p:cNvPr>
+          <p:cNvSpPr/>
+          <p:nvPr/>
+        </p:nvSpPr>
+        <p:spPr>
+          <a:xfrm>
+            <a:off x="737118" y="2669324"/>
+            <a:ext cx="1440000" cy="720000"/>
+          </a:xfrm>
+          <a:prstGeom prst="rect">
+            <a:avLst/>
+          </a:prstGeom>
+          <a:solidFill>
+            <a:schemeClr val="accent1">
+              <a:lumMod val="60000"/>
+              <a:lumOff val="40000"/>
+            </a:schemeClr>
+          </a:solidFill>
+          <a:ln>
             <a:noFill/>
-          </p:spPr>
-          <p:txBody>
-            <a:bodyPr wrap="square" rtlCol="0">
-              <a:spAutoFit/>
-            </a:bodyPr>
-            <a:lstStyle/>
-            <a:p>
-              <a:pPr algn="ctr"/>
-              <a:r>
-                <a:rPr lang="pt-BR" sz="4400" dirty="0"/>
-                <a:t>...</a:t>
-              </a:r>
-            </a:p>
-          </p:txBody>
-        </p:sp>
-        <p:sp>
-          <p:nvSpPr>
-            <p:cNvPr id="32" name="Retângulo 31">
-              <a:extLst>
-                <a:ext uri="{FF2B5EF4-FFF2-40B4-BE49-F238E27FC236}">
-                  <a16:creationId xmlns:a16="http://schemas.microsoft.com/office/drawing/2014/main" id="{FFD880A6-1BC6-55D2-B6B4-848B4A7CA2E9}"/>
-                </a:ext>
-              </a:extLst>
-            </p:cNvPr>
-            <p:cNvSpPr/>
-            <p:nvPr/>
-          </p:nvSpPr>
-          <p:spPr>
-            <a:xfrm>
-              <a:off x="5376000" y="3069000"/>
-              <a:ext cx="1440000" cy="720000"/>
-            </a:xfrm>
-            <a:prstGeom prst="rect">
-              <a:avLst/>
-            </a:prstGeom>
-            <a:solidFill>
-              <a:schemeClr val="accent3">
-                <a:lumMod val="60000"/>
-                <a:lumOff val="40000"/>
-              </a:schemeClr>
-            </a:solidFill>
-            <a:ln>
-              <a:noFill/>
-            </a:ln>
-          </p:spPr>
-          <p:style>
-            <a:lnRef idx="2">
-              <a:schemeClr val="accent1">
-                <a:shade val="50000"/>
-              </a:schemeClr>
-            </a:lnRef>
-            <a:fillRef idx="1">
-              <a:schemeClr val="accent1"/>
-            </a:fillRef>
-            <a:effectRef idx="0">
-              <a:schemeClr val="accent1"/>
-            </a:effectRef>
-            <a:fontRef idx="minor">
-              <a:schemeClr val="lt1"/>
-            </a:fontRef>
-          </p:style>
-          <p:txBody>
-            <a:bodyPr rtlCol="0" anchor="ctr"/>
-            <a:lstStyle/>
-            <a:p>
-              <a:pPr algn="ctr"/>
-              <a:r>
-                <a:rPr lang="pt-BR" sz="1400" b="1" dirty="0">
-                  <a:latin typeface="Century Gothic" panose="020B0502020202020204" pitchFamily="34" charset="0"/>
-                </a:rPr>
-                <a:t>TRANSPORT SYSTEM</a:t>
-              </a:r>
-            </a:p>
-          </p:txBody>
-        </p:sp>
-        <p:sp>
-          <p:nvSpPr>
-            <p:cNvPr id="12" name="Retângulo 11">
-              <a:extLst>
-                <a:ext uri="{FF2B5EF4-FFF2-40B4-BE49-F238E27FC236}">
-                  <a16:creationId xmlns:a16="http://schemas.microsoft.com/office/drawing/2014/main" id="{4709DF01-58DE-7B1D-2390-FDABC5E61147}"/>
-                </a:ext>
-              </a:extLst>
-            </p:cNvPr>
-            <p:cNvSpPr/>
-            <p:nvPr/>
-          </p:nvSpPr>
-          <p:spPr>
-            <a:xfrm>
-              <a:off x="3056559" y="1223080"/>
-              <a:ext cx="1440000" cy="720000"/>
-            </a:xfrm>
-            <a:prstGeom prst="rect">
-              <a:avLst/>
-            </a:prstGeom>
-            <a:solidFill>
-              <a:schemeClr val="accent6">
-                <a:lumMod val="60000"/>
-                <a:lumOff val="40000"/>
-              </a:schemeClr>
-            </a:solidFill>
-            <a:ln>
-              <a:noFill/>
-            </a:ln>
-          </p:spPr>
-          <p:style>
-            <a:lnRef idx="2">
-              <a:schemeClr val="accent1">
-                <a:shade val="50000"/>
-              </a:schemeClr>
-            </a:lnRef>
-            <a:fillRef idx="1">
-              <a:schemeClr val="accent1"/>
-            </a:fillRef>
-            <a:effectRef idx="0">
-              <a:schemeClr val="accent1"/>
-            </a:effectRef>
-            <a:fontRef idx="minor">
-              <a:schemeClr val="lt1"/>
-            </a:fontRef>
-          </p:style>
-          <p:txBody>
-            <a:bodyPr rtlCol="0" anchor="ctr"/>
-            <a:lstStyle/>
-            <a:p>
-              <a:pPr algn="ctr"/>
-              <a:r>
-                <a:rPr lang="pt-BR" sz="1400" b="1" dirty="0">
-                  <a:latin typeface="Century Gothic" panose="020B0502020202020204" pitchFamily="34" charset="0"/>
-                </a:rPr>
-                <a:t>SILO 1</a:t>
-              </a:r>
-            </a:p>
-          </p:txBody>
-        </p:sp>
-        <p:sp>
-          <p:nvSpPr>
-            <p:cNvPr id="13" name="Retângulo 12">
-              <a:extLst>
-                <a:ext uri="{FF2B5EF4-FFF2-40B4-BE49-F238E27FC236}">
-                  <a16:creationId xmlns:a16="http://schemas.microsoft.com/office/drawing/2014/main" id="{1897301E-AD9B-6FE6-4FC4-8199BB4D999B}"/>
-                </a:ext>
-              </a:extLst>
-            </p:cNvPr>
-            <p:cNvSpPr/>
-            <p:nvPr/>
-          </p:nvSpPr>
-          <p:spPr>
-            <a:xfrm>
-              <a:off x="3056559" y="2187243"/>
-              <a:ext cx="1440000" cy="720000"/>
-            </a:xfrm>
-            <a:prstGeom prst="rect">
-              <a:avLst/>
-            </a:prstGeom>
-            <a:solidFill>
-              <a:schemeClr val="accent6">
-                <a:lumMod val="60000"/>
-                <a:lumOff val="40000"/>
-              </a:schemeClr>
-            </a:solidFill>
-            <a:ln>
-              <a:noFill/>
-            </a:ln>
-          </p:spPr>
-          <p:style>
-            <a:lnRef idx="2">
-              <a:schemeClr val="accent1">
-                <a:shade val="50000"/>
-              </a:schemeClr>
-            </a:lnRef>
-            <a:fillRef idx="1">
-              <a:schemeClr val="accent1"/>
-            </a:fillRef>
-            <a:effectRef idx="0">
-              <a:schemeClr val="accent1"/>
-            </a:effectRef>
-            <a:fontRef idx="minor">
-              <a:schemeClr val="lt1"/>
-            </a:fontRef>
-          </p:style>
-          <p:txBody>
-            <a:bodyPr rtlCol="0" anchor="ctr"/>
-            <a:lstStyle/>
-            <a:p>
-              <a:pPr algn="ctr"/>
-              <a:r>
-                <a:rPr lang="pt-BR" sz="1400" b="1" dirty="0">
-                  <a:latin typeface="Century Gothic" panose="020B0502020202020204" pitchFamily="34" charset="0"/>
-                </a:rPr>
-                <a:t>SILO 2</a:t>
-              </a:r>
-            </a:p>
-          </p:txBody>
-        </p:sp>
-        <p:sp>
-          <p:nvSpPr>
-            <p:cNvPr id="14" name="Retângulo 13">
-              <a:extLst>
-                <a:ext uri="{FF2B5EF4-FFF2-40B4-BE49-F238E27FC236}">
-                  <a16:creationId xmlns:a16="http://schemas.microsoft.com/office/drawing/2014/main" id="{8B4D3CCA-6973-B69A-73EC-294A0B2EAD1C}"/>
-                </a:ext>
-              </a:extLst>
-            </p:cNvPr>
-            <p:cNvSpPr/>
-            <p:nvPr/>
-          </p:nvSpPr>
-          <p:spPr>
-            <a:xfrm>
-              <a:off x="3056559" y="3151406"/>
-              <a:ext cx="1440000" cy="720000"/>
-            </a:xfrm>
-            <a:prstGeom prst="rect">
-              <a:avLst/>
-            </a:prstGeom>
-            <a:solidFill>
-              <a:schemeClr val="accent6">
-                <a:lumMod val="60000"/>
-                <a:lumOff val="40000"/>
-              </a:schemeClr>
-            </a:solidFill>
-            <a:ln>
-              <a:noFill/>
-            </a:ln>
-          </p:spPr>
-          <p:style>
-            <a:lnRef idx="2">
-              <a:schemeClr val="accent1">
-                <a:shade val="50000"/>
-              </a:schemeClr>
-            </a:lnRef>
-            <a:fillRef idx="1">
-              <a:schemeClr val="accent1"/>
-            </a:fillRef>
-            <a:effectRef idx="0">
-              <a:schemeClr val="accent1"/>
-            </a:effectRef>
-            <a:fontRef idx="minor">
-              <a:schemeClr val="lt1"/>
-            </a:fontRef>
-          </p:style>
-          <p:txBody>
-            <a:bodyPr rtlCol="0" anchor="ctr"/>
-            <a:lstStyle/>
-            <a:p>
-              <a:pPr algn="ctr"/>
-              <a:r>
-                <a:rPr lang="pt-BR" sz="1400" b="1" dirty="0">
-                  <a:latin typeface="Century Gothic" panose="020B0502020202020204" pitchFamily="34" charset="0"/>
-                </a:rPr>
-                <a:t>SILO 3</a:t>
-              </a:r>
-            </a:p>
-          </p:txBody>
-        </p:sp>
-        <p:sp>
-          <p:nvSpPr>
-            <p:cNvPr id="15" name="Retângulo 14">
-              <a:extLst>
-                <a:ext uri="{FF2B5EF4-FFF2-40B4-BE49-F238E27FC236}">
-                  <a16:creationId xmlns:a16="http://schemas.microsoft.com/office/drawing/2014/main" id="{1DCDDE6B-4E88-D885-01BD-DEF0407C45FC}"/>
-                </a:ext>
-              </a:extLst>
-            </p:cNvPr>
-            <p:cNvSpPr/>
-            <p:nvPr/>
-          </p:nvSpPr>
-          <p:spPr>
-            <a:xfrm>
-              <a:off x="3056559" y="4914921"/>
-              <a:ext cx="1440000" cy="720000"/>
-            </a:xfrm>
-            <a:prstGeom prst="rect">
-              <a:avLst/>
-            </a:prstGeom>
-            <a:solidFill>
-              <a:schemeClr val="accent6">
-                <a:lumMod val="60000"/>
-                <a:lumOff val="40000"/>
-              </a:schemeClr>
-            </a:solidFill>
-            <a:ln>
-              <a:noFill/>
-            </a:ln>
-          </p:spPr>
-          <p:style>
-            <a:lnRef idx="2">
-              <a:schemeClr val="accent1">
-                <a:shade val="50000"/>
-              </a:schemeClr>
-            </a:lnRef>
-            <a:fillRef idx="1">
-              <a:schemeClr val="accent1"/>
-            </a:fillRef>
-            <a:effectRef idx="0">
-              <a:schemeClr val="accent1"/>
-            </a:effectRef>
-            <a:fontRef idx="minor">
-              <a:schemeClr val="lt1"/>
-            </a:fontRef>
-          </p:style>
-          <p:txBody>
-            <a:bodyPr rtlCol="0" anchor="ctr"/>
-            <a:lstStyle/>
-            <a:p>
-              <a:pPr algn="ctr"/>
-              <a:r>
-                <a:rPr lang="pt-BR" sz="1400" b="1" dirty="0">
-                  <a:latin typeface="Century Gothic" panose="020B0502020202020204" pitchFamily="34" charset="0"/>
-                </a:rPr>
-                <a:t>SILO N</a:t>
-              </a:r>
-            </a:p>
-          </p:txBody>
-        </p:sp>
-        <p:sp>
-          <p:nvSpPr>
-            <p:cNvPr id="16" name="CaixaDeTexto 15">
-              <a:extLst>
-                <a:ext uri="{FF2B5EF4-FFF2-40B4-BE49-F238E27FC236}">
-                  <a16:creationId xmlns:a16="http://schemas.microsoft.com/office/drawing/2014/main" id="{26EE5A34-3D58-EB18-3E63-B522D5AB9AE8}"/>
-                </a:ext>
-              </a:extLst>
-            </p:cNvPr>
-            <p:cNvSpPr txBox="1"/>
-            <p:nvPr/>
-          </p:nvSpPr>
-          <p:spPr>
-            <a:xfrm rot="5400000">
-              <a:off x="3554950" y="4008443"/>
-              <a:ext cx="720002" cy="769441"/>
-            </a:xfrm>
-            <a:prstGeom prst="rect">
-              <a:avLst/>
-            </a:prstGeom>
+          </a:ln>
+        </p:spPr>
+        <p:style>
+          <a:lnRef idx="2">
+            <a:schemeClr val="accent1">
+              <a:shade val="50000"/>
+            </a:schemeClr>
+          </a:lnRef>
+          <a:fillRef idx="1">
+            <a:schemeClr val="accent1"/>
+          </a:fillRef>
+          <a:effectRef idx="0">
+            <a:schemeClr val="accent1"/>
+          </a:effectRef>
+          <a:fontRef idx="minor">
+            <a:schemeClr val="lt1"/>
+          </a:fontRef>
+        </p:style>
+        <p:txBody>
+          <a:bodyPr rtlCol="0" anchor="ctr"/>
+          <a:lstStyle/>
+          <a:p>
+            <a:pPr algn="ctr"/>
+            <a:r>
+              <a:rPr lang="pt-BR" sz="1400" b="1" dirty="0">
+                <a:latin typeface="Century Gothic" panose="020B0502020202020204" pitchFamily="34" charset="0"/>
+              </a:rPr>
+              <a:t>MILL 2</a:t>
+            </a:r>
+          </a:p>
+        </p:txBody>
+      </p:sp>
+      <p:sp>
+        <p:nvSpPr>
+          <p:cNvPr id="8" name="Retângulo 7">
+            <a:extLst>
+              <a:ext uri="{FF2B5EF4-FFF2-40B4-BE49-F238E27FC236}">
+                <a16:creationId xmlns:a16="http://schemas.microsoft.com/office/drawing/2014/main" id="{D461447E-546D-FBA3-664F-DBAC12373A91}"/>
+              </a:ext>
+            </a:extLst>
+          </p:cNvPr>
+          <p:cNvSpPr/>
+          <p:nvPr/>
+        </p:nvSpPr>
+        <p:spPr>
+          <a:xfrm>
+            <a:off x="737118" y="4432839"/>
+            <a:ext cx="1440000" cy="720000"/>
+          </a:xfrm>
+          <a:prstGeom prst="rect">
+            <a:avLst/>
+          </a:prstGeom>
+          <a:solidFill>
+            <a:schemeClr val="accent1">
+              <a:lumMod val="60000"/>
+              <a:lumOff val="40000"/>
+            </a:schemeClr>
+          </a:solidFill>
+          <a:ln>
             <a:noFill/>
-          </p:spPr>
-          <p:txBody>
-            <a:bodyPr wrap="square" rtlCol="0">
-              <a:spAutoFit/>
-            </a:bodyPr>
-            <a:lstStyle/>
-            <a:p>
-              <a:pPr algn="ctr"/>
-              <a:r>
-                <a:rPr lang="pt-BR" sz="4400" dirty="0"/>
-                <a:t>...</a:t>
-              </a:r>
-            </a:p>
-          </p:txBody>
-        </p:sp>
-        <p:sp>
-          <p:nvSpPr>
-            <p:cNvPr id="17" name="CaixaDeTexto 16">
-              <a:extLst>
-                <a:ext uri="{FF2B5EF4-FFF2-40B4-BE49-F238E27FC236}">
-                  <a16:creationId xmlns:a16="http://schemas.microsoft.com/office/drawing/2014/main" id="{C4C9193E-687E-9C19-274E-25A77FA70790}"/>
-                </a:ext>
-              </a:extLst>
-            </p:cNvPr>
-            <p:cNvSpPr txBox="1"/>
-            <p:nvPr/>
-          </p:nvSpPr>
-          <p:spPr>
-            <a:xfrm rot="5400000">
-              <a:off x="3554950" y="4008444"/>
-              <a:ext cx="720002" cy="769441"/>
-            </a:xfrm>
-            <a:prstGeom prst="rect">
-              <a:avLst/>
-            </a:prstGeom>
+          </a:ln>
+        </p:spPr>
+        <p:style>
+          <a:lnRef idx="2">
+            <a:schemeClr val="accent1">
+              <a:shade val="50000"/>
+            </a:schemeClr>
+          </a:lnRef>
+          <a:fillRef idx="1">
+            <a:schemeClr val="accent1"/>
+          </a:fillRef>
+          <a:effectRef idx="0">
+            <a:schemeClr val="accent1"/>
+          </a:effectRef>
+          <a:fontRef idx="minor">
+            <a:schemeClr val="lt1"/>
+          </a:fontRef>
+        </p:style>
+        <p:txBody>
+          <a:bodyPr rtlCol="0" anchor="ctr"/>
+          <a:lstStyle/>
+          <a:p>
+            <a:pPr algn="ctr"/>
+            <a:r>
+              <a:rPr lang="pt-BR" sz="1400" b="1" dirty="0">
+                <a:latin typeface="Century Gothic" panose="020B0502020202020204" pitchFamily="34" charset="0"/>
+              </a:rPr>
+              <a:t>MILL M</a:t>
+            </a:r>
+          </a:p>
+        </p:txBody>
+      </p:sp>
+      <p:sp>
+        <p:nvSpPr>
+          <p:cNvPr id="9" name="CaixaDeTexto 8">
+            <a:extLst>
+              <a:ext uri="{FF2B5EF4-FFF2-40B4-BE49-F238E27FC236}">
+                <a16:creationId xmlns:a16="http://schemas.microsoft.com/office/drawing/2014/main" id="{E7ADF028-9588-593C-65BF-1258E29CEC8C}"/>
+              </a:ext>
+            </a:extLst>
+          </p:cNvPr>
+          <p:cNvSpPr txBox="1"/>
+          <p:nvPr/>
+        </p:nvSpPr>
+        <p:spPr>
+          <a:xfrm rot="5400000">
+            <a:off x="1235509" y="3526361"/>
+            <a:ext cx="720002" cy="769441"/>
+          </a:xfrm>
+          <a:prstGeom prst="rect">
+            <a:avLst/>
+          </a:prstGeom>
+          <a:noFill/>
+        </p:spPr>
+        <p:txBody>
+          <a:bodyPr wrap="square" rtlCol="0">
+            <a:spAutoFit/>
+          </a:bodyPr>
+          <a:lstStyle/>
+          <a:p>
+            <a:pPr algn="ctr"/>
+            <a:r>
+              <a:rPr lang="pt-BR" sz="4400" dirty="0"/>
+              <a:t>...</a:t>
+            </a:r>
+          </a:p>
+        </p:txBody>
+      </p:sp>
+      <p:sp>
+        <p:nvSpPr>
+          <p:cNvPr id="10" name="CaixaDeTexto 9">
+            <a:extLst>
+              <a:ext uri="{FF2B5EF4-FFF2-40B4-BE49-F238E27FC236}">
+                <a16:creationId xmlns:a16="http://schemas.microsoft.com/office/drawing/2014/main" id="{ACD1A2C7-9E31-8E34-DA61-E4466B35B641}"/>
+              </a:ext>
+            </a:extLst>
+          </p:cNvPr>
+          <p:cNvSpPr txBox="1"/>
+          <p:nvPr/>
+        </p:nvSpPr>
+        <p:spPr>
+          <a:xfrm rot="5400000">
+            <a:off x="1235509" y="3526362"/>
+            <a:ext cx="720002" cy="769441"/>
+          </a:xfrm>
+          <a:prstGeom prst="rect">
+            <a:avLst/>
+          </a:prstGeom>
+          <a:noFill/>
+        </p:spPr>
+        <p:txBody>
+          <a:bodyPr wrap="square" rtlCol="0">
+            <a:spAutoFit/>
+          </a:bodyPr>
+          <a:lstStyle/>
+          <a:p>
+            <a:pPr algn="ctr"/>
+            <a:r>
+              <a:rPr lang="pt-BR" sz="4400" dirty="0"/>
+              <a:t>...</a:t>
+            </a:r>
+          </a:p>
+        </p:txBody>
+      </p:sp>
+      <p:sp>
+        <p:nvSpPr>
+          <p:cNvPr id="32" name="Retângulo 31">
+            <a:extLst>
+              <a:ext uri="{FF2B5EF4-FFF2-40B4-BE49-F238E27FC236}">
+                <a16:creationId xmlns:a16="http://schemas.microsoft.com/office/drawing/2014/main" id="{FFD880A6-1BC6-55D2-B6B4-848B4A7CA2E9}"/>
+              </a:ext>
+            </a:extLst>
+          </p:cNvPr>
+          <p:cNvSpPr/>
+          <p:nvPr/>
+        </p:nvSpPr>
+        <p:spPr>
+          <a:xfrm>
+            <a:off x="5376000" y="3069000"/>
+            <a:ext cx="1440000" cy="720000"/>
+          </a:xfrm>
+          <a:prstGeom prst="rect">
+            <a:avLst/>
+          </a:prstGeom>
+          <a:solidFill>
+            <a:schemeClr val="accent3">
+              <a:lumMod val="60000"/>
+              <a:lumOff val="40000"/>
+            </a:schemeClr>
+          </a:solidFill>
+          <a:ln>
             <a:noFill/>
-          </p:spPr>
-          <p:txBody>
-            <a:bodyPr wrap="square" rtlCol="0">
-              <a:spAutoFit/>
-            </a:bodyPr>
-            <a:lstStyle/>
-            <a:p>
-              <a:pPr algn="ctr"/>
-              <a:r>
-                <a:rPr lang="pt-BR" sz="4400" dirty="0"/>
-                <a:t>...</a:t>
-              </a:r>
-            </a:p>
-          </p:txBody>
-        </p:sp>
-        <p:cxnSp>
-          <p:nvCxnSpPr>
-            <p:cNvPr id="50" name="Conector de Seta Reta 49">
-              <a:extLst>
-                <a:ext uri="{FF2B5EF4-FFF2-40B4-BE49-F238E27FC236}">
-                  <a16:creationId xmlns:a16="http://schemas.microsoft.com/office/drawing/2014/main" id="{155A26BD-BB41-25EF-C8FD-BE312F224ACD}"/>
-                </a:ext>
-              </a:extLst>
-            </p:cNvPr>
-            <p:cNvCxnSpPr>
-              <a:cxnSpLocks/>
-              <a:stCxn id="6" idx="3"/>
-              <a:endCxn id="12" idx="1"/>
-            </p:cNvCxnSpPr>
-            <p:nvPr/>
-          </p:nvCxnSpPr>
-          <p:spPr>
-            <a:xfrm flipV="1">
-              <a:off x="2177118" y="1583080"/>
-              <a:ext cx="879441" cy="482081"/>
-            </a:xfrm>
-            <a:prstGeom prst="straightConnector1">
-              <a:avLst/>
-            </a:prstGeom>
-            <a:ln>
-              <a:tailEnd type="triangle"/>
-            </a:ln>
-          </p:spPr>
-          <p:style>
-            <a:lnRef idx="1">
-              <a:schemeClr val="dk1"/>
-            </a:lnRef>
-            <a:fillRef idx="0">
-              <a:schemeClr val="dk1"/>
-            </a:fillRef>
-            <a:effectRef idx="0">
-              <a:schemeClr val="dk1"/>
-            </a:effectRef>
-            <a:fontRef idx="minor">
-              <a:schemeClr val="tx1"/>
-            </a:fontRef>
-          </p:style>
-        </p:cxnSp>
-        <p:cxnSp>
-          <p:nvCxnSpPr>
-            <p:cNvPr id="52" name="Conector de Seta Reta 51">
-              <a:extLst>
-                <a:ext uri="{FF2B5EF4-FFF2-40B4-BE49-F238E27FC236}">
-                  <a16:creationId xmlns:a16="http://schemas.microsoft.com/office/drawing/2014/main" id="{3AA3AB57-1744-FF6A-9813-84DF015FA818}"/>
-                </a:ext>
-              </a:extLst>
-            </p:cNvPr>
-            <p:cNvCxnSpPr>
-              <a:stCxn id="6" idx="3"/>
-              <a:endCxn id="13" idx="1"/>
-            </p:cNvCxnSpPr>
-            <p:nvPr/>
-          </p:nvCxnSpPr>
-          <p:spPr>
-            <a:xfrm>
-              <a:off x="2177118" y="2065161"/>
-              <a:ext cx="879441" cy="482082"/>
-            </a:xfrm>
-            <a:prstGeom prst="straightConnector1">
-              <a:avLst/>
-            </a:prstGeom>
-            <a:ln>
-              <a:tailEnd type="triangle"/>
-            </a:ln>
-          </p:spPr>
-          <p:style>
-            <a:lnRef idx="1">
-              <a:schemeClr val="dk1"/>
-            </a:lnRef>
-            <a:fillRef idx="0">
-              <a:schemeClr val="dk1"/>
-            </a:fillRef>
-            <a:effectRef idx="0">
-              <a:schemeClr val="dk1"/>
-            </a:effectRef>
-            <a:fontRef idx="minor">
-              <a:schemeClr val="tx1"/>
-            </a:fontRef>
-          </p:style>
-        </p:cxnSp>
-        <p:cxnSp>
-          <p:nvCxnSpPr>
-            <p:cNvPr id="54" name="Conector de Seta Reta 53">
-              <a:extLst>
-                <a:ext uri="{FF2B5EF4-FFF2-40B4-BE49-F238E27FC236}">
-                  <a16:creationId xmlns:a16="http://schemas.microsoft.com/office/drawing/2014/main" id="{1C0CA0E7-7354-4350-6065-152905FD7AFC}"/>
-                </a:ext>
-              </a:extLst>
-            </p:cNvPr>
-            <p:cNvCxnSpPr>
-              <a:cxnSpLocks/>
-              <a:stCxn id="7" idx="3"/>
-              <a:endCxn id="15" idx="1"/>
-            </p:cNvCxnSpPr>
-            <p:nvPr/>
-          </p:nvCxnSpPr>
-          <p:spPr>
-            <a:xfrm>
-              <a:off x="2177118" y="3029324"/>
-              <a:ext cx="879441" cy="2245597"/>
-            </a:xfrm>
-            <a:prstGeom prst="straightConnector1">
-              <a:avLst/>
-            </a:prstGeom>
-            <a:ln>
-              <a:tailEnd type="triangle"/>
-            </a:ln>
-          </p:spPr>
-          <p:style>
-            <a:lnRef idx="1">
-              <a:schemeClr val="dk1"/>
-            </a:lnRef>
-            <a:fillRef idx="0">
-              <a:schemeClr val="dk1"/>
-            </a:fillRef>
-            <a:effectRef idx="0">
-              <a:schemeClr val="dk1"/>
-            </a:effectRef>
-            <a:fontRef idx="minor">
-              <a:schemeClr val="tx1"/>
-            </a:fontRef>
-          </p:style>
-        </p:cxnSp>
-        <p:cxnSp>
-          <p:nvCxnSpPr>
-            <p:cNvPr id="57" name="Conector de Seta Reta 56">
-              <a:extLst>
-                <a:ext uri="{FF2B5EF4-FFF2-40B4-BE49-F238E27FC236}">
-                  <a16:creationId xmlns:a16="http://schemas.microsoft.com/office/drawing/2014/main" id="{0A649F88-5DAE-868A-125B-9485576927D8}"/>
-                </a:ext>
-              </a:extLst>
-            </p:cNvPr>
-            <p:cNvCxnSpPr>
-              <a:stCxn id="8" idx="3"/>
-              <a:endCxn id="14" idx="1"/>
-            </p:cNvCxnSpPr>
-            <p:nvPr/>
-          </p:nvCxnSpPr>
-          <p:spPr>
-            <a:xfrm flipV="1">
-              <a:off x="2177118" y="3511406"/>
-              <a:ext cx="879441" cy="1281433"/>
-            </a:xfrm>
-            <a:prstGeom prst="straightConnector1">
-              <a:avLst/>
-            </a:prstGeom>
-            <a:ln>
-              <a:tailEnd type="triangle"/>
-            </a:ln>
-          </p:spPr>
-          <p:style>
-            <a:lnRef idx="1">
-              <a:schemeClr val="dk1"/>
-            </a:lnRef>
-            <a:fillRef idx="0">
-              <a:schemeClr val="dk1"/>
-            </a:fillRef>
-            <a:effectRef idx="0">
-              <a:schemeClr val="dk1"/>
-            </a:effectRef>
-            <a:fontRef idx="minor">
-              <a:schemeClr val="tx1"/>
-            </a:fontRef>
-          </p:style>
-        </p:cxnSp>
-        <p:cxnSp>
-          <p:nvCxnSpPr>
-            <p:cNvPr id="61" name="Conector de Seta Reta 60">
-              <a:extLst>
-                <a:ext uri="{FF2B5EF4-FFF2-40B4-BE49-F238E27FC236}">
-                  <a16:creationId xmlns:a16="http://schemas.microsoft.com/office/drawing/2014/main" id="{8365BE96-5C24-3FC0-30C0-D0BBE9C879CF}"/>
-                </a:ext>
-              </a:extLst>
-            </p:cNvPr>
-            <p:cNvCxnSpPr>
-              <a:stCxn id="12" idx="3"/>
-              <a:endCxn id="32" idx="1"/>
-            </p:cNvCxnSpPr>
-            <p:nvPr/>
-          </p:nvCxnSpPr>
-          <p:spPr>
-            <a:xfrm>
-              <a:off x="4496559" y="1583080"/>
-              <a:ext cx="879441" cy="1845920"/>
-            </a:xfrm>
-            <a:prstGeom prst="straightConnector1">
-              <a:avLst/>
-            </a:prstGeom>
-            <a:ln>
-              <a:tailEnd type="triangle"/>
-            </a:ln>
-          </p:spPr>
-          <p:style>
-            <a:lnRef idx="1">
-              <a:schemeClr val="dk1"/>
-            </a:lnRef>
-            <a:fillRef idx="0">
-              <a:schemeClr val="dk1"/>
-            </a:fillRef>
-            <a:effectRef idx="0">
-              <a:schemeClr val="dk1"/>
-            </a:effectRef>
-            <a:fontRef idx="minor">
-              <a:schemeClr val="tx1"/>
-            </a:fontRef>
-          </p:style>
-        </p:cxnSp>
-        <p:cxnSp>
-          <p:nvCxnSpPr>
-            <p:cNvPr id="63" name="Conector de Seta Reta 62">
-              <a:extLst>
-                <a:ext uri="{FF2B5EF4-FFF2-40B4-BE49-F238E27FC236}">
-                  <a16:creationId xmlns:a16="http://schemas.microsoft.com/office/drawing/2014/main" id="{2CAC976B-CD16-6362-EBED-785E30A371E2}"/>
-                </a:ext>
-              </a:extLst>
-            </p:cNvPr>
-            <p:cNvCxnSpPr>
-              <a:stCxn id="13" idx="3"/>
-              <a:endCxn id="32" idx="1"/>
-            </p:cNvCxnSpPr>
-            <p:nvPr/>
-          </p:nvCxnSpPr>
-          <p:spPr>
-            <a:xfrm>
-              <a:off x="4496559" y="2547243"/>
-              <a:ext cx="879441" cy="881757"/>
-            </a:xfrm>
-            <a:prstGeom prst="straightConnector1">
-              <a:avLst/>
-            </a:prstGeom>
-            <a:ln>
-              <a:tailEnd type="triangle"/>
-            </a:ln>
-          </p:spPr>
-          <p:style>
-            <a:lnRef idx="1">
-              <a:schemeClr val="dk1"/>
-            </a:lnRef>
-            <a:fillRef idx="0">
-              <a:schemeClr val="dk1"/>
-            </a:fillRef>
-            <a:effectRef idx="0">
-              <a:schemeClr val="dk1"/>
-            </a:effectRef>
-            <a:fontRef idx="minor">
-              <a:schemeClr val="tx1"/>
-            </a:fontRef>
-          </p:style>
-        </p:cxnSp>
-        <p:cxnSp>
-          <p:nvCxnSpPr>
-            <p:cNvPr id="65" name="Conector de Seta Reta 64">
-              <a:extLst>
-                <a:ext uri="{FF2B5EF4-FFF2-40B4-BE49-F238E27FC236}">
-                  <a16:creationId xmlns:a16="http://schemas.microsoft.com/office/drawing/2014/main" id="{ADA7C8AE-F5BF-FF5F-88E4-C740F3B91911}"/>
-                </a:ext>
-              </a:extLst>
-            </p:cNvPr>
-            <p:cNvCxnSpPr>
-              <a:stCxn id="14" idx="3"/>
-              <a:endCxn id="32" idx="1"/>
-            </p:cNvCxnSpPr>
-            <p:nvPr/>
-          </p:nvCxnSpPr>
-          <p:spPr>
-            <a:xfrm flipV="1">
-              <a:off x="4496559" y="3429000"/>
-              <a:ext cx="879441" cy="82406"/>
-            </a:xfrm>
-            <a:prstGeom prst="straightConnector1">
-              <a:avLst/>
-            </a:prstGeom>
-            <a:ln>
-              <a:tailEnd type="triangle"/>
-            </a:ln>
-          </p:spPr>
-          <p:style>
-            <a:lnRef idx="1">
-              <a:schemeClr val="dk1"/>
-            </a:lnRef>
-            <a:fillRef idx="0">
-              <a:schemeClr val="dk1"/>
-            </a:fillRef>
-            <a:effectRef idx="0">
-              <a:schemeClr val="dk1"/>
-            </a:effectRef>
-            <a:fontRef idx="minor">
-              <a:schemeClr val="tx1"/>
-            </a:fontRef>
-          </p:style>
-        </p:cxnSp>
-        <p:cxnSp>
-          <p:nvCxnSpPr>
-            <p:cNvPr id="67" name="Conector de Seta Reta 66">
-              <a:extLst>
-                <a:ext uri="{FF2B5EF4-FFF2-40B4-BE49-F238E27FC236}">
-                  <a16:creationId xmlns:a16="http://schemas.microsoft.com/office/drawing/2014/main" id="{431C5C52-3E7F-2554-85E7-1834EC5553AE}"/>
-                </a:ext>
-              </a:extLst>
-            </p:cNvPr>
-            <p:cNvCxnSpPr>
-              <a:stCxn id="15" idx="3"/>
-              <a:endCxn id="32" idx="1"/>
-            </p:cNvCxnSpPr>
-            <p:nvPr/>
-          </p:nvCxnSpPr>
-          <p:spPr>
-            <a:xfrm flipV="1">
-              <a:off x="4496559" y="3429000"/>
-              <a:ext cx="879441" cy="1845921"/>
-            </a:xfrm>
-            <a:prstGeom prst="straightConnector1">
-              <a:avLst/>
-            </a:prstGeom>
-            <a:ln>
-              <a:tailEnd type="triangle"/>
-            </a:ln>
-          </p:spPr>
-          <p:style>
-            <a:lnRef idx="1">
-              <a:schemeClr val="dk1"/>
-            </a:lnRef>
-            <a:fillRef idx="0">
-              <a:schemeClr val="dk1"/>
-            </a:fillRef>
-            <a:effectRef idx="0">
-              <a:schemeClr val="dk1"/>
-            </a:effectRef>
-            <a:fontRef idx="minor">
-              <a:schemeClr val="tx1"/>
-            </a:fontRef>
-          </p:style>
-        </p:cxnSp>
-        <p:sp>
-          <p:nvSpPr>
-            <p:cNvPr id="20" name="Retângulo 19">
-              <a:extLst>
-                <a:ext uri="{FF2B5EF4-FFF2-40B4-BE49-F238E27FC236}">
-                  <a16:creationId xmlns:a16="http://schemas.microsoft.com/office/drawing/2014/main" id="{BDB1D597-70CD-C8EE-FEF1-6F72FD3AC567}"/>
-                </a:ext>
-              </a:extLst>
-            </p:cNvPr>
-            <p:cNvSpPr/>
-            <p:nvPr/>
-          </p:nvSpPr>
-          <p:spPr>
-            <a:xfrm>
-              <a:off x="7695441" y="1705161"/>
-              <a:ext cx="1440000" cy="720000"/>
-            </a:xfrm>
-            <a:prstGeom prst="rect">
-              <a:avLst/>
-            </a:prstGeom>
-            <a:solidFill>
-              <a:schemeClr val="accent4">
-                <a:lumMod val="60000"/>
-                <a:lumOff val="40000"/>
-              </a:schemeClr>
-            </a:solidFill>
-            <a:ln>
-              <a:noFill/>
-            </a:ln>
-          </p:spPr>
-          <p:style>
-            <a:lnRef idx="2">
-              <a:schemeClr val="accent1">
-                <a:shade val="50000"/>
-              </a:schemeClr>
-            </a:lnRef>
-            <a:fillRef idx="1">
-              <a:schemeClr val="accent1"/>
-            </a:fillRef>
-            <a:effectRef idx="0">
-              <a:schemeClr val="accent1"/>
-            </a:effectRef>
-            <a:fontRef idx="minor">
-              <a:schemeClr val="lt1"/>
-            </a:fontRef>
-          </p:style>
-          <p:txBody>
-            <a:bodyPr rtlCol="0" anchor="ctr"/>
-            <a:lstStyle/>
-            <a:p>
-              <a:pPr algn="ctr"/>
-              <a:r>
-                <a:rPr lang="pt-BR" sz="1400" b="1" dirty="0">
-                  <a:latin typeface="Century Gothic" panose="020B0502020202020204" pitchFamily="34" charset="0"/>
-                </a:rPr>
-                <a:t>SCALE 1</a:t>
-              </a:r>
-            </a:p>
-          </p:txBody>
-        </p:sp>
-        <p:sp>
-          <p:nvSpPr>
-            <p:cNvPr id="21" name="Retângulo 20">
-              <a:extLst>
-                <a:ext uri="{FF2B5EF4-FFF2-40B4-BE49-F238E27FC236}">
-                  <a16:creationId xmlns:a16="http://schemas.microsoft.com/office/drawing/2014/main" id="{16AC548B-25B5-E3DE-C01E-8E0FD2C160D1}"/>
-                </a:ext>
-              </a:extLst>
-            </p:cNvPr>
-            <p:cNvSpPr/>
-            <p:nvPr/>
-          </p:nvSpPr>
-          <p:spPr>
-            <a:xfrm>
-              <a:off x="7695441" y="2669324"/>
-              <a:ext cx="1440000" cy="720000"/>
-            </a:xfrm>
-            <a:prstGeom prst="rect">
-              <a:avLst/>
-            </a:prstGeom>
-            <a:solidFill>
-              <a:schemeClr val="accent4">
-                <a:lumMod val="60000"/>
-                <a:lumOff val="40000"/>
-              </a:schemeClr>
-            </a:solidFill>
-            <a:ln>
-              <a:noFill/>
-            </a:ln>
-          </p:spPr>
-          <p:style>
-            <a:lnRef idx="2">
-              <a:schemeClr val="accent1">
-                <a:shade val="50000"/>
-              </a:schemeClr>
-            </a:lnRef>
-            <a:fillRef idx="1">
-              <a:schemeClr val="accent1"/>
-            </a:fillRef>
-            <a:effectRef idx="0">
-              <a:schemeClr val="accent1"/>
-            </a:effectRef>
-            <a:fontRef idx="minor">
-              <a:schemeClr val="lt1"/>
-            </a:fontRef>
-          </p:style>
-          <p:txBody>
-            <a:bodyPr rtlCol="0" anchor="ctr"/>
-            <a:lstStyle/>
-            <a:p>
-              <a:pPr algn="ctr"/>
-              <a:r>
-                <a:rPr lang="pt-BR" sz="1400" b="1" dirty="0">
-                  <a:latin typeface="Century Gothic" panose="020B0502020202020204" pitchFamily="34" charset="0"/>
-                </a:rPr>
-                <a:t>SCALE 2</a:t>
-              </a:r>
-            </a:p>
-          </p:txBody>
-        </p:sp>
-        <p:sp>
-          <p:nvSpPr>
-            <p:cNvPr id="22" name="Retângulo 21">
-              <a:extLst>
-                <a:ext uri="{FF2B5EF4-FFF2-40B4-BE49-F238E27FC236}">
-                  <a16:creationId xmlns:a16="http://schemas.microsoft.com/office/drawing/2014/main" id="{6B2BA29B-A67E-6622-F57C-8E0470E88B28}"/>
-                </a:ext>
-              </a:extLst>
-            </p:cNvPr>
-            <p:cNvSpPr/>
-            <p:nvPr/>
-          </p:nvSpPr>
-          <p:spPr>
-            <a:xfrm>
-              <a:off x="7695441" y="4432839"/>
-              <a:ext cx="1440000" cy="720000"/>
-            </a:xfrm>
-            <a:prstGeom prst="rect">
-              <a:avLst/>
-            </a:prstGeom>
-            <a:solidFill>
-              <a:schemeClr val="accent4">
-                <a:lumMod val="60000"/>
-                <a:lumOff val="40000"/>
-              </a:schemeClr>
-            </a:solidFill>
-            <a:ln>
-              <a:noFill/>
-            </a:ln>
-          </p:spPr>
-          <p:style>
-            <a:lnRef idx="2">
-              <a:schemeClr val="accent1">
-                <a:shade val="50000"/>
-              </a:schemeClr>
-            </a:lnRef>
-            <a:fillRef idx="1">
-              <a:schemeClr val="accent1"/>
-            </a:fillRef>
-            <a:effectRef idx="0">
-              <a:schemeClr val="accent1"/>
-            </a:effectRef>
-            <a:fontRef idx="minor">
-              <a:schemeClr val="lt1"/>
-            </a:fontRef>
-          </p:style>
-          <p:txBody>
-            <a:bodyPr rtlCol="0" anchor="ctr"/>
-            <a:lstStyle/>
-            <a:p>
-              <a:pPr algn="ctr"/>
-              <a:r>
-                <a:rPr lang="pt-BR" sz="1400" b="1" dirty="0">
-                  <a:latin typeface="Century Gothic" panose="020B0502020202020204" pitchFamily="34" charset="0"/>
-                </a:rPr>
-                <a:t>SCALE P</a:t>
-              </a:r>
-            </a:p>
-          </p:txBody>
-        </p:sp>
-        <p:sp>
-          <p:nvSpPr>
-            <p:cNvPr id="23" name="CaixaDeTexto 22">
-              <a:extLst>
-                <a:ext uri="{FF2B5EF4-FFF2-40B4-BE49-F238E27FC236}">
-                  <a16:creationId xmlns:a16="http://schemas.microsoft.com/office/drawing/2014/main" id="{D47067FD-28EA-E106-2004-0253276FDC41}"/>
-                </a:ext>
-              </a:extLst>
-            </p:cNvPr>
-            <p:cNvSpPr txBox="1"/>
-            <p:nvPr/>
-          </p:nvSpPr>
-          <p:spPr>
-            <a:xfrm rot="5400000">
-              <a:off x="8193832" y="3526361"/>
-              <a:ext cx="720002" cy="769441"/>
-            </a:xfrm>
-            <a:prstGeom prst="rect">
-              <a:avLst/>
-            </a:prstGeom>
+          </a:ln>
+        </p:spPr>
+        <p:style>
+          <a:lnRef idx="2">
+            <a:schemeClr val="accent1">
+              <a:shade val="50000"/>
+            </a:schemeClr>
+          </a:lnRef>
+          <a:fillRef idx="1">
+            <a:schemeClr val="accent1"/>
+          </a:fillRef>
+          <a:effectRef idx="0">
+            <a:schemeClr val="accent1"/>
+          </a:effectRef>
+          <a:fontRef idx="minor">
+            <a:schemeClr val="lt1"/>
+          </a:fontRef>
+        </p:style>
+        <p:txBody>
+          <a:bodyPr rtlCol="0" anchor="ctr"/>
+          <a:lstStyle/>
+          <a:p>
+            <a:pPr algn="ctr"/>
+            <a:r>
+              <a:rPr lang="pt-BR" sz="1400" b="1" dirty="0">
+                <a:latin typeface="Century Gothic" panose="020B0502020202020204" pitchFamily="34" charset="0"/>
+              </a:rPr>
+              <a:t>TRANSPORT SYSTEM</a:t>
+            </a:r>
+          </a:p>
+        </p:txBody>
+      </p:sp>
+      <p:sp>
+        <p:nvSpPr>
+          <p:cNvPr id="12" name="Retângulo 11">
+            <a:extLst>
+              <a:ext uri="{FF2B5EF4-FFF2-40B4-BE49-F238E27FC236}">
+                <a16:creationId xmlns:a16="http://schemas.microsoft.com/office/drawing/2014/main" id="{4709DF01-58DE-7B1D-2390-FDABC5E61147}"/>
+              </a:ext>
+            </a:extLst>
+          </p:cNvPr>
+          <p:cNvSpPr/>
+          <p:nvPr/>
+        </p:nvSpPr>
+        <p:spPr>
+          <a:xfrm>
+            <a:off x="3056559" y="1223080"/>
+            <a:ext cx="1440000" cy="720000"/>
+          </a:xfrm>
+          <a:prstGeom prst="rect">
+            <a:avLst/>
+          </a:prstGeom>
+          <a:solidFill>
+            <a:schemeClr val="accent6">
+              <a:lumMod val="60000"/>
+              <a:lumOff val="40000"/>
+            </a:schemeClr>
+          </a:solidFill>
+          <a:ln>
             <a:noFill/>
-          </p:spPr>
-          <p:txBody>
-            <a:bodyPr wrap="square" rtlCol="0">
-              <a:spAutoFit/>
-            </a:bodyPr>
-            <a:lstStyle/>
-            <a:p>
-              <a:pPr algn="ctr"/>
-              <a:r>
-                <a:rPr lang="pt-BR" sz="4400" dirty="0"/>
-                <a:t>...</a:t>
-              </a:r>
-            </a:p>
-          </p:txBody>
-        </p:sp>
-        <p:sp>
-          <p:nvSpPr>
-            <p:cNvPr id="24" name="CaixaDeTexto 23">
-              <a:extLst>
-                <a:ext uri="{FF2B5EF4-FFF2-40B4-BE49-F238E27FC236}">
-                  <a16:creationId xmlns:a16="http://schemas.microsoft.com/office/drawing/2014/main" id="{5F9D7E8A-EF69-97ED-4C7E-43703AB3EE2C}"/>
-                </a:ext>
-              </a:extLst>
-            </p:cNvPr>
-            <p:cNvSpPr txBox="1"/>
-            <p:nvPr/>
-          </p:nvSpPr>
-          <p:spPr>
-            <a:xfrm rot="5400000">
-              <a:off x="8193832" y="3526362"/>
-              <a:ext cx="720002" cy="769441"/>
-            </a:xfrm>
-            <a:prstGeom prst="rect">
-              <a:avLst/>
-            </a:prstGeom>
+          </a:ln>
+        </p:spPr>
+        <p:style>
+          <a:lnRef idx="2">
+            <a:schemeClr val="accent1">
+              <a:shade val="50000"/>
+            </a:schemeClr>
+          </a:lnRef>
+          <a:fillRef idx="1">
+            <a:schemeClr val="accent1"/>
+          </a:fillRef>
+          <a:effectRef idx="0">
+            <a:schemeClr val="accent1"/>
+          </a:effectRef>
+          <a:fontRef idx="minor">
+            <a:schemeClr val="lt1"/>
+          </a:fontRef>
+        </p:style>
+        <p:txBody>
+          <a:bodyPr rtlCol="0" anchor="ctr"/>
+          <a:lstStyle/>
+          <a:p>
+            <a:pPr algn="ctr"/>
+            <a:r>
+              <a:rPr lang="pt-BR" sz="1400" b="1" dirty="0">
+                <a:latin typeface="Century Gothic" panose="020B0502020202020204" pitchFamily="34" charset="0"/>
+              </a:rPr>
+              <a:t>SILO 1</a:t>
+            </a:r>
+          </a:p>
+        </p:txBody>
+      </p:sp>
+      <p:sp>
+        <p:nvSpPr>
+          <p:cNvPr id="13" name="Retângulo 12">
+            <a:extLst>
+              <a:ext uri="{FF2B5EF4-FFF2-40B4-BE49-F238E27FC236}">
+                <a16:creationId xmlns:a16="http://schemas.microsoft.com/office/drawing/2014/main" id="{1897301E-AD9B-6FE6-4FC4-8199BB4D999B}"/>
+              </a:ext>
+            </a:extLst>
+          </p:cNvPr>
+          <p:cNvSpPr/>
+          <p:nvPr/>
+        </p:nvSpPr>
+        <p:spPr>
+          <a:xfrm>
+            <a:off x="3056559" y="2187243"/>
+            <a:ext cx="1440000" cy="720000"/>
+          </a:xfrm>
+          <a:prstGeom prst="rect">
+            <a:avLst/>
+          </a:prstGeom>
+          <a:solidFill>
+            <a:schemeClr val="accent6">
+              <a:lumMod val="60000"/>
+              <a:lumOff val="40000"/>
+            </a:schemeClr>
+          </a:solidFill>
+          <a:ln>
             <a:noFill/>
-          </p:spPr>
-          <p:txBody>
-            <a:bodyPr wrap="square" rtlCol="0">
-              <a:spAutoFit/>
-            </a:bodyPr>
-            <a:lstStyle/>
-            <a:p>
-              <a:pPr algn="ctr"/>
-              <a:r>
-                <a:rPr lang="pt-BR" sz="4400" dirty="0"/>
-                <a:t>...</a:t>
-              </a:r>
-            </a:p>
-          </p:txBody>
-        </p:sp>
-        <p:sp>
-          <p:nvSpPr>
-            <p:cNvPr id="27" name="Retângulo 26">
-              <a:extLst>
-                <a:ext uri="{FF2B5EF4-FFF2-40B4-BE49-F238E27FC236}">
-                  <a16:creationId xmlns:a16="http://schemas.microsoft.com/office/drawing/2014/main" id="{CC0C93FF-0E55-D4C2-6998-B48176EC034C}"/>
-                </a:ext>
-              </a:extLst>
-            </p:cNvPr>
-            <p:cNvSpPr/>
-            <p:nvPr/>
-          </p:nvSpPr>
-          <p:spPr>
-            <a:xfrm>
-              <a:off x="10014882" y="1705161"/>
-              <a:ext cx="1440000" cy="720000"/>
-            </a:xfrm>
-            <a:prstGeom prst="rect">
-              <a:avLst/>
-            </a:prstGeom>
-            <a:solidFill>
-              <a:schemeClr val="accent2">
-                <a:lumMod val="60000"/>
-                <a:lumOff val="40000"/>
-              </a:schemeClr>
-            </a:solidFill>
-            <a:ln>
-              <a:noFill/>
-            </a:ln>
-          </p:spPr>
-          <p:style>
-            <a:lnRef idx="2">
-              <a:schemeClr val="accent1">
-                <a:shade val="50000"/>
-              </a:schemeClr>
-            </a:lnRef>
-            <a:fillRef idx="1">
-              <a:schemeClr val="accent1"/>
-            </a:fillRef>
-            <a:effectRef idx="0">
-              <a:schemeClr val="accent1"/>
-            </a:effectRef>
-            <a:fontRef idx="minor">
-              <a:schemeClr val="lt1"/>
-            </a:fontRef>
-          </p:style>
-          <p:txBody>
-            <a:bodyPr rtlCol="0" anchor="ctr"/>
-            <a:lstStyle/>
-            <a:p>
-              <a:pPr algn="ctr"/>
-              <a:r>
-                <a:rPr lang="pt-BR" sz="1400" b="1" dirty="0">
-                  <a:latin typeface="Century Gothic" panose="020B0502020202020204" pitchFamily="34" charset="0"/>
-                </a:rPr>
-                <a:t>PRODUCTION LINE 1</a:t>
-              </a:r>
-            </a:p>
-          </p:txBody>
-        </p:sp>
-        <p:sp>
-          <p:nvSpPr>
-            <p:cNvPr id="28" name="Retângulo 27">
-              <a:extLst>
-                <a:ext uri="{FF2B5EF4-FFF2-40B4-BE49-F238E27FC236}">
-                  <a16:creationId xmlns:a16="http://schemas.microsoft.com/office/drawing/2014/main" id="{2B7B0EA2-9157-0060-9EE5-10B3A1468762}"/>
-                </a:ext>
-              </a:extLst>
-            </p:cNvPr>
-            <p:cNvSpPr/>
-            <p:nvPr/>
-          </p:nvSpPr>
-          <p:spPr>
-            <a:xfrm>
-              <a:off x="10014882" y="2669324"/>
-              <a:ext cx="1440000" cy="720000"/>
-            </a:xfrm>
-            <a:prstGeom prst="rect">
-              <a:avLst/>
-            </a:prstGeom>
-            <a:solidFill>
-              <a:schemeClr val="accent2">
-                <a:lumMod val="60000"/>
-                <a:lumOff val="40000"/>
-              </a:schemeClr>
-            </a:solidFill>
-            <a:ln>
-              <a:noFill/>
-            </a:ln>
-          </p:spPr>
-          <p:style>
-            <a:lnRef idx="2">
-              <a:schemeClr val="accent1">
-                <a:shade val="50000"/>
-              </a:schemeClr>
-            </a:lnRef>
-            <a:fillRef idx="1">
-              <a:schemeClr val="accent1"/>
-            </a:fillRef>
-            <a:effectRef idx="0">
-              <a:schemeClr val="accent1"/>
-            </a:effectRef>
-            <a:fontRef idx="minor">
-              <a:schemeClr val="lt1"/>
-            </a:fontRef>
-          </p:style>
-          <p:txBody>
-            <a:bodyPr rtlCol="0" anchor="ctr"/>
-            <a:lstStyle/>
-            <a:p>
-              <a:pPr algn="ctr"/>
-              <a:r>
-                <a:rPr lang="pt-BR" sz="1400" b="1" dirty="0">
-                  <a:latin typeface="Century Gothic" panose="020B0502020202020204" pitchFamily="34" charset="0"/>
-                </a:rPr>
-                <a:t>PRODUCTION LINE 2</a:t>
-              </a:r>
-            </a:p>
-          </p:txBody>
-        </p:sp>
-        <p:sp>
-          <p:nvSpPr>
-            <p:cNvPr id="29" name="Retângulo 28">
-              <a:extLst>
-                <a:ext uri="{FF2B5EF4-FFF2-40B4-BE49-F238E27FC236}">
-                  <a16:creationId xmlns:a16="http://schemas.microsoft.com/office/drawing/2014/main" id="{86A7AB5C-EE5E-5DF4-1999-8AAA6C3A03D5}"/>
-                </a:ext>
-              </a:extLst>
-            </p:cNvPr>
-            <p:cNvSpPr/>
-            <p:nvPr/>
-          </p:nvSpPr>
-          <p:spPr>
-            <a:xfrm>
-              <a:off x="10014882" y="4432839"/>
-              <a:ext cx="1440000" cy="720000"/>
-            </a:xfrm>
-            <a:prstGeom prst="rect">
-              <a:avLst/>
-            </a:prstGeom>
-            <a:solidFill>
-              <a:schemeClr val="accent2">
-                <a:lumMod val="60000"/>
-                <a:lumOff val="40000"/>
-              </a:schemeClr>
-            </a:solidFill>
-            <a:ln>
-              <a:noFill/>
-            </a:ln>
-          </p:spPr>
-          <p:style>
-            <a:lnRef idx="2">
-              <a:schemeClr val="accent1">
-                <a:shade val="50000"/>
-              </a:schemeClr>
-            </a:lnRef>
-            <a:fillRef idx="1">
-              <a:schemeClr val="accent1"/>
-            </a:fillRef>
-            <a:effectRef idx="0">
-              <a:schemeClr val="accent1"/>
-            </a:effectRef>
-            <a:fontRef idx="minor">
-              <a:schemeClr val="lt1"/>
-            </a:fontRef>
-          </p:style>
-          <p:txBody>
-            <a:bodyPr rtlCol="0" anchor="ctr"/>
-            <a:lstStyle/>
-            <a:p>
-              <a:pPr algn="ctr"/>
-              <a:r>
-                <a:rPr lang="pt-BR" sz="1400" b="1" dirty="0">
-                  <a:latin typeface="Century Gothic" panose="020B0502020202020204" pitchFamily="34" charset="0"/>
-                </a:rPr>
-                <a:t>PRODUCTION LINE P</a:t>
-              </a:r>
-            </a:p>
-          </p:txBody>
-        </p:sp>
-        <p:sp>
-          <p:nvSpPr>
-            <p:cNvPr id="30" name="CaixaDeTexto 29">
-              <a:extLst>
-                <a:ext uri="{FF2B5EF4-FFF2-40B4-BE49-F238E27FC236}">
-                  <a16:creationId xmlns:a16="http://schemas.microsoft.com/office/drawing/2014/main" id="{D559AD97-7918-1B32-FBDB-DC1C9921A1DA}"/>
-                </a:ext>
-              </a:extLst>
-            </p:cNvPr>
-            <p:cNvSpPr txBox="1"/>
-            <p:nvPr/>
-          </p:nvSpPr>
-          <p:spPr>
-            <a:xfrm rot="5400000">
-              <a:off x="10513273" y="3526361"/>
-              <a:ext cx="720002" cy="769441"/>
-            </a:xfrm>
-            <a:prstGeom prst="rect">
-              <a:avLst/>
-            </a:prstGeom>
+          </a:ln>
+        </p:spPr>
+        <p:style>
+          <a:lnRef idx="2">
+            <a:schemeClr val="accent1">
+              <a:shade val="50000"/>
+            </a:schemeClr>
+          </a:lnRef>
+          <a:fillRef idx="1">
+            <a:schemeClr val="accent1"/>
+          </a:fillRef>
+          <a:effectRef idx="0">
+            <a:schemeClr val="accent1"/>
+          </a:effectRef>
+          <a:fontRef idx="minor">
+            <a:schemeClr val="lt1"/>
+          </a:fontRef>
+        </p:style>
+        <p:txBody>
+          <a:bodyPr rtlCol="0" anchor="ctr"/>
+          <a:lstStyle/>
+          <a:p>
+            <a:pPr algn="ctr"/>
+            <a:r>
+              <a:rPr lang="pt-BR" sz="1400" b="1" dirty="0">
+                <a:latin typeface="Century Gothic" panose="020B0502020202020204" pitchFamily="34" charset="0"/>
+              </a:rPr>
+              <a:t>SILO 2</a:t>
+            </a:r>
+          </a:p>
+        </p:txBody>
+      </p:sp>
+      <p:sp>
+        <p:nvSpPr>
+          <p:cNvPr id="14" name="Retângulo 13">
+            <a:extLst>
+              <a:ext uri="{FF2B5EF4-FFF2-40B4-BE49-F238E27FC236}">
+                <a16:creationId xmlns:a16="http://schemas.microsoft.com/office/drawing/2014/main" id="{8B4D3CCA-6973-B69A-73EC-294A0B2EAD1C}"/>
+              </a:ext>
+            </a:extLst>
+          </p:cNvPr>
+          <p:cNvSpPr/>
+          <p:nvPr/>
+        </p:nvSpPr>
+        <p:spPr>
+          <a:xfrm>
+            <a:off x="3056559" y="3151406"/>
+            <a:ext cx="1440000" cy="720000"/>
+          </a:xfrm>
+          <a:prstGeom prst="rect">
+            <a:avLst/>
+          </a:prstGeom>
+          <a:solidFill>
+            <a:schemeClr val="accent6">
+              <a:lumMod val="60000"/>
+              <a:lumOff val="40000"/>
+            </a:schemeClr>
+          </a:solidFill>
+          <a:ln>
             <a:noFill/>
-          </p:spPr>
-          <p:txBody>
-            <a:bodyPr wrap="square" rtlCol="0">
-              <a:spAutoFit/>
-            </a:bodyPr>
-            <a:lstStyle/>
-            <a:p>
-              <a:pPr algn="ctr"/>
-              <a:r>
-                <a:rPr lang="pt-BR" sz="4400" dirty="0"/>
-                <a:t>...</a:t>
-              </a:r>
-            </a:p>
-          </p:txBody>
-        </p:sp>
-        <p:sp>
-          <p:nvSpPr>
-            <p:cNvPr id="31" name="CaixaDeTexto 30">
-              <a:extLst>
-                <a:ext uri="{FF2B5EF4-FFF2-40B4-BE49-F238E27FC236}">
-                  <a16:creationId xmlns:a16="http://schemas.microsoft.com/office/drawing/2014/main" id="{F45CCB1C-159E-DB52-A68B-D8DCD16A5702}"/>
-                </a:ext>
-              </a:extLst>
-            </p:cNvPr>
-            <p:cNvSpPr txBox="1"/>
-            <p:nvPr/>
-          </p:nvSpPr>
-          <p:spPr>
-            <a:xfrm rot="5400000">
-              <a:off x="10513273" y="3526362"/>
-              <a:ext cx="720002" cy="769441"/>
-            </a:xfrm>
-            <a:prstGeom prst="rect">
-              <a:avLst/>
-            </a:prstGeom>
+          </a:ln>
+        </p:spPr>
+        <p:style>
+          <a:lnRef idx="2">
+            <a:schemeClr val="accent1">
+              <a:shade val="50000"/>
+            </a:schemeClr>
+          </a:lnRef>
+          <a:fillRef idx="1">
+            <a:schemeClr val="accent1"/>
+          </a:fillRef>
+          <a:effectRef idx="0">
+            <a:schemeClr val="accent1"/>
+          </a:effectRef>
+          <a:fontRef idx="minor">
+            <a:schemeClr val="lt1"/>
+          </a:fontRef>
+        </p:style>
+        <p:txBody>
+          <a:bodyPr rtlCol="0" anchor="ctr"/>
+          <a:lstStyle/>
+          <a:p>
+            <a:pPr algn="ctr"/>
+            <a:r>
+              <a:rPr lang="pt-BR" sz="1400" b="1" dirty="0">
+                <a:latin typeface="Century Gothic" panose="020B0502020202020204" pitchFamily="34" charset="0"/>
+              </a:rPr>
+              <a:t>SILO 3</a:t>
+            </a:r>
+          </a:p>
+        </p:txBody>
+      </p:sp>
+      <p:sp>
+        <p:nvSpPr>
+          <p:cNvPr id="15" name="Retângulo 14">
+            <a:extLst>
+              <a:ext uri="{FF2B5EF4-FFF2-40B4-BE49-F238E27FC236}">
+                <a16:creationId xmlns:a16="http://schemas.microsoft.com/office/drawing/2014/main" id="{1DCDDE6B-4E88-D885-01BD-DEF0407C45FC}"/>
+              </a:ext>
+            </a:extLst>
+          </p:cNvPr>
+          <p:cNvSpPr/>
+          <p:nvPr/>
+        </p:nvSpPr>
+        <p:spPr>
+          <a:xfrm>
+            <a:off x="3056559" y="4914921"/>
+            <a:ext cx="1440000" cy="720000"/>
+          </a:xfrm>
+          <a:prstGeom prst="rect">
+            <a:avLst/>
+          </a:prstGeom>
+          <a:solidFill>
+            <a:schemeClr val="accent6">
+              <a:lumMod val="60000"/>
+              <a:lumOff val="40000"/>
+            </a:schemeClr>
+          </a:solidFill>
+          <a:ln>
             <a:noFill/>
-          </p:spPr>
-          <p:txBody>
-            <a:bodyPr wrap="square" rtlCol="0">
-              <a:spAutoFit/>
-            </a:bodyPr>
-            <a:lstStyle/>
-            <a:p>
-              <a:pPr algn="ctr"/>
-              <a:r>
-                <a:rPr lang="pt-BR" sz="4400" dirty="0"/>
-                <a:t>...</a:t>
-              </a:r>
-            </a:p>
-          </p:txBody>
-        </p:sp>
-        <p:cxnSp>
-          <p:nvCxnSpPr>
-            <p:cNvPr id="70" name="Conector de Seta Reta 69">
-              <a:extLst>
-                <a:ext uri="{FF2B5EF4-FFF2-40B4-BE49-F238E27FC236}">
-                  <a16:creationId xmlns:a16="http://schemas.microsoft.com/office/drawing/2014/main" id="{87934E5C-E258-08AA-3CC9-52ED7D833A90}"/>
-                </a:ext>
-              </a:extLst>
-            </p:cNvPr>
-            <p:cNvCxnSpPr>
-              <a:cxnSpLocks/>
-              <a:stCxn id="20" idx="3"/>
-              <a:endCxn id="27" idx="1"/>
-            </p:cNvCxnSpPr>
-            <p:nvPr/>
-          </p:nvCxnSpPr>
-          <p:spPr>
-            <a:xfrm>
-              <a:off x="9135441" y="2065161"/>
-              <a:ext cx="879441" cy="0"/>
-            </a:xfrm>
-            <a:prstGeom prst="straightConnector1">
-              <a:avLst/>
-            </a:prstGeom>
-            <a:ln>
-              <a:tailEnd type="triangle"/>
-            </a:ln>
-          </p:spPr>
-          <p:style>
-            <a:lnRef idx="1">
-              <a:schemeClr val="dk1"/>
-            </a:lnRef>
-            <a:fillRef idx="0">
-              <a:schemeClr val="dk1"/>
-            </a:fillRef>
-            <a:effectRef idx="0">
-              <a:schemeClr val="dk1"/>
-            </a:effectRef>
-            <a:fontRef idx="minor">
-              <a:schemeClr val="tx1"/>
-            </a:fontRef>
-          </p:style>
-        </p:cxnSp>
-        <p:cxnSp>
-          <p:nvCxnSpPr>
-            <p:cNvPr id="71" name="Conector de Seta Reta 70">
-              <a:extLst>
-                <a:ext uri="{FF2B5EF4-FFF2-40B4-BE49-F238E27FC236}">
-                  <a16:creationId xmlns:a16="http://schemas.microsoft.com/office/drawing/2014/main" id="{1267AABA-6A7C-2BCF-50EC-56A37A161B1B}"/>
-                </a:ext>
-              </a:extLst>
-            </p:cNvPr>
-            <p:cNvCxnSpPr>
-              <a:cxnSpLocks/>
-              <a:stCxn id="22" idx="3"/>
-              <a:endCxn id="29" idx="1"/>
-            </p:cNvCxnSpPr>
-            <p:nvPr/>
-          </p:nvCxnSpPr>
-          <p:spPr>
-            <a:xfrm>
-              <a:off x="9135441" y="4792839"/>
-              <a:ext cx="879441" cy="0"/>
-            </a:xfrm>
-            <a:prstGeom prst="straightConnector1">
-              <a:avLst/>
-            </a:prstGeom>
-            <a:ln>
-              <a:tailEnd type="triangle"/>
-            </a:ln>
-          </p:spPr>
-          <p:style>
-            <a:lnRef idx="1">
-              <a:schemeClr val="dk1"/>
-            </a:lnRef>
-            <a:fillRef idx="0">
-              <a:schemeClr val="dk1"/>
-            </a:fillRef>
-            <a:effectRef idx="0">
-              <a:schemeClr val="dk1"/>
-            </a:effectRef>
-            <a:fontRef idx="minor">
-              <a:schemeClr val="tx1"/>
-            </a:fontRef>
-          </p:style>
-        </p:cxnSp>
-        <p:cxnSp>
-          <p:nvCxnSpPr>
-            <p:cNvPr id="72" name="Conector de Seta Reta 71">
-              <a:extLst>
-                <a:ext uri="{FF2B5EF4-FFF2-40B4-BE49-F238E27FC236}">
-                  <a16:creationId xmlns:a16="http://schemas.microsoft.com/office/drawing/2014/main" id="{4CCC40F2-67D8-7066-7B35-E326FA802667}"/>
-                </a:ext>
-              </a:extLst>
-            </p:cNvPr>
-            <p:cNvCxnSpPr>
-              <a:cxnSpLocks/>
-              <a:stCxn id="21" idx="3"/>
-              <a:endCxn id="28" idx="1"/>
-            </p:cNvCxnSpPr>
-            <p:nvPr/>
-          </p:nvCxnSpPr>
-          <p:spPr>
-            <a:xfrm>
-              <a:off x="9135441" y="3029324"/>
-              <a:ext cx="879441" cy="0"/>
-            </a:xfrm>
-            <a:prstGeom prst="straightConnector1">
-              <a:avLst/>
-            </a:prstGeom>
-            <a:ln>
-              <a:tailEnd type="triangle"/>
-            </a:ln>
-          </p:spPr>
-          <p:style>
-            <a:lnRef idx="1">
-              <a:schemeClr val="dk1"/>
-            </a:lnRef>
-            <a:fillRef idx="0">
-              <a:schemeClr val="dk1"/>
-            </a:fillRef>
-            <a:effectRef idx="0">
-              <a:schemeClr val="dk1"/>
-            </a:effectRef>
-            <a:fontRef idx="minor">
-              <a:schemeClr val="tx1"/>
-            </a:fontRef>
-          </p:style>
-        </p:cxnSp>
-        <p:cxnSp>
-          <p:nvCxnSpPr>
-            <p:cNvPr id="75" name="Conector de Seta Reta 74">
-              <a:extLst>
-                <a:ext uri="{FF2B5EF4-FFF2-40B4-BE49-F238E27FC236}">
-                  <a16:creationId xmlns:a16="http://schemas.microsoft.com/office/drawing/2014/main" id="{DA423808-6A5B-4381-18C0-B26C42997D35}"/>
-                </a:ext>
-              </a:extLst>
-            </p:cNvPr>
-            <p:cNvCxnSpPr>
-              <a:cxnSpLocks/>
-              <a:stCxn id="32" idx="3"/>
-              <a:endCxn id="20" idx="1"/>
-            </p:cNvCxnSpPr>
-            <p:nvPr/>
-          </p:nvCxnSpPr>
-          <p:spPr>
-            <a:xfrm flipV="1">
-              <a:off x="6816000" y="2065161"/>
-              <a:ext cx="879441" cy="1363839"/>
-            </a:xfrm>
-            <a:prstGeom prst="straightConnector1">
-              <a:avLst/>
-            </a:prstGeom>
-            <a:ln>
-              <a:tailEnd type="triangle"/>
-            </a:ln>
-          </p:spPr>
-          <p:style>
-            <a:lnRef idx="1">
-              <a:schemeClr val="dk1"/>
-            </a:lnRef>
-            <a:fillRef idx="0">
-              <a:schemeClr val="dk1"/>
-            </a:fillRef>
-            <a:effectRef idx="0">
-              <a:schemeClr val="dk1"/>
-            </a:effectRef>
-            <a:fontRef idx="minor">
-              <a:schemeClr val="tx1"/>
-            </a:fontRef>
-          </p:style>
-        </p:cxnSp>
-        <p:cxnSp>
-          <p:nvCxnSpPr>
-            <p:cNvPr id="76" name="Conector de Seta Reta 75">
-              <a:extLst>
-                <a:ext uri="{FF2B5EF4-FFF2-40B4-BE49-F238E27FC236}">
-                  <a16:creationId xmlns:a16="http://schemas.microsoft.com/office/drawing/2014/main" id="{52C04B52-FC62-84BD-125F-E2DB90F5EA7E}"/>
-                </a:ext>
-              </a:extLst>
-            </p:cNvPr>
-            <p:cNvCxnSpPr>
-              <a:cxnSpLocks/>
-              <a:stCxn id="32" idx="3"/>
-              <a:endCxn id="22" idx="1"/>
-            </p:cNvCxnSpPr>
-            <p:nvPr/>
-          </p:nvCxnSpPr>
-          <p:spPr>
-            <a:xfrm>
-              <a:off x="6816000" y="3429000"/>
-              <a:ext cx="879441" cy="1363839"/>
-            </a:xfrm>
-            <a:prstGeom prst="straightConnector1">
-              <a:avLst/>
-            </a:prstGeom>
-            <a:ln>
-              <a:tailEnd type="triangle"/>
-            </a:ln>
-          </p:spPr>
-          <p:style>
-            <a:lnRef idx="1">
-              <a:schemeClr val="dk1"/>
-            </a:lnRef>
-            <a:fillRef idx="0">
-              <a:schemeClr val="dk1"/>
-            </a:fillRef>
-            <a:effectRef idx="0">
-              <a:schemeClr val="dk1"/>
-            </a:effectRef>
-            <a:fontRef idx="minor">
-              <a:schemeClr val="tx1"/>
-            </a:fontRef>
-          </p:style>
-        </p:cxnSp>
-        <p:cxnSp>
-          <p:nvCxnSpPr>
-            <p:cNvPr id="77" name="Conector de Seta Reta 76">
-              <a:extLst>
-                <a:ext uri="{FF2B5EF4-FFF2-40B4-BE49-F238E27FC236}">
-                  <a16:creationId xmlns:a16="http://schemas.microsoft.com/office/drawing/2014/main" id="{FAC2E4D6-C62E-8253-C077-96EE9A0E4FEA}"/>
-                </a:ext>
-              </a:extLst>
-            </p:cNvPr>
-            <p:cNvCxnSpPr>
-              <a:cxnSpLocks/>
-              <a:stCxn id="32" idx="3"/>
-              <a:endCxn id="21" idx="1"/>
-            </p:cNvCxnSpPr>
-            <p:nvPr/>
-          </p:nvCxnSpPr>
-          <p:spPr>
-            <a:xfrm flipV="1">
-              <a:off x="6816000" y="3029324"/>
-              <a:ext cx="879441" cy="399676"/>
-            </a:xfrm>
-            <a:prstGeom prst="straightConnector1">
-              <a:avLst/>
-            </a:prstGeom>
-            <a:ln>
-              <a:tailEnd type="triangle"/>
-            </a:ln>
-          </p:spPr>
-          <p:style>
-            <a:lnRef idx="1">
-              <a:schemeClr val="dk1"/>
-            </a:lnRef>
-            <a:fillRef idx="0">
-              <a:schemeClr val="dk1"/>
-            </a:fillRef>
-            <a:effectRef idx="0">
-              <a:schemeClr val="dk1"/>
-            </a:effectRef>
-            <a:fontRef idx="minor">
-              <a:schemeClr val="tx1"/>
-            </a:fontRef>
-          </p:style>
-        </p:cxnSp>
-      </p:grpSp>
+          </a:ln>
+        </p:spPr>
+        <p:style>
+          <a:lnRef idx="2">
+            <a:schemeClr val="accent1">
+              <a:shade val="50000"/>
+            </a:schemeClr>
+          </a:lnRef>
+          <a:fillRef idx="1">
+            <a:schemeClr val="accent1"/>
+          </a:fillRef>
+          <a:effectRef idx="0">
+            <a:schemeClr val="accent1"/>
+          </a:effectRef>
+          <a:fontRef idx="minor">
+            <a:schemeClr val="lt1"/>
+          </a:fontRef>
+        </p:style>
+        <p:txBody>
+          <a:bodyPr rtlCol="0" anchor="ctr"/>
+          <a:lstStyle/>
+          <a:p>
+            <a:pPr algn="ctr"/>
+            <a:r>
+              <a:rPr lang="pt-BR" sz="1400" b="1" dirty="0">
+                <a:latin typeface="Century Gothic" panose="020B0502020202020204" pitchFamily="34" charset="0"/>
+              </a:rPr>
+              <a:t>SILO N</a:t>
+            </a:r>
+          </a:p>
+        </p:txBody>
+      </p:sp>
+      <p:sp>
+        <p:nvSpPr>
+          <p:cNvPr id="16" name="CaixaDeTexto 15">
+            <a:extLst>
+              <a:ext uri="{FF2B5EF4-FFF2-40B4-BE49-F238E27FC236}">
+                <a16:creationId xmlns:a16="http://schemas.microsoft.com/office/drawing/2014/main" id="{26EE5A34-3D58-EB18-3E63-B522D5AB9AE8}"/>
+              </a:ext>
+            </a:extLst>
+          </p:cNvPr>
+          <p:cNvSpPr txBox="1"/>
+          <p:nvPr/>
+        </p:nvSpPr>
+        <p:spPr>
+          <a:xfrm rot="5400000">
+            <a:off x="3554950" y="4008443"/>
+            <a:ext cx="720002" cy="769441"/>
+          </a:xfrm>
+          <a:prstGeom prst="rect">
+            <a:avLst/>
+          </a:prstGeom>
+          <a:noFill/>
+        </p:spPr>
+        <p:txBody>
+          <a:bodyPr wrap="square" rtlCol="0">
+            <a:spAutoFit/>
+          </a:bodyPr>
+          <a:lstStyle/>
+          <a:p>
+            <a:pPr algn="ctr"/>
+            <a:r>
+              <a:rPr lang="pt-BR" sz="4400" dirty="0"/>
+              <a:t>...</a:t>
+            </a:r>
+          </a:p>
+        </p:txBody>
+      </p:sp>
+      <p:sp>
+        <p:nvSpPr>
+          <p:cNvPr id="17" name="CaixaDeTexto 16">
+            <a:extLst>
+              <a:ext uri="{FF2B5EF4-FFF2-40B4-BE49-F238E27FC236}">
+                <a16:creationId xmlns:a16="http://schemas.microsoft.com/office/drawing/2014/main" id="{C4C9193E-687E-9C19-274E-25A77FA70790}"/>
+              </a:ext>
+            </a:extLst>
+          </p:cNvPr>
+          <p:cNvSpPr txBox="1"/>
+          <p:nvPr/>
+        </p:nvSpPr>
+        <p:spPr>
+          <a:xfrm rot="5400000">
+            <a:off x="3554950" y="4008444"/>
+            <a:ext cx="720002" cy="769441"/>
+          </a:xfrm>
+          <a:prstGeom prst="rect">
+            <a:avLst/>
+          </a:prstGeom>
+          <a:noFill/>
+        </p:spPr>
+        <p:txBody>
+          <a:bodyPr wrap="square" rtlCol="0">
+            <a:spAutoFit/>
+          </a:bodyPr>
+          <a:lstStyle/>
+          <a:p>
+            <a:pPr algn="ctr"/>
+            <a:r>
+              <a:rPr lang="pt-BR" sz="4400" dirty="0"/>
+              <a:t>...</a:t>
+            </a:r>
+          </a:p>
+        </p:txBody>
+      </p:sp>
+      <p:cxnSp>
+        <p:nvCxnSpPr>
+          <p:cNvPr id="50" name="Conector de Seta Reta 49">
+            <a:extLst>
+              <a:ext uri="{FF2B5EF4-FFF2-40B4-BE49-F238E27FC236}">
+                <a16:creationId xmlns:a16="http://schemas.microsoft.com/office/drawing/2014/main" id="{155A26BD-BB41-25EF-C8FD-BE312F224ACD}"/>
+              </a:ext>
+            </a:extLst>
+          </p:cNvPr>
+          <p:cNvCxnSpPr>
+            <a:cxnSpLocks/>
+            <a:stCxn id="6" idx="3"/>
+            <a:endCxn id="12" idx="1"/>
+          </p:cNvCxnSpPr>
+          <p:nvPr/>
+        </p:nvCxnSpPr>
+        <p:spPr>
+          <a:xfrm flipV="1">
+            <a:off x="2177118" y="1583080"/>
+            <a:ext cx="879441" cy="482081"/>
+          </a:xfrm>
+          <a:prstGeom prst="straightConnector1">
+            <a:avLst/>
+          </a:prstGeom>
+          <a:ln w="12700">
+            <a:tailEnd type="triangle"/>
+          </a:ln>
+        </p:spPr>
+        <p:style>
+          <a:lnRef idx="1">
+            <a:schemeClr val="dk1"/>
+          </a:lnRef>
+          <a:fillRef idx="0">
+            <a:schemeClr val="dk1"/>
+          </a:fillRef>
+          <a:effectRef idx="0">
+            <a:schemeClr val="dk1"/>
+          </a:effectRef>
+          <a:fontRef idx="minor">
+            <a:schemeClr val="tx1"/>
+          </a:fontRef>
+        </p:style>
+      </p:cxnSp>
+      <p:cxnSp>
+        <p:nvCxnSpPr>
+          <p:cNvPr id="52" name="Conector de Seta Reta 51">
+            <a:extLst>
+              <a:ext uri="{FF2B5EF4-FFF2-40B4-BE49-F238E27FC236}">
+                <a16:creationId xmlns:a16="http://schemas.microsoft.com/office/drawing/2014/main" id="{3AA3AB57-1744-FF6A-9813-84DF015FA818}"/>
+              </a:ext>
+            </a:extLst>
+          </p:cNvPr>
+          <p:cNvCxnSpPr>
+            <a:stCxn id="6" idx="3"/>
+            <a:endCxn id="13" idx="1"/>
+          </p:cNvCxnSpPr>
+          <p:nvPr/>
+        </p:nvCxnSpPr>
+        <p:spPr>
+          <a:xfrm>
+            <a:off x="2177118" y="2065161"/>
+            <a:ext cx="879441" cy="482082"/>
+          </a:xfrm>
+          <a:prstGeom prst="straightConnector1">
+            <a:avLst/>
+          </a:prstGeom>
+          <a:ln w="12700">
+            <a:tailEnd type="triangle"/>
+          </a:ln>
+        </p:spPr>
+        <p:style>
+          <a:lnRef idx="1">
+            <a:schemeClr val="dk1"/>
+          </a:lnRef>
+          <a:fillRef idx="0">
+            <a:schemeClr val="dk1"/>
+          </a:fillRef>
+          <a:effectRef idx="0">
+            <a:schemeClr val="dk1"/>
+          </a:effectRef>
+          <a:fontRef idx="minor">
+            <a:schemeClr val="tx1"/>
+          </a:fontRef>
+        </p:style>
+      </p:cxnSp>
+      <p:cxnSp>
+        <p:nvCxnSpPr>
+          <p:cNvPr id="54" name="Conector de Seta Reta 53">
+            <a:extLst>
+              <a:ext uri="{FF2B5EF4-FFF2-40B4-BE49-F238E27FC236}">
+                <a16:creationId xmlns:a16="http://schemas.microsoft.com/office/drawing/2014/main" id="{1C0CA0E7-7354-4350-6065-152905FD7AFC}"/>
+              </a:ext>
+            </a:extLst>
+          </p:cNvPr>
+          <p:cNvCxnSpPr>
+            <a:cxnSpLocks/>
+            <a:stCxn id="7" idx="3"/>
+            <a:endCxn id="15" idx="1"/>
+          </p:cNvCxnSpPr>
+          <p:nvPr/>
+        </p:nvCxnSpPr>
+        <p:spPr>
+          <a:xfrm>
+            <a:off x="2177118" y="3029324"/>
+            <a:ext cx="879441" cy="2245597"/>
+          </a:xfrm>
+          <a:prstGeom prst="straightConnector1">
+            <a:avLst/>
+          </a:prstGeom>
+          <a:ln w="12700">
+            <a:tailEnd type="triangle"/>
+          </a:ln>
+        </p:spPr>
+        <p:style>
+          <a:lnRef idx="1">
+            <a:schemeClr val="dk1"/>
+          </a:lnRef>
+          <a:fillRef idx="0">
+            <a:schemeClr val="dk1"/>
+          </a:fillRef>
+          <a:effectRef idx="0">
+            <a:schemeClr val="dk1"/>
+          </a:effectRef>
+          <a:fontRef idx="minor">
+            <a:schemeClr val="tx1"/>
+          </a:fontRef>
+        </p:style>
+      </p:cxnSp>
+      <p:cxnSp>
+        <p:nvCxnSpPr>
+          <p:cNvPr id="57" name="Conector de Seta Reta 56">
+            <a:extLst>
+              <a:ext uri="{FF2B5EF4-FFF2-40B4-BE49-F238E27FC236}">
+                <a16:creationId xmlns:a16="http://schemas.microsoft.com/office/drawing/2014/main" id="{0A649F88-5DAE-868A-125B-9485576927D8}"/>
+              </a:ext>
+            </a:extLst>
+          </p:cNvPr>
+          <p:cNvCxnSpPr>
+            <a:stCxn id="8" idx="3"/>
+            <a:endCxn id="14" idx="1"/>
+          </p:cNvCxnSpPr>
+          <p:nvPr/>
+        </p:nvCxnSpPr>
+        <p:spPr>
+          <a:xfrm flipV="1">
+            <a:off x="2177118" y="3511406"/>
+            <a:ext cx="879441" cy="1281433"/>
+          </a:xfrm>
+          <a:prstGeom prst="straightConnector1">
+            <a:avLst/>
+          </a:prstGeom>
+          <a:ln w="12700">
+            <a:tailEnd type="triangle"/>
+          </a:ln>
+        </p:spPr>
+        <p:style>
+          <a:lnRef idx="1">
+            <a:schemeClr val="dk1"/>
+          </a:lnRef>
+          <a:fillRef idx="0">
+            <a:schemeClr val="dk1"/>
+          </a:fillRef>
+          <a:effectRef idx="0">
+            <a:schemeClr val="dk1"/>
+          </a:effectRef>
+          <a:fontRef idx="minor">
+            <a:schemeClr val="tx1"/>
+          </a:fontRef>
+        </p:style>
+      </p:cxnSp>
+      <p:cxnSp>
+        <p:nvCxnSpPr>
+          <p:cNvPr id="61" name="Conector de Seta Reta 60">
+            <a:extLst>
+              <a:ext uri="{FF2B5EF4-FFF2-40B4-BE49-F238E27FC236}">
+                <a16:creationId xmlns:a16="http://schemas.microsoft.com/office/drawing/2014/main" id="{8365BE96-5C24-3FC0-30C0-D0BBE9C879CF}"/>
+              </a:ext>
+            </a:extLst>
+          </p:cNvPr>
+          <p:cNvCxnSpPr>
+            <a:stCxn id="12" idx="3"/>
+            <a:endCxn id="32" idx="1"/>
+          </p:cNvCxnSpPr>
+          <p:nvPr/>
+        </p:nvCxnSpPr>
+        <p:spPr>
+          <a:xfrm>
+            <a:off x="4496559" y="1583080"/>
+            <a:ext cx="879441" cy="1845920"/>
+          </a:xfrm>
+          <a:prstGeom prst="straightConnector1">
+            <a:avLst/>
+          </a:prstGeom>
+          <a:ln w="12700">
+            <a:tailEnd type="triangle"/>
+          </a:ln>
+        </p:spPr>
+        <p:style>
+          <a:lnRef idx="1">
+            <a:schemeClr val="dk1"/>
+          </a:lnRef>
+          <a:fillRef idx="0">
+            <a:schemeClr val="dk1"/>
+          </a:fillRef>
+          <a:effectRef idx="0">
+            <a:schemeClr val="dk1"/>
+          </a:effectRef>
+          <a:fontRef idx="minor">
+            <a:schemeClr val="tx1"/>
+          </a:fontRef>
+        </p:style>
+      </p:cxnSp>
+      <p:cxnSp>
+        <p:nvCxnSpPr>
+          <p:cNvPr id="63" name="Conector de Seta Reta 62">
+            <a:extLst>
+              <a:ext uri="{FF2B5EF4-FFF2-40B4-BE49-F238E27FC236}">
+                <a16:creationId xmlns:a16="http://schemas.microsoft.com/office/drawing/2014/main" id="{2CAC976B-CD16-6362-EBED-785E30A371E2}"/>
+              </a:ext>
+            </a:extLst>
+          </p:cNvPr>
+          <p:cNvCxnSpPr>
+            <a:stCxn id="13" idx="3"/>
+            <a:endCxn id="32" idx="1"/>
+          </p:cNvCxnSpPr>
+          <p:nvPr/>
+        </p:nvCxnSpPr>
+        <p:spPr>
+          <a:xfrm>
+            <a:off x="4496559" y="2547243"/>
+            <a:ext cx="879441" cy="881757"/>
+          </a:xfrm>
+          <a:prstGeom prst="straightConnector1">
+            <a:avLst/>
+          </a:prstGeom>
+          <a:ln w="12700">
+            <a:tailEnd type="triangle"/>
+          </a:ln>
+        </p:spPr>
+        <p:style>
+          <a:lnRef idx="1">
+            <a:schemeClr val="dk1"/>
+          </a:lnRef>
+          <a:fillRef idx="0">
+            <a:schemeClr val="dk1"/>
+          </a:fillRef>
+          <a:effectRef idx="0">
+            <a:schemeClr val="dk1"/>
+          </a:effectRef>
+          <a:fontRef idx="minor">
+            <a:schemeClr val="tx1"/>
+          </a:fontRef>
+        </p:style>
+      </p:cxnSp>
+      <p:cxnSp>
+        <p:nvCxnSpPr>
+          <p:cNvPr id="65" name="Conector de Seta Reta 64">
+            <a:extLst>
+              <a:ext uri="{FF2B5EF4-FFF2-40B4-BE49-F238E27FC236}">
+                <a16:creationId xmlns:a16="http://schemas.microsoft.com/office/drawing/2014/main" id="{ADA7C8AE-F5BF-FF5F-88E4-C740F3B91911}"/>
+              </a:ext>
+            </a:extLst>
+          </p:cNvPr>
+          <p:cNvCxnSpPr>
+            <a:stCxn id="14" idx="3"/>
+            <a:endCxn id="32" idx="1"/>
+          </p:cNvCxnSpPr>
+          <p:nvPr/>
+        </p:nvCxnSpPr>
+        <p:spPr>
+          <a:xfrm flipV="1">
+            <a:off x="4496559" y="3429000"/>
+            <a:ext cx="879441" cy="82406"/>
+          </a:xfrm>
+          <a:prstGeom prst="straightConnector1">
+            <a:avLst/>
+          </a:prstGeom>
+          <a:ln w="12700">
+            <a:tailEnd type="triangle"/>
+          </a:ln>
+        </p:spPr>
+        <p:style>
+          <a:lnRef idx="1">
+            <a:schemeClr val="dk1"/>
+          </a:lnRef>
+          <a:fillRef idx="0">
+            <a:schemeClr val="dk1"/>
+          </a:fillRef>
+          <a:effectRef idx="0">
+            <a:schemeClr val="dk1"/>
+          </a:effectRef>
+          <a:fontRef idx="minor">
+            <a:schemeClr val="tx1"/>
+          </a:fontRef>
+        </p:style>
+      </p:cxnSp>
+      <p:cxnSp>
+        <p:nvCxnSpPr>
+          <p:cNvPr id="67" name="Conector de Seta Reta 66">
+            <a:extLst>
+              <a:ext uri="{FF2B5EF4-FFF2-40B4-BE49-F238E27FC236}">
+                <a16:creationId xmlns:a16="http://schemas.microsoft.com/office/drawing/2014/main" id="{431C5C52-3E7F-2554-85E7-1834EC5553AE}"/>
+              </a:ext>
+            </a:extLst>
+          </p:cNvPr>
+          <p:cNvCxnSpPr>
+            <a:stCxn id="15" idx="3"/>
+            <a:endCxn id="32" idx="1"/>
+          </p:cNvCxnSpPr>
+          <p:nvPr/>
+        </p:nvCxnSpPr>
+        <p:spPr>
+          <a:xfrm flipV="1">
+            <a:off x="4496559" y="3429000"/>
+            <a:ext cx="879441" cy="1845921"/>
+          </a:xfrm>
+          <a:prstGeom prst="straightConnector1">
+            <a:avLst/>
+          </a:prstGeom>
+          <a:ln w="12700">
+            <a:tailEnd type="triangle"/>
+          </a:ln>
+        </p:spPr>
+        <p:style>
+          <a:lnRef idx="1">
+            <a:schemeClr val="dk1"/>
+          </a:lnRef>
+          <a:fillRef idx="0">
+            <a:schemeClr val="dk1"/>
+          </a:fillRef>
+          <a:effectRef idx="0">
+            <a:schemeClr val="dk1"/>
+          </a:effectRef>
+          <a:fontRef idx="minor">
+            <a:schemeClr val="tx1"/>
+          </a:fontRef>
+        </p:style>
+      </p:cxnSp>
+      <p:sp>
+        <p:nvSpPr>
+          <p:cNvPr id="20" name="Retângulo 19">
+            <a:extLst>
+              <a:ext uri="{FF2B5EF4-FFF2-40B4-BE49-F238E27FC236}">
+                <a16:creationId xmlns:a16="http://schemas.microsoft.com/office/drawing/2014/main" id="{BDB1D597-70CD-C8EE-FEF1-6F72FD3AC567}"/>
+              </a:ext>
+            </a:extLst>
+          </p:cNvPr>
+          <p:cNvSpPr/>
+          <p:nvPr/>
+        </p:nvSpPr>
+        <p:spPr>
+          <a:xfrm>
+            <a:off x="7695441" y="1705161"/>
+            <a:ext cx="1440000" cy="720000"/>
+          </a:xfrm>
+          <a:prstGeom prst="rect">
+            <a:avLst/>
+          </a:prstGeom>
+          <a:solidFill>
+            <a:schemeClr val="accent4">
+              <a:lumMod val="60000"/>
+              <a:lumOff val="40000"/>
+            </a:schemeClr>
+          </a:solidFill>
+          <a:ln>
+            <a:noFill/>
+          </a:ln>
+        </p:spPr>
+        <p:style>
+          <a:lnRef idx="2">
+            <a:schemeClr val="accent1">
+              <a:shade val="50000"/>
+            </a:schemeClr>
+          </a:lnRef>
+          <a:fillRef idx="1">
+            <a:schemeClr val="accent1"/>
+          </a:fillRef>
+          <a:effectRef idx="0">
+            <a:schemeClr val="accent1"/>
+          </a:effectRef>
+          <a:fontRef idx="minor">
+            <a:schemeClr val="lt1"/>
+          </a:fontRef>
+        </p:style>
+        <p:txBody>
+          <a:bodyPr rtlCol="0" anchor="ctr"/>
+          <a:lstStyle/>
+          <a:p>
+            <a:pPr algn="ctr"/>
+            <a:r>
+              <a:rPr lang="pt-BR" sz="1400" b="1" dirty="0">
+                <a:latin typeface="Century Gothic" panose="020B0502020202020204" pitchFamily="34" charset="0"/>
+              </a:rPr>
+              <a:t>SCALE 1</a:t>
+            </a:r>
+          </a:p>
+        </p:txBody>
+      </p:sp>
+      <p:sp>
+        <p:nvSpPr>
+          <p:cNvPr id="21" name="Retângulo 20">
+            <a:extLst>
+              <a:ext uri="{FF2B5EF4-FFF2-40B4-BE49-F238E27FC236}">
+                <a16:creationId xmlns:a16="http://schemas.microsoft.com/office/drawing/2014/main" id="{16AC548B-25B5-E3DE-C01E-8E0FD2C160D1}"/>
+              </a:ext>
+            </a:extLst>
+          </p:cNvPr>
+          <p:cNvSpPr/>
+          <p:nvPr/>
+        </p:nvSpPr>
+        <p:spPr>
+          <a:xfrm>
+            <a:off x="7695441" y="2669324"/>
+            <a:ext cx="1440000" cy="720000"/>
+          </a:xfrm>
+          <a:prstGeom prst="rect">
+            <a:avLst/>
+          </a:prstGeom>
+          <a:solidFill>
+            <a:schemeClr val="accent4">
+              <a:lumMod val="60000"/>
+              <a:lumOff val="40000"/>
+            </a:schemeClr>
+          </a:solidFill>
+          <a:ln>
+            <a:noFill/>
+          </a:ln>
+        </p:spPr>
+        <p:style>
+          <a:lnRef idx="2">
+            <a:schemeClr val="accent1">
+              <a:shade val="50000"/>
+            </a:schemeClr>
+          </a:lnRef>
+          <a:fillRef idx="1">
+            <a:schemeClr val="accent1"/>
+          </a:fillRef>
+          <a:effectRef idx="0">
+            <a:schemeClr val="accent1"/>
+          </a:effectRef>
+          <a:fontRef idx="minor">
+            <a:schemeClr val="lt1"/>
+          </a:fontRef>
+        </p:style>
+        <p:txBody>
+          <a:bodyPr rtlCol="0" anchor="ctr"/>
+          <a:lstStyle/>
+          <a:p>
+            <a:pPr algn="ctr"/>
+            <a:r>
+              <a:rPr lang="pt-BR" sz="1400" b="1" dirty="0">
+                <a:latin typeface="Century Gothic" panose="020B0502020202020204" pitchFamily="34" charset="0"/>
+              </a:rPr>
+              <a:t>SCALE 2</a:t>
+            </a:r>
+          </a:p>
+        </p:txBody>
+      </p:sp>
+      <p:sp>
+        <p:nvSpPr>
+          <p:cNvPr id="22" name="Retângulo 21">
+            <a:extLst>
+              <a:ext uri="{FF2B5EF4-FFF2-40B4-BE49-F238E27FC236}">
+                <a16:creationId xmlns:a16="http://schemas.microsoft.com/office/drawing/2014/main" id="{6B2BA29B-A67E-6622-F57C-8E0470E88B28}"/>
+              </a:ext>
+            </a:extLst>
+          </p:cNvPr>
+          <p:cNvSpPr/>
+          <p:nvPr/>
+        </p:nvSpPr>
+        <p:spPr>
+          <a:xfrm>
+            <a:off x="7695441" y="4432839"/>
+            <a:ext cx="1440000" cy="720000"/>
+          </a:xfrm>
+          <a:prstGeom prst="rect">
+            <a:avLst/>
+          </a:prstGeom>
+          <a:solidFill>
+            <a:schemeClr val="accent4">
+              <a:lumMod val="60000"/>
+              <a:lumOff val="40000"/>
+            </a:schemeClr>
+          </a:solidFill>
+          <a:ln>
+            <a:noFill/>
+          </a:ln>
+        </p:spPr>
+        <p:style>
+          <a:lnRef idx="2">
+            <a:schemeClr val="accent1">
+              <a:shade val="50000"/>
+            </a:schemeClr>
+          </a:lnRef>
+          <a:fillRef idx="1">
+            <a:schemeClr val="accent1"/>
+          </a:fillRef>
+          <a:effectRef idx="0">
+            <a:schemeClr val="accent1"/>
+          </a:effectRef>
+          <a:fontRef idx="minor">
+            <a:schemeClr val="lt1"/>
+          </a:fontRef>
+        </p:style>
+        <p:txBody>
+          <a:bodyPr rtlCol="0" anchor="ctr"/>
+          <a:lstStyle/>
+          <a:p>
+            <a:pPr algn="ctr"/>
+            <a:r>
+              <a:rPr lang="pt-BR" sz="1400" b="1" dirty="0">
+                <a:latin typeface="Century Gothic" panose="020B0502020202020204" pitchFamily="34" charset="0"/>
+              </a:rPr>
+              <a:t>SCALE P</a:t>
+            </a:r>
+          </a:p>
+        </p:txBody>
+      </p:sp>
+      <p:sp>
+        <p:nvSpPr>
+          <p:cNvPr id="23" name="CaixaDeTexto 22">
+            <a:extLst>
+              <a:ext uri="{FF2B5EF4-FFF2-40B4-BE49-F238E27FC236}">
+                <a16:creationId xmlns:a16="http://schemas.microsoft.com/office/drawing/2014/main" id="{D47067FD-28EA-E106-2004-0253276FDC41}"/>
+              </a:ext>
+            </a:extLst>
+          </p:cNvPr>
+          <p:cNvSpPr txBox="1"/>
+          <p:nvPr/>
+        </p:nvSpPr>
+        <p:spPr>
+          <a:xfrm rot="5400000">
+            <a:off x="8193832" y="3526361"/>
+            <a:ext cx="720002" cy="769441"/>
+          </a:xfrm>
+          <a:prstGeom prst="rect">
+            <a:avLst/>
+          </a:prstGeom>
+          <a:noFill/>
+        </p:spPr>
+        <p:txBody>
+          <a:bodyPr wrap="square" rtlCol="0">
+            <a:spAutoFit/>
+          </a:bodyPr>
+          <a:lstStyle/>
+          <a:p>
+            <a:pPr algn="ctr"/>
+            <a:r>
+              <a:rPr lang="pt-BR" sz="4400" dirty="0"/>
+              <a:t>...</a:t>
+            </a:r>
+          </a:p>
+        </p:txBody>
+      </p:sp>
+      <p:sp>
+        <p:nvSpPr>
+          <p:cNvPr id="24" name="CaixaDeTexto 23">
+            <a:extLst>
+              <a:ext uri="{FF2B5EF4-FFF2-40B4-BE49-F238E27FC236}">
+                <a16:creationId xmlns:a16="http://schemas.microsoft.com/office/drawing/2014/main" id="{5F9D7E8A-EF69-97ED-4C7E-43703AB3EE2C}"/>
+              </a:ext>
+            </a:extLst>
+          </p:cNvPr>
+          <p:cNvSpPr txBox="1"/>
+          <p:nvPr/>
+        </p:nvSpPr>
+        <p:spPr>
+          <a:xfrm rot="5400000">
+            <a:off x="8193832" y="3526362"/>
+            <a:ext cx="720002" cy="769441"/>
+          </a:xfrm>
+          <a:prstGeom prst="rect">
+            <a:avLst/>
+          </a:prstGeom>
+          <a:noFill/>
+        </p:spPr>
+        <p:txBody>
+          <a:bodyPr wrap="square" rtlCol="0">
+            <a:spAutoFit/>
+          </a:bodyPr>
+          <a:lstStyle/>
+          <a:p>
+            <a:pPr algn="ctr"/>
+            <a:r>
+              <a:rPr lang="pt-BR" sz="4400" dirty="0"/>
+              <a:t>...</a:t>
+            </a:r>
+          </a:p>
+        </p:txBody>
+      </p:sp>
+      <p:sp>
+        <p:nvSpPr>
+          <p:cNvPr id="27" name="Retângulo 26">
+            <a:extLst>
+              <a:ext uri="{FF2B5EF4-FFF2-40B4-BE49-F238E27FC236}">
+                <a16:creationId xmlns:a16="http://schemas.microsoft.com/office/drawing/2014/main" id="{CC0C93FF-0E55-D4C2-6998-B48176EC034C}"/>
+              </a:ext>
+            </a:extLst>
+          </p:cNvPr>
+          <p:cNvSpPr/>
+          <p:nvPr/>
+        </p:nvSpPr>
+        <p:spPr>
+          <a:xfrm>
+            <a:off x="10014882" y="1705161"/>
+            <a:ext cx="1440000" cy="720000"/>
+          </a:xfrm>
+          <a:prstGeom prst="rect">
+            <a:avLst/>
+          </a:prstGeom>
+          <a:solidFill>
+            <a:schemeClr val="accent2">
+              <a:lumMod val="60000"/>
+              <a:lumOff val="40000"/>
+            </a:schemeClr>
+          </a:solidFill>
+          <a:ln>
+            <a:noFill/>
+          </a:ln>
+        </p:spPr>
+        <p:style>
+          <a:lnRef idx="2">
+            <a:schemeClr val="accent1">
+              <a:shade val="50000"/>
+            </a:schemeClr>
+          </a:lnRef>
+          <a:fillRef idx="1">
+            <a:schemeClr val="accent1"/>
+          </a:fillRef>
+          <a:effectRef idx="0">
+            <a:schemeClr val="accent1"/>
+          </a:effectRef>
+          <a:fontRef idx="minor">
+            <a:schemeClr val="lt1"/>
+          </a:fontRef>
+        </p:style>
+        <p:txBody>
+          <a:bodyPr rtlCol="0" anchor="ctr"/>
+          <a:lstStyle/>
+          <a:p>
+            <a:pPr algn="ctr"/>
+            <a:r>
+              <a:rPr lang="pt-BR" sz="1400" b="1" dirty="0">
+                <a:latin typeface="Century Gothic" panose="020B0502020202020204" pitchFamily="34" charset="0"/>
+              </a:rPr>
+              <a:t>PRODUCTION LINE 1</a:t>
+            </a:r>
+          </a:p>
+        </p:txBody>
+      </p:sp>
+      <p:sp>
+        <p:nvSpPr>
+          <p:cNvPr id="28" name="Retângulo 27">
+            <a:extLst>
+              <a:ext uri="{FF2B5EF4-FFF2-40B4-BE49-F238E27FC236}">
+                <a16:creationId xmlns:a16="http://schemas.microsoft.com/office/drawing/2014/main" id="{2B7B0EA2-9157-0060-9EE5-10B3A1468762}"/>
+              </a:ext>
+            </a:extLst>
+          </p:cNvPr>
+          <p:cNvSpPr/>
+          <p:nvPr/>
+        </p:nvSpPr>
+        <p:spPr>
+          <a:xfrm>
+            <a:off x="10014882" y="2669324"/>
+            <a:ext cx="1440000" cy="720000"/>
+          </a:xfrm>
+          <a:prstGeom prst="rect">
+            <a:avLst/>
+          </a:prstGeom>
+          <a:solidFill>
+            <a:schemeClr val="accent2">
+              <a:lumMod val="60000"/>
+              <a:lumOff val="40000"/>
+            </a:schemeClr>
+          </a:solidFill>
+          <a:ln>
+            <a:noFill/>
+          </a:ln>
+        </p:spPr>
+        <p:style>
+          <a:lnRef idx="2">
+            <a:schemeClr val="accent1">
+              <a:shade val="50000"/>
+            </a:schemeClr>
+          </a:lnRef>
+          <a:fillRef idx="1">
+            <a:schemeClr val="accent1"/>
+          </a:fillRef>
+          <a:effectRef idx="0">
+            <a:schemeClr val="accent1"/>
+          </a:effectRef>
+          <a:fontRef idx="minor">
+            <a:schemeClr val="lt1"/>
+          </a:fontRef>
+        </p:style>
+        <p:txBody>
+          <a:bodyPr rtlCol="0" anchor="ctr"/>
+          <a:lstStyle/>
+          <a:p>
+            <a:pPr algn="ctr"/>
+            <a:r>
+              <a:rPr lang="pt-BR" sz="1400" b="1" dirty="0">
+                <a:latin typeface="Century Gothic" panose="020B0502020202020204" pitchFamily="34" charset="0"/>
+              </a:rPr>
+              <a:t>PRODUCTION LINE 2</a:t>
+            </a:r>
+          </a:p>
+        </p:txBody>
+      </p:sp>
+      <p:sp>
+        <p:nvSpPr>
+          <p:cNvPr id="29" name="Retângulo 28">
+            <a:extLst>
+              <a:ext uri="{FF2B5EF4-FFF2-40B4-BE49-F238E27FC236}">
+                <a16:creationId xmlns:a16="http://schemas.microsoft.com/office/drawing/2014/main" id="{86A7AB5C-EE5E-5DF4-1999-8AAA6C3A03D5}"/>
+              </a:ext>
+            </a:extLst>
+          </p:cNvPr>
+          <p:cNvSpPr/>
+          <p:nvPr/>
+        </p:nvSpPr>
+        <p:spPr>
+          <a:xfrm>
+            <a:off x="10014882" y="4432839"/>
+            <a:ext cx="1440000" cy="720000"/>
+          </a:xfrm>
+          <a:prstGeom prst="rect">
+            <a:avLst/>
+          </a:prstGeom>
+          <a:solidFill>
+            <a:schemeClr val="accent2">
+              <a:lumMod val="60000"/>
+              <a:lumOff val="40000"/>
+            </a:schemeClr>
+          </a:solidFill>
+          <a:ln>
+            <a:noFill/>
+          </a:ln>
+        </p:spPr>
+        <p:style>
+          <a:lnRef idx="2">
+            <a:schemeClr val="accent1">
+              <a:shade val="50000"/>
+            </a:schemeClr>
+          </a:lnRef>
+          <a:fillRef idx="1">
+            <a:schemeClr val="accent1"/>
+          </a:fillRef>
+          <a:effectRef idx="0">
+            <a:schemeClr val="accent1"/>
+          </a:effectRef>
+          <a:fontRef idx="minor">
+            <a:schemeClr val="lt1"/>
+          </a:fontRef>
+        </p:style>
+        <p:txBody>
+          <a:bodyPr rtlCol="0" anchor="ctr"/>
+          <a:lstStyle/>
+          <a:p>
+            <a:pPr algn="ctr"/>
+            <a:r>
+              <a:rPr lang="pt-BR" sz="1400" b="1" dirty="0">
+                <a:latin typeface="Century Gothic" panose="020B0502020202020204" pitchFamily="34" charset="0"/>
+              </a:rPr>
+              <a:t>PRODUCTION LINE P</a:t>
+            </a:r>
+          </a:p>
+        </p:txBody>
+      </p:sp>
+      <p:sp>
+        <p:nvSpPr>
+          <p:cNvPr id="30" name="CaixaDeTexto 29">
+            <a:extLst>
+              <a:ext uri="{FF2B5EF4-FFF2-40B4-BE49-F238E27FC236}">
+                <a16:creationId xmlns:a16="http://schemas.microsoft.com/office/drawing/2014/main" id="{D559AD97-7918-1B32-FBDB-DC1C9921A1DA}"/>
+              </a:ext>
+            </a:extLst>
+          </p:cNvPr>
+          <p:cNvSpPr txBox="1"/>
+          <p:nvPr/>
+        </p:nvSpPr>
+        <p:spPr>
+          <a:xfrm rot="5400000">
+            <a:off x="10513273" y="3526361"/>
+            <a:ext cx="720002" cy="769441"/>
+          </a:xfrm>
+          <a:prstGeom prst="rect">
+            <a:avLst/>
+          </a:prstGeom>
+          <a:noFill/>
+        </p:spPr>
+        <p:txBody>
+          <a:bodyPr wrap="square" rtlCol="0">
+            <a:spAutoFit/>
+          </a:bodyPr>
+          <a:lstStyle/>
+          <a:p>
+            <a:pPr algn="ctr"/>
+            <a:r>
+              <a:rPr lang="pt-BR" sz="4400" dirty="0"/>
+              <a:t>...</a:t>
+            </a:r>
+          </a:p>
+        </p:txBody>
+      </p:sp>
+      <p:sp>
+        <p:nvSpPr>
+          <p:cNvPr id="31" name="CaixaDeTexto 30">
+            <a:extLst>
+              <a:ext uri="{FF2B5EF4-FFF2-40B4-BE49-F238E27FC236}">
+                <a16:creationId xmlns:a16="http://schemas.microsoft.com/office/drawing/2014/main" id="{F45CCB1C-159E-DB52-A68B-D8DCD16A5702}"/>
+              </a:ext>
+            </a:extLst>
+          </p:cNvPr>
+          <p:cNvSpPr txBox="1"/>
+          <p:nvPr/>
+        </p:nvSpPr>
+        <p:spPr>
+          <a:xfrm rot="5400000">
+            <a:off x="10513273" y="3526362"/>
+            <a:ext cx="720002" cy="769441"/>
+          </a:xfrm>
+          <a:prstGeom prst="rect">
+            <a:avLst/>
+          </a:prstGeom>
+          <a:noFill/>
+        </p:spPr>
+        <p:txBody>
+          <a:bodyPr wrap="square" rtlCol="0">
+            <a:spAutoFit/>
+          </a:bodyPr>
+          <a:lstStyle/>
+          <a:p>
+            <a:pPr algn="ctr"/>
+            <a:r>
+              <a:rPr lang="pt-BR" sz="4400" dirty="0"/>
+              <a:t>...</a:t>
+            </a:r>
+          </a:p>
+        </p:txBody>
+      </p:sp>
+      <p:cxnSp>
+        <p:nvCxnSpPr>
+          <p:cNvPr id="70" name="Conector de Seta Reta 69">
+            <a:extLst>
+              <a:ext uri="{FF2B5EF4-FFF2-40B4-BE49-F238E27FC236}">
+                <a16:creationId xmlns:a16="http://schemas.microsoft.com/office/drawing/2014/main" id="{87934E5C-E258-08AA-3CC9-52ED7D833A90}"/>
+              </a:ext>
+            </a:extLst>
+          </p:cNvPr>
+          <p:cNvCxnSpPr>
+            <a:cxnSpLocks/>
+            <a:stCxn id="20" idx="3"/>
+            <a:endCxn id="27" idx="1"/>
+          </p:cNvCxnSpPr>
+          <p:nvPr/>
+        </p:nvCxnSpPr>
+        <p:spPr>
+          <a:xfrm>
+            <a:off x="9135441" y="2065161"/>
+            <a:ext cx="879441" cy="0"/>
+          </a:xfrm>
+          <a:prstGeom prst="straightConnector1">
+            <a:avLst/>
+          </a:prstGeom>
+          <a:ln w="12700">
+            <a:tailEnd type="triangle"/>
+          </a:ln>
+        </p:spPr>
+        <p:style>
+          <a:lnRef idx="1">
+            <a:schemeClr val="dk1"/>
+          </a:lnRef>
+          <a:fillRef idx="0">
+            <a:schemeClr val="dk1"/>
+          </a:fillRef>
+          <a:effectRef idx="0">
+            <a:schemeClr val="dk1"/>
+          </a:effectRef>
+          <a:fontRef idx="minor">
+            <a:schemeClr val="tx1"/>
+          </a:fontRef>
+        </p:style>
+      </p:cxnSp>
+      <p:cxnSp>
+        <p:nvCxnSpPr>
+          <p:cNvPr id="71" name="Conector de Seta Reta 70">
+            <a:extLst>
+              <a:ext uri="{FF2B5EF4-FFF2-40B4-BE49-F238E27FC236}">
+                <a16:creationId xmlns:a16="http://schemas.microsoft.com/office/drawing/2014/main" id="{1267AABA-6A7C-2BCF-50EC-56A37A161B1B}"/>
+              </a:ext>
+            </a:extLst>
+          </p:cNvPr>
+          <p:cNvCxnSpPr>
+            <a:cxnSpLocks/>
+            <a:stCxn id="22" idx="3"/>
+            <a:endCxn id="29" idx="1"/>
+          </p:cNvCxnSpPr>
+          <p:nvPr/>
+        </p:nvCxnSpPr>
+        <p:spPr>
+          <a:xfrm>
+            <a:off x="9135441" y="4792839"/>
+            <a:ext cx="879441" cy="0"/>
+          </a:xfrm>
+          <a:prstGeom prst="straightConnector1">
+            <a:avLst/>
+          </a:prstGeom>
+          <a:ln w="12700">
+            <a:tailEnd type="triangle"/>
+          </a:ln>
+        </p:spPr>
+        <p:style>
+          <a:lnRef idx="1">
+            <a:schemeClr val="dk1"/>
+          </a:lnRef>
+          <a:fillRef idx="0">
+            <a:schemeClr val="dk1"/>
+          </a:fillRef>
+          <a:effectRef idx="0">
+            <a:schemeClr val="dk1"/>
+          </a:effectRef>
+          <a:fontRef idx="minor">
+            <a:schemeClr val="tx1"/>
+          </a:fontRef>
+        </p:style>
+      </p:cxnSp>
+      <p:cxnSp>
+        <p:nvCxnSpPr>
+          <p:cNvPr id="72" name="Conector de Seta Reta 71">
+            <a:extLst>
+              <a:ext uri="{FF2B5EF4-FFF2-40B4-BE49-F238E27FC236}">
+                <a16:creationId xmlns:a16="http://schemas.microsoft.com/office/drawing/2014/main" id="{4CCC40F2-67D8-7066-7B35-E326FA802667}"/>
+              </a:ext>
+            </a:extLst>
+          </p:cNvPr>
+          <p:cNvCxnSpPr>
+            <a:cxnSpLocks/>
+            <a:stCxn id="21" idx="3"/>
+            <a:endCxn id="28" idx="1"/>
+          </p:cNvCxnSpPr>
+          <p:nvPr/>
+        </p:nvCxnSpPr>
+        <p:spPr>
+          <a:xfrm>
+            <a:off x="9135441" y="3029324"/>
+            <a:ext cx="879441" cy="0"/>
+          </a:xfrm>
+          <a:prstGeom prst="straightConnector1">
+            <a:avLst/>
+          </a:prstGeom>
+          <a:ln w="12700">
+            <a:tailEnd type="triangle"/>
+          </a:ln>
+        </p:spPr>
+        <p:style>
+          <a:lnRef idx="1">
+            <a:schemeClr val="dk1"/>
+          </a:lnRef>
+          <a:fillRef idx="0">
+            <a:schemeClr val="dk1"/>
+          </a:fillRef>
+          <a:effectRef idx="0">
+            <a:schemeClr val="dk1"/>
+          </a:effectRef>
+          <a:fontRef idx="minor">
+            <a:schemeClr val="tx1"/>
+          </a:fontRef>
+        </p:style>
+      </p:cxnSp>
+      <p:cxnSp>
+        <p:nvCxnSpPr>
+          <p:cNvPr id="75" name="Conector de Seta Reta 74">
+            <a:extLst>
+              <a:ext uri="{FF2B5EF4-FFF2-40B4-BE49-F238E27FC236}">
+                <a16:creationId xmlns:a16="http://schemas.microsoft.com/office/drawing/2014/main" id="{DA423808-6A5B-4381-18C0-B26C42997D35}"/>
+              </a:ext>
+            </a:extLst>
+          </p:cNvPr>
+          <p:cNvCxnSpPr>
+            <a:cxnSpLocks/>
+            <a:stCxn id="32" idx="3"/>
+            <a:endCxn id="20" idx="1"/>
+          </p:cNvCxnSpPr>
+          <p:nvPr/>
+        </p:nvCxnSpPr>
+        <p:spPr>
+          <a:xfrm flipV="1">
+            <a:off x="6816000" y="2065161"/>
+            <a:ext cx="879441" cy="1363839"/>
+          </a:xfrm>
+          <a:prstGeom prst="straightConnector1">
+            <a:avLst/>
+          </a:prstGeom>
+          <a:ln w="12700">
+            <a:tailEnd type="triangle"/>
+          </a:ln>
+        </p:spPr>
+        <p:style>
+          <a:lnRef idx="1">
+            <a:schemeClr val="dk1"/>
+          </a:lnRef>
+          <a:fillRef idx="0">
+            <a:schemeClr val="dk1"/>
+          </a:fillRef>
+          <a:effectRef idx="0">
+            <a:schemeClr val="dk1"/>
+          </a:effectRef>
+          <a:fontRef idx="minor">
+            <a:schemeClr val="tx1"/>
+          </a:fontRef>
+        </p:style>
+      </p:cxnSp>
+      <p:cxnSp>
+        <p:nvCxnSpPr>
+          <p:cNvPr id="76" name="Conector de Seta Reta 75">
+            <a:extLst>
+              <a:ext uri="{FF2B5EF4-FFF2-40B4-BE49-F238E27FC236}">
+                <a16:creationId xmlns:a16="http://schemas.microsoft.com/office/drawing/2014/main" id="{52C04B52-FC62-84BD-125F-E2DB90F5EA7E}"/>
+              </a:ext>
+            </a:extLst>
+          </p:cNvPr>
+          <p:cNvCxnSpPr>
+            <a:cxnSpLocks/>
+            <a:stCxn id="32" idx="3"/>
+            <a:endCxn id="22" idx="1"/>
+          </p:cNvCxnSpPr>
+          <p:nvPr/>
+        </p:nvCxnSpPr>
+        <p:spPr>
+          <a:xfrm>
+            <a:off x="6816000" y="3429000"/>
+            <a:ext cx="879441" cy="1363839"/>
+          </a:xfrm>
+          <a:prstGeom prst="straightConnector1">
+            <a:avLst/>
+          </a:prstGeom>
+          <a:ln w="12700">
+            <a:tailEnd type="triangle"/>
+          </a:ln>
+        </p:spPr>
+        <p:style>
+          <a:lnRef idx="1">
+            <a:schemeClr val="dk1"/>
+          </a:lnRef>
+          <a:fillRef idx="0">
+            <a:schemeClr val="dk1"/>
+          </a:fillRef>
+          <a:effectRef idx="0">
+            <a:schemeClr val="dk1"/>
+          </a:effectRef>
+          <a:fontRef idx="minor">
+            <a:schemeClr val="tx1"/>
+          </a:fontRef>
+        </p:style>
+      </p:cxnSp>
+      <p:cxnSp>
+        <p:nvCxnSpPr>
+          <p:cNvPr id="77" name="Conector de Seta Reta 76">
+            <a:extLst>
+              <a:ext uri="{FF2B5EF4-FFF2-40B4-BE49-F238E27FC236}">
+                <a16:creationId xmlns:a16="http://schemas.microsoft.com/office/drawing/2014/main" id="{FAC2E4D6-C62E-8253-C077-96EE9A0E4FEA}"/>
+              </a:ext>
+            </a:extLst>
+          </p:cNvPr>
+          <p:cNvCxnSpPr>
+            <a:cxnSpLocks/>
+            <a:stCxn id="32" idx="3"/>
+            <a:endCxn id="21" idx="1"/>
+          </p:cNvCxnSpPr>
+          <p:nvPr/>
+        </p:nvCxnSpPr>
+        <p:spPr>
+          <a:xfrm flipV="1">
+            <a:off x="6816000" y="3029324"/>
+            <a:ext cx="879441" cy="399676"/>
+          </a:xfrm>
+          <a:prstGeom prst="straightConnector1">
+            <a:avLst/>
+          </a:prstGeom>
+          <a:ln w="12700">
+            <a:tailEnd type="triangle"/>
+          </a:ln>
+        </p:spPr>
+        <p:style>
+          <a:lnRef idx="1">
+            <a:schemeClr val="dk1"/>
+          </a:lnRef>
+          <a:fillRef idx="0">
+            <a:schemeClr val="dk1"/>
+          </a:fillRef>
+          <a:effectRef idx="0">
+            <a:schemeClr val="dk1"/>
+          </a:effectRef>
+          <a:fontRef idx="minor">
+            <a:schemeClr val="tx1"/>
+          </a:fontRef>
+        </p:style>
+      </p:cxnSp>
     </p:spTree>
     <p:extLst>
       <p:ext uri="{BB962C8B-B14F-4D97-AF65-F5344CB8AC3E}">
@@ -5748,10 +5743,10 @@
       </p:grpSpPr>
       <p:grpSp>
         <p:nvGrpSpPr>
-          <p:cNvPr id="3" name="Agrupar 2">
-            <a:extLst>
-              <a:ext uri="{FF2B5EF4-FFF2-40B4-BE49-F238E27FC236}">
-                <a16:creationId xmlns:a16="http://schemas.microsoft.com/office/drawing/2014/main" id="{EEEB1D28-ABD4-B656-F21D-F9D50E6A3E95}"/>
+          <p:cNvPr id="2" name="Agrupar 1">
+            <a:extLst>
+              <a:ext uri="{FF2B5EF4-FFF2-40B4-BE49-F238E27FC236}">
+                <a16:creationId xmlns:a16="http://schemas.microsoft.com/office/drawing/2014/main" id="{CBC5E26F-D847-6A44-131C-AA70CA3DE8F1}"/>
               </a:ext>
             </a:extLst>
           </p:cNvPr>
@@ -6454,7 +6449,7 @@
             <a:prstGeom prst="straightConnector1">
               <a:avLst/>
             </a:prstGeom>
-            <a:ln>
+            <a:ln w="12700">
               <a:solidFill>
                 <a:schemeClr val="bg1"/>
               </a:solidFill>
@@ -6499,7 +6494,7 @@
             <a:prstGeom prst="straightConnector1">
               <a:avLst/>
             </a:prstGeom>
-            <a:ln>
+            <a:ln w="12700">
               <a:solidFill>
                 <a:schemeClr val="bg1"/>
               </a:solidFill>
@@ -6545,7 +6540,7 @@
             <a:prstGeom prst="straightConnector1">
               <a:avLst/>
             </a:prstGeom>
-            <a:ln>
+            <a:ln w="12700">
               <a:solidFill>
                 <a:schemeClr val="bg1"/>
               </a:solidFill>
@@ -6590,7 +6585,7 @@
             <a:prstGeom prst="straightConnector1">
               <a:avLst/>
             </a:prstGeom>
-            <a:ln>
+            <a:ln w="12700">
               <a:solidFill>
                 <a:schemeClr val="bg1"/>
               </a:solidFill>
@@ -6635,7 +6630,7 @@
             <a:prstGeom prst="straightConnector1">
               <a:avLst/>
             </a:prstGeom>
-            <a:ln>
+            <a:ln w="12700">
               <a:solidFill>
                 <a:schemeClr val="bg1"/>
               </a:solidFill>
@@ -6680,7 +6675,7 @@
             <a:prstGeom prst="straightConnector1">
               <a:avLst/>
             </a:prstGeom>
-            <a:ln>
+            <a:ln w="12700">
               <a:solidFill>
                 <a:schemeClr val="bg1"/>
               </a:solidFill>
@@ -6725,7 +6720,7 @@
             <a:prstGeom prst="straightConnector1">
               <a:avLst/>
             </a:prstGeom>
-            <a:ln>
+            <a:ln w="12700">
               <a:solidFill>
                 <a:schemeClr val="bg1"/>
               </a:solidFill>
@@ -6770,7 +6765,7 @@
             <a:prstGeom prst="straightConnector1">
               <a:avLst/>
             </a:prstGeom>
-            <a:ln>
+            <a:ln w="12700">
               <a:solidFill>
                 <a:schemeClr val="bg1"/>
               </a:solidFill>
@@ -7354,7 +7349,7 @@
             <a:prstGeom prst="straightConnector1">
               <a:avLst/>
             </a:prstGeom>
-            <a:ln>
+            <a:ln w="12700">
               <a:solidFill>
                 <a:schemeClr val="bg1"/>
               </a:solidFill>
@@ -7400,7 +7395,7 @@
             <a:prstGeom prst="straightConnector1">
               <a:avLst/>
             </a:prstGeom>
-            <a:ln>
+            <a:ln w="12700">
               <a:solidFill>
                 <a:schemeClr val="bg1"/>
               </a:solidFill>
@@ -7446,7 +7441,7 @@
             <a:prstGeom prst="straightConnector1">
               <a:avLst/>
             </a:prstGeom>
-            <a:ln>
+            <a:ln w="12700">
               <a:solidFill>
                 <a:schemeClr val="bg1"/>
               </a:solidFill>
@@ -7492,7 +7487,7 @@
             <a:prstGeom prst="straightConnector1">
               <a:avLst/>
             </a:prstGeom>
-            <a:ln>
+            <a:ln w="12700">
               <a:solidFill>
                 <a:schemeClr val="bg1"/>
               </a:solidFill>
@@ -7538,7 +7533,7 @@
             <a:prstGeom prst="straightConnector1">
               <a:avLst/>
             </a:prstGeom>
-            <a:ln>
+            <a:ln w="12700">
               <a:solidFill>
                 <a:schemeClr val="bg1"/>
               </a:solidFill>
@@ -7584,7 +7579,7 @@
             <a:prstGeom prst="straightConnector1">
               <a:avLst/>
             </a:prstGeom>
-            <a:ln>
+            <a:ln w="12700">
               <a:solidFill>
                 <a:schemeClr val="bg1"/>
               </a:solidFill>

--- a/others/flowchart.pptx
+++ b/others/flowchart.pptx
@@ -116,13 +116,325 @@
 <file path=ppt/revisionInfo.xml><?xml version="1.0" encoding="utf-8"?>
 <p1510:revInfo xmlns:a="http://schemas.openxmlformats.org/drawingml/2006/main" xmlns:r="http://schemas.openxmlformats.org/officeDocument/2006/relationships" xmlns:p1510="http://schemas.microsoft.com/office/powerpoint/2015/10/main">
   <p1510:revLst>
-    <p1510:client id="{607E5BDC-F919-49E5-B7C1-06E8B2D4DC63}" v="10" dt="2022-12-29T19:20:24.248"/>
+    <p1510:client id="{A4EFA282-E6C6-4AC6-A961-77E708767033}" v="1" dt="2023-02-16T11:05:10.960"/>
   </p1510:revLst>
 </p1510:revInfo>
 </file>
 
 <file path=ppt/changesInfos/changesInfo1.xml><?xml version="1.0" encoding="utf-8"?>
 <pc:chgInfo xmlns:a="http://schemas.openxmlformats.org/drawingml/2006/main" xmlns:r="http://schemas.openxmlformats.org/officeDocument/2006/relationships" xmlns:ac="http://schemas.microsoft.com/office/drawing/2013/main/command" xmlns:pc="http://schemas.microsoft.com/office/powerpoint/2013/main/command">
+  <pc:docChgLst>
+    <pc:chgData name="Thiago Rodrigues" userId="c2222e916a3b2369" providerId="LiveId" clId="{A4EFA282-E6C6-4AC6-A961-77E708767033}"/>
+    <pc:docChg chg="modSld">
+      <pc:chgData name="Thiago Rodrigues" userId="c2222e916a3b2369" providerId="LiveId" clId="{A4EFA282-E6C6-4AC6-A961-77E708767033}" dt="2023-02-16T11:05:10.960" v="0" actId="164"/>
+      <pc:docMkLst>
+        <pc:docMk/>
+      </pc:docMkLst>
+      <pc:sldChg chg="addSp modSp">
+        <pc:chgData name="Thiago Rodrigues" userId="c2222e916a3b2369" providerId="LiveId" clId="{A4EFA282-E6C6-4AC6-A961-77E708767033}" dt="2023-02-16T11:05:10.960" v="0" actId="164"/>
+        <pc:sldMkLst>
+          <pc:docMk/>
+          <pc:sldMk cId="3687219764" sldId="257"/>
+        </pc:sldMkLst>
+        <pc:spChg chg="mod">
+          <ac:chgData name="Thiago Rodrigues" userId="c2222e916a3b2369" providerId="LiveId" clId="{A4EFA282-E6C6-4AC6-A961-77E708767033}" dt="2023-02-16T11:05:10.960" v="0" actId="164"/>
+          <ac:spMkLst>
+            <pc:docMk/>
+            <pc:sldMk cId="3687219764" sldId="257"/>
+            <ac:spMk id="6" creationId="{BD96A2B9-6F35-C9B0-7AE7-F6B8A4425367}"/>
+          </ac:spMkLst>
+        </pc:spChg>
+        <pc:spChg chg="mod">
+          <ac:chgData name="Thiago Rodrigues" userId="c2222e916a3b2369" providerId="LiveId" clId="{A4EFA282-E6C6-4AC6-A961-77E708767033}" dt="2023-02-16T11:05:10.960" v="0" actId="164"/>
+          <ac:spMkLst>
+            <pc:docMk/>
+            <pc:sldMk cId="3687219764" sldId="257"/>
+            <ac:spMk id="7" creationId="{62C0B2C6-D411-1EF8-A4AB-0C334246DC44}"/>
+          </ac:spMkLst>
+        </pc:spChg>
+        <pc:spChg chg="mod">
+          <ac:chgData name="Thiago Rodrigues" userId="c2222e916a3b2369" providerId="LiveId" clId="{A4EFA282-E6C6-4AC6-A961-77E708767033}" dt="2023-02-16T11:05:10.960" v="0" actId="164"/>
+          <ac:spMkLst>
+            <pc:docMk/>
+            <pc:sldMk cId="3687219764" sldId="257"/>
+            <ac:spMk id="8" creationId="{D461447E-546D-FBA3-664F-DBAC12373A91}"/>
+          </ac:spMkLst>
+        </pc:spChg>
+        <pc:spChg chg="mod">
+          <ac:chgData name="Thiago Rodrigues" userId="c2222e916a3b2369" providerId="LiveId" clId="{A4EFA282-E6C6-4AC6-A961-77E708767033}" dt="2023-02-16T11:05:10.960" v="0" actId="164"/>
+          <ac:spMkLst>
+            <pc:docMk/>
+            <pc:sldMk cId="3687219764" sldId="257"/>
+            <ac:spMk id="9" creationId="{E7ADF028-9588-593C-65BF-1258E29CEC8C}"/>
+          </ac:spMkLst>
+        </pc:spChg>
+        <pc:spChg chg="mod">
+          <ac:chgData name="Thiago Rodrigues" userId="c2222e916a3b2369" providerId="LiveId" clId="{A4EFA282-E6C6-4AC6-A961-77E708767033}" dt="2023-02-16T11:05:10.960" v="0" actId="164"/>
+          <ac:spMkLst>
+            <pc:docMk/>
+            <pc:sldMk cId="3687219764" sldId="257"/>
+            <ac:spMk id="10" creationId="{ACD1A2C7-9E31-8E34-DA61-E4466B35B641}"/>
+          </ac:spMkLst>
+        </pc:spChg>
+        <pc:spChg chg="mod">
+          <ac:chgData name="Thiago Rodrigues" userId="c2222e916a3b2369" providerId="LiveId" clId="{A4EFA282-E6C6-4AC6-A961-77E708767033}" dt="2023-02-16T11:05:10.960" v="0" actId="164"/>
+          <ac:spMkLst>
+            <pc:docMk/>
+            <pc:sldMk cId="3687219764" sldId="257"/>
+            <ac:spMk id="12" creationId="{4709DF01-58DE-7B1D-2390-FDABC5E61147}"/>
+          </ac:spMkLst>
+        </pc:spChg>
+        <pc:spChg chg="mod">
+          <ac:chgData name="Thiago Rodrigues" userId="c2222e916a3b2369" providerId="LiveId" clId="{A4EFA282-E6C6-4AC6-A961-77E708767033}" dt="2023-02-16T11:05:10.960" v="0" actId="164"/>
+          <ac:spMkLst>
+            <pc:docMk/>
+            <pc:sldMk cId="3687219764" sldId="257"/>
+            <ac:spMk id="13" creationId="{1897301E-AD9B-6FE6-4FC4-8199BB4D999B}"/>
+          </ac:spMkLst>
+        </pc:spChg>
+        <pc:spChg chg="mod">
+          <ac:chgData name="Thiago Rodrigues" userId="c2222e916a3b2369" providerId="LiveId" clId="{A4EFA282-E6C6-4AC6-A961-77E708767033}" dt="2023-02-16T11:05:10.960" v="0" actId="164"/>
+          <ac:spMkLst>
+            <pc:docMk/>
+            <pc:sldMk cId="3687219764" sldId="257"/>
+            <ac:spMk id="14" creationId="{8B4D3CCA-6973-B69A-73EC-294A0B2EAD1C}"/>
+          </ac:spMkLst>
+        </pc:spChg>
+        <pc:spChg chg="mod">
+          <ac:chgData name="Thiago Rodrigues" userId="c2222e916a3b2369" providerId="LiveId" clId="{A4EFA282-E6C6-4AC6-A961-77E708767033}" dt="2023-02-16T11:05:10.960" v="0" actId="164"/>
+          <ac:spMkLst>
+            <pc:docMk/>
+            <pc:sldMk cId="3687219764" sldId="257"/>
+            <ac:spMk id="15" creationId="{1DCDDE6B-4E88-D885-01BD-DEF0407C45FC}"/>
+          </ac:spMkLst>
+        </pc:spChg>
+        <pc:spChg chg="mod">
+          <ac:chgData name="Thiago Rodrigues" userId="c2222e916a3b2369" providerId="LiveId" clId="{A4EFA282-E6C6-4AC6-A961-77E708767033}" dt="2023-02-16T11:05:10.960" v="0" actId="164"/>
+          <ac:spMkLst>
+            <pc:docMk/>
+            <pc:sldMk cId="3687219764" sldId="257"/>
+            <ac:spMk id="16" creationId="{26EE5A34-3D58-EB18-3E63-B522D5AB9AE8}"/>
+          </ac:spMkLst>
+        </pc:spChg>
+        <pc:spChg chg="mod">
+          <ac:chgData name="Thiago Rodrigues" userId="c2222e916a3b2369" providerId="LiveId" clId="{A4EFA282-E6C6-4AC6-A961-77E708767033}" dt="2023-02-16T11:05:10.960" v="0" actId="164"/>
+          <ac:spMkLst>
+            <pc:docMk/>
+            <pc:sldMk cId="3687219764" sldId="257"/>
+            <ac:spMk id="17" creationId="{C4C9193E-687E-9C19-274E-25A77FA70790}"/>
+          </ac:spMkLst>
+        </pc:spChg>
+        <pc:spChg chg="mod">
+          <ac:chgData name="Thiago Rodrigues" userId="c2222e916a3b2369" providerId="LiveId" clId="{A4EFA282-E6C6-4AC6-A961-77E708767033}" dt="2023-02-16T11:05:10.960" v="0" actId="164"/>
+          <ac:spMkLst>
+            <pc:docMk/>
+            <pc:sldMk cId="3687219764" sldId="257"/>
+            <ac:spMk id="20" creationId="{BDB1D597-70CD-C8EE-FEF1-6F72FD3AC567}"/>
+          </ac:spMkLst>
+        </pc:spChg>
+        <pc:spChg chg="mod">
+          <ac:chgData name="Thiago Rodrigues" userId="c2222e916a3b2369" providerId="LiveId" clId="{A4EFA282-E6C6-4AC6-A961-77E708767033}" dt="2023-02-16T11:05:10.960" v="0" actId="164"/>
+          <ac:spMkLst>
+            <pc:docMk/>
+            <pc:sldMk cId="3687219764" sldId="257"/>
+            <ac:spMk id="21" creationId="{16AC548B-25B5-E3DE-C01E-8E0FD2C160D1}"/>
+          </ac:spMkLst>
+        </pc:spChg>
+        <pc:spChg chg="mod">
+          <ac:chgData name="Thiago Rodrigues" userId="c2222e916a3b2369" providerId="LiveId" clId="{A4EFA282-E6C6-4AC6-A961-77E708767033}" dt="2023-02-16T11:05:10.960" v="0" actId="164"/>
+          <ac:spMkLst>
+            <pc:docMk/>
+            <pc:sldMk cId="3687219764" sldId="257"/>
+            <ac:spMk id="22" creationId="{6B2BA29B-A67E-6622-F57C-8E0470E88B28}"/>
+          </ac:spMkLst>
+        </pc:spChg>
+        <pc:spChg chg="mod">
+          <ac:chgData name="Thiago Rodrigues" userId="c2222e916a3b2369" providerId="LiveId" clId="{A4EFA282-E6C6-4AC6-A961-77E708767033}" dt="2023-02-16T11:05:10.960" v="0" actId="164"/>
+          <ac:spMkLst>
+            <pc:docMk/>
+            <pc:sldMk cId="3687219764" sldId="257"/>
+            <ac:spMk id="23" creationId="{D47067FD-28EA-E106-2004-0253276FDC41}"/>
+          </ac:spMkLst>
+        </pc:spChg>
+        <pc:spChg chg="mod">
+          <ac:chgData name="Thiago Rodrigues" userId="c2222e916a3b2369" providerId="LiveId" clId="{A4EFA282-E6C6-4AC6-A961-77E708767033}" dt="2023-02-16T11:05:10.960" v="0" actId="164"/>
+          <ac:spMkLst>
+            <pc:docMk/>
+            <pc:sldMk cId="3687219764" sldId="257"/>
+            <ac:spMk id="24" creationId="{5F9D7E8A-EF69-97ED-4C7E-43703AB3EE2C}"/>
+          </ac:spMkLst>
+        </pc:spChg>
+        <pc:spChg chg="mod">
+          <ac:chgData name="Thiago Rodrigues" userId="c2222e916a3b2369" providerId="LiveId" clId="{A4EFA282-E6C6-4AC6-A961-77E708767033}" dt="2023-02-16T11:05:10.960" v="0" actId="164"/>
+          <ac:spMkLst>
+            <pc:docMk/>
+            <pc:sldMk cId="3687219764" sldId="257"/>
+            <ac:spMk id="27" creationId="{CC0C93FF-0E55-D4C2-6998-B48176EC034C}"/>
+          </ac:spMkLst>
+        </pc:spChg>
+        <pc:spChg chg="mod">
+          <ac:chgData name="Thiago Rodrigues" userId="c2222e916a3b2369" providerId="LiveId" clId="{A4EFA282-E6C6-4AC6-A961-77E708767033}" dt="2023-02-16T11:05:10.960" v="0" actId="164"/>
+          <ac:spMkLst>
+            <pc:docMk/>
+            <pc:sldMk cId="3687219764" sldId="257"/>
+            <ac:spMk id="28" creationId="{2B7B0EA2-9157-0060-9EE5-10B3A1468762}"/>
+          </ac:spMkLst>
+        </pc:spChg>
+        <pc:spChg chg="mod">
+          <ac:chgData name="Thiago Rodrigues" userId="c2222e916a3b2369" providerId="LiveId" clId="{A4EFA282-E6C6-4AC6-A961-77E708767033}" dt="2023-02-16T11:05:10.960" v="0" actId="164"/>
+          <ac:spMkLst>
+            <pc:docMk/>
+            <pc:sldMk cId="3687219764" sldId="257"/>
+            <ac:spMk id="29" creationId="{86A7AB5C-EE5E-5DF4-1999-8AAA6C3A03D5}"/>
+          </ac:spMkLst>
+        </pc:spChg>
+        <pc:spChg chg="mod">
+          <ac:chgData name="Thiago Rodrigues" userId="c2222e916a3b2369" providerId="LiveId" clId="{A4EFA282-E6C6-4AC6-A961-77E708767033}" dt="2023-02-16T11:05:10.960" v="0" actId="164"/>
+          <ac:spMkLst>
+            <pc:docMk/>
+            <pc:sldMk cId="3687219764" sldId="257"/>
+            <ac:spMk id="30" creationId="{D559AD97-7918-1B32-FBDB-DC1C9921A1DA}"/>
+          </ac:spMkLst>
+        </pc:spChg>
+        <pc:spChg chg="mod">
+          <ac:chgData name="Thiago Rodrigues" userId="c2222e916a3b2369" providerId="LiveId" clId="{A4EFA282-E6C6-4AC6-A961-77E708767033}" dt="2023-02-16T11:05:10.960" v="0" actId="164"/>
+          <ac:spMkLst>
+            <pc:docMk/>
+            <pc:sldMk cId="3687219764" sldId="257"/>
+            <ac:spMk id="31" creationId="{F45CCB1C-159E-DB52-A68B-D8DCD16A5702}"/>
+          </ac:spMkLst>
+        </pc:spChg>
+        <pc:spChg chg="mod">
+          <ac:chgData name="Thiago Rodrigues" userId="c2222e916a3b2369" providerId="LiveId" clId="{A4EFA282-E6C6-4AC6-A961-77E708767033}" dt="2023-02-16T11:05:10.960" v="0" actId="164"/>
+          <ac:spMkLst>
+            <pc:docMk/>
+            <pc:sldMk cId="3687219764" sldId="257"/>
+            <ac:spMk id="32" creationId="{FFD880A6-1BC6-55D2-B6B4-848B4A7CA2E9}"/>
+          </ac:spMkLst>
+        </pc:spChg>
+        <pc:grpChg chg="add mod">
+          <ac:chgData name="Thiago Rodrigues" userId="c2222e916a3b2369" providerId="LiveId" clId="{A4EFA282-E6C6-4AC6-A961-77E708767033}" dt="2023-02-16T11:05:10.960" v="0" actId="164"/>
+          <ac:grpSpMkLst>
+            <pc:docMk/>
+            <pc:sldMk cId="3687219764" sldId="257"/>
+            <ac:grpSpMk id="2" creationId="{1209AF99-7A77-4395-2623-269CA4F51D61}"/>
+          </ac:grpSpMkLst>
+        </pc:grpChg>
+        <pc:cxnChg chg="mod">
+          <ac:chgData name="Thiago Rodrigues" userId="c2222e916a3b2369" providerId="LiveId" clId="{A4EFA282-E6C6-4AC6-A961-77E708767033}" dt="2023-02-16T11:05:10.960" v="0" actId="164"/>
+          <ac:cxnSpMkLst>
+            <pc:docMk/>
+            <pc:sldMk cId="3687219764" sldId="257"/>
+            <ac:cxnSpMk id="50" creationId="{155A26BD-BB41-25EF-C8FD-BE312F224ACD}"/>
+          </ac:cxnSpMkLst>
+        </pc:cxnChg>
+        <pc:cxnChg chg="mod">
+          <ac:chgData name="Thiago Rodrigues" userId="c2222e916a3b2369" providerId="LiveId" clId="{A4EFA282-E6C6-4AC6-A961-77E708767033}" dt="2023-02-16T11:05:10.960" v="0" actId="164"/>
+          <ac:cxnSpMkLst>
+            <pc:docMk/>
+            <pc:sldMk cId="3687219764" sldId="257"/>
+            <ac:cxnSpMk id="52" creationId="{3AA3AB57-1744-FF6A-9813-84DF015FA818}"/>
+          </ac:cxnSpMkLst>
+        </pc:cxnChg>
+        <pc:cxnChg chg="mod">
+          <ac:chgData name="Thiago Rodrigues" userId="c2222e916a3b2369" providerId="LiveId" clId="{A4EFA282-E6C6-4AC6-A961-77E708767033}" dt="2023-02-16T11:05:10.960" v="0" actId="164"/>
+          <ac:cxnSpMkLst>
+            <pc:docMk/>
+            <pc:sldMk cId="3687219764" sldId="257"/>
+            <ac:cxnSpMk id="54" creationId="{1C0CA0E7-7354-4350-6065-152905FD7AFC}"/>
+          </ac:cxnSpMkLst>
+        </pc:cxnChg>
+        <pc:cxnChg chg="mod">
+          <ac:chgData name="Thiago Rodrigues" userId="c2222e916a3b2369" providerId="LiveId" clId="{A4EFA282-E6C6-4AC6-A961-77E708767033}" dt="2023-02-16T11:05:10.960" v="0" actId="164"/>
+          <ac:cxnSpMkLst>
+            <pc:docMk/>
+            <pc:sldMk cId="3687219764" sldId="257"/>
+            <ac:cxnSpMk id="57" creationId="{0A649F88-5DAE-868A-125B-9485576927D8}"/>
+          </ac:cxnSpMkLst>
+        </pc:cxnChg>
+        <pc:cxnChg chg="mod">
+          <ac:chgData name="Thiago Rodrigues" userId="c2222e916a3b2369" providerId="LiveId" clId="{A4EFA282-E6C6-4AC6-A961-77E708767033}" dt="2023-02-16T11:05:10.960" v="0" actId="164"/>
+          <ac:cxnSpMkLst>
+            <pc:docMk/>
+            <pc:sldMk cId="3687219764" sldId="257"/>
+            <ac:cxnSpMk id="61" creationId="{8365BE96-5C24-3FC0-30C0-D0BBE9C879CF}"/>
+          </ac:cxnSpMkLst>
+        </pc:cxnChg>
+        <pc:cxnChg chg="mod">
+          <ac:chgData name="Thiago Rodrigues" userId="c2222e916a3b2369" providerId="LiveId" clId="{A4EFA282-E6C6-4AC6-A961-77E708767033}" dt="2023-02-16T11:05:10.960" v="0" actId="164"/>
+          <ac:cxnSpMkLst>
+            <pc:docMk/>
+            <pc:sldMk cId="3687219764" sldId="257"/>
+            <ac:cxnSpMk id="63" creationId="{2CAC976B-CD16-6362-EBED-785E30A371E2}"/>
+          </ac:cxnSpMkLst>
+        </pc:cxnChg>
+        <pc:cxnChg chg="mod">
+          <ac:chgData name="Thiago Rodrigues" userId="c2222e916a3b2369" providerId="LiveId" clId="{A4EFA282-E6C6-4AC6-A961-77E708767033}" dt="2023-02-16T11:05:10.960" v="0" actId="164"/>
+          <ac:cxnSpMkLst>
+            <pc:docMk/>
+            <pc:sldMk cId="3687219764" sldId="257"/>
+            <ac:cxnSpMk id="65" creationId="{ADA7C8AE-F5BF-FF5F-88E4-C740F3B91911}"/>
+          </ac:cxnSpMkLst>
+        </pc:cxnChg>
+        <pc:cxnChg chg="mod">
+          <ac:chgData name="Thiago Rodrigues" userId="c2222e916a3b2369" providerId="LiveId" clId="{A4EFA282-E6C6-4AC6-A961-77E708767033}" dt="2023-02-16T11:05:10.960" v="0" actId="164"/>
+          <ac:cxnSpMkLst>
+            <pc:docMk/>
+            <pc:sldMk cId="3687219764" sldId="257"/>
+            <ac:cxnSpMk id="67" creationId="{431C5C52-3E7F-2554-85E7-1834EC5553AE}"/>
+          </ac:cxnSpMkLst>
+        </pc:cxnChg>
+        <pc:cxnChg chg="mod">
+          <ac:chgData name="Thiago Rodrigues" userId="c2222e916a3b2369" providerId="LiveId" clId="{A4EFA282-E6C6-4AC6-A961-77E708767033}" dt="2023-02-16T11:05:10.960" v="0" actId="164"/>
+          <ac:cxnSpMkLst>
+            <pc:docMk/>
+            <pc:sldMk cId="3687219764" sldId="257"/>
+            <ac:cxnSpMk id="70" creationId="{87934E5C-E258-08AA-3CC9-52ED7D833A90}"/>
+          </ac:cxnSpMkLst>
+        </pc:cxnChg>
+        <pc:cxnChg chg="mod">
+          <ac:chgData name="Thiago Rodrigues" userId="c2222e916a3b2369" providerId="LiveId" clId="{A4EFA282-E6C6-4AC6-A961-77E708767033}" dt="2023-02-16T11:05:10.960" v="0" actId="164"/>
+          <ac:cxnSpMkLst>
+            <pc:docMk/>
+            <pc:sldMk cId="3687219764" sldId="257"/>
+            <ac:cxnSpMk id="71" creationId="{1267AABA-6A7C-2BCF-50EC-56A37A161B1B}"/>
+          </ac:cxnSpMkLst>
+        </pc:cxnChg>
+        <pc:cxnChg chg="mod">
+          <ac:chgData name="Thiago Rodrigues" userId="c2222e916a3b2369" providerId="LiveId" clId="{A4EFA282-E6C6-4AC6-A961-77E708767033}" dt="2023-02-16T11:05:10.960" v="0" actId="164"/>
+          <ac:cxnSpMkLst>
+            <pc:docMk/>
+            <pc:sldMk cId="3687219764" sldId="257"/>
+            <ac:cxnSpMk id="72" creationId="{4CCC40F2-67D8-7066-7B35-E326FA802667}"/>
+          </ac:cxnSpMkLst>
+        </pc:cxnChg>
+        <pc:cxnChg chg="mod">
+          <ac:chgData name="Thiago Rodrigues" userId="c2222e916a3b2369" providerId="LiveId" clId="{A4EFA282-E6C6-4AC6-A961-77E708767033}" dt="2023-02-16T11:05:10.960" v="0" actId="164"/>
+          <ac:cxnSpMkLst>
+            <pc:docMk/>
+            <pc:sldMk cId="3687219764" sldId="257"/>
+            <ac:cxnSpMk id="75" creationId="{DA423808-6A5B-4381-18C0-B26C42997D35}"/>
+          </ac:cxnSpMkLst>
+        </pc:cxnChg>
+        <pc:cxnChg chg="mod">
+          <ac:chgData name="Thiago Rodrigues" userId="c2222e916a3b2369" providerId="LiveId" clId="{A4EFA282-E6C6-4AC6-A961-77E708767033}" dt="2023-02-16T11:05:10.960" v="0" actId="164"/>
+          <ac:cxnSpMkLst>
+            <pc:docMk/>
+            <pc:sldMk cId="3687219764" sldId="257"/>
+            <ac:cxnSpMk id="76" creationId="{52C04B52-FC62-84BD-125F-E2DB90F5EA7E}"/>
+          </ac:cxnSpMkLst>
+        </pc:cxnChg>
+        <pc:cxnChg chg="mod">
+          <ac:chgData name="Thiago Rodrigues" userId="c2222e916a3b2369" providerId="LiveId" clId="{A4EFA282-E6C6-4AC6-A961-77E708767033}" dt="2023-02-16T11:05:10.960" v="0" actId="164"/>
+          <ac:cxnSpMkLst>
+            <pc:docMk/>
+            <pc:sldMk cId="3687219764" sldId="257"/>
+            <ac:cxnSpMk id="77" creationId="{FAC2E4D6-C62E-8253-C077-96EE9A0E4FEA}"/>
+          </ac:cxnSpMkLst>
+        </pc:cxnChg>
+      </pc:sldChg>
+    </pc:docChg>
+  </pc:docChgLst>
   <pc:docChgLst>
     <pc:chgData name="Thiago Rodrigues" userId="c2222e916a3b2369" providerId="LiveId" clId="{607E5BDC-F919-49E5-B7C1-06E8B2D4DC63}"/>
     <pc:docChg chg="undo custSel addSld modSld">
@@ -920,7 +1232,7 @@
           <a:p>
             <a:fld id="{7819DC45-1462-454F-A3B4-DF21B5011AF6}" type="datetimeFigureOut">
               <a:rPr lang="pt-BR" smtClean="0"/>
-              <a:t>29/12/2022</a:t>
+              <a:t>16/02/2023</a:t>
             </a:fld>
             <a:endParaRPr lang="pt-BR"/>
           </a:p>
@@ -1118,7 +1430,7 @@
           <a:p>
             <a:fld id="{7819DC45-1462-454F-A3B4-DF21B5011AF6}" type="datetimeFigureOut">
               <a:rPr lang="pt-BR" smtClean="0"/>
-              <a:t>29/12/2022</a:t>
+              <a:t>16/02/2023</a:t>
             </a:fld>
             <a:endParaRPr lang="pt-BR"/>
           </a:p>
@@ -1326,7 +1638,7 @@
           <a:p>
             <a:fld id="{7819DC45-1462-454F-A3B4-DF21B5011AF6}" type="datetimeFigureOut">
               <a:rPr lang="pt-BR" smtClean="0"/>
-              <a:t>29/12/2022</a:t>
+              <a:t>16/02/2023</a:t>
             </a:fld>
             <a:endParaRPr lang="pt-BR"/>
           </a:p>
@@ -1524,7 +1836,7 @@
           <a:p>
             <a:fld id="{7819DC45-1462-454F-A3B4-DF21B5011AF6}" type="datetimeFigureOut">
               <a:rPr lang="pt-BR" smtClean="0"/>
-              <a:t>29/12/2022</a:t>
+              <a:t>16/02/2023</a:t>
             </a:fld>
             <a:endParaRPr lang="pt-BR"/>
           </a:p>
@@ -1799,7 +2111,7 @@
           <a:p>
             <a:fld id="{7819DC45-1462-454F-A3B4-DF21B5011AF6}" type="datetimeFigureOut">
               <a:rPr lang="pt-BR" smtClean="0"/>
-              <a:t>29/12/2022</a:t>
+              <a:t>16/02/2023</a:t>
             </a:fld>
             <a:endParaRPr lang="pt-BR"/>
           </a:p>
@@ -2064,7 +2376,7 @@
           <a:p>
             <a:fld id="{7819DC45-1462-454F-A3B4-DF21B5011AF6}" type="datetimeFigureOut">
               <a:rPr lang="pt-BR" smtClean="0"/>
-              <a:t>29/12/2022</a:t>
+              <a:t>16/02/2023</a:t>
             </a:fld>
             <a:endParaRPr lang="pt-BR"/>
           </a:p>
@@ -2476,7 +2788,7 @@
           <a:p>
             <a:fld id="{7819DC45-1462-454F-A3B4-DF21B5011AF6}" type="datetimeFigureOut">
               <a:rPr lang="pt-BR" smtClean="0"/>
-              <a:t>29/12/2022</a:t>
+              <a:t>16/02/2023</a:t>
             </a:fld>
             <a:endParaRPr lang="pt-BR"/>
           </a:p>
@@ -2617,7 +2929,7 @@
           <a:p>
             <a:fld id="{7819DC45-1462-454F-A3B4-DF21B5011AF6}" type="datetimeFigureOut">
               <a:rPr lang="pt-BR" smtClean="0"/>
-              <a:t>29/12/2022</a:t>
+              <a:t>16/02/2023</a:t>
             </a:fld>
             <a:endParaRPr lang="pt-BR"/>
           </a:p>
@@ -2730,7 +3042,7 @@
           <a:p>
             <a:fld id="{7819DC45-1462-454F-A3B4-DF21B5011AF6}" type="datetimeFigureOut">
               <a:rPr lang="pt-BR" smtClean="0"/>
-              <a:t>29/12/2022</a:t>
+              <a:t>16/02/2023</a:t>
             </a:fld>
             <a:endParaRPr lang="pt-BR"/>
           </a:p>
@@ -3041,7 +3353,7 @@
           <a:p>
             <a:fld id="{7819DC45-1462-454F-A3B4-DF21B5011AF6}" type="datetimeFigureOut">
               <a:rPr lang="pt-BR" smtClean="0"/>
-              <a:t>29/12/2022</a:t>
+              <a:t>16/02/2023</a:t>
             </a:fld>
             <a:endParaRPr lang="pt-BR"/>
           </a:p>
@@ -3329,7 +3641,7 @@
           <a:p>
             <a:fld id="{7819DC45-1462-454F-A3B4-DF21B5011AF6}" type="datetimeFigureOut">
               <a:rPr lang="pt-BR" smtClean="0"/>
-              <a:t>29/12/2022</a:t>
+              <a:t>16/02/2023</a:t>
             </a:fld>
             <a:endParaRPr lang="pt-BR"/>
           </a:p>
@@ -3570,7 +3882,7 @@
           <a:p>
             <a:fld id="{7819DC45-1462-454F-A3B4-DF21B5011AF6}" type="datetimeFigureOut">
               <a:rPr lang="pt-BR" smtClean="0"/>
-              <a:t>29/12/2022</a:t>
+              <a:t>16/02/2023</a:t>
             </a:fld>
             <a:endParaRPr lang="pt-BR"/>
           </a:p>
@@ -3987,1730 +4299,1751 @@
           <a:chExt cx="0" cy="0"/>
         </a:xfrm>
       </p:grpSpPr>
-      <p:sp>
-        <p:nvSpPr>
-          <p:cNvPr id="6" name="Retângulo 5">
+      <p:grpSp>
+        <p:nvGrpSpPr>
+          <p:cNvPr id="2" name="Agrupar 1">
             <a:extLst>
               <a:ext uri="{FF2B5EF4-FFF2-40B4-BE49-F238E27FC236}">
-                <a16:creationId xmlns:a16="http://schemas.microsoft.com/office/drawing/2014/main" id="{BD96A2B9-6F35-C9B0-7AE7-F6B8A4425367}"/>
+                <a16:creationId xmlns:a16="http://schemas.microsoft.com/office/drawing/2014/main" id="{1209AF99-7A77-4395-2623-269CA4F51D61}"/>
               </a:ext>
             </a:extLst>
           </p:cNvPr>
-          <p:cNvSpPr/>
+          <p:cNvGrpSpPr/>
           <p:nvPr/>
-        </p:nvSpPr>
-        <p:spPr>
+        </p:nvGrpSpPr>
+        <p:grpSpPr>
           <a:xfrm>
-            <a:off x="737118" y="1705161"/>
-            <a:ext cx="1440000" cy="720000"/>
+            <a:off x="737118" y="1223080"/>
+            <a:ext cx="10717764" cy="4411841"/>
+            <a:chOff x="737118" y="1223080"/>
+            <a:chExt cx="10717764" cy="4411841"/>
           </a:xfrm>
-          <a:prstGeom prst="rect">
-            <a:avLst/>
-          </a:prstGeom>
-          <a:solidFill>
-            <a:schemeClr val="accent1">
-              <a:lumMod val="60000"/>
-              <a:lumOff val="40000"/>
-            </a:schemeClr>
-          </a:solidFill>
-          <a:ln>
+        </p:grpSpPr>
+        <p:sp>
+          <p:nvSpPr>
+            <p:cNvPr id="6" name="Retângulo 5">
+              <a:extLst>
+                <a:ext uri="{FF2B5EF4-FFF2-40B4-BE49-F238E27FC236}">
+                  <a16:creationId xmlns:a16="http://schemas.microsoft.com/office/drawing/2014/main" id="{BD96A2B9-6F35-C9B0-7AE7-F6B8A4425367}"/>
+                </a:ext>
+              </a:extLst>
+            </p:cNvPr>
+            <p:cNvSpPr/>
+            <p:nvPr/>
+          </p:nvSpPr>
+          <p:spPr>
+            <a:xfrm>
+              <a:off x="737118" y="1705161"/>
+              <a:ext cx="1440000" cy="720000"/>
+            </a:xfrm>
+            <a:prstGeom prst="rect">
+              <a:avLst/>
+            </a:prstGeom>
+            <a:solidFill>
+              <a:schemeClr val="accent1">
+                <a:lumMod val="60000"/>
+                <a:lumOff val="40000"/>
+              </a:schemeClr>
+            </a:solidFill>
+            <a:ln>
+              <a:noFill/>
+            </a:ln>
+          </p:spPr>
+          <p:style>
+            <a:lnRef idx="2">
+              <a:schemeClr val="accent1">
+                <a:shade val="50000"/>
+              </a:schemeClr>
+            </a:lnRef>
+            <a:fillRef idx="1">
+              <a:schemeClr val="accent1"/>
+            </a:fillRef>
+            <a:effectRef idx="0">
+              <a:schemeClr val="accent1"/>
+            </a:effectRef>
+            <a:fontRef idx="minor">
+              <a:schemeClr val="lt1"/>
+            </a:fontRef>
+          </p:style>
+          <p:txBody>
+            <a:bodyPr rtlCol="0" anchor="ctr"/>
+            <a:lstStyle/>
+            <a:p>
+              <a:pPr algn="ctr"/>
+              <a:r>
+                <a:rPr lang="pt-BR" sz="1400" b="1" dirty="0">
+                  <a:latin typeface="Century Gothic" panose="020B0502020202020204" pitchFamily="34" charset="0"/>
+                </a:rPr>
+                <a:t>MILL 1</a:t>
+              </a:r>
+            </a:p>
+          </p:txBody>
+        </p:sp>
+        <p:sp>
+          <p:nvSpPr>
+            <p:cNvPr id="7" name="Retângulo 6">
+              <a:extLst>
+                <a:ext uri="{FF2B5EF4-FFF2-40B4-BE49-F238E27FC236}">
+                  <a16:creationId xmlns:a16="http://schemas.microsoft.com/office/drawing/2014/main" id="{62C0B2C6-D411-1EF8-A4AB-0C334246DC44}"/>
+                </a:ext>
+              </a:extLst>
+            </p:cNvPr>
+            <p:cNvSpPr/>
+            <p:nvPr/>
+          </p:nvSpPr>
+          <p:spPr>
+            <a:xfrm>
+              <a:off x="737118" y="2669324"/>
+              <a:ext cx="1440000" cy="720000"/>
+            </a:xfrm>
+            <a:prstGeom prst="rect">
+              <a:avLst/>
+            </a:prstGeom>
+            <a:solidFill>
+              <a:schemeClr val="accent1">
+                <a:lumMod val="60000"/>
+                <a:lumOff val="40000"/>
+              </a:schemeClr>
+            </a:solidFill>
+            <a:ln>
+              <a:noFill/>
+            </a:ln>
+          </p:spPr>
+          <p:style>
+            <a:lnRef idx="2">
+              <a:schemeClr val="accent1">
+                <a:shade val="50000"/>
+              </a:schemeClr>
+            </a:lnRef>
+            <a:fillRef idx="1">
+              <a:schemeClr val="accent1"/>
+            </a:fillRef>
+            <a:effectRef idx="0">
+              <a:schemeClr val="accent1"/>
+            </a:effectRef>
+            <a:fontRef idx="minor">
+              <a:schemeClr val="lt1"/>
+            </a:fontRef>
+          </p:style>
+          <p:txBody>
+            <a:bodyPr rtlCol="0" anchor="ctr"/>
+            <a:lstStyle/>
+            <a:p>
+              <a:pPr algn="ctr"/>
+              <a:r>
+                <a:rPr lang="pt-BR" sz="1400" b="1" dirty="0">
+                  <a:latin typeface="Century Gothic" panose="020B0502020202020204" pitchFamily="34" charset="0"/>
+                </a:rPr>
+                <a:t>MILL 2</a:t>
+              </a:r>
+            </a:p>
+          </p:txBody>
+        </p:sp>
+        <p:sp>
+          <p:nvSpPr>
+            <p:cNvPr id="8" name="Retângulo 7">
+              <a:extLst>
+                <a:ext uri="{FF2B5EF4-FFF2-40B4-BE49-F238E27FC236}">
+                  <a16:creationId xmlns:a16="http://schemas.microsoft.com/office/drawing/2014/main" id="{D461447E-546D-FBA3-664F-DBAC12373A91}"/>
+                </a:ext>
+              </a:extLst>
+            </p:cNvPr>
+            <p:cNvSpPr/>
+            <p:nvPr/>
+          </p:nvSpPr>
+          <p:spPr>
+            <a:xfrm>
+              <a:off x="737118" y="4432839"/>
+              <a:ext cx="1440000" cy="720000"/>
+            </a:xfrm>
+            <a:prstGeom prst="rect">
+              <a:avLst/>
+            </a:prstGeom>
+            <a:solidFill>
+              <a:schemeClr val="accent1">
+                <a:lumMod val="60000"/>
+                <a:lumOff val="40000"/>
+              </a:schemeClr>
+            </a:solidFill>
+            <a:ln>
+              <a:noFill/>
+            </a:ln>
+          </p:spPr>
+          <p:style>
+            <a:lnRef idx="2">
+              <a:schemeClr val="accent1">
+                <a:shade val="50000"/>
+              </a:schemeClr>
+            </a:lnRef>
+            <a:fillRef idx="1">
+              <a:schemeClr val="accent1"/>
+            </a:fillRef>
+            <a:effectRef idx="0">
+              <a:schemeClr val="accent1"/>
+            </a:effectRef>
+            <a:fontRef idx="minor">
+              <a:schemeClr val="lt1"/>
+            </a:fontRef>
+          </p:style>
+          <p:txBody>
+            <a:bodyPr rtlCol="0" anchor="ctr"/>
+            <a:lstStyle/>
+            <a:p>
+              <a:pPr algn="ctr"/>
+              <a:r>
+                <a:rPr lang="pt-BR" sz="1400" b="1" dirty="0">
+                  <a:latin typeface="Century Gothic" panose="020B0502020202020204" pitchFamily="34" charset="0"/>
+                </a:rPr>
+                <a:t>MILL M</a:t>
+              </a:r>
+            </a:p>
+          </p:txBody>
+        </p:sp>
+        <p:sp>
+          <p:nvSpPr>
+            <p:cNvPr id="9" name="CaixaDeTexto 8">
+              <a:extLst>
+                <a:ext uri="{FF2B5EF4-FFF2-40B4-BE49-F238E27FC236}">
+                  <a16:creationId xmlns:a16="http://schemas.microsoft.com/office/drawing/2014/main" id="{E7ADF028-9588-593C-65BF-1258E29CEC8C}"/>
+                </a:ext>
+              </a:extLst>
+            </p:cNvPr>
+            <p:cNvSpPr txBox="1"/>
+            <p:nvPr/>
+          </p:nvSpPr>
+          <p:spPr>
+            <a:xfrm rot="5400000">
+              <a:off x="1235509" y="3526361"/>
+              <a:ext cx="720002" cy="769441"/>
+            </a:xfrm>
+            <a:prstGeom prst="rect">
+              <a:avLst/>
+            </a:prstGeom>
             <a:noFill/>
-          </a:ln>
-        </p:spPr>
-        <p:style>
-          <a:lnRef idx="2">
-            <a:schemeClr val="accent1">
-              <a:shade val="50000"/>
-            </a:schemeClr>
-          </a:lnRef>
-          <a:fillRef idx="1">
-            <a:schemeClr val="accent1"/>
-          </a:fillRef>
-          <a:effectRef idx="0">
-            <a:schemeClr val="accent1"/>
-          </a:effectRef>
-          <a:fontRef idx="minor">
-            <a:schemeClr val="lt1"/>
-          </a:fontRef>
-        </p:style>
-        <p:txBody>
-          <a:bodyPr rtlCol="0" anchor="ctr"/>
-          <a:lstStyle/>
-          <a:p>
-            <a:pPr algn="ctr"/>
-            <a:r>
-              <a:rPr lang="pt-BR" sz="1400" b="1" dirty="0">
-                <a:latin typeface="Century Gothic" panose="020B0502020202020204" pitchFamily="34" charset="0"/>
-              </a:rPr>
-              <a:t>MILL 1</a:t>
-            </a:r>
-          </a:p>
-        </p:txBody>
-      </p:sp>
-      <p:sp>
-        <p:nvSpPr>
-          <p:cNvPr id="7" name="Retângulo 6">
-            <a:extLst>
-              <a:ext uri="{FF2B5EF4-FFF2-40B4-BE49-F238E27FC236}">
-                <a16:creationId xmlns:a16="http://schemas.microsoft.com/office/drawing/2014/main" id="{62C0B2C6-D411-1EF8-A4AB-0C334246DC44}"/>
-              </a:ext>
-            </a:extLst>
-          </p:cNvPr>
-          <p:cNvSpPr/>
-          <p:nvPr/>
-        </p:nvSpPr>
-        <p:spPr>
-          <a:xfrm>
-            <a:off x="737118" y="2669324"/>
-            <a:ext cx="1440000" cy="720000"/>
-          </a:xfrm>
-          <a:prstGeom prst="rect">
-            <a:avLst/>
-          </a:prstGeom>
-          <a:solidFill>
-            <a:schemeClr val="accent1">
-              <a:lumMod val="60000"/>
-              <a:lumOff val="40000"/>
-            </a:schemeClr>
-          </a:solidFill>
-          <a:ln>
+          </p:spPr>
+          <p:txBody>
+            <a:bodyPr wrap="square" rtlCol="0">
+              <a:spAutoFit/>
+            </a:bodyPr>
+            <a:lstStyle/>
+            <a:p>
+              <a:pPr algn="ctr"/>
+              <a:r>
+                <a:rPr lang="pt-BR" sz="4400" dirty="0"/>
+                <a:t>...</a:t>
+              </a:r>
+            </a:p>
+          </p:txBody>
+        </p:sp>
+        <p:sp>
+          <p:nvSpPr>
+            <p:cNvPr id="10" name="CaixaDeTexto 9">
+              <a:extLst>
+                <a:ext uri="{FF2B5EF4-FFF2-40B4-BE49-F238E27FC236}">
+                  <a16:creationId xmlns:a16="http://schemas.microsoft.com/office/drawing/2014/main" id="{ACD1A2C7-9E31-8E34-DA61-E4466B35B641}"/>
+                </a:ext>
+              </a:extLst>
+            </p:cNvPr>
+            <p:cNvSpPr txBox="1"/>
+            <p:nvPr/>
+          </p:nvSpPr>
+          <p:spPr>
+            <a:xfrm rot="5400000">
+              <a:off x="1235509" y="3526362"/>
+              <a:ext cx="720002" cy="769441"/>
+            </a:xfrm>
+            <a:prstGeom prst="rect">
+              <a:avLst/>
+            </a:prstGeom>
             <a:noFill/>
-          </a:ln>
-        </p:spPr>
-        <p:style>
-          <a:lnRef idx="2">
-            <a:schemeClr val="accent1">
-              <a:shade val="50000"/>
-            </a:schemeClr>
-          </a:lnRef>
-          <a:fillRef idx="1">
-            <a:schemeClr val="accent1"/>
-          </a:fillRef>
-          <a:effectRef idx="0">
-            <a:schemeClr val="accent1"/>
-          </a:effectRef>
-          <a:fontRef idx="minor">
-            <a:schemeClr val="lt1"/>
-          </a:fontRef>
-        </p:style>
-        <p:txBody>
-          <a:bodyPr rtlCol="0" anchor="ctr"/>
-          <a:lstStyle/>
-          <a:p>
-            <a:pPr algn="ctr"/>
-            <a:r>
-              <a:rPr lang="pt-BR" sz="1400" b="1" dirty="0">
-                <a:latin typeface="Century Gothic" panose="020B0502020202020204" pitchFamily="34" charset="0"/>
-              </a:rPr>
-              <a:t>MILL 2</a:t>
-            </a:r>
-          </a:p>
-        </p:txBody>
-      </p:sp>
-      <p:sp>
-        <p:nvSpPr>
-          <p:cNvPr id="8" name="Retângulo 7">
-            <a:extLst>
-              <a:ext uri="{FF2B5EF4-FFF2-40B4-BE49-F238E27FC236}">
-                <a16:creationId xmlns:a16="http://schemas.microsoft.com/office/drawing/2014/main" id="{D461447E-546D-FBA3-664F-DBAC12373A91}"/>
-              </a:ext>
-            </a:extLst>
-          </p:cNvPr>
-          <p:cNvSpPr/>
-          <p:nvPr/>
-        </p:nvSpPr>
-        <p:spPr>
-          <a:xfrm>
-            <a:off x="737118" y="4432839"/>
-            <a:ext cx="1440000" cy="720000"/>
-          </a:xfrm>
-          <a:prstGeom prst="rect">
-            <a:avLst/>
-          </a:prstGeom>
-          <a:solidFill>
-            <a:schemeClr val="accent1">
-              <a:lumMod val="60000"/>
-              <a:lumOff val="40000"/>
-            </a:schemeClr>
-          </a:solidFill>
-          <a:ln>
+          </p:spPr>
+          <p:txBody>
+            <a:bodyPr wrap="square" rtlCol="0">
+              <a:spAutoFit/>
+            </a:bodyPr>
+            <a:lstStyle/>
+            <a:p>
+              <a:pPr algn="ctr"/>
+              <a:r>
+                <a:rPr lang="pt-BR" sz="4400" dirty="0"/>
+                <a:t>...</a:t>
+              </a:r>
+            </a:p>
+          </p:txBody>
+        </p:sp>
+        <p:sp>
+          <p:nvSpPr>
+            <p:cNvPr id="32" name="Retângulo 31">
+              <a:extLst>
+                <a:ext uri="{FF2B5EF4-FFF2-40B4-BE49-F238E27FC236}">
+                  <a16:creationId xmlns:a16="http://schemas.microsoft.com/office/drawing/2014/main" id="{FFD880A6-1BC6-55D2-B6B4-848B4A7CA2E9}"/>
+                </a:ext>
+              </a:extLst>
+            </p:cNvPr>
+            <p:cNvSpPr/>
+            <p:nvPr/>
+          </p:nvSpPr>
+          <p:spPr>
+            <a:xfrm>
+              <a:off x="5376000" y="3069000"/>
+              <a:ext cx="1440000" cy="720000"/>
+            </a:xfrm>
+            <a:prstGeom prst="rect">
+              <a:avLst/>
+            </a:prstGeom>
+            <a:solidFill>
+              <a:schemeClr val="accent3">
+                <a:lumMod val="60000"/>
+                <a:lumOff val="40000"/>
+              </a:schemeClr>
+            </a:solidFill>
+            <a:ln>
+              <a:noFill/>
+            </a:ln>
+          </p:spPr>
+          <p:style>
+            <a:lnRef idx="2">
+              <a:schemeClr val="accent1">
+                <a:shade val="50000"/>
+              </a:schemeClr>
+            </a:lnRef>
+            <a:fillRef idx="1">
+              <a:schemeClr val="accent1"/>
+            </a:fillRef>
+            <a:effectRef idx="0">
+              <a:schemeClr val="accent1"/>
+            </a:effectRef>
+            <a:fontRef idx="minor">
+              <a:schemeClr val="lt1"/>
+            </a:fontRef>
+          </p:style>
+          <p:txBody>
+            <a:bodyPr rtlCol="0" anchor="ctr"/>
+            <a:lstStyle/>
+            <a:p>
+              <a:pPr algn="ctr"/>
+              <a:r>
+                <a:rPr lang="pt-BR" sz="1400" b="1" dirty="0">
+                  <a:latin typeface="Century Gothic" panose="020B0502020202020204" pitchFamily="34" charset="0"/>
+                </a:rPr>
+                <a:t>TRANSPORT SYSTEM</a:t>
+              </a:r>
+            </a:p>
+          </p:txBody>
+        </p:sp>
+        <p:sp>
+          <p:nvSpPr>
+            <p:cNvPr id="12" name="Retângulo 11">
+              <a:extLst>
+                <a:ext uri="{FF2B5EF4-FFF2-40B4-BE49-F238E27FC236}">
+                  <a16:creationId xmlns:a16="http://schemas.microsoft.com/office/drawing/2014/main" id="{4709DF01-58DE-7B1D-2390-FDABC5E61147}"/>
+                </a:ext>
+              </a:extLst>
+            </p:cNvPr>
+            <p:cNvSpPr/>
+            <p:nvPr/>
+          </p:nvSpPr>
+          <p:spPr>
+            <a:xfrm>
+              <a:off x="3056559" y="1223080"/>
+              <a:ext cx="1440000" cy="720000"/>
+            </a:xfrm>
+            <a:prstGeom prst="rect">
+              <a:avLst/>
+            </a:prstGeom>
+            <a:solidFill>
+              <a:schemeClr val="accent6">
+                <a:lumMod val="60000"/>
+                <a:lumOff val="40000"/>
+              </a:schemeClr>
+            </a:solidFill>
+            <a:ln>
+              <a:noFill/>
+            </a:ln>
+          </p:spPr>
+          <p:style>
+            <a:lnRef idx="2">
+              <a:schemeClr val="accent1">
+                <a:shade val="50000"/>
+              </a:schemeClr>
+            </a:lnRef>
+            <a:fillRef idx="1">
+              <a:schemeClr val="accent1"/>
+            </a:fillRef>
+            <a:effectRef idx="0">
+              <a:schemeClr val="accent1"/>
+            </a:effectRef>
+            <a:fontRef idx="minor">
+              <a:schemeClr val="lt1"/>
+            </a:fontRef>
+          </p:style>
+          <p:txBody>
+            <a:bodyPr rtlCol="0" anchor="ctr"/>
+            <a:lstStyle/>
+            <a:p>
+              <a:pPr algn="ctr"/>
+              <a:r>
+                <a:rPr lang="pt-BR" sz="1400" b="1" dirty="0">
+                  <a:latin typeface="Century Gothic" panose="020B0502020202020204" pitchFamily="34" charset="0"/>
+                </a:rPr>
+                <a:t>SILO 1</a:t>
+              </a:r>
+            </a:p>
+          </p:txBody>
+        </p:sp>
+        <p:sp>
+          <p:nvSpPr>
+            <p:cNvPr id="13" name="Retângulo 12">
+              <a:extLst>
+                <a:ext uri="{FF2B5EF4-FFF2-40B4-BE49-F238E27FC236}">
+                  <a16:creationId xmlns:a16="http://schemas.microsoft.com/office/drawing/2014/main" id="{1897301E-AD9B-6FE6-4FC4-8199BB4D999B}"/>
+                </a:ext>
+              </a:extLst>
+            </p:cNvPr>
+            <p:cNvSpPr/>
+            <p:nvPr/>
+          </p:nvSpPr>
+          <p:spPr>
+            <a:xfrm>
+              <a:off x="3056559" y="2187243"/>
+              <a:ext cx="1440000" cy="720000"/>
+            </a:xfrm>
+            <a:prstGeom prst="rect">
+              <a:avLst/>
+            </a:prstGeom>
+            <a:solidFill>
+              <a:schemeClr val="accent6">
+                <a:lumMod val="60000"/>
+                <a:lumOff val="40000"/>
+              </a:schemeClr>
+            </a:solidFill>
+            <a:ln>
+              <a:noFill/>
+            </a:ln>
+          </p:spPr>
+          <p:style>
+            <a:lnRef idx="2">
+              <a:schemeClr val="accent1">
+                <a:shade val="50000"/>
+              </a:schemeClr>
+            </a:lnRef>
+            <a:fillRef idx="1">
+              <a:schemeClr val="accent1"/>
+            </a:fillRef>
+            <a:effectRef idx="0">
+              <a:schemeClr val="accent1"/>
+            </a:effectRef>
+            <a:fontRef idx="minor">
+              <a:schemeClr val="lt1"/>
+            </a:fontRef>
+          </p:style>
+          <p:txBody>
+            <a:bodyPr rtlCol="0" anchor="ctr"/>
+            <a:lstStyle/>
+            <a:p>
+              <a:pPr algn="ctr"/>
+              <a:r>
+                <a:rPr lang="pt-BR" sz="1400" b="1" dirty="0">
+                  <a:latin typeface="Century Gothic" panose="020B0502020202020204" pitchFamily="34" charset="0"/>
+                </a:rPr>
+                <a:t>SILO 2</a:t>
+              </a:r>
+            </a:p>
+          </p:txBody>
+        </p:sp>
+        <p:sp>
+          <p:nvSpPr>
+            <p:cNvPr id="14" name="Retângulo 13">
+              <a:extLst>
+                <a:ext uri="{FF2B5EF4-FFF2-40B4-BE49-F238E27FC236}">
+                  <a16:creationId xmlns:a16="http://schemas.microsoft.com/office/drawing/2014/main" id="{8B4D3CCA-6973-B69A-73EC-294A0B2EAD1C}"/>
+                </a:ext>
+              </a:extLst>
+            </p:cNvPr>
+            <p:cNvSpPr/>
+            <p:nvPr/>
+          </p:nvSpPr>
+          <p:spPr>
+            <a:xfrm>
+              <a:off x="3056559" y="3151406"/>
+              <a:ext cx="1440000" cy="720000"/>
+            </a:xfrm>
+            <a:prstGeom prst="rect">
+              <a:avLst/>
+            </a:prstGeom>
+            <a:solidFill>
+              <a:schemeClr val="accent6">
+                <a:lumMod val="60000"/>
+                <a:lumOff val="40000"/>
+              </a:schemeClr>
+            </a:solidFill>
+            <a:ln>
+              <a:noFill/>
+            </a:ln>
+          </p:spPr>
+          <p:style>
+            <a:lnRef idx="2">
+              <a:schemeClr val="accent1">
+                <a:shade val="50000"/>
+              </a:schemeClr>
+            </a:lnRef>
+            <a:fillRef idx="1">
+              <a:schemeClr val="accent1"/>
+            </a:fillRef>
+            <a:effectRef idx="0">
+              <a:schemeClr val="accent1"/>
+            </a:effectRef>
+            <a:fontRef idx="minor">
+              <a:schemeClr val="lt1"/>
+            </a:fontRef>
+          </p:style>
+          <p:txBody>
+            <a:bodyPr rtlCol="0" anchor="ctr"/>
+            <a:lstStyle/>
+            <a:p>
+              <a:pPr algn="ctr"/>
+              <a:r>
+                <a:rPr lang="pt-BR" sz="1400" b="1" dirty="0">
+                  <a:latin typeface="Century Gothic" panose="020B0502020202020204" pitchFamily="34" charset="0"/>
+                </a:rPr>
+                <a:t>SILO 3</a:t>
+              </a:r>
+            </a:p>
+          </p:txBody>
+        </p:sp>
+        <p:sp>
+          <p:nvSpPr>
+            <p:cNvPr id="15" name="Retângulo 14">
+              <a:extLst>
+                <a:ext uri="{FF2B5EF4-FFF2-40B4-BE49-F238E27FC236}">
+                  <a16:creationId xmlns:a16="http://schemas.microsoft.com/office/drawing/2014/main" id="{1DCDDE6B-4E88-D885-01BD-DEF0407C45FC}"/>
+                </a:ext>
+              </a:extLst>
+            </p:cNvPr>
+            <p:cNvSpPr/>
+            <p:nvPr/>
+          </p:nvSpPr>
+          <p:spPr>
+            <a:xfrm>
+              <a:off x="3056559" y="4914921"/>
+              <a:ext cx="1440000" cy="720000"/>
+            </a:xfrm>
+            <a:prstGeom prst="rect">
+              <a:avLst/>
+            </a:prstGeom>
+            <a:solidFill>
+              <a:schemeClr val="accent6">
+                <a:lumMod val="60000"/>
+                <a:lumOff val="40000"/>
+              </a:schemeClr>
+            </a:solidFill>
+            <a:ln>
+              <a:noFill/>
+            </a:ln>
+          </p:spPr>
+          <p:style>
+            <a:lnRef idx="2">
+              <a:schemeClr val="accent1">
+                <a:shade val="50000"/>
+              </a:schemeClr>
+            </a:lnRef>
+            <a:fillRef idx="1">
+              <a:schemeClr val="accent1"/>
+            </a:fillRef>
+            <a:effectRef idx="0">
+              <a:schemeClr val="accent1"/>
+            </a:effectRef>
+            <a:fontRef idx="minor">
+              <a:schemeClr val="lt1"/>
+            </a:fontRef>
+          </p:style>
+          <p:txBody>
+            <a:bodyPr rtlCol="0" anchor="ctr"/>
+            <a:lstStyle/>
+            <a:p>
+              <a:pPr algn="ctr"/>
+              <a:r>
+                <a:rPr lang="pt-BR" sz="1400" b="1" dirty="0">
+                  <a:latin typeface="Century Gothic" panose="020B0502020202020204" pitchFamily="34" charset="0"/>
+                </a:rPr>
+                <a:t>SILO N</a:t>
+              </a:r>
+            </a:p>
+          </p:txBody>
+        </p:sp>
+        <p:sp>
+          <p:nvSpPr>
+            <p:cNvPr id="16" name="CaixaDeTexto 15">
+              <a:extLst>
+                <a:ext uri="{FF2B5EF4-FFF2-40B4-BE49-F238E27FC236}">
+                  <a16:creationId xmlns:a16="http://schemas.microsoft.com/office/drawing/2014/main" id="{26EE5A34-3D58-EB18-3E63-B522D5AB9AE8}"/>
+                </a:ext>
+              </a:extLst>
+            </p:cNvPr>
+            <p:cNvSpPr txBox="1"/>
+            <p:nvPr/>
+          </p:nvSpPr>
+          <p:spPr>
+            <a:xfrm rot="5400000">
+              <a:off x="3554950" y="4008443"/>
+              <a:ext cx="720002" cy="769441"/>
+            </a:xfrm>
+            <a:prstGeom prst="rect">
+              <a:avLst/>
+            </a:prstGeom>
             <a:noFill/>
-          </a:ln>
-        </p:spPr>
-        <p:style>
-          <a:lnRef idx="2">
-            <a:schemeClr val="accent1">
-              <a:shade val="50000"/>
-            </a:schemeClr>
-          </a:lnRef>
-          <a:fillRef idx="1">
-            <a:schemeClr val="accent1"/>
-          </a:fillRef>
-          <a:effectRef idx="0">
-            <a:schemeClr val="accent1"/>
-          </a:effectRef>
-          <a:fontRef idx="minor">
-            <a:schemeClr val="lt1"/>
-          </a:fontRef>
-        </p:style>
-        <p:txBody>
-          <a:bodyPr rtlCol="0" anchor="ctr"/>
-          <a:lstStyle/>
-          <a:p>
-            <a:pPr algn="ctr"/>
-            <a:r>
-              <a:rPr lang="pt-BR" sz="1400" b="1" dirty="0">
-                <a:latin typeface="Century Gothic" panose="020B0502020202020204" pitchFamily="34" charset="0"/>
-              </a:rPr>
-              <a:t>MILL M</a:t>
-            </a:r>
-          </a:p>
-        </p:txBody>
-      </p:sp>
-      <p:sp>
-        <p:nvSpPr>
-          <p:cNvPr id="9" name="CaixaDeTexto 8">
-            <a:extLst>
-              <a:ext uri="{FF2B5EF4-FFF2-40B4-BE49-F238E27FC236}">
-                <a16:creationId xmlns:a16="http://schemas.microsoft.com/office/drawing/2014/main" id="{E7ADF028-9588-593C-65BF-1258E29CEC8C}"/>
-              </a:ext>
-            </a:extLst>
-          </p:cNvPr>
-          <p:cNvSpPr txBox="1"/>
-          <p:nvPr/>
-        </p:nvSpPr>
-        <p:spPr>
-          <a:xfrm rot="5400000">
-            <a:off x="1235509" y="3526361"/>
-            <a:ext cx="720002" cy="769441"/>
-          </a:xfrm>
-          <a:prstGeom prst="rect">
-            <a:avLst/>
-          </a:prstGeom>
-          <a:noFill/>
-        </p:spPr>
-        <p:txBody>
-          <a:bodyPr wrap="square" rtlCol="0">
-            <a:spAutoFit/>
-          </a:bodyPr>
-          <a:lstStyle/>
-          <a:p>
-            <a:pPr algn="ctr"/>
-            <a:r>
-              <a:rPr lang="pt-BR" sz="4400" dirty="0"/>
-              <a:t>...</a:t>
-            </a:r>
-          </a:p>
-        </p:txBody>
-      </p:sp>
-      <p:sp>
-        <p:nvSpPr>
-          <p:cNvPr id="10" name="CaixaDeTexto 9">
-            <a:extLst>
-              <a:ext uri="{FF2B5EF4-FFF2-40B4-BE49-F238E27FC236}">
-                <a16:creationId xmlns:a16="http://schemas.microsoft.com/office/drawing/2014/main" id="{ACD1A2C7-9E31-8E34-DA61-E4466B35B641}"/>
-              </a:ext>
-            </a:extLst>
-          </p:cNvPr>
-          <p:cNvSpPr txBox="1"/>
-          <p:nvPr/>
-        </p:nvSpPr>
-        <p:spPr>
-          <a:xfrm rot="5400000">
-            <a:off x="1235509" y="3526362"/>
-            <a:ext cx="720002" cy="769441"/>
-          </a:xfrm>
-          <a:prstGeom prst="rect">
-            <a:avLst/>
-          </a:prstGeom>
-          <a:noFill/>
-        </p:spPr>
-        <p:txBody>
-          <a:bodyPr wrap="square" rtlCol="0">
-            <a:spAutoFit/>
-          </a:bodyPr>
-          <a:lstStyle/>
-          <a:p>
-            <a:pPr algn="ctr"/>
-            <a:r>
-              <a:rPr lang="pt-BR" sz="4400" dirty="0"/>
-              <a:t>...</a:t>
-            </a:r>
-          </a:p>
-        </p:txBody>
-      </p:sp>
-      <p:sp>
-        <p:nvSpPr>
-          <p:cNvPr id="32" name="Retângulo 31">
-            <a:extLst>
-              <a:ext uri="{FF2B5EF4-FFF2-40B4-BE49-F238E27FC236}">
-                <a16:creationId xmlns:a16="http://schemas.microsoft.com/office/drawing/2014/main" id="{FFD880A6-1BC6-55D2-B6B4-848B4A7CA2E9}"/>
-              </a:ext>
-            </a:extLst>
-          </p:cNvPr>
-          <p:cNvSpPr/>
-          <p:nvPr/>
-        </p:nvSpPr>
-        <p:spPr>
-          <a:xfrm>
-            <a:off x="5376000" y="3069000"/>
-            <a:ext cx="1440000" cy="720000"/>
-          </a:xfrm>
-          <a:prstGeom prst="rect">
-            <a:avLst/>
-          </a:prstGeom>
-          <a:solidFill>
-            <a:schemeClr val="accent3">
-              <a:lumMod val="60000"/>
-              <a:lumOff val="40000"/>
-            </a:schemeClr>
-          </a:solidFill>
-          <a:ln>
+          </p:spPr>
+          <p:txBody>
+            <a:bodyPr wrap="square" rtlCol="0">
+              <a:spAutoFit/>
+            </a:bodyPr>
+            <a:lstStyle/>
+            <a:p>
+              <a:pPr algn="ctr"/>
+              <a:r>
+                <a:rPr lang="pt-BR" sz="4400" dirty="0"/>
+                <a:t>...</a:t>
+              </a:r>
+            </a:p>
+          </p:txBody>
+        </p:sp>
+        <p:sp>
+          <p:nvSpPr>
+            <p:cNvPr id="17" name="CaixaDeTexto 16">
+              <a:extLst>
+                <a:ext uri="{FF2B5EF4-FFF2-40B4-BE49-F238E27FC236}">
+                  <a16:creationId xmlns:a16="http://schemas.microsoft.com/office/drawing/2014/main" id="{C4C9193E-687E-9C19-274E-25A77FA70790}"/>
+                </a:ext>
+              </a:extLst>
+            </p:cNvPr>
+            <p:cNvSpPr txBox="1"/>
+            <p:nvPr/>
+          </p:nvSpPr>
+          <p:spPr>
+            <a:xfrm rot="5400000">
+              <a:off x="3554950" y="4008444"/>
+              <a:ext cx="720002" cy="769441"/>
+            </a:xfrm>
+            <a:prstGeom prst="rect">
+              <a:avLst/>
+            </a:prstGeom>
             <a:noFill/>
-          </a:ln>
-        </p:spPr>
-        <p:style>
-          <a:lnRef idx="2">
-            <a:schemeClr val="accent1">
-              <a:shade val="50000"/>
-            </a:schemeClr>
-          </a:lnRef>
-          <a:fillRef idx="1">
-            <a:schemeClr val="accent1"/>
-          </a:fillRef>
-          <a:effectRef idx="0">
-            <a:schemeClr val="accent1"/>
-          </a:effectRef>
-          <a:fontRef idx="minor">
-            <a:schemeClr val="lt1"/>
-          </a:fontRef>
-        </p:style>
-        <p:txBody>
-          <a:bodyPr rtlCol="0" anchor="ctr"/>
-          <a:lstStyle/>
-          <a:p>
-            <a:pPr algn="ctr"/>
-            <a:r>
-              <a:rPr lang="pt-BR" sz="1400" b="1" dirty="0">
-                <a:latin typeface="Century Gothic" panose="020B0502020202020204" pitchFamily="34" charset="0"/>
-              </a:rPr>
-              <a:t>TRANSPORT SYSTEM</a:t>
-            </a:r>
-          </a:p>
-        </p:txBody>
-      </p:sp>
-      <p:sp>
-        <p:nvSpPr>
-          <p:cNvPr id="12" name="Retângulo 11">
-            <a:extLst>
-              <a:ext uri="{FF2B5EF4-FFF2-40B4-BE49-F238E27FC236}">
-                <a16:creationId xmlns:a16="http://schemas.microsoft.com/office/drawing/2014/main" id="{4709DF01-58DE-7B1D-2390-FDABC5E61147}"/>
-              </a:ext>
-            </a:extLst>
-          </p:cNvPr>
-          <p:cNvSpPr/>
-          <p:nvPr/>
-        </p:nvSpPr>
-        <p:spPr>
-          <a:xfrm>
-            <a:off x="3056559" y="1223080"/>
-            <a:ext cx="1440000" cy="720000"/>
-          </a:xfrm>
-          <a:prstGeom prst="rect">
-            <a:avLst/>
-          </a:prstGeom>
-          <a:solidFill>
-            <a:schemeClr val="accent6">
-              <a:lumMod val="60000"/>
-              <a:lumOff val="40000"/>
-            </a:schemeClr>
-          </a:solidFill>
-          <a:ln>
+          </p:spPr>
+          <p:txBody>
+            <a:bodyPr wrap="square" rtlCol="0">
+              <a:spAutoFit/>
+            </a:bodyPr>
+            <a:lstStyle/>
+            <a:p>
+              <a:pPr algn="ctr"/>
+              <a:r>
+                <a:rPr lang="pt-BR" sz="4400" dirty="0"/>
+                <a:t>...</a:t>
+              </a:r>
+            </a:p>
+          </p:txBody>
+        </p:sp>
+        <p:cxnSp>
+          <p:nvCxnSpPr>
+            <p:cNvPr id="50" name="Conector de Seta Reta 49">
+              <a:extLst>
+                <a:ext uri="{FF2B5EF4-FFF2-40B4-BE49-F238E27FC236}">
+                  <a16:creationId xmlns:a16="http://schemas.microsoft.com/office/drawing/2014/main" id="{155A26BD-BB41-25EF-C8FD-BE312F224ACD}"/>
+                </a:ext>
+              </a:extLst>
+            </p:cNvPr>
+            <p:cNvCxnSpPr>
+              <a:cxnSpLocks/>
+              <a:stCxn id="6" idx="3"/>
+              <a:endCxn id="12" idx="1"/>
+            </p:cNvCxnSpPr>
+            <p:nvPr/>
+          </p:nvCxnSpPr>
+          <p:spPr>
+            <a:xfrm flipV="1">
+              <a:off x="2177118" y="1583080"/>
+              <a:ext cx="879441" cy="482081"/>
+            </a:xfrm>
+            <a:prstGeom prst="straightConnector1">
+              <a:avLst/>
+            </a:prstGeom>
+            <a:ln w="12700">
+              <a:tailEnd type="triangle"/>
+            </a:ln>
+          </p:spPr>
+          <p:style>
+            <a:lnRef idx="1">
+              <a:schemeClr val="dk1"/>
+            </a:lnRef>
+            <a:fillRef idx="0">
+              <a:schemeClr val="dk1"/>
+            </a:fillRef>
+            <a:effectRef idx="0">
+              <a:schemeClr val="dk1"/>
+            </a:effectRef>
+            <a:fontRef idx="minor">
+              <a:schemeClr val="tx1"/>
+            </a:fontRef>
+          </p:style>
+        </p:cxnSp>
+        <p:cxnSp>
+          <p:nvCxnSpPr>
+            <p:cNvPr id="52" name="Conector de Seta Reta 51">
+              <a:extLst>
+                <a:ext uri="{FF2B5EF4-FFF2-40B4-BE49-F238E27FC236}">
+                  <a16:creationId xmlns:a16="http://schemas.microsoft.com/office/drawing/2014/main" id="{3AA3AB57-1744-FF6A-9813-84DF015FA818}"/>
+                </a:ext>
+              </a:extLst>
+            </p:cNvPr>
+            <p:cNvCxnSpPr>
+              <a:stCxn id="6" idx="3"/>
+              <a:endCxn id="13" idx="1"/>
+            </p:cNvCxnSpPr>
+            <p:nvPr/>
+          </p:nvCxnSpPr>
+          <p:spPr>
+            <a:xfrm>
+              <a:off x="2177118" y="2065161"/>
+              <a:ext cx="879441" cy="482082"/>
+            </a:xfrm>
+            <a:prstGeom prst="straightConnector1">
+              <a:avLst/>
+            </a:prstGeom>
+            <a:ln w="12700">
+              <a:tailEnd type="triangle"/>
+            </a:ln>
+          </p:spPr>
+          <p:style>
+            <a:lnRef idx="1">
+              <a:schemeClr val="dk1"/>
+            </a:lnRef>
+            <a:fillRef idx="0">
+              <a:schemeClr val="dk1"/>
+            </a:fillRef>
+            <a:effectRef idx="0">
+              <a:schemeClr val="dk1"/>
+            </a:effectRef>
+            <a:fontRef idx="minor">
+              <a:schemeClr val="tx1"/>
+            </a:fontRef>
+          </p:style>
+        </p:cxnSp>
+        <p:cxnSp>
+          <p:nvCxnSpPr>
+            <p:cNvPr id="54" name="Conector de Seta Reta 53">
+              <a:extLst>
+                <a:ext uri="{FF2B5EF4-FFF2-40B4-BE49-F238E27FC236}">
+                  <a16:creationId xmlns:a16="http://schemas.microsoft.com/office/drawing/2014/main" id="{1C0CA0E7-7354-4350-6065-152905FD7AFC}"/>
+                </a:ext>
+              </a:extLst>
+            </p:cNvPr>
+            <p:cNvCxnSpPr>
+              <a:cxnSpLocks/>
+              <a:stCxn id="7" idx="3"/>
+              <a:endCxn id="15" idx="1"/>
+            </p:cNvCxnSpPr>
+            <p:nvPr/>
+          </p:nvCxnSpPr>
+          <p:spPr>
+            <a:xfrm>
+              <a:off x="2177118" y="3029324"/>
+              <a:ext cx="879441" cy="2245597"/>
+            </a:xfrm>
+            <a:prstGeom prst="straightConnector1">
+              <a:avLst/>
+            </a:prstGeom>
+            <a:ln w="12700">
+              <a:tailEnd type="triangle"/>
+            </a:ln>
+          </p:spPr>
+          <p:style>
+            <a:lnRef idx="1">
+              <a:schemeClr val="dk1"/>
+            </a:lnRef>
+            <a:fillRef idx="0">
+              <a:schemeClr val="dk1"/>
+            </a:fillRef>
+            <a:effectRef idx="0">
+              <a:schemeClr val="dk1"/>
+            </a:effectRef>
+            <a:fontRef idx="minor">
+              <a:schemeClr val="tx1"/>
+            </a:fontRef>
+          </p:style>
+        </p:cxnSp>
+        <p:cxnSp>
+          <p:nvCxnSpPr>
+            <p:cNvPr id="57" name="Conector de Seta Reta 56">
+              <a:extLst>
+                <a:ext uri="{FF2B5EF4-FFF2-40B4-BE49-F238E27FC236}">
+                  <a16:creationId xmlns:a16="http://schemas.microsoft.com/office/drawing/2014/main" id="{0A649F88-5DAE-868A-125B-9485576927D8}"/>
+                </a:ext>
+              </a:extLst>
+            </p:cNvPr>
+            <p:cNvCxnSpPr>
+              <a:stCxn id="8" idx="3"/>
+              <a:endCxn id="14" idx="1"/>
+            </p:cNvCxnSpPr>
+            <p:nvPr/>
+          </p:nvCxnSpPr>
+          <p:spPr>
+            <a:xfrm flipV="1">
+              <a:off x="2177118" y="3511406"/>
+              <a:ext cx="879441" cy="1281433"/>
+            </a:xfrm>
+            <a:prstGeom prst="straightConnector1">
+              <a:avLst/>
+            </a:prstGeom>
+            <a:ln w="12700">
+              <a:tailEnd type="triangle"/>
+            </a:ln>
+          </p:spPr>
+          <p:style>
+            <a:lnRef idx="1">
+              <a:schemeClr val="dk1"/>
+            </a:lnRef>
+            <a:fillRef idx="0">
+              <a:schemeClr val="dk1"/>
+            </a:fillRef>
+            <a:effectRef idx="0">
+              <a:schemeClr val="dk1"/>
+            </a:effectRef>
+            <a:fontRef idx="minor">
+              <a:schemeClr val="tx1"/>
+            </a:fontRef>
+          </p:style>
+        </p:cxnSp>
+        <p:cxnSp>
+          <p:nvCxnSpPr>
+            <p:cNvPr id="61" name="Conector de Seta Reta 60">
+              <a:extLst>
+                <a:ext uri="{FF2B5EF4-FFF2-40B4-BE49-F238E27FC236}">
+                  <a16:creationId xmlns:a16="http://schemas.microsoft.com/office/drawing/2014/main" id="{8365BE96-5C24-3FC0-30C0-D0BBE9C879CF}"/>
+                </a:ext>
+              </a:extLst>
+            </p:cNvPr>
+            <p:cNvCxnSpPr>
+              <a:stCxn id="12" idx="3"/>
+              <a:endCxn id="32" idx="1"/>
+            </p:cNvCxnSpPr>
+            <p:nvPr/>
+          </p:nvCxnSpPr>
+          <p:spPr>
+            <a:xfrm>
+              <a:off x="4496559" y="1583080"/>
+              <a:ext cx="879441" cy="1845920"/>
+            </a:xfrm>
+            <a:prstGeom prst="straightConnector1">
+              <a:avLst/>
+            </a:prstGeom>
+            <a:ln w="12700">
+              <a:tailEnd type="triangle"/>
+            </a:ln>
+          </p:spPr>
+          <p:style>
+            <a:lnRef idx="1">
+              <a:schemeClr val="dk1"/>
+            </a:lnRef>
+            <a:fillRef idx="0">
+              <a:schemeClr val="dk1"/>
+            </a:fillRef>
+            <a:effectRef idx="0">
+              <a:schemeClr val="dk1"/>
+            </a:effectRef>
+            <a:fontRef idx="minor">
+              <a:schemeClr val="tx1"/>
+            </a:fontRef>
+          </p:style>
+        </p:cxnSp>
+        <p:cxnSp>
+          <p:nvCxnSpPr>
+            <p:cNvPr id="63" name="Conector de Seta Reta 62">
+              <a:extLst>
+                <a:ext uri="{FF2B5EF4-FFF2-40B4-BE49-F238E27FC236}">
+                  <a16:creationId xmlns:a16="http://schemas.microsoft.com/office/drawing/2014/main" id="{2CAC976B-CD16-6362-EBED-785E30A371E2}"/>
+                </a:ext>
+              </a:extLst>
+            </p:cNvPr>
+            <p:cNvCxnSpPr>
+              <a:stCxn id="13" idx="3"/>
+              <a:endCxn id="32" idx="1"/>
+            </p:cNvCxnSpPr>
+            <p:nvPr/>
+          </p:nvCxnSpPr>
+          <p:spPr>
+            <a:xfrm>
+              <a:off x="4496559" y="2547243"/>
+              <a:ext cx="879441" cy="881757"/>
+            </a:xfrm>
+            <a:prstGeom prst="straightConnector1">
+              <a:avLst/>
+            </a:prstGeom>
+            <a:ln w="12700">
+              <a:tailEnd type="triangle"/>
+            </a:ln>
+          </p:spPr>
+          <p:style>
+            <a:lnRef idx="1">
+              <a:schemeClr val="dk1"/>
+            </a:lnRef>
+            <a:fillRef idx="0">
+              <a:schemeClr val="dk1"/>
+            </a:fillRef>
+            <a:effectRef idx="0">
+              <a:schemeClr val="dk1"/>
+            </a:effectRef>
+            <a:fontRef idx="minor">
+              <a:schemeClr val="tx1"/>
+            </a:fontRef>
+          </p:style>
+        </p:cxnSp>
+        <p:cxnSp>
+          <p:nvCxnSpPr>
+            <p:cNvPr id="65" name="Conector de Seta Reta 64">
+              <a:extLst>
+                <a:ext uri="{FF2B5EF4-FFF2-40B4-BE49-F238E27FC236}">
+                  <a16:creationId xmlns:a16="http://schemas.microsoft.com/office/drawing/2014/main" id="{ADA7C8AE-F5BF-FF5F-88E4-C740F3B91911}"/>
+                </a:ext>
+              </a:extLst>
+            </p:cNvPr>
+            <p:cNvCxnSpPr>
+              <a:stCxn id="14" idx="3"/>
+              <a:endCxn id="32" idx="1"/>
+            </p:cNvCxnSpPr>
+            <p:nvPr/>
+          </p:nvCxnSpPr>
+          <p:spPr>
+            <a:xfrm flipV="1">
+              <a:off x="4496559" y="3429000"/>
+              <a:ext cx="879441" cy="82406"/>
+            </a:xfrm>
+            <a:prstGeom prst="straightConnector1">
+              <a:avLst/>
+            </a:prstGeom>
+            <a:ln w="12700">
+              <a:tailEnd type="triangle"/>
+            </a:ln>
+          </p:spPr>
+          <p:style>
+            <a:lnRef idx="1">
+              <a:schemeClr val="dk1"/>
+            </a:lnRef>
+            <a:fillRef idx="0">
+              <a:schemeClr val="dk1"/>
+            </a:fillRef>
+            <a:effectRef idx="0">
+              <a:schemeClr val="dk1"/>
+            </a:effectRef>
+            <a:fontRef idx="minor">
+              <a:schemeClr val="tx1"/>
+            </a:fontRef>
+          </p:style>
+        </p:cxnSp>
+        <p:cxnSp>
+          <p:nvCxnSpPr>
+            <p:cNvPr id="67" name="Conector de Seta Reta 66">
+              <a:extLst>
+                <a:ext uri="{FF2B5EF4-FFF2-40B4-BE49-F238E27FC236}">
+                  <a16:creationId xmlns:a16="http://schemas.microsoft.com/office/drawing/2014/main" id="{431C5C52-3E7F-2554-85E7-1834EC5553AE}"/>
+                </a:ext>
+              </a:extLst>
+            </p:cNvPr>
+            <p:cNvCxnSpPr>
+              <a:stCxn id="15" idx="3"/>
+              <a:endCxn id="32" idx="1"/>
+            </p:cNvCxnSpPr>
+            <p:nvPr/>
+          </p:nvCxnSpPr>
+          <p:spPr>
+            <a:xfrm flipV="1">
+              <a:off x="4496559" y="3429000"/>
+              <a:ext cx="879441" cy="1845921"/>
+            </a:xfrm>
+            <a:prstGeom prst="straightConnector1">
+              <a:avLst/>
+            </a:prstGeom>
+            <a:ln w="12700">
+              <a:tailEnd type="triangle"/>
+            </a:ln>
+          </p:spPr>
+          <p:style>
+            <a:lnRef idx="1">
+              <a:schemeClr val="dk1"/>
+            </a:lnRef>
+            <a:fillRef idx="0">
+              <a:schemeClr val="dk1"/>
+            </a:fillRef>
+            <a:effectRef idx="0">
+              <a:schemeClr val="dk1"/>
+            </a:effectRef>
+            <a:fontRef idx="minor">
+              <a:schemeClr val="tx1"/>
+            </a:fontRef>
+          </p:style>
+        </p:cxnSp>
+        <p:sp>
+          <p:nvSpPr>
+            <p:cNvPr id="20" name="Retângulo 19">
+              <a:extLst>
+                <a:ext uri="{FF2B5EF4-FFF2-40B4-BE49-F238E27FC236}">
+                  <a16:creationId xmlns:a16="http://schemas.microsoft.com/office/drawing/2014/main" id="{BDB1D597-70CD-C8EE-FEF1-6F72FD3AC567}"/>
+                </a:ext>
+              </a:extLst>
+            </p:cNvPr>
+            <p:cNvSpPr/>
+            <p:nvPr/>
+          </p:nvSpPr>
+          <p:spPr>
+            <a:xfrm>
+              <a:off x="7695441" y="1705161"/>
+              <a:ext cx="1440000" cy="720000"/>
+            </a:xfrm>
+            <a:prstGeom prst="rect">
+              <a:avLst/>
+            </a:prstGeom>
+            <a:solidFill>
+              <a:schemeClr val="accent4">
+                <a:lumMod val="60000"/>
+                <a:lumOff val="40000"/>
+              </a:schemeClr>
+            </a:solidFill>
+            <a:ln>
+              <a:noFill/>
+            </a:ln>
+          </p:spPr>
+          <p:style>
+            <a:lnRef idx="2">
+              <a:schemeClr val="accent1">
+                <a:shade val="50000"/>
+              </a:schemeClr>
+            </a:lnRef>
+            <a:fillRef idx="1">
+              <a:schemeClr val="accent1"/>
+            </a:fillRef>
+            <a:effectRef idx="0">
+              <a:schemeClr val="accent1"/>
+            </a:effectRef>
+            <a:fontRef idx="minor">
+              <a:schemeClr val="lt1"/>
+            </a:fontRef>
+          </p:style>
+          <p:txBody>
+            <a:bodyPr rtlCol="0" anchor="ctr"/>
+            <a:lstStyle/>
+            <a:p>
+              <a:pPr algn="ctr"/>
+              <a:r>
+                <a:rPr lang="pt-BR" sz="1400" b="1" dirty="0">
+                  <a:latin typeface="Century Gothic" panose="020B0502020202020204" pitchFamily="34" charset="0"/>
+                </a:rPr>
+                <a:t>SCALE 1</a:t>
+              </a:r>
+            </a:p>
+          </p:txBody>
+        </p:sp>
+        <p:sp>
+          <p:nvSpPr>
+            <p:cNvPr id="21" name="Retângulo 20">
+              <a:extLst>
+                <a:ext uri="{FF2B5EF4-FFF2-40B4-BE49-F238E27FC236}">
+                  <a16:creationId xmlns:a16="http://schemas.microsoft.com/office/drawing/2014/main" id="{16AC548B-25B5-E3DE-C01E-8E0FD2C160D1}"/>
+                </a:ext>
+              </a:extLst>
+            </p:cNvPr>
+            <p:cNvSpPr/>
+            <p:nvPr/>
+          </p:nvSpPr>
+          <p:spPr>
+            <a:xfrm>
+              <a:off x="7695441" y="2669324"/>
+              <a:ext cx="1440000" cy="720000"/>
+            </a:xfrm>
+            <a:prstGeom prst="rect">
+              <a:avLst/>
+            </a:prstGeom>
+            <a:solidFill>
+              <a:schemeClr val="accent4">
+                <a:lumMod val="60000"/>
+                <a:lumOff val="40000"/>
+              </a:schemeClr>
+            </a:solidFill>
+            <a:ln>
+              <a:noFill/>
+            </a:ln>
+          </p:spPr>
+          <p:style>
+            <a:lnRef idx="2">
+              <a:schemeClr val="accent1">
+                <a:shade val="50000"/>
+              </a:schemeClr>
+            </a:lnRef>
+            <a:fillRef idx="1">
+              <a:schemeClr val="accent1"/>
+            </a:fillRef>
+            <a:effectRef idx="0">
+              <a:schemeClr val="accent1"/>
+            </a:effectRef>
+            <a:fontRef idx="minor">
+              <a:schemeClr val="lt1"/>
+            </a:fontRef>
+          </p:style>
+          <p:txBody>
+            <a:bodyPr rtlCol="0" anchor="ctr"/>
+            <a:lstStyle/>
+            <a:p>
+              <a:pPr algn="ctr"/>
+              <a:r>
+                <a:rPr lang="pt-BR" sz="1400" b="1" dirty="0">
+                  <a:latin typeface="Century Gothic" panose="020B0502020202020204" pitchFamily="34" charset="0"/>
+                </a:rPr>
+                <a:t>SCALE 2</a:t>
+              </a:r>
+            </a:p>
+          </p:txBody>
+        </p:sp>
+        <p:sp>
+          <p:nvSpPr>
+            <p:cNvPr id="22" name="Retângulo 21">
+              <a:extLst>
+                <a:ext uri="{FF2B5EF4-FFF2-40B4-BE49-F238E27FC236}">
+                  <a16:creationId xmlns:a16="http://schemas.microsoft.com/office/drawing/2014/main" id="{6B2BA29B-A67E-6622-F57C-8E0470E88B28}"/>
+                </a:ext>
+              </a:extLst>
+            </p:cNvPr>
+            <p:cNvSpPr/>
+            <p:nvPr/>
+          </p:nvSpPr>
+          <p:spPr>
+            <a:xfrm>
+              <a:off x="7695441" y="4432839"/>
+              <a:ext cx="1440000" cy="720000"/>
+            </a:xfrm>
+            <a:prstGeom prst="rect">
+              <a:avLst/>
+            </a:prstGeom>
+            <a:solidFill>
+              <a:schemeClr val="accent4">
+                <a:lumMod val="60000"/>
+                <a:lumOff val="40000"/>
+              </a:schemeClr>
+            </a:solidFill>
+            <a:ln>
+              <a:noFill/>
+            </a:ln>
+          </p:spPr>
+          <p:style>
+            <a:lnRef idx="2">
+              <a:schemeClr val="accent1">
+                <a:shade val="50000"/>
+              </a:schemeClr>
+            </a:lnRef>
+            <a:fillRef idx="1">
+              <a:schemeClr val="accent1"/>
+            </a:fillRef>
+            <a:effectRef idx="0">
+              <a:schemeClr val="accent1"/>
+            </a:effectRef>
+            <a:fontRef idx="minor">
+              <a:schemeClr val="lt1"/>
+            </a:fontRef>
+          </p:style>
+          <p:txBody>
+            <a:bodyPr rtlCol="0" anchor="ctr"/>
+            <a:lstStyle/>
+            <a:p>
+              <a:pPr algn="ctr"/>
+              <a:r>
+                <a:rPr lang="pt-BR" sz="1400" b="1" dirty="0">
+                  <a:latin typeface="Century Gothic" panose="020B0502020202020204" pitchFamily="34" charset="0"/>
+                </a:rPr>
+                <a:t>SCALE P</a:t>
+              </a:r>
+            </a:p>
+          </p:txBody>
+        </p:sp>
+        <p:sp>
+          <p:nvSpPr>
+            <p:cNvPr id="23" name="CaixaDeTexto 22">
+              <a:extLst>
+                <a:ext uri="{FF2B5EF4-FFF2-40B4-BE49-F238E27FC236}">
+                  <a16:creationId xmlns:a16="http://schemas.microsoft.com/office/drawing/2014/main" id="{D47067FD-28EA-E106-2004-0253276FDC41}"/>
+                </a:ext>
+              </a:extLst>
+            </p:cNvPr>
+            <p:cNvSpPr txBox="1"/>
+            <p:nvPr/>
+          </p:nvSpPr>
+          <p:spPr>
+            <a:xfrm rot="5400000">
+              <a:off x="8193832" y="3526361"/>
+              <a:ext cx="720002" cy="769441"/>
+            </a:xfrm>
+            <a:prstGeom prst="rect">
+              <a:avLst/>
+            </a:prstGeom>
             <a:noFill/>
-          </a:ln>
-        </p:spPr>
-        <p:style>
-          <a:lnRef idx="2">
-            <a:schemeClr val="accent1">
-              <a:shade val="50000"/>
-            </a:schemeClr>
-          </a:lnRef>
-          <a:fillRef idx="1">
-            <a:schemeClr val="accent1"/>
-          </a:fillRef>
-          <a:effectRef idx="0">
-            <a:schemeClr val="accent1"/>
-          </a:effectRef>
-          <a:fontRef idx="minor">
-            <a:schemeClr val="lt1"/>
-          </a:fontRef>
-        </p:style>
-        <p:txBody>
-          <a:bodyPr rtlCol="0" anchor="ctr"/>
-          <a:lstStyle/>
-          <a:p>
-            <a:pPr algn="ctr"/>
-            <a:r>
-              <a:rPr lang="pt-BR" sz="1400" b="1" dirty="0">
-                <a:latin typeface="Century Gothic" panose="020B0502020202020204" pitchFamily="34" charset="0"/>
-              </a:rPr>
-              <a:t>SILO 1</a:t>
-            </a:r>
-          </a:p>
-        </p:txBody>
-      </p:sp>
-      <p:sp>
-        <p:nvSpPr>
-          <p:cNvPr id="13" name="Retângulo 12">
-            <a:extLst>
-              <a:ext uri="{FF2B5EF4-FFF2-40B4-BE49-F238E27FC236}">
-                <a16:creationId xmlns:a16="http://schemas.microsoft.com/office/drawing/2014/main" id="{1897301E-AD9B-6FE6-4FC4-8199BB4D999B}"/>
-              </a:ext>
-            </a:extLst>
-          </p:cNvPr>
-          <p:cNvSpPr/>
-          <p:nvPr/>
-        </p:nvSpPr>
-        <p:spPr>
-          <a:xfrm>
-            <a:off x="3056559" y="2187243"/>
-            <a:ext cx="1440000" cy="720000"/>
-          </a:xfrm>
-          <a:prstGeom prst="rect">
-            <a:avLst/>
-          </a:prstGeom>
-          <a:solidFill>
-            <a:schemeClr val="accent6">
-              <a:lumMod val="60000"/>
-              <a:lumOff val="40000"/>
-            </a:schemeClr>
-          </a:solidFill>
-          <a:ln>
+          </p:spPr>
+          <p:txBody>
+            <a:bodyPr wrap="square" rtlCol="0">
+              <a:spAutoFit/>
+            </a:bodyPr>
+            <a:lstStyle/>
+            <a:p>
+              <a:pPr algn="ctr"/>
+              <a:r>
+                <a:rPr lang="pt-BR" sz="4400" dirty="0"/>
+                <a:t>...</a:t>
+              </a:r>
+            </a:p>
+          </p:txBody>
+        </p:sp>
+        <p:sp>
+          <p:nvSpPr>
+            <p:cNvPr id="24" name="CaixaDeTexto 23">
+              <a:extLst>
+                <a:ext uri="{FF2B5EF4-FFF2-40B4-BE49-F238E27FC236}">
+                  <a16:creationId xmlns:a16="http://schemas.microsoft.com/office/drawing/2014/main" id="{5F9D7E8A-EF69-97ED-4C7E-43703AB3EE2C}"/>
+                </a:ext>
+              </a:extLst>
+            </p:cNvPr>
+            <p:cNvSpPr txBox="1"/>
+            <p:nvPr/>
+          </p:nvSpPr>
+          <p:spPr>
+            <a:xfrm rot="5400000">
+              <a:off x="8193832" y="3526362"/>
+              <a:ext cx="720002" cy="769441"/>
+            </a:xfrm>
+            <a:prstGeom prst="rect">
+              <a:avLst/>
+            </a:prstGeom>
             <a:noFill/>
-          </a:ln>
-        </p:spPr>
-        <p:style>
-          <a:lnRef idx="2">
-            <a:schemeClr val="accent1">
-              <a:shade val="50000"/>
-            </a:schemeClr>
-          </a:lnRef>
-          <a:fillRef idx="1">
-            <a:schemeClr val="accent1"/>
-          </a:fillRef>
-          <a:effectRef idx="0">
-            <a:schemeClr val="accent1"/>
-          </a:effectRef>
-          <a:fontRef idx="minor">
-            <a:schemeClr val="lt1"/>
-          </a:fontRef>
-        </p:style>
-        <p:txBody>
-          <a:bodyPr rtlCol="0" anchor="ctr"/>
-          <a:lstStyle/>
-          <a:p>
-            <a:pPr algn="ctr"/>
-            <a:r>
-              <a:rPr lang="pt-BR" sz="1400" b="1" dirty="0">
-                <a:latin typeface="Century Gothic" panose="020B0502020202020204" pitchFamily="34" charset="0"/>
-              </a:rPr>
-              <a:t>SILO 2</a:t>
-            </a:r>
-          </a:p>
-        </p:txBody>
-      </p:sp>
-      <p:sp>
-        <p:nvSpPr>
-          <p:cNvPr id="14" name="Retângulo 13">
-            <a:extLst>
-              <a:ext uri="{FF2B5EF4-FFF2-40B4-BE49-F238E27FC236}">
-                <a16:creationId xmlns:a16="http://schemas.microsoft.com/office/drawing/2014/main" id="{8B4D3CCA-6973-B69A-73EC-294A0B2EAD1C}"/>
-              </a:ext>
-            </a:extLst>
-          </p:cNvPr>
-          <p:cNvSpPr/>
-          <p:nvPr/>
-        </p:nvSpPr>
-        <p:spPr>
-          <a:xfrm>
-            <a:off x="3056559" y="3151406"/>
-            <a:ext cx="1440000" cy="720000"/>
-          </a:xfrm>
-          <a:prstGeom prst="rect">
-            <a:avLst/>
-          </a:prstGeom>
-          <a:solidFill>
-            <a:schemeClr val="accent6">
-              <a:lumMod val="60000"/>
-              <a:lumOff val="40000"/>
-            </a:schemeClr>
-          </a:solidFill>
-          <a:ln>
+          </p:spPr>
+          <p:txBody>
+            <a:bodyPr wrap="square" rtlCol="0">
+              <a:spAutoFit/>
+            </a:bodyPr>
+            <a:lstStyle/>
+            <a:p>
+              <a:pPr algn="ctr"/>
+              <a:r>
+                <a:rPr lang="pt-BR" sz="4400" dirty="0"/>
+                <a:t>...</a:t>
+              </a:r>
+            </a:p>
+          </p:txBody>
+        </p:sp>
+        <p:sp>
+          <p:nvSpPr>
+            <p:cNvPr id="27" name="Retângulo 26">
+              <a:extLst>
+                <a:ext uri="{FF2B5EF4-FFF2-40B4-BE49-F238E27FC236}">
+                  <a16:creationId xmlns:a16="http://schemas.microsoft.com/office/drawing/2014/main" id="{CC0C93FF-0E55-D4C2-6998-B48176EC034C}"/>
+                </a:ext>
+              </a:extLst>
+            </p:cNvPr>
+            <p:cNvSpPr/>
+            <p:nvPr/>
+          </p:nvSpPr>
+          <p:spPr>
+            <a:xfrm>
+              <a:off x="10014882" y="1705161"/>
+              <a:ext cx="1440000" cy="720000"/>
+            </a:xfrm>
+            <a:prstGeom prst="rect">
+              <a:avLst/>
+            </a:prstGeom>
+            <a:solidFill>
+              <a:schemeClr val="accent2">
+                <a:lumMod val="60000"/>
+                <a:lumOff val="40000"/>
+              </a:schemeClr>
+            </a:solidFill>
+            <a:ln>
+              <a:noFill/>
+            </a:ln>
+          </p:spPr>
+          <p:style>
+            <a:lnRef idx="2">
+              <a:schemeClr val="accent1">
+                <a:shade val="50000"/>
+              </a:schemeClr>
+            </a:lnRef>
+            <a:fillRef idx="1">
+              <a:schemeClr val="accent1"/>
+            </a:fillRef>
+            <a:effectRef idx="0">
+              <a:schemeClr val="accent1"/>
+            </a:effectRef>
+            <a:fontRef idx="minor">
+              <a:schemeClr val="lt1"/>
+            </a:fontRef>
+          </p:style>
+          <p:txBody>
+            <a:bodyPr rtlCol="0" anchor="ctr"/>
+            <a:lstStyle/>
+            <a:p>
+              <a:pPr algn="ctr"/>
+              <a:r>
+                <a:rPr lang="pt-BR" sz="1400" b="1" dirty="0">
+                  <a:latin typeface="Century Gothic" panose="020B0502020202020204" pitchFamily="34" charset="0"/>
+                </a:rPr>
+                <a:t>PRODUCTION LINE 1</a:t>
+              </a:r>
+            </a:p>
+          </p:txBody>
+        </p:sp>
+        <p:sp>
+          <p:nvSpPr>
+            <p:cNvPr id="28" name="Retângulo 27">
+              <a:extLst>
+                <a:ext uri="{FF2B5EF4-FFF2-40B4-BE49-F238E27FC236}">
+                  <a16:creationId xmlns:a16="http://schemas.microsoft.com/office/drawing/2014/main" id="{2B7B0EA2-9157-0060-9EE5-10B3A1468762}"/>
+                </a:ext>
+              </a:extLst>
+            </p:cNvPr>
+            <p:cNvSpPr/>
+            <p:nvPr/>
+          </p:nvSpPr>
+          <p:spPr>
+            <a:xfrm>
+              <a:off x="10014882" y="2669324"/>
+              <a:ext cx="1440000" cy="720000"/>
+            </a:xfrm>
+            <a:prstGeom prst="rect">
+              <a:avLst/>
+            </a:prstGeom>
+            <a:solidFill>
+              <a:schemeClr val="accent2">
+                <a:lumMod val="60000"/>
+                <a:lumOff val="40000"/>
+              </a:schemeClr>
+            </a:solidFill>
+            <a:ln>
+              <a:noFill/>
+            </a:ln>
+          </p:spPr>
+          <p:style>
+            <a:lnRef idx="2">
+              <a:schemeClr val="accent1">
+                <a:shade val="50000"/>
+              </a:schemeClr>
+            </a:lnRef>
+            <a:fillRef idx="1">
+              <a:schemeClr val="accent1"/>
+            </a:fillRef>
+            <a:effectRef idx="0">
+              <a:schemeClr val="accent1"/>
+            </a:effectRef>
+            <a:fontRef idx="minor">
+              <a:schemeClr val="lt1"/>
+            </a:fontRef>
+          </p:style>
+          <p:txBody>
+            <a:bodyPr rtlCol="0" anchor="ctr"/>
+            <a:lstStyle/>
+            <a:p>
+              <a:pPr algn="ctr"/>
+              <a:r>
+                <a:rPr lang="pt-BR" sz="1400" b="1" dirty="0">
+                  <a:latin typeface="Century Gothic" panose="020B0502020202020204" pitchFamily="34" charset="0"/>
+                </a:rPr>
+                <a:t>PRODUCTION LINE 2</a:t>
+              </a:r>
+            </a:p>
+          </p:txBody>
+        </p:sp>
+        <p:sp>
+          <p:nvSpPr>
+            <p:cNvPr id="29" name="Retângulo 28">
+              <a:extLst>
+                <a:ext uri="{FF2B5EF4-FFF2-40B4-BE49-F238E27FC236}">
+                  <a16:creationId xmlns:a16="http://schemas.microsoft.com/office/drawing/2014/main" id="{86A7AB5C-EE5E-5DF4-1999-8AAA6C3A03D5}"/>
+                </a:ext>
+              </a:extLst>
+            </p:cNvPr>
+            <p:cNvSpPr/>
+            <p:nvPr/>
+          </p:nvSpPr>
+          <p:spPr>
+            <a:xfrm>
+              <a:off x="10014882" y="4432839"/>
+              <a:ext cx="1440000" cy="720000"/>
+            </a:xfrm>
+            <a:prstGeom prst="rect">
+              <a:avLst/>
+            </a:prstGeom>
+            <a:solidFill>
+              <a:schemeClr val="accent2">
+                <a:lumMod val="60000"/>
+                <a:lumOff val="40000"/>
+              </a:schemeClr>
+            </a:solidFill>
+            <a:ln>
+              <a:noFill/>
+            </a:ln>
+          </p:spPr>
+          <p:style>
+            <a:lnRef idx="2">
+              <a:schemeClr val="accent1">
+                <a:shade val="50000"/>
+              </a:schemeClr>
+            </a:lnRef>
+            <a:fillRef idx="1">
+              <a:schemeClr val="accent1"/>
+            </a:fillRef>
+            <a:effectRef idx="0">
+              <a:schemeClr val="accent1"/>
+            </a:effectRef>
+            <a:fontRef idx="minor">
+              <a:schemeClr val="lt1"/>
+            </a:fontRef>
+          </p:style>
+          <p:txBody>
+            <a:bodyPr rtlCol="0" anchor="ctr"/>
+            <a:lstStyle/>
+            <a:p>
+              <a:pPr algn="ctr"/>
+              <a:r>
+                <a:rPr lang="pt-BR" sz="1400" b="1" dirty="0">
+                  <a:latin typeface="Century Gothic" panose="020B0502020202020204" pitchFamily="34" charset="0"/>
+                </a:rPr>
+                <a:t>PRODUCTION LINE P</a:t>
+              </a:r>
+            </a:p>
+          </p:txBody>
+        </p:sp>
+        <p:sp>
+          <p:nvSpPr>
+            <p:cNvPr id="30" name="CaixaDeTexto 29">
+              <a:extLst>
+                <a:ext uri="{FF2B5EF4-FFF2-40B4-BE49-F238E27FC236}">
+                  <a16:creationId xmlns:a16="http://schemas.microsoft.com/office/drawing/2014/main" id="{D559AD97-7918-1B32-FBDB-DC1C9921A1DA}"/>
+                </a:ext>
+              </a:extLst>
+            </p:cNvPr>
+            <p:cNvSpPr txBox="1"/>
+            <p:nvPr/>
+          </p:nvSpPr>
+          <p:spPr>
+            <a:xfrm rot="5400000">
+              <a:off x="10513273" y="3526361"/>
+              <a:ext cx="720002" cy="769441"/>
+            </a:xfrm>
+            <a:prstGeom prst="rect">
+              <a:avLst/>
+            </a:prstGeom>
             <a:noFill/>
-          </a:ln>
-        </p:spPr>
-        <p:style>
-          <a:lnRef idx="2">
-            <a:schemeClr val="accent1">
-              <a:shade val="50000"/>
-            </a:schemeClr>
-          </a:lnRef>
-          <a:fillRef idx="1">
-            <a:schemeClr val="accent1"/>
-          </a:fillRef>
-          <a:effectRef idx="0">
-            <a:schemeClr val="accent1"/>
-          </a:effectRef>
-          <a:fontRef idx="minor">
-            <a:schemeClr val="lt1"/>
-          </a:fontRef>
-        </p:style>
-        <p:txBody>
-          <a:bodyPr rtlCol="0" anchor="ctr"/>
-          <a:lstStyle/>
-          <a:p>
-            <a:pPr algn="ctr"/>
-            <a:r>
-              <a:rPr lang="pt-BR" sz="1400" b="1" dirty="0">
-                <a:latin typeface="Century Gothic" panose="020B0502020202020204" pitchFamily="34" charset="0"/>
-              </a:rPr>
-              <a:t>SILO 3</a:t>
-            </a:r>
-          </a:p>
-        </p:txBody>
-      </p:sp>
-      <p:sp>
-        <p:nvSpPr>
-          <p:cNvPr id="15" name="Retângulo 14">
-            <a:extLst>
-              <a:ext uri="{FF2B5EF4-FFF2-40B4-BE49-F238E27FC236}">
-                <a16:creationId xmlns:a16="http://schemas.microsoft.com/office/drawing/2014/main" id="{1DCDDE6B-4E88-D885-01BD-DEF0407C45FC}"/>
-              </a:ext>
-            </a:extLst>
-          </p:cNvPr>
-          <p:cNvSpPr/>
-          <p:nvPr/>
-        </p:nvSpPr>
-        <p:spPr>
-          <a:xfrm>
-            <a:off x="3056559" y="4914921"/>
-            <a:ext cx="1440000" cy="720000"/>
-          </a:xfrm>
-          <a:prstGeom prst="rect">
-            <a:avLst/>
-          </a:prstGeom>
-          <a:solidFill>
-            <a:schemeClr val="accent6">
-              <a:lumMod val="60000"/>
-              <a:lumOff val="40000"/>
-            </a:schemeClr>
-          </a:solidFill>
-          <a:ln>
+          </p:spPr>
+          <p:txBody>
+            <a:bodyPr wrap="square" rtlCol="0">
+              <a:spAutoFit/>
+            </a:bodyPr>
+            <a:lstStyle/>
+            <a:p>
+              <a:pPr algn="ctr"/>
+              <a:r>
+                <a:rPr lang="pt-BR" sz="4400" dirty="0"/>
+                <a:t>...</a:t>
+              </a:r>
+            </a:p>
+          </p:txBody>
+        </p:sp>
+        <p:sp>
+          <p:nvSpPr>
+            <p:cNvPr id="31" name="CaixaDeTexto 30">
+              <a:extLst>
+                <a:ext uri="{FF2B5EF4-FFF2-40B4-BE49-F238E27FC236}">
+                  <a16:creationId xmlns:a16="http://schemas.microsoft.com/office/drawing/2014/main" id="{F45CCB1C-159E-DB52-A68B-D8DCD16A5702}"/>
+                </a:ext>
+              </a:extLst>
+            </p:cNvPr>
+            <p:cNvSpPr txBox="1"/>
+            <p:nvPr/>
+          </p:nvSpPr>
+          <p:spPr>
+            <a:xfrm rot="5400000">
+              <a:off x="10513273" y="3526362"/>
+              <a:ext cx="720002" cy="769441"/>
+            </a:xfrm>
+            <a:prstGeom prst="rect">
+              <a:avLst/>
+            </a:prstGeom>
             <a:noFill/>
-          </a:ln>
-        </p:spPr>
-        <p:style>
-          <a:lnRef idx="2">
-            <a:schemeClr val="accent1">
-              <a:shade val="50000"/>
-            </a:schemeClr>
-          </a:lnRef>
-          <a:fillRef idx="1">
-            <a:schemeClr val="accent1"/>
-          </a:fillRef>
-          <a:effectRef idx="0">
-            <a:schemeClr val="accent1"/>
-          </a:effectRef>
-          <a:fontRef idx="minor">
-            <a:schemeClr val="lt1"/>
-          </a:fontRef>
-        </p:style>
-        <p:txBody>
-          <a:bodyPr rtlCol="0" anchor="ctr"/>
-          <a:lstStyle/>
-          <a:p>
-            <a:pPr algn="ctr"/>
-            <a:r>
-              <a:rPr lang="pt-BR" sz="1400" b="1" dirty="0">
-                <a:latin typeface="Century Gothic" panose="020B0502020202020204" pitchFamily="34" charset="0"/>
-              </a:rPr>
-              <a:t>SILO N</a:t>
-            </a:r>
-          </a:p>
-        </p:txBody>
-      </p:sp>
-      <p:sp>
-        <p:nvSpPr>
-          <p:cNvPr id="16" name="CaixaDeTexto 15">
-            <a:extLst>
-              <a:ext uri="{FF2B5EF4-FFF2-40B4-BE49-F238E27FC236}">
-                <a16:creationId xmlns:a16="http://schemas.microsoft.com/office/drawing/2014/main" id="{26EE5A34-3D58-EB18-3E63-B522D5AB9AE8}"/>
-              </a:ext>
-            </a:extLst>
-          </p:cNvPr>
-          <p:cNvSpPr txBox="1"/>
-          <p:nvPr/>
-        </p:nvSpPr>
-        <p:spPr>
-          <a:xfrm rot="5400000">
-            <a:off x="3554950" y="4008443"/>
-            <a:ext cx="720002" cy="769441"/>
-          </a:xfrm>
-          <a:prstGeom prst="rect">
-            <a:avLst/>
-          </a:prstGeom>
-          <a:noFill/>
-        </p:spPr>
-        <p:txBody>
-          <a:bodyPr wrap="square" rtlCol="0">
-            <a:spAutoFit/>
-          </a:bodyPr>
-          <a:lstStyle/>
-          <a:p>
-            <a:pPr algn="ctr"/>
-            <a:r>
-              <a:rPr lang="pt-BR" sz="4400" dirty="0"/>
-              <a:t>...</a:t>
-            </a:r>
-          </a:p>
-        </p:txBody>
-      </p:sp>
-      <p:sp>
-        <p:nvSpPr>
-          <p:cNvPr id="17" name="CaixaDeTexto 16">
-            <a:extLst>
-              <a:ext uri="{FF2B5EF4-FFF2-40B4-BE49-F238E27FC236}">
-                <a16:creationId xmlns:a16="http://schemas.microsoft.com/office/drawing/2014/main" id="{C4C9193E-687E-9C19-274E-25A77FA70790}"/>
-              </a:ext>
-            </a:extLst>
-          </p:cNvPr>
-          <p:cNvSpPr txBox="1"/>
-          <p:nvPr/>
-        </p:nvSpPr>
-        <p:spPr>
-          <a:xfrm rot="5400000">
-            <a:off x="3554950" y="4008444"/>
-            <a:ext cx="720002" cy="769441"/>
-          </a:xfrm>
-          <a:prstGeom prst="rect">
-            <a:avLst/>
-          </a:prstGeom>
-          <a:noFill/>
-        </p:spPr>
-        <p:txBody>
-          <a:bodyPr wrap="square" rtlCol="0">
-            <a:spAutoFit/>
-          </a:bodyPr>
-          <a:lstStyle/>
-          <a:p>
-            <a:pPr algn="ctr"/>
-            <a:r>
-              <a:rPr lang="pt-BR" sz="4400" dirty="0"/>
-              <a:t>...</a:t>
-            </a:r>
-          </a:p>
-        </p:txBody>
-      </p:sp>
-      <p:cxnSp>
-        <p:nvCxnSpPr>
-          <p:cNvPr id="50" name="Conector de Seta Reta 49">
-            <a:extLst>
-              <a:ext uri="{FF2B5EF4-FFF2-40B4-BE49-F238E27FC236}">
-                <a16:creationId xmlns:a16="http://schemas.microsoft.com/office/drawing/2014/main" id="{155A26BD-BB41-25EF-C8FD-BE312F224ACD}"/>
-              </a:ext>
-            </a:extLst>
-          </p:cNvPr>
-          <p:cNvCxnSpPr>
-            <a:cxnSpLocks/>
-            <a:stCxn id="6" idx="3"/>
-            <a:endCxn id="12" idx="1"/>
-          </p:cNvCxnSpPr>
-          <p:nvPr/>
-        </p:nvCxnSpPr>
-        <p:spPr>
-          <a:xfrm flipV="1">
-            <a:off x="2177118" y="1583080"/>
-            <a:ext cx="879441" cy="482081"/>
-          </a:xfrm>
-          <a:prstGeom prst="straightConnector1">
-            <a:avLst/>
-          </a:prstGeom>
-          <a:ln w="12700">
-            <a:tailEnd type="triangle"/>
-          </a:ln>
-        </p:spPr>
-        <p:style>
-          <a:lnRef idx="1">
-            <a:schemeClr val="dk1"/>
-          </a:lnRef>
-          <a:fillRef idx="0">
-            <a:schemeClr val="dk1"/>
-          </a:fillRef>
-          <a:effectRef idx="0">
-            <a:schemeClr val="dk1"/>
-          </a:effectRef>
-          <a:fontRef idx="minor">
-            <a:schemeClr val="tx1"/>
-          </a:fontRef>
-        </p:style>
-      </p:cxnSp>
-      <p:cxnSp>
-        <p:nvCxnSpPr>
-          <p:cNvPr id="52" name="Conector de Seta Reta 51">
-            <a:extLst>
-              <a:ext uri="{FF2B5EF4-FFF2-40B4-BE49-F238E27FC236}">
-                <a16:creationId xmlns:a16="http://schemas.microsoft.com/office/drawing/2014/main" id="{3AA3AB57-1744-FF6A-9813-84DF015FA818}"/>
-              </a:ext>
-            </a:extLst>
-          </p:cNvPr>
-          <p:cNvCxnSpPr>
-            <a:stCxn id="6" idx="3"/>
-            <a:endCxn id="13" idx="1"/>
-          </p:cNvCxnSpPr>
-          <p:nvPr/>
-        </p:nvCxnSpPr>
-        <p:spPr>
-          <a:xfrm>
-            <a:off x="2177118" y="2065161"/>
-            <a:ext cx="879441" cy="482082"/>
-          </a:xfrm>
-          <a:prstGeom prst="straightConnector1">
-            <a:avLst/>
-          </a:prstGeom>
-          <a:ln w="12700">
-            <a:tailEnd type="triangle"/>
-          </a:ln>
-        </p:spPr>
-        <p:style>
-          <a:lnRef idx="1">
-            <a:schemeClr val="dk1"/>
-          </a:lnRef>
-          <a:fillRef idx="0">
-            <a:schemeClr val="dk1"/>
-          </a:fillRef>
-          <a:effectRef idx="0">
-            <a:schemeClr val="dk1"/>
-          </a:effectRef>
-          <a:fontRef idx="minor">
-            <a:schemeClr val="tx1"/>
-          </a:fontRef>
-        </p:style>
-      </p:cxnSp>
-      <p:cxnSp>
-        <p:nvCxnSpPr>
-          <p:cNvPr id="54" name="Conector de Seta Reta 53">
-            <a:extLst>
-              <a:ext uri="{FF2B5EF4-FFF2-40B4-BE49-F238E27FC236}">
-                <a16:creationId xmlns:a16="http://schemas.microsoft.com/office/drawing/2014/main" id="{1C0CA0E7-7354-4350-6065-152905FD7AFC}"/>
-              </a:ext>
-            </a:extLst>
-          </p:cNvPr>
-          <p:cNvCxnSpPr>
-            <a:cxnSpLocks/>
-            <a:stCxn id="7" idx="3"/>
-            <a:endCxn id="15" idx="1"/>
-          </p:cNvCxnSpPr>
-          <p:nvPr/>
-        </p:nvCxnSpPr>
-        <p:spPr>
-          <a:xfrm>
-            <a:off x="2177118" y="3029324"/>
-            <a:ext cx="879441" cy="2245597"/>
-          </a:xfrm>
-          <a:prstGeom prst="straightConnector1">
-            <a:avLst/>
-          </a:prstGeom>
-          <a:ln w="12700">
-            <a:tailEnd type="triangle"/>
-          </a:ln>
-        </p:spPr>
-        <p:style>
-          <a:lnRef idx="1">
-            <a:schemeClr val="dk1"/>
-          </a:lnRef>
-          <a:fillRef idx="0">
-            <a:schemeClr val="dk1"/>
-          </a:fillRef>
-          <a:effectRef idx="0">
-            <a:schemeClr val="dk1"/>
-          </a:effectRef>
-          <a:fontRef idx="minor">
-            <a:schemeClr val="tx1"/>
-          </a:fontRef>
-        </p:style>
-      </p:cxnSp>
-      <p:cxnSp>
-        <p:nvCxnSpPr>
-          <p:cNvPr id="57" name="Conector de Seta Reta 56">
-            <a:extLst>
-              <a:ext uri="{FF2B5EF4-FFF2-40B4-BE49-F238E27FC236}">
-                <a16:creationId xmlns:a16="http://schemas.microsoft.com/office/drawing/2014/main" id="{0A649F88-5DAE-868A-125B-9485576927D8}"/>
-              </a:ext>
-            </a:extLst>
-          </p:cNvPr>
-          <p:cNvCxnSpPr>
-            <a:stCxn id="8" idx="3"/>
-            <a:endCxn id="14" idx="1"/>
-          </p:cNvCxnSpPr>
-          <p:nvPr/>
-        </p:nvCxnSpPr>
-        <p:spPr>
-          <a:xfrm flipV="1">
-            <a:off x="2177118" y="3511406"/>
-            <a:ext cx="879441" cy="1281433"/>
-          </a:xfrm>
-          <a:prstGeom prst="straightConnector1">
-            <a:avLst/>
-          </a:prstGeom>
-          <a:ln w="12700">
-            <a:tailEnd type="triangle"/>
-          </a:ln>
-        </p:spPr>
-        <p:style>
-          <a:lnRef idx="1">
-            <a:schemeClr val="dk1"/>
-          </a:lnRef>
-          <a:fillRef idx="0">
-            <a:schemeClr val="dk1"/>
-          </a:fillRef>
-          <a:effectRef idx="0">
-            <a:schemeClr val="dk1"/>
-          </a:effectRef>
-          <a:fontRef idx="minor">
-            <a:schemeClr val="tx1"/>
-          </a:fontRef>
-        </p:style>
-      </p:cxnSp>
-      <p:cxnSp>
-        <p:nvCxnSpPr>
-          <p:cNvPr id="61" name="Conector de Seta Reta 60">
-            <a:extLst>
-              <a:ext uri="{FF2B5EF4-FFF2-40B4-BE49-F238E27FC236}">
-                <a16:creationId xmlns:a16="http://schemas.microsoft.com/office/drawing/2014/main" id="{8365BE96-5C24-3FC0-30C0-D0BBE9C879CF}"/>
-              </a:ext>
-            </a:extLst>
-          </p:cNvPr>
-          <p:cNvCxnSpPr>
-            <a:stCxn id="12" idx="3"/>
-            <a:endCxn id="32" idx="1"/>
-          </p:cNvCxnSpPr>
-          <p:nvPr/>
-        </p:nvCxnSpPr>
-        <p:spPr>
-          <a:xfrm>
-            <a:off x="4496559" y="1583080"/>
-            <a:ext cx="879441" cy="1845920"/>
-          </a:xfrm>
-          <a:prstGeom prst="straightConnector1">
-            <a:avLst/>
-          </a:prstGeom>
-          <a:ln w="12700">
-            <a:tailEnd type="triangle"/>
-          </a:ln>
-        </p:spPr>
-        <p:style>
-          <a:lnRef idx="1">
-            <a:schemeClr val="dk1"/>
-          </a:lnRef>
-          <a:fillRef idx="0">
-            <a:schemeClr val="dk1"/>
-          </a:fillRef>
-          <a:effectRef idx="0">
-            <a:schemeClr val="dk1"/>
-          </a:effectRef>
-          <a:fontRef idx="minor">
-            <a:schemeClr val="tx1"/>
-          </a:fontRef>
-        </p:style>
-      </p:cxnSp>
-      <p:cxnSp>
-        <p:nvCxnSpPr>
-          <p:cNvPr id="63" name="Conector de Seta Reta 62">
-            <a:extLst>
-              <a:ext uri="{FF2B5EF4-FFF2-40B4-BE49-F238E27FC236}">
-                <a16:creationId xmlns:a16="http://schemas.microsoft.com/office/drawing/2014/main" id="{2CAC976B-CD16-6362-EBED-785E30A371E2}"/>
-              </a:ext>
-            </a:extLst>
-          </p:cNvPr>
-          <p:cNvCxnSpPr>
-            <a:stCxn id="13" idx="3"/>
-            <a:endCxn id="32" idx="1"/>
-          </p:cNvCxnSpPr>
-          <p:nvPr/>
-        </p:nvCxnSpPr>
-        <p:spPr>
-          <a:xfrm>
-            <a:off x="4496559" y="2547243"/>
-            <a:ext cx="879441" cy="881757"/>
-          </a:xfrm>
-          <a:prstGeom prst="straightConnector1">
-            <a:avLst/>
-          </a:prstGeom>
-          <a:ln w="12700">
-            <a:tailEnd type="triangle"/>
-          </a:ln>
-        </p:spPr>
-        <p:style>
-          <a:lnRef idx="1">
-            <a:schemeClr val="dk1"/>
-          </a:lnRef>
-          <a:fillRef idx="0">
-            <a:schemeClr val="dk1"/>
-          </a:fillRef>
-          <a:effectRef idx="0">
-            <a:schemeClr val="dk1"/>
-          </a:effectRef>
-          <a:fontRef idx="minor">
-            <a:schemeClr val="tx1"/>
-          </a:fontRef>
-        </p:style>
-      </p:cxnSp>
-      <p:cxnSp>
-        <p:nvCxnSpPr>
-          <p:cNvPr id="65" name="Conector de Seta Reta 64">
-            <a:extLst>
-              <a:ext uri="{FF2B5EF4-FFF2-40B4-BE49-F238E27FC236}">
-                <a16:creationId xmlns:a16="http://schemas.microsoft.com/office/drawing/2014/main" id="{ADA7C8AE-F5BF-FF5F-88E4-C740F3B91911}"/>
-              </a:ext>
-            </a:extLst>
-          </p:cNvPr>
-          <p:cNvCxnSpPr>
-            <a:stCxn id="14" idx="3"/>
-            <a:endCxn id="32" idx="1"/>
-          </p:cNvCxnSpPr>
-          <p:nvPr/>
-        </p:nvCxnSpPr>
-        <p:spPr>
-          <a:xfrm flipV="1">
-            <a:off x="4496559" y="3429000"/>
-            <a:ext cx="879441" cy="82406"/>
-          </a:xfrm>
-          <a:prstGeom prst="straightConnector1">
-            <a:avLst/>
-          </a:prstGeom>
-          <a:ln w="12700">
-            <a:tailEnd type="triangle"/>
-          </a:ln>
-        </p:spPr>
-        <p:style>
-          <a:lnRef idx="1">
-            <a:schemeClr val="dk1"/>
-          </a:lnRef>
-          <a:fillRef idx="0">
-            <a:schemeClr val="dk1"/>
-          </a:fillRef>
-          <a:effectRef idx="0">
-            <a:schemeClr val="dk1"/>
-          </a:effectRef>
-          <a:fontRef idx="minor">
-            <a:schemeClr val="tx1"/>
-          </a:fontRef>
-        </p:style>
-      </p:cxnSp>
-      <p:cxnSp>
-        <p:nvCxnSpPr>
-          <p:cNvPr id="67" name="Conector de Seta Reta 66">
-            <a:extLst>
-              <a:ext uri="{FF2B5EF4-FFF2-40B4-BE49-F238E27FC236}">
-                <a16:creationId xmlns:a16="http://schemas.microsoft.com/office/drawing/2014/main" id="{431C5C52-3E7F-2554-85E7-1834EC5553AE}"/>
-              </a:ext>
-            </a:extLst>
-          </p:cNvPr>
-          <p:cNvCxnSpPr>
-            <a:stCxn id="15" idx="3"/>
-            <a:endCxn id="32" idx="1"/>
-          </p:cNvCxnSpPr>
-          <p:nvPr/>
-        </p:nvCxnSpPr>
-        <p:spPr>
-          <a:xfrm flipV="1">
-            <a:off x="4496559" y="3429000"/>
-            <a:ext cx="879441" cy="1845921"/>
-          </a:xfrm>
-          <a:prstGeom prst="straightConnector1">
-            <a:avLst/>
-          </a:prstGeom>
-          <a:ln w="12700">
-            <a:tailEnd type="triangle"/>
-          </a:ln>
-        </p:spPr>
-        <p:style>
-          <a:lnRef idx="1">
-            <a:schemeClr val="dk1"/>
-          </a:lnRef>
-          <a:fillRef idx="0">
-            <a:schemeClr val="dk1"/>
-          </a:fillRef>
-          <a:effectRef idx="0">
-            <a:schemeClr val="dk1"/>
-          </a:effectRef>
-          <a:fontRef idx="minor">
-            <a:schemeClr val="tx1"/>
-          </a:fontRef>
-        </p:style>
-      </p:cxnSp>
-      <p:sp>
-        <p:nvSpPr>
-          <p:cNvPr id="20" name="Retângulo 19">
-            <a:extLst>
-              <a:ext uri="{FF2B5EF4-FFF2-40B4-BE49-F238E27FC236}">
-                <a16:creationId xmlns:a16="http://schemas.microsoft.com/office/drawing/2014/main" id="{BDB1D597-70CD-C8EE-FEF1-6F72FD3AC567}"/>
-              </a:ext>
-            </a:extLst>
-          </p:cNvPr>
-          <p:cNvSpPr/>
-          <p:nvPr/>
-        </p:nvSpPr>
-        <p:spPr>
-          <a:xfrm>
-            <a:off x="7695441" y="1705161"/>
-            <a:ext cx="1440000" cy="720000"/>
-          </a:xfrm>
-          <a:prstGeom prst="rect">
-            <a:avLst/>
-          </a:prstGeom>
-          <a:solidFill>
-            <a:schemeClr val="accent4">
-              <a:lumMod val="60000"/>
-              <a:lumOff val="40000"/>
-            </a:schemeClr>
-          </a:solidFill>
-          <a:ln>
-            <a:noFill/>
-          </a:ln>
-        </p:spPr>
-        <p:style>
-          <a:lnRef idx="2">
-            <a:schemeClr val="accent1">
-              <a:shade val="50000"/>
-            </a:schemeClr>
-          </a:lnRef>
-          <a:fillRef idx="1">
-            <a:schemeClr val="accent1"/>
-          </a:fillRef>
-          <a:effectRef idx="0">
-            <a:schemeClr val="accent1"/>
-          </a:effectRef>
-          <a:fontRef idx="minor">
-            <a:schemeClr val="lt1"/>
-          </a:fontRef>
-        </p:style>
-        <p:txBody>
-          <a:bodyPr rtlCol="0" anchor="ctr"/>
-          <a:lstStyle/>
-          <a:p>
-            <a:pPr algn="ctr"/>
-            <a:r>
-              <a:rPr lang="pt-BR" sz="1400" b="1" dirty="0">
-                <a:latin typeface="Century Gothic" panose="020B0502020202020204" pitchFamily="34" charset="0"/>
-              </a:rPr>
-              <a:t>SCALE 1</a:t>
-            </a:r>
-          </a:p>
-        </p:txBody>
-      </p:sp>
-      <p:sp>
-        <p:nvSpPr>
-          <p:cNvPr id="21" name="Retângulo 20">
-            <a:extLst>
-              <a:ext uri="{FF2B5EF4-FFF2-40B4-BE49-F238E27FC236}">
-                <a16:creationId xmlns:a16="http://schemas.microsoft.com/office/drawing/2014/main" id="{16AC548B-25B5-E3DE-C01E-8E0FD2C160D1}"/>
-              </a:ext>
-            </a:extLst>
-          </p:cNvPr>
-          <p:cNvSpPr/>
-          <p:nvPr/>
-        </p:nvSpPr>
-        <p:spPr>
-          <a:xfrm>
-            <a:off x="7695441" y="2669324"/>
-            <a:ext cx="1440000" cy="720000"/>
-          </a:xfrm>
-          <a:prstGeom prst="rect">
-            <a:avLst/>
-          </a:prstGeom>
-          <a:solidFill>
-            <a:schemeClr val="accent4">
-              <a:lumMod val="60000"/>
-              <a:lumOff val="40000"/>
-            </a:schemeClr>
-          </a:solidFill>
-          <a:ln>
-            <a:noFill/>
-          </a:ln>
-        </p:spPr>
-        <p:style>
-          <a:lnRef idx="2">
-            <a:schemeClr val="accent1">
-              <a:shade val="50000"/>
-            </a:schemeClr>
-          </a:lnRef>
-          <a:fillRef idx="1">
-            <a:schemeClr val="accent1"/>
-          </a:fillRef>
-          <a:effectRef idx="0">
-            <a:schemeClr val="accent1"/>
-          </a:effectRef>
-          <a:fontRef idx="minor">
-            <a:schemeClr val="lt1"/>
-          </a:fontRef>
-        </p:style>
-        <p:txBody>
-          <a:bodyPr rtlCol="0" anchor="ctr"/>
-          <a:lstStyle/>
-          <a:p>
-            <a:pPr algn="ctr"/>
-            <a:r>
-              <a:rPr lang="pt-BR" sz="1400" b="1" dirty="0">
-                <a:latin typeface="Century Gothic" panose="020B0502020202020204" pitchFamily="34" charset="0"/>
-              </a:rPr>
-              <a:t>SCALE 2</a:t>
-            </a:r>
-          </a:p>
-        </p:txBody>
-      </p:sp>
-      <p:sp>
-        <p:nvSpPr>
-          <p:cNvPr id="22" name="Retângulo 21">
-            <a:extLst>
-              <a:ext uri="{FF2B5EF4-FFF2-40B4-BE49-F238E27FC236}">
-                <a16:creationId xmlns:a16="http://schemas.microsoft.com/office/drawing/2014/main" id="{6B2BA29B-A67E-6622-F57C-8E0470E88B28}"/>
-              </a:ext>
-            </a:extLst>
-          </p:cNvPr>
-          <p:cNvSpPr/>
-          <p:nvPr/>
-        </p:nvSpPr>
-        <p:spPr>
-          <a:xfrm>
-            <a:off x="7695441" y="4432839"/>
-            <a:ext cx="1440000" cy="720000"/>
-          </a:xfrm>
-          <a:prstGeom prst="rect">
-            <a:avLst/>
-          </a:prstGeom>
-          <a:solidFill>
-            <a:schemeClr val="accent4">
-              <a:lumMod val="60000"/>
-              <a:lumOff val="40000"/>
-            </a:schemeClr>
-          </a:solidFill>
-          <a:ln>
-            <a:noFill/>
-          </a:ln>
-        </p:spPr>
-        <p:style>
-          <a:lnRef idx="2">
-            <a:schemeClr val="accent1">
-              <a:shade val="50000"/>
-            </a:schemeClr>
-          </a:lnRef>
-          <a:fillRef idx="1">
-            <a:schemeClr val="accent1"/>
-          </a:fillRef>
-          <a:effectRef idx="0">
-            <a:schemeClr val="accent1"/>
-          </a:effectRef>
-          <a:fontRef idx="minor">
-            <a:schemeClr val="lt1"/>
-          </a:fontRef>
-        </p:style>
-        <p:txBody>
-          <a:bodyPr rtlCol="0" anchor="ctr"/>
-          <a:lstStyle/>
-          <a:p>
-            <a:pPr algn="ctr"/>
-            <a:r>
-              <a:rPr lang="pt-BR" sz="1400" b="1" dirty="0">
-                <a:latin typeface="Century Gothic" panose="020B0502020202020204" pitchFamily="34" charset="0"/>
-              </a:rPr>
-              <a:t>SCALE P</a:t>
-            </a:r>
-          </a:p>
-        </p:txBody>
-      </p:sp>
-      <p:sp>
-        <p:nvSpPr>
-          <p:cNvPr id="23" name="CaixaDeTexto 22">
-            <a:extLst>
-              <a:ext uri="{FF2B5EF4-FFF2-40B4-BE49-F238E27FC236}">
-                <a16:creationId xmlns:a16="http://schemas.microsoft.com/office/drawing/2014/main" id="{D47067FD-28EA-E106-2004-0253276FDC41}"/>
-              </a:ext>
-            </a:extLst>
-          </p:cNvPr>
-          <p:cNvSpPr txBox="1"/>
-          <p:nvPr/>
-        </p:nvSpPr>
-        <p:spPr>
-          <a:xfrm rot="5400000">
-            <a:off x="8193832" y="3526361"/>
-            <a:ext cx="720002" cy="769441"/>
-          </a:xfrm>
-          <a:prstGeom prst="rect">
-            <a:avLst/>
-          </a:prstGeom>
-          <a:noFill/>
-        </p:spPr>
-        <p:txBody>
-          <a:bodyPr wrap="square" rtlCol="0">
-            <a:spAutoFit/>
-          </a:bodyPr>
-          <a:lstStyle/>
-          <a:p>
-            <a:pPr algn="ctr"/>
-            <a:r>
-              <a:rPr lang="pt-BR" sz="4400" dirty="0"/>
-              <a:t>...</a:t>
-            </a:r>
-          </a:p>
-        </p:txBody>
-      </p:sp>
-      <p:sp>
-        <p:nvSpPr>
-          <p:cNvPr id="24" name="CaixaDeTexto 23">
-            <a:extLst>
-              <a:ext uri="{FF2B5EF4-FFF2-40B4-BE49-F238E27FC236}">
-                <a16:creationId xmlns:a16="http://schemas.microsoft.com/office/drawing/2014/main" id="{5F9D7E8A-EF69-97ED-4C7E-43703AB3EE2C}"/>
-              </a:ext>
-            </a:extLst>
-          </p:cNvPr>
-          <p:cNvSpPr txBox="1"/>
-          <p:nvPr/>
-        </p:nvSpPr>
-        <p:spPr>
-          <a:xfrm rot="5400000">
-            <a:off x="8193832" y="3526362"/>
-            <a:ext cx="720002" cy="769441"/>
-          </a:xfrm>
-          <a:prstGeom prst="rect">
-            <a:avLst/>
-          </a:prstGeom>
-          <a:noFill/>
-        </p:spPr>
-        <p:txBody>
-          <a:bodyPr wrap="square" rtlCol="0">
-            <a:spAutoFit/>
-          </a:bodyPr>
-          <a:lstStyle/>
-          <a:p>
-            <a:pPr algn="ctr"/>
-            <a:r>
-              <a:rPr lang="pt-BR" sz="4400" dirty="0"/>
-              <a:t>...</a:t>
-            </a:r>
-          </a:p>
-        </p:txBody>
-      </p:sp>
-      <p:sp>
-        <p:nvSpPr>
-          <p:cNvPr id="27" name="Retângulo 26">
-            <a:extLst>
-              <a:ext uri="{FF2B5EF4-FFF2-40B4-BE49-F238E27FC236}">
-                <a16:creationId xmlns:a16="http://schemas.microsoft.com/office/drawing/2014/main" id="{CC0C93FF-0E55-D4C2-6998-B48176EC034C}"/>
-              </a:ext>
-            </a:extLst>
-          </p:cNvPr>
-          <p:cNvSpPr/>
-          <p:nvPr/>
-        </p:nvSpPr>
-        <p:spPr>
-          <a:xfrm>
-            <a:off x="10014882" y="1705161"/>
-            <a:ext cx="1440000" cy="720000"/>
-          </a:xfrm>
-          <a:prstGeom prst="rect">
-            <a:avLst/>
-          </a:prstGeom>
-          <a:solidFill>
-            <a:schemeClr val="accent2">
-              <a:lumMod val="60000"/>
-              <a:lumOff val="40000"/>
-            </a:schemeClr>
-          </a:solidFill>
-          <a:ln>
-            <a:noFill/>
-          </a:ln>
-        </p:spPr>
-        <p:style>
-          <a:lnRef idx="2">
-            <a:schemeClr val="accent1">
-              <a:shade val="50000"/>
-            </a:schemeClr>
-          </a:lnRef>
-          <a:fillRef idx="1">
-            <a:schemeClr val="accent1"/>
-          </a:fillRef>
-          <a:effectRef idx="0">
-            <a:schemeClr val="accent1"/>
-          </a:effectRef>
-          <a:fontRef idx="minor">
-            <a:schemeClr val="lt1"/>
-          </a:fontRef>
-        </p:style>
-        <p:txBody>
-          <a:bodyPr rtlCol="0" anchor="ctr"/>
-          <a:lstStyle/>
-          <a:p>
-            <a:pPr algn="ctr"/>
-            <a:r>
-              <a:rPr lang="pt-BR" sz="1400" b="1" dirty="0">
-                <a:latin typeface="Century Gothic" panose="020B0502020202020204" pitchFamily="34" charset="0"/>
-              </a:rPr>
-              <a:t>PRODUCTION LINE 1</a:t>
-            </a:r>
-          </a:p>
-        </p:txBody>
-      </p:sp>
-      <p:sp>
-        <p:nvSpPr>
-          <p:cNvPr id="28" name="Retângulo 27">
-            <a:extLst>
-              <a:ext uri="{FF2B5EF4-FFF2-40B4-BE49-F238E27FC236}">
-                <a16:creationId xmlns:a16="http://schemas.microsoft.com/office/drawing/2014/main" id="{2B7B0EA2-9157-0060-9EE5-10B3A1468762}"/>
-              </a:ext>
-            </a:extLst>
-          </p:cNvPr>
-          <p:cNvSpPr/>
-          <p:nvPr/>
-        </p:nvSpPr>
-        <p:spPr>
-          <a:xfrm>
-            <a:off x="10014882" y="2669324"/>
-            <a:ext cx="1440000" cy="720000"/>
-          </a:xfrm>
-          <a:prstGeom prst="rect">
-            <a:avLst/>
-          </a:prstGeom>
-          <a:solidFill>
-            <a:schemeClr val="accent2">
-              <a:lumMod val="60000"/>
-              <a:lumOff val="40000"/>
-            </a:schemeClr>
-          </a:solidFill>
-          <a:ln>
-            <a:noFill/>
-          </a:ln>
-        </p:spPr>
-        <p:style>
-          <a:lnRef idx="2">
-            <a:schemeClr val="accent1">
-              <a:shade val="50000"/>
-            </a:schemeClr>
-          </a:lnRef>
-          <a:fillRef idx="1">
-            <a:schemeClr val="accent1"/>
-          </a:fillRef>
-          <a:effectRef idx="0">
-            <a:schemeClr val="accent1"/>
-          </a:effectRef>
-          <a:fontRef idx="minor">
-            <a:schemeClr val="lt1"/>
-          </a:fontRef>
-        </p:style>
-        <p:txBody>
-          <a:bodyPr rtlCol="0" anchor="ctr"/>
-          <a:lstStyle/>
-          <a:p>
-            <a:pPr algn="ctr"/>
-            <a:r>
-              <a:rPr lang="pt-BR" sz="1400" b="1" dirty="0">
-                <a:latin typeface="Century Gothic" panose="020B0502020202020204" pitchFamily="34" charset="0"/>
-              </a:rPr>
-              <a:t>PRODUCTION LINE 2</a:t>
-            </a:r>
-          </a:p>
-        </p:txBody>
-      </p:sp>
-      <p:sp>
-        <p:nvSpPr>
-          <p:cNvPr id="29" name="Retângulo 28">
-            <a:extLst>
-              <a:ext uri="{FF2B5EF4-FFF2-40B4-BE49-F238E27FC236}">
-                <a16:creationId xmlns:a16="http://schemas.microsoft.com/office/drawing/2014/main" id="{86A7AB5C-EE5E-5DF4-1999-8AAA6C3A03D5}"/>
-              </a:ext>
-            </a:extLst>
-          </p:cNvPr>
-          <p:cNvSpPr/>
-          <p:nvPr/>
-        </p:nvSpPr>
-        <p:spPr>
-          <a:xfrm>
-            <a:off x="10014882" y="4432839"/>
-            <a:ext cx="1440000" cy="720000"/>
-          </a:xfrm>
-          <a:prstGeom prst="rect">
-            <a:avLst/>
-          </a:prstGeom>
-          <a:solidFill>
-            <a:schemeClr val="accent2">
-              <a:lumMod val="60000"/>
-              <a:lumOff val="40000"/>
-            </a:schemeClr>
-          </a:solidFill>
-          <a:ln>
-            <a:noFill/>
-          </a:ln>
-        </p:spPr>
-        <p:style>
-          <a:lnRef idx="2">
-            <a:schemeClr val="accent1">
-              <a:shade val="50000"/>
-            </a:schemeClr>
-          </a:lnRef>
-          <a:fillRef idx="1">
-            <a:schemeClr val="accent1"/>
-          </a:fillRef>
-          <a:effectRef idx="0">
-            <a:schemeClr val="accent1"/>
-          </a:effectRef>
-          <a:fontRef idx="minor">
-            <a:schemeClr val="lt1"/>
-          </a:fontRef>
-        </p:style>
-        <p:txBody>
-          <a:bodyPr rtlCol="0" anchor="ctr"/>
-          <a:lstStyle/>
-          <a:p>
-            <a:pPr algn="ctr"/>
-            <a:r>
-              <a:rPr lang="pt-BR" sz="1400" b="1" dirty="0">
-                <a:latin typeface="Century Gothic" panose="020B0502020202020204" pitchFamily="34" charset="0"/>
-              </a:rPr>
-              <a:t>PRODUCTION LINE P</a:t>
-            </a:r>
-          </a:p>
-        </p:txBody>
-      </p:sp>
-      <p:sp>
-        <p:nvSpPr>
-          <p:cNvPr id="30" name="CaixaDeTexto 29">
-            <a:extLst>
-              <a:ext uri="{FF2B5EF4-FFF2-40B4-BE49-F238E27FC236}">
-                <a16:creationId xmlns:a16="http://schemas.microsoft.com/office/drawing/2014/main" id="{D559AD97-7918-1B32-FBDB-DC1C9921A1DA}"/>
-              </a:ext>
-            </a:extLst>
-          </p:cNvPr>
-          <p:cNvSpPr txBox="1"/>
-          <p:nvPr/>
-        </p:nvSpPr>
-        <p:spPr>
-          <a:xfrm rot="5400000">
-            <a:off x="10513273" y="3526361"/>
-            <a:ext cx="720002" cy="769441"/>
-          </a:xfrm>
-          <a:prstGeom prst="rect">
-            <a:avLst/>
-          </a:prstGeom>
-          <a:noFill/>
-        </p:spPr>
-        <p:txBody>
-          <a:bodyPr wrap="square" rtlCol="0">
-            <a:spAutoFit/>
-          </a:bodyPr>
-          <a:lstStyle/>
-          <a:p>
-            <a:pPr algn="ctr"/>
-            <a:r>
-              <a:rPr lang="pt-BR" sz="4400" dirty="0"/>
-              <a:t>...</a:t>
-            </a:r>
-          </a:p>
-        </p:txBody>
-      </p:sp>
-      <p:sp>
-        <p:nvSpPr>
-          <p:cNvPr id="31" name="CaixaDeTexto 30">
-            <a:extLst>
-              <a:ext uri="{FF2B5EF4-FFF2-40B4-BE49-F238E27FC236}">
-                <a16:creationId xmlns:a16="http://schemas.microsoft.com/office/drawing/2014/main" id="{F45CCB1C-159E-DB52-A68B-D8DCD16A5702}"/>
-              </a:ext>
-            </a:extLst>
-          </p:cNvPr>
-          <p:cNvSpPr txBox="1"/>
-          <p:nvPr/>
-        </p:nvSpPr>
-        <p:spPr>
-          <a:xfrm rot="5400000">
-            <a:off x="10513273" y="3526362"/>
-            <a:ext cx="720002" cy="769441"/>
-          </a:xfrm>
-          <a:prstGeom prst="rect">
-            <a:avLst/>
-          </a:prstGeom>
-          <a:noFill/>
-        </p:spPr>
-        <p:txBody>
-          <a:bodyPr wrap="square" rtlCol="0">
-            <a:spAutoFit/>
-          </a:bodyPr>
-          <a:lstStyle/>
-          <a:p>
-            <a:pPr algn="ctr"/>
-            <a:r>
-              <a:rPr lang="pt-BR" sz="4400" dirty="0"/>
-              <a:t>...</a:t>
-            </a:r>
-          </a:p>
-        </p:txBody>
-      </p:sp>
-      <p:cxnSp>
-        <p:nvCxnSpPr>
-          <p:cNvPr id="70" name="Conector de Seta Reta 69">
-            <a:extLst>
-              <a:ext uri="{FF2B5EF4-FFF2-40B4-BE49-F238E27FC236}">
-                <a16:creationId xmlns:a16="http://schemas.microsoft.com/office/drawing/2014/main" id="{87934E5C-E258-08AA-3CC9-52ED7D833A90}"/>
-              </a:ext>
-            </a:extLst>
-          </p:cNvPr>
-          <p:cNvCxnSpPr>
-            <a:cxnSpLocks/>
-            <a:stCxn id="20" idx="3"/>
-            <a:endCxn id="27" idx="1"/>
-          </p:cNvCxnSpPr>
-          <p:nvPr/>
-        </p:nvCxnSpPr>
-        <p:spPr>
-          <a:xfrm>
-            <a:off x="9135441" y="2065161"/>
-            <a:ext cx="879441" cy="0"/>
-          </a:xfrm>
-          <a:prstGeom prst="straightConnector1">
-            <a:avLst/>
-          </a:prstGeom>
-          <a:ln w="12700">
-            <a:tailEnd type="triangle"/>
-          </a:ln>
-        </p:spPr>
-        <p:style>
-          <a:lnRef idx="1">
-            <a:schemeClr val="dk1"/>
-          </a:lnRef>
-          <a:fillRef idx="0">
-            <a:schemeClr val="dk1"/>
-          </a:fillRef>
-          <a:effectRef idx="0">
-            <a:schemeClr val="dk1"/>
-          </a:effectRef>
-          <a:fontRef idx="minor">
-            <a:schemeClr val="tx1"/>
-          </a:fontRef>
-        </p:style>
-      </p:cxnSp>
-      <p:cxnSp>
-        <p:nvCxnSpPr>
-          <p:cNvPr id="71" name="Conector de Seta Reta 70">
-            <a:extLst>
-              <a:ext uri="{FF2B5EF4-FFF2-40B4-BE49-F238E27FC236}">
-                <a16:creationId xmlns:a16="http://schemas.microsoft.com/office/drawing/2014/main" id="{1267AABA-6A7C-2BCF-50EC-56A37A161B1B}"/>
-              </a:ext>
-            </a:extLst>
-          </p:cNvPr>
-          <p:cNvCxnSpPr>
-            <a:cxnSpLocks/>
-            <a:stCxn id="22" idx="3"/>
-            <a:endCxn id="29" idx="1"/>
-          </p:cNvCxnSpPr>
-          <p:nvPr/>
-        </p:nvCxnSpPr>
-        <p:spPr>
-          <a:xfrm>
-            <a:off x="9135441" y="4792839"/>
-            <a:ext cx="879441" cy="0"/>
-          </a:xfrm>
-          <a:prstGeom prst="straightConnector1">
-            <a:avLst/>
-          </a:prstGeom>
-          <a:ln w="12700">
-            <a:tailEnd type="triangle"/>
-          </a:ln>
-        </p:spPr>
-        <p:style>
-          <a:lnRef idx="1">
-            <a:schemeClr val="dk1"/>
-          </a:lnRef>
-          <a:fillRef idx="0">
-            <a:schemeClr val="dk1"/>
-          </a:fillRef>
-          <a:effectRef idx="0">
-            <a:schemeClr val="dk1"/>
-          </a:effectRef>
-          <a:fontRef idx="minor">
-            <a:schemeClr val="tx1"/>
-          </a:fontRef>
-        </p:style>
-      </p:cxnSp>
-      <p:cxnSp>
-        <p:nvCxnSpPr>
-          <p:cNvPr id="72" name="Conector de Seta Reta 71">
-            <a:extLst>
-              <a:ext uri="{FF2B5EF4-FFF2-40B4-BE49-F238E27FC236}">
-                <a16:creationId xmlns:a16="http://schemas.microsoft.com/office/drawing/2014/main" id="{4CCC40F2-67D8-7066-7B35-E326FA802667}"/>
-              </a:ext>
-            </a:extLst>
-          </p:cNvPr>
-          <p:cNvCxnSpPr>
-            <a:cxnSpLocks/>
-            <a:stCxn id="21" idx="3"/>
-            <a:endCxn id="28" idx="1"/>
-          </p:cNvCxnSpPr>
-          <p:nvPr/>
-        </p:nvCxnSpPr>
-        <p:spPr>
-          <a:xfrm>
-            <a:off x="9135441" y="3029324"/>
-            <a:ext cx="879441" cy="0"/>
-          </a:xfrm>
-          <a:prstGeom prst="straightConnector1">
-            <a:avLst/>
-          </a:prstGeom>
-          <a:ln w="12700">
-            <a:tailEnd type="triangle"/>
-          </a:ln>
-        </p:spPr>
-        <p:style>
-          <a:lnRef idx="1">
-            <a:schemeClr val="dk1"/>
-          </a:lnRef>
-          <a:fillRef idx="0">
-            <a:schemeClr val="dk1"/>
-          </a:fillRef>
-          <a:effectRef idx="0">
-            <a:schemeClr val="dk1"/>
-          </a:effectRef>
-          <a:fontRef idx="minor">
-            <a:schemeClr val="tx1"/>
-          </a:fontRef>
-        </p:style>
-      </p:cxnSp>
-      <p:cxnSp>
-        <p:nvCxnSpPr>
-          <p:cNvPr id="75" name="Conector de Seta Reta 74">
-            <a:extLst>
-              <a:ext uri="{FF2B5EF4-FFF2-40B4-BE49-F238E27FC236}">
-                <a16:creationId xmlns:a16="http://schemas.microsoft.com/office/drawing/2014/main" id="{DA423808-6A5B-4381-18C0-B26C42997D35}"/>
-              </a:ext>
-            </a:extLst>
-          </p:cNvPr>
-          <p:cNvCxnSpPr>
-            <a:cxnSpLocks/>
-            <a:stCxn id="32" idx="3"/>
-            <a:endCxn id="20" idx="1"/>
-          </p:cNvCxnSpPr>
-          <p:nvPr/>
-        </p:nvCxnSpPr>
-        <p:spPr>
-          <a:xfrm flipV="1">
-            <a:off x="6816000" y="2065161"/>
-            <a:ext cx="879441" cy="1363839"/>
-          </a:xfrm>
-          <a:prstGeom prst="straightConnector1">
-            <a:avLst/>
-          </a:prstGeom>
-          <a:ln w="12700">
-            <a:tailEnd type="triangle"/>
-          </a:ln>
-        </p:spPr>
-        <p:style>
-          <a:lnRef idx="1">
-            <a:schemeClr val="dk1"/>
-          </a:lnRef>
-          <a:fillRef idx="0">
-            <a:schemeClr val="dk1"/>
-          </a:fillRef>
-          <a:effectRef idx="0">
-            <a:schemeClr val="dk1"/>
-          </a:effectRef>
-          <a:fontRef idx="minor">
-            <a:schemeClr val="tx1"/>
-          </a:fontRef>
-        </p:style>
-      </p:cxnSp>
-      <p:cxnSp>
-        <p:nvCxnSpPr>
-          <p:cNvPr id="76" name="Conector de Seta Reta 75">
-            <a:extLst>
-              <a:ext uri="{FF2B5EF4-FFF2-40B4-BE49-F238E27FC236}">
-                <a16:creationId xmlns:a16="http://schemas.microsoft.com/office/drawing/2014/main" id="{52C04B52-FC62-84BD-125F-E2DB90F5EA7E}"/>
-              </a:ext>
-            </a:extLst>
-          </p:cNvPr>
-          <p:cNvCxnSpPr>
-            <a:cxnSpLocks/>
-            <a:stCxn id="32" idx="3"/>
-            <a:endCxn id="22" idx="1"/>
-          </p:cNvCxnSpPr>
-          <p:nvPr/>
-        </p:nvCxnSpPr>
-        <p:spPr>
-          <a:xfrm>
-            <a:off x="6816000" y="3429000"/>
-            <a:ext cx="879441" cy="1363839"/>
-          </a:xfrm>
-          <a:prstGeom prst="straightConnector1">
-            <a:avLst/>
-          </a:prstGeom>
-          <a:ln w="12700">
-            <a:tailEnd type="triangle"/>
-          </a:ln>
-        </p:spPr>
-        <p:style>
-          <a:lnRef idx="1">
-            <a:schemeClr val="dk1"/>
-          </a:lnRef>
-          <a:fillRef idx="0">
-            <a:schemeClr val="dk1"/>
-          </a:fillRef>
-          <a:effectRef idx="0">
-            <a:schemeClr val="dk1"/>
-          </a:effectRef>
-          <a:fontRef idx="minor">
-            <a:schemeClr val="tx1"/>
-          </a:fontRef>
-        </p:style>
-      </p:cxnSp>
-      <p:cxnSp>
-        <p:nvCxnSpPr>
-          <p:cNvPr id="77" name="Conector de Seta Reta 76">
-            <a:extLst>
-              <a:ext uri="{FF2B5EF4-FFF2-40B4-BE49-F238E27FC236}">
-                <a16:creationId xmlns:a16="http://schemas.microsoft.com/office/drawing/2014/main" id="{FAC2E4D6-C62E-8253-C077-96EE9A0E4FEA}"/>
-              </a:ext>
-            </a:extLst>
-          </p:cNvPr>
-          <p:cNvCxnSpPr>
-            <a:cxnSpLocks/>
-            <a:stCxn id="32" idx="3"/>
-            <a:endCxn id="21" idx="1"/>
-          </p:cNvCxnSpPr>
-          <p:nvPr/>
-        </p:nvCxnSpPr>
-        <p:spPr>
-          <a:xfrm flipV="1">
-            <a:off x="6816000" y="3029324"/>
-            <a:ext cx="879441" cy="399676"/>
-          </a:xfrm>
-          <a:prstGeom prst="straightConnector1">
-            <a:avLst/>
-          </a:prstGeom>
-          <a:ln w="12700">
-            <a:tailEnd type="triangle"/>
-          </a:ln>
-        </p:spPr>
-        <p:style>
-          <a:lnRef idx="1">
-            <a:schemeClr val="dk1"/>
-          </a:lnRef>
-          <a:fillRef idx="0">
-            <a:schemeClr val="dk1"/>
-          </a:fillRef>
-          <a:effectRef idx="0">
-            <a:schemeClr val="dk1"/>
-          </a:effectRef>
-          <a:fontRef idx="minor">
-            <a:schemeClr val="tx1"/>
-          </a:fontRef>
-        </p:style>
-      </p:cxnSp>
+          </p:spPr>
+          <p:txBody>
+            <a:bodyPr wrap="square" rtlCol="0">
+              <a:spAutoFit/>
+            </a:bodyPr>
+            <a:lstStyle/>
+            <a:p>
+              <a:pPr algn="ctr"/>
+              <a:r>
+                <a:rPr lang="pt-BR" sz="4400" dirty="0"/>
+                <a:t>...</a:t>
+              </a:r>
+            </a:p>
+          </p:txBody>
+        </p:sp>
+        <p:cxnSp>
+          <p:nvCxnSpPr>
+            <p:cNvPr id="70" name="Conector de Seta Reta 69">
+              <a:extLst>
+                <a:ext uri="{FF2B5EF4-FFF2-40B4-BE49-F238E27FC236}">
+                  <a16:creationId xmlns:a16="http://schemas.microsoft.com/office/drawing/2014/main" id="{87934E5C-E258-08AA-3CC9-52ED7D833A90}"/>
+                </a:ext>
+              </a:extLst>
+            </p:cNvPr>
+            <p:cNvCxnSpPr>
+              <a:cxnSpLocks/>
+              <a:stCxn id="20" idx="3"/>
+              <a:endCxn id="27" idx="1"/>
+            </p:cNvCxnSpPr>
+            <p:nvPr/>
+          </p:nvCxnSpPr>
+          <p:spPr>
+            <a:xfrm>
+              <a:off x="9135441" y="2065161"/>
+              <a:ext cx="879441" cy="0"/>
+            </a:xfrm>
+            <a:prstGeom prst="straightConnector1">
+              <a:avLst/>
+            </a:prstGeom>
+            <a:ln w="12700">
+              <a:tailEnd type="triangle"/>
+            </a:ln>
+          </p:spPr>
+          <p:style>
+            <a:lnRef idx="1">
+              <a:schemeClr val="dk1"/>
+            </a:lnRef>
+            <a:fillRef idx="0">
+              <a:schemeClr val="dk1"/>
+            </a:fillRef>
+            <a:effectRef idx="0">
+              <a:schemeClr val="dk1"/>
+            </a:effectRef>
+            <a:fontRef idx="minor">
+              <a:schemeClr val="tx1"/>
+            </a:fontRef>
+          </p:style>
+        </p:cxnSp>
+        <p:cxnSp>
+          <p:nvCxnSpPr>
+            <p:cNvPr id="71" name="Conector de Seta Reta 70">
+              <a:extLst>
+                <a:ext uri="{FF2B5EF4-FFF2-40B4-BE49-F238E27FC236}">
+                  <a16:creationId xmlns:a16="http://schemas.microsoft.com/office/drawing/2014/main" id="{1267AABA-6A7C-2BCF-50EC-56A37A161B1B}"/>
+                </a:ext>
+              </a:extLst>
+            </p:cNvPr>
+            <p:cNvCxnSpPr>
+              <a:cxnSpLocks/>
+              <a:stCxn id="22" idx="3"/>
+              <a:endCxn id="29" idx="1"/>
+            </p:cNvCxnSpPr>
+            <p:nvPr/>
+          </p:nvCxnSpPr>
+          <p:spPr>
+            <a:xfrm>
+              <a:off x="9135441" y="4792839"/>
+              <a:ext cx="879441" cy="0"/>
+            </a:xfrm>
+            <a:prstGeom prst="straightConnector1">
+              <a:avLst/>
+            </a:prstGeom>
+            <a:ln w="12700">
+              <a:tailEnd type="triangle"/>
+            </a:ln>
+          </p:spPr>
+          <p:style>
+            <a:lnRef idx="1">
+              <a:schemeClr val="dk1"/>
+            </a:lnRef>
+            <a:fillRef idx="0">
+              <a:schemeClr val="dk1"/>
+            </a:fillRef>
+            <a:effectRef idx="0">
+              <a:schemeClr val="dk1"/>
+            </a:effectRef>
+            <a:fontRef idx="minor">
+              <a:schemeClr val="tx1"/>
+            </a:fontRef>
+          </p:style>
+        </p:cxnSp>
+        <p:cxnSp>
+          <p:nvCxnSpPr>
+            <p:cNvPr id="72" name="Conector de Seta Reta 71">
+              <a:extLst>
+                <a:ext uri="{FF2B5EF4-FFF2-40B4-BE49-F238E27FC236}">
+                  <a16:creationId xmlns:a16="http://schemas.microsoft.com/office/drawing/2014/main" id="{4CCC40F2-67D8-7066-7B35-E326FA802667}"/>
+                </a:ext>
+              </a:extLst>
+            </p:cNvPr>
+            <p:cNvCxnSpPr>
+              <a:cxnSpLocks/>
+              <a:stCxn id="21" idx="3"/>
+              <a:endCxn id="28" idx="1"/>
+            </p:cNvCxnSpPr>
+            <p:nvPr/>
+          </p:nvCxnSpPr>
+          <p:spPr>
+            <a:xfrm>
+              <a:off x="9135441" y="3029324"/>
+              <a:ext cx="879441" cy="0"/>
+            </a:xfrm>
+            <a:prstGeom prst="straightConnector1">
+              <a:avLst/>
+            </a:prstGeom>
+            <a:ln w="12700">
+              <a:tailEnd type="triangle"/>
+            </a:ln>
+          </p:spPr>
+          <p:style>
+            <a:lnRef idx="1">
+              <a:schemeClr val="dk1"/>
+            </a:lnRef>
+            <a:fillRef idx="0">
+              <a:schemeClr val="dk1"/>
+            </a:fillRef>
+            <a:effectRef idx="0">
+              <a:schemeClr val="dk1"/>
+            </a:effectRef>
+            <a:fontRef idx="minor">
+              <a:schemeClr val="tx1"/>
+            </a:fontRef>
+          </p:style>
+        </p:cxnSp>
+        <p:cxnSp>
+          <p:nvCxnSpPr>
+            <p:cNvPr id="75" name="Conector de Seta Reta 74">
+              <a:extLst>
+                <a:ext uri="{FF2B5EF4-FFF2-40B4-BE49-F238E27FC236}">
+                  <a16:creationId xmlns:a16="http://schemas.microsoft.com/office/drawing/2014/main" id="{DA423808-6A5B-4381-18C0-B26C42997D35}"/>
+                </a:ext>
+              </a:extLst>
+            </p:cNvPr>
+            <p:cNvCxnSpPr>
+              <a:cxnSpLocks/>
+              <a:stCxn id="32" idx="3"/>
+              <a:endCxn id="20" idx="1"/>
+            </p:cNvCxnSpPr>
+            <p:nvPr/>
+          </p:nvCxnSpPr>
+          <p:spPr>
+            <a:xfrm flipV="1">
+              <a:off x="6816000" y="2065161"/>
+              <a:ext cx="879441" cy="1363839"/>
+            </a:xfrm>
+            <a:prstGeom prst="straightConnector1">
+              <a:avLst/>
+            </a:prstGeom>
+            <a:ln w="12700">
+              <a:tailEnd type="triangle"/>
+            </a:ln>
+          </p:spPr>
+          <p:style>
+            <a:lnRef idx="1">
+              <a:schemeClr val="dk1"/>
+            </a:lnRef>
+            <a:fillRef idx="0">
+              <a:schemeClr val="dk1"/>
+            </a:fillRef>
+            <a:effectRef idx="0">
+              <a:schemeClr val="dk1"/>
+            </a:effectRef>
+            <a:fontRef idx="minor">
+              <a:schemeClr val="tx1"/>
+            </a:fontRef>
+          </p:style>
+        </p:cxnSp>
+        <p:cxnSp>
+          <p:nvCxnSpPr>
+            <p:cNvPr id="76" name="Conector de Seta Reta 75">
+              <a:extLst>
+                <a:ext uri="{FF2B5EF4-FFF2-40B4-BE49-F238E27FC236}">
+                  <a16:creationId xmlns:a16="http://schemas.microsoft.com/office/drawing/2014/main" id="{52C04B52-FC62-84BD-125F-E2DB90F5EA7E}"/>
+                </a:ext>
+              </a:extLst>
+            </p:cNvPr>
+            <p:cNvCxnSpPr>
+              <a:cxnSpLocks/>
+              <a:stCxn id="32" idx="3"/>
+              <a:endCxn id="22" idx="1"/>
+            </p:cNvCxnSpPr>
+            <p:nvPr/>
+          </p:nvCxnSpPr>
+          <p:spPr>
+            <a:xfrm>
+              <a:off x="6816000" y="3429000"/>
+              <a:ext cx="879441" cy="1363839"/>
+            </a:xfrm>
+            <a:prstGeom prst="straightConnector1">
+              <a:avLst/>
+            </a:prstGeom>
+            <a:ln w="12700">
+              <a:tailEnd type="triangle"/>
+            </a:ln>
+          </p:spPr>
+          <p:style>
+            <a:lnRef idx="1">
+              <a:schemeClr val="dk1"/>
+            </a:lnRef>
+            <a:fillRef idx="0">
+              <a:schemeClr val="dk1"/>
+            </a:fillRef>
+            <a:effectRef idx="0">
+              <a:schemeClr val="dk1"/>
+            </a:effectRef>
+            <a:fontRef idx="minor">
+              <a:schemeClr val="tx1"/>
+            </a:fontRef>
+          </p:style>
+        </p:cxnSp>
+        <p:cxnSp>
+          <p:nvCxnSpPr>
+            <p:cNvPr id="77" name="Conector de Seta Reta 76">
+              <a:extLst>
+                <a:ext uri="{FF2B5EF4-FFF2-40B4-BE49-F238E27FC236}">
+                  <a16:creationId xmlns:a16="http://schemas.microsoft.com/office/drawing/2014/main" id="{FAC2E4D6-C62E-8253-C077-96EE9A0E4FEA}"/>
+                </a:ext>
+              </a:extLst>
+            </p:cNvPr>
+            <p:cNvCxnSpPr>
+              <a:cxnSpLocks/>
+              <a:stCxn id="32" idx="3"/>
+              <a:endCxn id="21" idx="1"/>
+            </p:cNvCxnSpPr>
+            <p:nvPr/>
+          </p:nvCxnSpPr>
+          <p:spPr>
+            <a:xfrm flipV="1">
+              <a:off x="6816000" y="3029324"/>
+              <a:ext cx="879441" cy="399676"/>
+            </a:xfrm>
+            <a:prstGeom prst="straightConnector1">
+              <a:avLst/>
+            </a:prstGeom>
+            <a:ln w="12700">
+              <a:tailEnd type="triangle"/>
+            </a:ln>
+          </p:spPr>
+          <p:style>
+            <a:lnRef idx="1">
+              <a:schemeClr val="dk1"/>
+            </a:lnRef>
+            <a:fillRef idx="0">
+              <a:schemeClr val="dk1"/>
+            </a:fillRef>
+            <a:effectRef idx="0">
+              <a:schemeClr val="dk1"/>
+            </a:effectRef>
+            <a:fontRef idx="minor">
+              <a:schemeClr val="tx1"/>
+            </a:fontRef>
+          </p:style>
+        </p:cxnSp>
+      </p:grpSp>
     </p:spTree>
     <p:extLst>
       <p:ext uri="{BB962C8B-B14F-4D97-AF65-F5344CB8AC3E}">
